--- a/Dobosy_Kristof_szakdolgozat_2017_GraphEngine_0.pptx
+++ b/Dobosy_Kristof_szakdolgozat_2017_GraphEngine_0.pptx
@@ -6,10 +6,10 @@
     <p:sldMasterId id="2147483655" r:id="rId2"/>
   </p:sldMasterIdLst>
   <p:notesMasterIdLst>
-    <p:notesMasterId r:id="rId23"/>
+    <p:notesMasterId r:id="rId27"/>
   </p:notesMasterIdLst>
   <p:handoutMasterIdLst>
-    <p:handoutMasterId r:id="rId24"/>
+    <p:handoutMasterId r:id="rId28"/>
   </p:handoutMasterIdLst>
   <p:sldIdLst>
     <p:sldId id="304" r:id="rId3"/>
@@ -26,12 +26,16 @@
     <p:sldId id="336" r:id="rId14"/>
     <p:sldId id="344" r:id="rId15"/>
     <p:sldId id="348" r:id="rId16"/>
-    <p:sldId id="345" r:id="rId17"/>
-    <p:sldId id="341" r:id="rId18"/>
-    <p:sldId id="351" r:id="rId19"/>
-    <p:sldId id="352" r:id="rId20"/>
-    <p:sldId id="353" r:id="rId21"/>
-    <p:sldId id="346" r:id="rId22"/>
+    <p:sldId id="357" r:id="rId17"/>
+    <p:sldId id="345" r:id="rId18"/>
+    <p:sldId id="341" r:id="rId19"/>
+    <p:sldId id="354" r:id="rId20"/>
+    <p:sldId id="355" r:id="rId21"/>
+    <p:sldId id="356" r:id="rId22"/>
+    <p:sldId id="351" r:id="rId23"/>
+    <p:sldId id="352" r:id="rId24"/>
+    <p:sldId id="353" r:id="rId25"/>
+    <p:sldId id="358" r:id="rId26"/>
   </p:sldIdLst>
   <p:sldSz cx="9144000" cy="6858000" type="screen4x3"/>
   <p:notesSz cx="6858000" cy="9144000"/>
@@ -149,12 +153,16 @@
             <p14:sldId id="336"/>
             <p14:sldId id="344"/>
             <p14:sldId id="348"/>
+            <p14:sldId id="357"/>
             <p14:sldId id="345"/>
             <p14:sldId id="341"/>
+            <p14:sldId id="354"/>
+            <p14:sldId id="355"/>
+            <p14:sldId id="356"/>
             <p14:sldId id="351"/>
             <p14:sldId id="352"/>
             <p14:sldId id="353"/>
-            <p14:sldId id="346"/>
+            <p14:sldId id="358"/>
           </p14:sldIdLst>
         </p14:section>
       </p14:sectionLst>
@@ -8426,7 +8434,6 @@
             <a:rPr lang="hu-HU"/>
             <a:t>Mérnöki fejlesztési folyamat szimulálása</a:t>
           </a:r>
-          <a:endParaRPr lang="hu-HU"/>
         </a:p>
       </dgm:t>
     </dgm:pt>
@@ -8463,7 +8470,6 @@
             <a:rPr lang="hu-HU"/>
             <a:t>Vasúti elemekből álló modell</a:t>
           </a:r>
-          <a:endParaRPr lang="hu-HU"/>
         </a:p>
       </dgm:t>
     </dgm:pt>
@@ -8500,7 +8506,6 @@
             <a:rPr lang="hu-HU"/>
             <a:t>6 különböző kényszer vizsgálata</a:t>
           </a:r>
-          <a:endParaRPr lang="hu-HU"/>
         </a:p>
       </dgm:t>
     </dgm:pt>
@@ -8537,7 +8542,6 @@
             <a:rPr lang="hu-HU"/>
             <a:t>10 eszközre már elkészült a tesztelés, de Linuxon</a:t>
           </a:r>
-          <a:endParaRPr lang="hu-HU"/>
         </a:p>
       </dgm:t>
     </dgm:pt>
@@ -8574,7 +8578,6 @@
             <a:rPr lang="hu-HU"/>
             <a:t>Különböző forgatókönyvek</a:t>
           </a:r>
-          <a:endParaRPr lang="hu-HU"/>
         </a:p>
       </dgm:t>
     </dgm:pt>
@@ -8716,18 +8719,18 @@
     </dgm:pt>
   </dgm:ptLst>
   <dgm:cxnLst>
+    <dgm:cxn modelId="{DC7D3CDB-B37B-4FB7-969D-9643C50C7519}" srcId="{3C6A0406-5B25-4493-87B2-ECB1AA4A535E}" destId="{50686372-E10C-4468-9638-33EE7AD9AB5A}" srcOrd="1" destOrd="0" parTransId="{AFBF7E3E-A0CE-4430-A33C-9B9FC8120A8D}" sibTransId="{6A608BDD-6A71-4CB7-BCC0-CE3BDFD1F55D}"/>
+    <dgm:cxn modelId="{9DD0649B-C105-438A-8957-2183AF1BCF0D}" srcId="{3C6A0406-5B25-4493-87B2-ECB1AA4A535E}" destId="{C7523A20-B851-4EBE-A754-AD620965643E}" srcOrd="4" destOrd="0" parTransId="{F69A3122-E1F7-453C-8AD5-DFA18964F97E}" sibTransId="{51DF3A8D-E62F-4575-AEBC-98305A734A51}"/>
+    <dgm:cxn modelId="{DB528615-7D92-4E63-9D6B-3CF93B412B37}" type="presOf" srcId="{7ACD33EB-9CEB-4C1C-BE88-7BC95914F7C7}" destId="{D24D3177-94C4-4C3D-A1F7-EBEE9512DF2A}" srcOrd="0" destOrd="0" presId="urn:microsoft.com/office/officeart/2008/layout/VerticalCurvedList"/>
+    <dgm:cxn modelId="{2241D18A-E2F8-458A-B71C-6F45BA8EC025}" type="presOf" srcId="{3C6A0406-5B25-4493-87B2-ECB1AA4A535E}" destId="{E46DB805-9893-415B-AA3D-370C9074F6CC}" srcOrd="0" destOrd="0" presId="urn:microsoft.com/office/officeart/2008/layout/VerticalCurvedList"/>
+    <dgm:cxn modelId="{845C0AD0-11BA-46AC-9C0E-AE595F6BF9EC}" type="presOf" srcId="{50686372-E10C-4468-9638-33EE7AD9AB5A}" destId="{76ECA175-3FB6-43E7-9600-15670A300DE3}" srcOrd="0" destOrd="0" presId="urn:microsoft.com/office/officeart/2008/layout/VerticalCurvedList"/>
+    <dgm:cxn modelId="{C0A45325-FA08-4A89-A62B-E97546EE1D04}" srcId="{3C6A0406-5B25-4493-87B2-ECB1AA4A535E}" destId="{7B1AD26B-E667-4F6C-88B6-4DCA69F4BB0F}" srcOrd="3" destOrd="0" parTransId="{6131106F-22FD-4154-A0B2-3EBE255380E7}" sibTransId="{F6A20EFA-AFD5-4F4A-B639-2D96FB359E48}"/>
+    <dgm:cxn modelId="{77212A71-8CEE-4B62-9194-3739B190B6D8}" type="presOf" srcId="{C7523A20-B851-4EBE-A754-AD620965643E}" destId="{3F708124-61C2-49B7-8B6F-6EB262F1A4F2}" srcOrd="0" destOrd="0" presId="urn:microsoft.com/office/officeart/2008/layout/VerticalCurvedList"/>
+    <dgm:cxn modelId="{00DB7EB4-3333-4A6F-8058-A55044DFD070}" type="presOf" srcId="{84270A7D-CF3D-49E4-8DE2-7D4C2378C546}" destId="{49E9324C-DDFE-4FD7-8C7D-E7394F0314BF}" srcOrd="0" destOrd="0" presId="urn:microsoft.com/office/officeart/2008/layout/VerticalCurvedList"/>
+    <dgm:cxn modelId="{3A7AE555-BEE5-4102-8717-6A8C7EAC7221}" type="presOf" srcId="{7B1AD26B-E667-4F6C-88B6-4DCA69F4BB0F}" destId="{E9B5148A-7669-466F-8030-6CEAA8E1559A}" srcOrd="0" destOrd="0" presId="urn:microsoft.com/office/officeart/2008/layout/VerticalCurvedList"/>
+    <dgm:cxn modelId="{88C92535-08AF-4BA5-9FBD-7F9F5903E036}" srcId="{3C6A0406-5B25-4493-87B2-ECB1AA4A535E}" destId="{DE8E82F2-CEFD-41B4-B1B5-84C86D86324C}" srcOrd="2" destOrd="0" parTransId="{194FC275-A374-48E1-BA77-3C6C5A026B18}" sibTransId="{B02D8492-9D52-4183-8CE7-B0D60F6B962E}"/>
     <dgm:cxn modelId="{BD99F68D-B960-47F3-B067-3B986613DFFD}" srcId="{3C6A0406-5B25-4493-87B2-ECB1AA4A535E}" destId="{7ACD33EB-9CEB-4C1C-BE88-7BC95914F7C7}" srcOrd="0" destOrd="0" parTransId="{573C5A9C-AF10-43D7-A4A6-70ABFF6EE233}" sibTransId="{84270A7D-CF3D-49E4-8DE2-7D4C2378C546}"/>
     <dgm:cxn modelId="{2F9CE21D-18E5-4E5B-854F-4F6B9C21C437}" type="presOf" srcId="{DE8E82F2-CEFD-41B4-B1B5-84C86D86324C}" destId="{2063E44D-849B-455C-8F4A-DBAF33E522B2}" srcOrd="0" destOrd="0" presId="urn:microsoft.com/office/officeart/2008/layout/VerticalCurvedList"/>
-    <dgm:cxn modelId="{845C0AD0-11BA-46AC-9C0E-AE595F6BF9EC}" type="presOf" srcId="{50686372-E10C-4468-9638-33EE7AD9AB5A}" destId="{76ECA175-3FB6-43E7-9600-15670A300DE3}" srcOrd="0" destOrd="0" presId="urn:microsoft.com/office/officeart/2008/layout/VerticalCurvedList"/>
-    <dgm:cxn modelId="{88C92535-08AF-4BA5-9FBD-7F9F5903E036}" srcId="{3C6A0406-5B25-4493-87B2-ECB1AA4A535E}" destId="{DE8E82F2-CEFD-41B4-B1B5-84C86D86324C}" srcOrd="2" destOrd="0" parTransId="{194FC275-A374-48E1-BA77-3C6C5A026B18}" sibTransId="{B02D8492-9D52-4183-8CE7-B0D60F6B962E}"/>
-    <dgm:cxn modelId="{9DD0649B-C105-438A-8957-2183AF1BCF0D}" srcId="{3C6A0406-5B25-4493-87B2-ECB1AA4A535E}" destId="{C7523A20-B851-4EBE-A754-AD620965643E}" srcOrd="4" destOrd="0" parTransId="{F69A3122-E1F7-453C-8AD5-DFA18964F97E}" sibTransId="{51DF3A8D-E62F-4575-AEBC-98305A734A51}"/>
-    <dgm:cxn modelId="{C0A45325-FA08-4A89-A62B-E97546EE1D04}" srcId="{3C6A0406-5B25-4493-87B2-ECB1AA4A535E}" destId="{7B1AD26B-E667-4F6C-88B6-4DCA69F4BB0F}" srcOrd="3" destOrd="0" parTransId="{6131106F-22FD-4154-A0B2-3EBE255380E7}" sibTransId="{F6A20EFA-AFD5-4F4A-B639-2D96FB359E48}"/>
-    <dgm:cxn modelId="{3A7AE555-BEE5-4102-8717-6A8C7EAC7221}" type="presOf" srcId="{7B1AD26B-E667-4F6C-88B6-4DCA69F4BB0F}" destId="{E9B5148A-7669-466F-8030-6CEAA8E1559A}" srcOrd="0" destOrd="0" presId="urn:microsoft.com/office/officeart/2008/layout/VerticalCurvedList"/>
-    <dgm:cxn modelId="{77212A71-8CEE-4B62-9194-3739B190B6D8}" type="presOf" srcId="{C7523A20-B851-4EBE-A754-AD620965643E}" destId="{3F708124-61C2-49B7-8B6F-6EB262F1A4F2}" srcOrd="0" destOrd="0" presId="urn:microsoft.com/office/officeart/2008/layout/VerticalCurvedList"/>
-    <dgm:cxn modelId="{DB528615-7D92-4E63-9D6B-3CF93B412B37}" type="presOf" srcId="{7ACD33EB-9CEB-4C1C-BE88-7BC95914F7C7}" destId="{D24D3177-94C4-4C3D-A1F7-EBEE9512DF2A}" srcOrd="0" destOrd="0" presId="urn:microsoft.com/office/officeart/2008/layout/VerticalCurvedList"/>
-    <dgm:cxn modelId="{00DB7EB4-3333-4A6F-8058-A55044DFD070}" type="presOf" srcId="{84270A7D-CF3D-49E4-8DE2-7D4C2378C546}" destId="{49E9324C-DDFE-4FD7-8C7D-E7394F0314BF}" srcOrd="0" destOrd="0" presId="urn:microsoft.com/office/officeart/2008/layout/VerticalCurvedList"/>
-    <dgm:cxn modelId="{2241D18A-E2F8-458A-B71C-6F45BA8EC025}" type="presOf" srcId="{3C6A0406-5B25-4493-87B2-ECB1AA4A535E}" destId="{E46DB805-9893-415B-AA3D-370C9074F6CC}" srcOrd="0" destOrd="0" presId="urn:microsoft.com/office/officeart/2008/layout/VerticalCurvedList"/>
-    <dgm:cxn modelId="{DC7D3CDB-B37B-4FB7-969D-9643C50C7519}" srcId="{3C6A0406-5B25-4493-87B2-ECB1AA4A535E}" destId="{50686372-E10C-4468-9638-33EE7AD9AB5A}" srcOrd="1" destOrd="0" parTransId="{AFBF7E3E-A0CE-4430-A33C-9B9FC8120A8D}" sibTransId="{6A608BDD-6A71-4CB7-BCC0-CE3BDFD1F55D}"/>
     <dgm:cxn modelId="{DCE30EEB-E672-4928-A60A-922B7F54903C}" type="presParOf" srcId="{E46DB805-9893-415B-AA3D-370C9074F6CC}" destId="{D7C25E50-E66B-4EA7-90D9-115519B0E2A9}" srcOrd="0" destOrd="0" presId="urn:microsoft.com/office/officeart/2008/layout/VerticalCurvedList"/>
     <dgm:cxn modelId="{07F67719-C638-425B-9B67-A1E31EA8CB1D}" type="presParOf" srcId="{D7C25E50-E66B-4EA7-90D9-115519B0E2A9}" destId="{F5CC97F0-BBB6-44D5-A958-61430C7CD04B}" srcOrd="0" destOrd="0" presId="urn:microsoft.com/office/officeart/2008/layout/VerticalCurvedList"/>
     <dgm:cxn modelId="{3F81CBE2-7325-4722-8F0E-31A0613F5F0D}" type="presParOf" srcId="{F5CC97F0-BBB6-44D5-A958-61430C7CD04B}" destId="{A93EA9A7-EAE2-4E28-82B0-15E83EB41696}" srcOrd="0" destOrd="0" presId="urn:microsoft.com/office/officeart/2008/layout/VerticalCurvedList"/>
@@ -9629,11 +9632,6 @@
             </a:rPr>
             <a:t>Egy solution, két project</a:t>
           </a:r>
-          <a:endParaRPr lang="hu-HU">
-            <a:solidFill>
-              <a:schemeClr val="tx1"/>
-            </a:solidFill>
-          </a:endParaRPr>
         </a:p>
       </dgm:t>
     </dgm:pt>
@@ -9683,11 +9681,6 @@
             </a:rPr>
             <a:t>TSL nyelv az adattípusok leírására</a:t>
           </a:r>
-          <a:endParaRPr lang="hu-HU">
-            <a:solidFill>
-              <a:schemeClr val="tx1"/>
-            </a:solidFill>
-          </a:endParaRPr>
         </a:p>
       </dgm:t>
     </dgm:pt>
@@ -9737,11 +9730,6 @@
             </a:rPr>
             <a:t>C# az adateléréshez és manipulációhoz</a:t>
           </a:r>
-          <a:endParaRPr lang="hu-HU">
-            <a:solidFill>
-              <a:schemeClr val="tx1"/>
-            </a:solidFill>
-          </a:endParaRPr>
         </a:p>
       </dgm:t>
     </dgm:pt>
@@ -9791,11 +9779,6 @@
             </a:rPr>
             <a:t>Accessorok</a:t>
           </a:r>
-          <a:endParaRPr lang="hu-HU">
-            <a:solidFill>
-              <a:schemeClr val="tx1"/>
-            </a:solidFill>
-          </a:endParaRPr>
         </a:p>
       </dgm:t>
     </dgm:pt>
@@ -9845,11 +9828,6 @@
             </a:rPr>
             <a:t>Automatikus</a:t>
           </a:r>
-          <a:endParaRPr lang="hu-HU">
-            <a:solidFill>
-              <a:schemeClr val="tx1"/>
-            </a:solidFill>
-          </a:endParaRPr>
         </a:p>
       </dgm:t>
     </dgm:pt>
@@ -9899,11 +9877,6 @@
             </a:rPr>
             <a:t>Objektum-orientált</a:t>
           </a:r>
-          <a:endParaRPr lang="hu-HU">
-            <a:solidFill>
-              <a:schemeClr val="tx1"/>
-            </a:solidFill>
-          </a:endParaRPr>
         </a:p>
       </dgm:t>
     </dgm:pt>
@@ -9946,18 +9919,13 @@
         <a:lstStyle/>
         <a:p>
           <a:r>
-            <a:rPr lang="hu-HU">
+            <a:rPr lang="hu-HU" dirty="0">
               <a:solidFill>
                 <a:schemeClr val="tx1"/>
               </a:solidFill>
             </a:rPr>
             <a:t>LINQ támogatott, de vannak nehézségek</a:t>
           </a:r>
-          <a:endParaRPr lang="hu-HU">
-            <a:solidFill>
-              <a:schemeClr val="tx1"/>
-            </a:solidFill>
-          </a:endParaRPr>
         </a:p>
       </dgm:t>
     </dgm:pt>
@@ -10109,10 +10077,10 @@
     <dgm:cxn modelId="{340BFD6F-2A4E-45EC-9A09-87FB125A6FE0}" srcId="{9AEBEADD-A158-44AC-A8B1-37196740370A}" destId="{BAF34BA6-557A-4FFB-8080-BD3526B42C23}" srcOrd="1" destOrd="0" parTransId="{895FD5C0-9B69-4120-8CD1-601A306365D4}" sibTransId="{C140254E-8C5B-402A-BBC6-CAFCC575BE15}"/>
     <dgm:cxn modelId="{E7480826-4FA7-4731-94B8-400E8F248B0E}" type="presOf" srcId="{9AEBEADD-A158-44AC-A8B1-37196740370A}" destId="{C91565F3-9A7D-49FA-98C3-66325EAE31E9}" srcOrd="0" destOrd="0" presId="urn:microsoft.com/office/officeart/2005/8/layout/vList3"/>
     <dgm:cxn modelId="{7EB72467-11FF-447D-A643-265FB1B694C6}" srcId="{F744667D-9EAC-4635-B19C-677F7FF7D6E9}" destId="{C67636D4-2108-47FC-9CCD-68F9605092F8}" srcOrd="0" destOrd="0" parTransId="{AF4452BD-6AA9-4F7F-8DF5-58E7878AA545}" sibTransId="{90949A4F-B563-420C-9510-DF9E1049628E}"/>
+    <dgm:cxn modelId="{A1E4DFE9-67D1-496B-B694-76B2583D8D65}" srcId="{9AEBEADD-A158-44AC-A8B1-37196740370A}" destId="{72E20752-77DF-4CD3-81BB-68DCBE395620}" srcOrd="0" destOrd="0" parTransId="{BCB32C09-F157-4665-836C-0C6539AA600C}" sibTransId="{6876DCEF-8765-46D8-A8FB-D59FD70E80DF}"/>
     <dgm:cxn modelId="{0F20975C-F055-4D16-AF2C-7E679FDFEF15}" type="presOf" srcId="{F744667D-9EAC-4635-B19C-677F7FF7D6E9}" destId="{8D2648AE-58B5-4360-BBFA-E4C1937A8744}" srcOrd="0" destOrd="0" presId="urn:microsoft.com/office/officeart/2005/8/layout/vList3"/>
-    <dgm:cxn modelId="{A1E4DFE9-67D1-496B-B694-76B2583D8D65}" srcId="{9AEBEADD-A158-44AC-A8B1-37196740370A}" destId="{72E20752-77DF-4CD3-81BB-68DCBE395620}" srcOrd="0" destOrd="0" parTransId="{BCB32C09-F157-4665-836C-0C6539AA600C}" sibTransId="{6876DCEF-8765-46D8-A8FB-D59FD70E80DF}"/>
+    <dgm:cxn modelId="{4CA08725-21F5-4239-854D-D3951DAC3E35}" type="presOf" srcId="{189535F7-B33F-40B1-B49F-83A80D5B7D3C}" destId="{7722CB89-D9F2-4618-B968-2DD99C77C2D7}" srcOrd="0" destOrd="0" presId="urn:microsoft.com/office/officeart/2005/8/layout/vList3"/>
     <dgm:cxn modelId="{708C4CC9-9CE2-409C-AA33-B4B9AA5BA19F}" type="presOf" srcId="{BAF34BA6-557A-4FFB-8080-BD3526B42C23}" destId="{C91565F3-9A7D-49FA-98C3-66325EAE31E9}" srcOrd="0" destOrd="2" presId="urn:microsoft.com/office/officeart/2005/8/layout/vList3"/>
-    <dgm:cxn modelId="{4CA08725-21F5-4239-854D-D3951DAC3E35}" type="presOf" srcId="{189535F7-B33F-40B1-B49F-83A80D5B7D3C}" destId="{7722CB89-D9F2-4618-B968-2DD99C77C2D7}" srcOrd="0" destOrd="0" presId="urn:microsoft.com/office/officeart/2005/8/layout/vList3"/>
     <dgm:cxn modelId="{CB05FAE3-36CC-432E-B6EE-0216C55D3776}" type="presOf" srcId="{6874EA52-DECD-4D01-8229-3024A4A15635}" destId="{8D2648AE-58B5-4360-BBFA-E4C1937A8744}" srcOrd="0" destOrd="2" presId="urn:microsoft.com/office/officeart/2005/8/layout/vList3"/>
     <dgm:cxn modelId="{89A3745C-DBD2-4772-AFDF-225B2728B256}" srcId="{D84C4589-E1B2-42B5-BEBB-BC07DFC7967A}" destId="{189535F7-B33F-40B1-B49F-83A80D5B7D3C}" srcOrd="3" destOrd="0" parTransId="{F787BD31-307F-4928-9C37-F3C7F74F76F9}" sibTransId="{A9BCF6CD-E4A5-4C18-9BF7-4677097F36CE}"/>
     <dgm:cxn modelId="{6FEB866C-67E9-4208-9649-3464A09BF337}" type="presOf" srcId="{D84C4589-E1B2-42B5-BEBB-BC07DFC7967A}" destId="{CF9BC7D5-350D-4D8B-825E-8E40B96F6C3C}" srcOrd="0" destOrd="0" presId="urn:microsoft.com/office/officeart/2005/8/layout/vList3"/>
@@ -10173,7 +10141,6 @@
             <a:rPr lang="hu-HU"/>
             <a:t>Két eszközteszt futtatása Windows környezetben</a:t>
           </a:r>
-          <a:endParaRPr lang="hu-HU"/>
         </a:p>
       </dgm:t>
     </dgm:pt>
@@ -10210,7 +10177,6 @@
             <a:rPr lang="hu-HU"/>
             <a:t>RDF4J &amp; Jena</a:t>
           </a:r>
-          <a:endParaRPr lang="hu-HU"/>
         </a:p>
       </dgm:t>
     </dgm:pt>
@@ -10247,7 +10213,6 @@
             <a:rPr lang="hu-HU"/>
             <a:t>Train Benchmark forgatókönyvek implementálása a Graph Engine használatával</a:t>
           </a:r>
-          <a:endParaRPr lang="hu-HU"/>
         </a:p>
       </dgm:t>
     </dgm:pt>
@@ -10284,7 +10249,6 @@
             <a:rPr lang="hu-HU"/>
             <a:t>6-ból 2 kényszer</a:t>
           </a:r>
-          <a:endParaRPr lang="hu-HU"/>
         </a:p>
       </dgm:t>
     </dgm:pt>
@@ -10321,7 +10285,6 @@
             <a:rPr lang="hu-HU"/>
             <a:t>Különböző méretű modelleken</a:t>
           </a:r>
-          <a:endParaRPr lang="hu-HU"/>
         </a:p>
       </dgm:t>
     </dgm:pt>
@@ -10358,7 +10321,6 @@
             <a:rPr lang="hu-HU"/>
             <a:t>Kb. 5000 - 2,3 millió elem</a:t>
           </a:r>
-          <a:endParaRPr lang="hu-HU"/>
         </a:p>
       </dgm:t>
     </dgm:pt>
@@ -10481,7 +10443,7 @@
   <dgm:whole/>
   <dgm:extLst>
     <a:ext uri="http://schemas.microsoft.com/office/drawing/2008/diagram">
-      <dsp:dataModelExt xmlns:dsp="http://schemas.microsoft.com/office/drawing/2008/diagram" relId="rId7" minVer="http://schemas.openxmlformats.org/drawingml/2006/diagram"/>
+      <dsp:dataModelExt xmlns:dsp="http://schemas.microsoft.com/office/drawing/2008/diagram" relId="rId8" minVer="http://schemas.openxmlformats.org/drawingml/2006/diagram"/>
     </a:ext>
   </dgm:extLst>
 </dgm:dataModel>
@@ -11116,21 +11078,21 @@
     </dgm:pt>
   </dgm:ptLst>
   <dgm:cxnLst>
+    <dgm:cxn modelId="{260E1E07-3643-4612-8020-102596171EDE}" type="presOf" srcId="{BED8E5D3-9B08-47FD-87A3-93717DBBD3C3}" destId="{70A80EEA-7031-44FA-873F-826F837E98A5}" srcOrd="0" destOrd="0" presId="urn:microsoft.com/office/officeart/2005/8/layout/vList2"/>
+    <dgm:cxn modelId="{2A9E9735-23AD-46CB-8EA5-1EB279B466C0}" type="presOf" srcId="{59D516C2-7DE6-48A3-A42D-B3FE85DB3394}" destId="{51DD6D3B-5562-4A8B-B8FD-0B9BEDF08F4C}" srcOrd="0" destOrd="0" presId="urn:microsoft.com/office/officeart/2005/8/layout/vList2"/>
+    <dgm:cxn modelId="{125DBBC5-FC10-461E-85A3-DBB46673ACDF}" srcId="{59D516C2-7DE6-48A3-A42D-B3FE85DB3394}" destId="{50478BC3-7606-4B57-9F76-97C6D3D64996}" srcOrd="1" destOrd="0" parTransId="{F83CBFAB-DFD3-49AB-99B9-59C9EAAA7F55}" sibTransId="{48F0E2E8-B35A-4599-B846-3B6DE4046CED}"/>
+    <dgm:cxn modelId="{7B1A9E83-8DCB-4021-9D14-03CB7B08913C}" srcId="{E50F85DD-BB31-4E24-AC36-35BBDC41352E}" destId="{148A1843-5D27-4CE4-AB3C-73808D9F71BC}" srcOrd="0" destOrd="0" parTransId="{D717F117-E474-4483-990B-092E942C5D52}" sibTransId="{81CB20B6-29F3-425C-8B2E-DAD654A79105}"/>
+    <dgm:cxn modelId="{D53F0562-23F4-4EF1-AA41-63F7342212AA}" srcId="{BED8E5D3-9B08-47FD-87A3-93717DBBD3C3}" destId="{59D516C2-7DE6-48A3-A42D-B3FE85DB3394}" srcOrd="0" destOrd="0" parTransId="{86FE2646-2DE2-455F-BDCB-1A3D16AF24D7}" sibTransId="{BDE7162B-4F4E-4832-97C5-FDED38AAF779}"/>
     <dgm:cxn modelId="{2B4FE169-B4F8-478B-9B72-277AB372D9D8}" srcId="{BED8E5D3-9B08-47FD-87A3-93717DBBD3C3}" destId="{0BBABD46-440E-4FB7-B3B2-04336E0A6FD7}" srcOrd="1" destOrd="0" parTransId="{7181549E-85C7-4DE0-A28D-439A60CB787E}" sibTransId="{10B6B0EA-1F90-4396-9212-AE757B915F1D}"/>
-    <dgm:cxn modelId="{EBEA21B5-7F25-4F68-9C4D-2D3BFDFA19DB}" type="presOf" srcId="{07D9BDC5-00EA-4C21-AEDF-A04FC4A0DF96}" destId="{CFDB7E57-D6E0-49A6-B7E9-B7D9A5285696}" srcOrd="0" destOrd="0" presId="urn:microsoft.com/office/officeart/2005/8/layout/vList2"/>
-    <dgm:cxn modelId="{2A9E9735-23AD-46CB-8EA5-1EB279B466C0}" type="presOf" srcId="{59D516C2-7DE6-48A3-A42D-B3FE85DB3394}" destId="{51DD6D3B-5562-4A8B-B8FD-0B9BEDF08F4C}" srcOrd="0" destOrd="0" presId="urn:microsoft.com/office/officeart/2005/8/layout/vList2"/>
-    <dgm:cxn modelId="{F40CDAD4-731A-4844-85FB-4AC6F363ED54}" srcId="{59D516C2-7DE6-48A3-A42D-B3FE85DB3394}" destId="{653AD1D0-B6C7-4F64-931F-EE917382B7CC}" srcOrd="2" destOrd="0" parTransId="{BCEE53CF-215A-4893-A1F0-1F0CFC14C48F}" sibTransId="{4AA8C3E2-8CE0-492C-9950-A1A10FD643D3}"/>
+    <dgm:cxn modelId="{90D9E84B-EB68-44D9-9C17-50E3883C90B4}" type="presOf" srcId="{E50F85DD-BB31-4E24-AC36-35BBDC41352E}" destId="{645128F0-9A6F-4D8B-A5BA-3926BB625618}" srcOrd="0" destOrd="0" presId="urn:microsoft.com/office/officeart/2005/8/layout/vList2"/>
     <dgm:cxn modelId="{0C9C4AEE-1D78-446F-A0DD-ECBA8B2EBD40}" type="presOf" srcId="{653AD1D0-B6C7-4F64-931F-EE917382B7CC}" destId="{CFDB7E57-D6E0-49A6-B7E9-B7D9A5285696}" srcOrd="0" destOrd="2" presId="urn:microsoft.com/office/officeart/2005/8/layout/vList2"/>
     <dgm:cxn modelId="{908D2EB9-8B08-4C3B-8A82-FD04223E5AC8}" type="presOf" srcId="{0BBABD46-440E-4FB7-B3B2-04336E0A6FD7}" destId="{68C47070-41EC-4ED1-AF7F-44B161B18174}" srcOrd="0" destOrd="0" presId="urn:microsoft.com/office/officeart/2005/8/layout/vList2"/>
-    <dgm:cxn modelId="{125DBBC5-FC10-461E-85A3-DBB46673ACDF}" srcId="{59D516C2-7DE6-48A3-A42D-B3FE85DB3394}" destId="{50478BC3-7606-4B57-9F76-97C6D3D64996}" srcOrd="1" destOrd="0" parTransId="{F83CBFAB-DFD3-49AB-99B9-59C9EAAA7F55}" sibTransId="{48F0E2E8-B35A-4599-B846-3B6DE4046CED}"/>
-    <dgm:cxn modelId="{D53F0562-23F4-4EF1-AA41-63F7342212AA}" srcId="{BED8E5D3-9B08-47FD-87A3-93717DBBD3C3}" destId="{59D516C2-7DE6-48A3-A42D-B3FE85DB3394}" srcOrd="0" destOrd="0" parTransId="{86FE2646-2DE2-455F-BDCB-1A3D16AF24D7}" sibTransId="{BDE7162B-4F4E-4832-97C5-FDED38AAF779}"/>
-    <dgm:cxn modelId="{7B1A9E83-8DCB-4021-9D14-03CB7B08913C}" srcId="{E50F85DD-BB31-4E24-AC36-35BBDC41352E}" destId="{148A1843-5D27-4CE4-AB3C-73808D9F71BC}" srcOrd="0" destOrd="0" parTransId="{D717F117-E474-4483-990B-092E942C5D52}" sibTransId="{81CB20B6-29F3-425C-8B2E-DAD654A79105}"/>
+    <dgm:cxn modelId="{A609724F-AFC5-4EFD-9FE3-5266BBE01D6C}" srcId="{BED8E5D3-9B08-47FD-87A3-93717DBBD3C3}" destId="{E50F85DD-BB31-4E24-AC36-35BBDC41352E}" srcOrd="2" destOrd="0" parTransId="{8F091D5F-CDFC-4C19-B1E0-88862171967F}" sibTransId="{4401B9B4-9513-4B5C-B807-ADBCF01C501C}"/>
+    <dgm:cxn modelId="{F40CDAD4-731A-4844-85FB-4AC6F363ED54}" srcId="{59D516C2-7DE6-48A3-A42D-B3FE85DB3394}" destId="{653AD1D0-B6C7-4F64-931F-EE917382B7CC}" srcOrd="2" destOrd="0" parTransId="{BCEE53CF-215A-4893-A1F0-1F0CFC14C48F}" sibTransId="{4AA8C3E2-8CE0-492C-9950-A1A10FD643D3}"/>
+    <dgm:cxn modelId="{EBEA21B5-7F25-4F68-9C4D-2D3BFDFA19DB}" type="presOf" srcId="{07D9BDC5-00EA-4C21-AEDF-A04FC4A0DF96}" destId="{CFDB7E57-D6E0-49A6-B7E9-B7D9A5285696}" srcOrd="0" destOrd="0" presId="urn:microsoft.com/office/officeart/2005/8/layout/vList2"/>
     <dgm:cxn modelId="{12681E7A-66D4-4E5A-9FD2-615976620D68}" type="presOf" srcId="{148A1843-5D27-4CE4-AB3C-73808D9F71BC}" destId="{99B1203C-E356-4BF4-BBCE-D920F1B6277C}" srcOrd="0" destOrd="0" presId="urn:microsoft.com/office/officeart/2005/8/layout/vList2"/>
-    <dgm:cxn modelId="{A609724F-AFC5-4EFD-9FE3-5266BBE01D6C}" srcId="{BED8E5D3-9B08-47FD-87A3-93717DBBD3C3}" destId="{E50F85DD-BB31-4E24-AC36-35BBDC41352E}" srcOrd="2" destOrd="0" parTransId="{8F091D5F-CDFC-4C19-B1E0-88862171967F}" sibTransId="{4401B9B4-9513-4B5C-B807-ADBCF01C501C}"/>
-    <dgm:cxn modelId="{260E1E07-3643-4612-8020-102596171EDE}" type="presOf" srcId="{BED8E5D3-9B08-47FD-87A3-93717DBBD3C3}" destId="{70A80EEA-7031-44FA-873F-826F837E98A5}" srcOrd="0" destOrd="0" presId="urn:microsoft.com/office/officeart/2005/8/layout/vList2"/>
+    <dgm:cxn modelId="{186A8167-39F5-4D09-8C1E-BF5615B1F12C}" srcId="{59D516C2-7DE6-48A3-A42D-B3FE85DB3394}" destId="{07D9BDC5-00EA-4C21-AEDF-A04FC4A0DF96}" srcOrd="0" destOrd="0" parTransId="{42AEE6DA-8C94-4B40-87AF-EC195697F156}" sibTransId="{071F226E-3A3E-4999-BE72-C8BED6546FD2}"/>
     <dgm:cxn modelId="{0E10F5BD-C6E6-4298-B5FC-2CF099F2AB60}" type="presOf" srcId="{50478BC3-7606-4B57-9F76-97C6D3D64996}" destId="{CFDB7E57-D6E0-49A6-B7E9-B7D9A5285696}" srcOrd="0" destOrd="1" presId="urn:microsoft.com/office/officeart/2005/8/layout/vList2"/>
-    <dgm:cxn modelId="{186A8167-39F5-4D09-8C1E-BF5615B1F12C}" srcId="{59D516C2-7DE6-48A3-A42D-B3FE85DB3394}" destId="{07D9BDC5-00EA-4C21-AEDF-A04FC4A0DF96}" srcOrd="0" destOrd="0" parTransId="{42AEE6DA-8C94-4B40-87AF-EC195697F156}" sibTransId="{071F226E-3A3E-4999-BE72-C8BED6546FD2}"/>
-    <dgm:cxn modelId="{90D9E84B-EB68-44D9-9C17-50E3883C90B4}" type="presOf" srcId="{E50F85DD-BB31-4E24-AC36-35BBDC41352E}" destId="{645128F0-9A6F-4D8B-A5BA-3926BB625618}" srcOrd="0" destOrd="0" presId="urn:microsoft.com/office/officeart/2005/8/layout/vList2"/>
     <dgm:cxn modelId="{78D15F8F-9DC4-41C2-9300-3B4B5950BDB3}" type="presParOf" srcId="{70A80EEA-7031-44FA-873F-826F837E98A5}" destId="{51DD6D3B-5562-4A8B-B8FD-0B9BEDF08F4C}" srcOrd="0" destOrd="0" presId="urn:microsoft.com/office/officeart/2005/8/layout/vList2"/>
     <dgm:cxn modelId="{C3A93341-D36E-4DA1-ADEB-80DFDA55A10F}" type="presParOf" srcId="{70A80EEA-7031-44FA-873F-826F837E98A5}" destId="{CFDB7E57-D6E0-49A6-B7E9-B7D9A5285696}" srcOrd="1" destOrd="0" presId="urn:microsoft.com/office/officeart/2005/8/layout/vList2"/>
     <dgm:cxn modelId="{F7085396-A2F4-416D-BEB8-58007FD106CD}" type="presParOf" srcId="{70A80EEA-7031-44FA-873F-826F837E98A5}" destId="{68C47070-41EC-4ED1-AF7F-44B161B18174}" srcOrd="2" destOrd="0" presId="urn:microsoft.com/office/officeart/2005/8/layout/vList2"/>
@@ -11142,7 +11104,7 @@
   <dgm:whole/>
   <dgm:extLst>
     <a:ext uri="http://schemas.microsoft.com/office/drawing/2008/diagram">
-      <dsp:dataModelExt xmlns:dsp="http://schemas.microsoft.com/office/drawing/2008/diagram" relId="rId7" minVer="http://schemas.openxmlformats.org/drawingml/2006/diagram"/>
+      <dsp:dataModelExt xmlns:dsp="http://schemas.microsoft.com/office/drawing/2008/diagram" relId="rId8" minVer="http://schemas.openxmlformats.org/drawingml/2006/diagram"/>
     </a:ext>
   </dgm:extLst>
 </dgm:dataModel>
@@ -11577,13 +11539,13 @@
     </dgm:pt>
   </dgm:ptLst>
   <dgm:cxnLst>
+    <dgm:cxn modelId="{892DA55A-C697-4689-BF5D-93CD045D601F}" srcId="{5AD29136-70F2-4E26-AC4B-F108117A7F45}" destId="{E5B29A56-0376-4CCE-8889-407D20A46EA6}" srcOrd="0" destOrd="0" parTransId="{1FC070CB-05AB-46EB-930B-2DE6A76D114B}" sibTransId="{C0E07BF3-86C5-4235-B48E-B026A0423383}"/>
+    <dgm:cxn modelId="{FBF5BA4C-8703-49C2-9774-0691F02B7409}" srcId="{5AD29136-70F2-4E26-AC4B-F108117A7F45}" destId="{714E1E44-AE4D-447A-A199-0FD725DA4AA4}" srcOrd="2" destOrd="0" parTransId="{ED0B0D1F-229D-45D5-B377-B04E0C0DC99E}" sibTransId="{817793A9-1D59-4764-B9F7-C97A516F1721}"/>
     <dgm:cxn modelId="{5DB2C305-11BB-430C-8488-439ED36F6963}" type="presOf" srcId="{E5B29A56-0376-4CCE-8889-407D20A46EA6}" destId="{79FF8779-D8EA-493D-BDFC-2F7968CC6758}" srcOrd="0" destOrd="0" presId="urn:microsoft.com/office/officeart/2008/layout/LinedList"/>
     <dgm:cxn modelId="{B8A1A20C-C0EF-4F67-BB78-1F296165B796}" type="presOf" srcId="{5AD29136-70F2-4E26-AC4B-F108117A7F45}" destId="{64FB84C1-4CA0-46A8-9EDE-DCCFD954D105}" srcOrd="0" destOrd="0" presId="urn:microsoft.com/office/officeart/2008/layout/LinedList"/>
-    <dgm:cxn modelId="{906EF375-2F0E-42AD-A0C2-40F40E196A19}" srcId="{5AD29136-70F2-4E26-AC4B-F108117A7F45}" destId="{BA85E6C5-BCCA-45F7-8CB8-F25209F0350A}" srcOrd="1" destOrd="0" parTransId="{3A17ED02-B51F-432D-A68E-9BFDD49270EC}" sibTransId="{A5EF6AF7-B2B0-4FCE-A85F-7F6D1F473A62}"/>
     <dgm:cxn modelId="{923954E8-A875-49E0-A1D1-9C7DB384DCE6}" type="presOf" srcId="{BA85E6C5-BCCA-45F7-8CB8-F25209F0350A}" destId="{262821EF-0938-437C-942E-FAAA2EAE23D8}" srcOrd="0" destOrd="0" presId="urn:microsoft.com/office/officeart/2008/layout/LinedList"/>
     <dgm:cxn modelId="{C5ACC972-F8C2-436F-8FFC-1230BC281D80}" type="presOf" srcId="{714E1E44-AE4D-447A-A199-0FD725DA4AA4}" destId="{5EB6F963-6CB3-4690-908C-7FFDC9C49028}" srcOrd="0" destOrd="0" presId="urn:microsoft.com/office/officeart/2008/layout/LinedList"/>
-    <dgm:cxn modelId="{FBF5BA4C-8703-49C2-9774-0691F02B7409}" srcId="{5AD29136-70F2-4E26-AC4B-F108117A7F45}" destId="{714E1E44-AE4D-447A-A199-0FD725DA4AA4}" srcOrd="2" destOrd="0" parTransId="{ED0B0D1F-229D-45D5-B377-B04E0C0DC99E}" sibTransId="{817793A9-1D59-4764-B9F7-C97A516F1721}"/>
-    <dgm:cxn modelId="{892DA55A-C697-4689-BF5D-93CD045D601F}" srcId="{5AD29136-70F2-4E26-AC4B-F108117A7F45}" destId="{E5B29A56-0376-4CCE-8889-407D20A46EA6}" srcOrd="0" destOrd="0" parTransId="{1FC070CB-05AB-46EB-930B-2DE6A76D114B}" sibTransId="{C0E07BF3-86C5-4235-B48E-B026A0423383}"/>
+    <dgm:cxn modelId="{906EF375-2F0E-42AD-A0C2-40F40E196A19}" srcId="{5AD29136-70F2-4E26-AC4B-F108117A7F45}" destId="{BA85E6C5-BCCA-45F7-8CB8-F25209F0350A}" srcOrd="1" destOrd="0" parTransId="{3A17ED02-B51F-432D-A68E-9BFDD49270EC}" sibTransId="{A5EF6AF7-B2B0-4FCE-A85F-7F6D1F473A62}"/>
     <dgm:cxn modelId="{9B357918-9A02-4F06-9811-1F5C1BEB7FD1}" type="presParOf" srcId="{64FB84C1-4CA0-46A8-9EDE-DCCFD954D105}" destId="{E312A998-FA04-4108-8C00-F575E1EE9FBE}" srcOrd="0" destOrd="0" presId="urn:microsoft.com/office/officeart/2008/layout/LinedList"/>
     <dgm:cxn modelId="{CBD48735-191A-4D57-897D-B469D686B253}" type="presParOf" srcId="{64FB84C1-4CA0-46A8-9EDE-DCCFD954D105}" destId="{2FA46673-1817-4D87-83DD-138B1B6161E8}" srcOrd="1" destOrd="0" presId="urn:microsoft.com/office/officeart/2008/layout/LinedList"/>
     <dgm:cxn modelId="{F4B2315E-E494-4E35-B473-5CC91CDC3D8A}" type="presParOf" srcId="{2FA46673-1817-4D87-83DD-138B1B6161E8}" destId="{79FF8779-D8EA-493D-BDFC-2F7968CC6758}" srcOrd="0" destOrd="0" presId="urn:microsoft.com/office/officeart/2008/layout/LinedList"/>
@@ -11661,7 +11623,10 @@
             <a:rPr lang="en-US" sz="2400" dirty="0" err="1"/>
             <a:t>lehet</a:t>
           </a:r>
-          <a:endParaRPr lang="hu-HU" sz="2400" dirty="0"/>
+          <a:r>
+            <a:rPr lang="hu-HU" sz="2400" dirty="0"/>
+            <a:t>, de nem minden szempontból</a:t>
+          </a:r>
         </a:p>
       </dgm:t>
     </dgm:pt>
@@ -11753,48 +11718,6 @@
         </a:p>
       </dgm:t>
     </dgm:pt>
-    <dgm:pt modelId="{17B1F2AB-9CCE-4CE2-90B1-CC7E523DCAEE}">
-      <dgm:prSet custT="1"/>
-      <dgm:spPr/>
-      <dgm:t>
-        <a:bodyPr anchor="ctr"/>
-        <a:lstStyle/>
-        <a:p>
-          <a:pPr algn="just"/>
-          <a:r>
-            <a:rPr lang="hu-HU" sz="2400" dirty="0"/>
-            <a:t>Aki ezt elolvassa, </a:t>
-          </a:r>
-          <a:r>
-            <a:rPr lang="hu-HU" sz="2400" dirty="0" err="1"/>
-            <a:t>kacsintson</a:t>
-          </a:r>
-          <a:endParaRPr lang="en-US" sz="2400" dirty="0"/>
-        </a:p>
-      </dgm:t>
-    </dgm:pt>
-    <dgm:pt modelId="{119BD16E-0168-4182-88BC-056629811E7D}" type="parTrans" cxnId="{FA09D05B-F467-41C6-9BDD-97D6D8250477}">
-      <dgm:prSet/>
-      <dgm:spPr/>
-      <dgm:t>
-        <a:bodyPr/>
-        <a:lstStyle/>
-        <a:p>
-          <a:endParaRPr lang="en-US"/>
-        </a:p>
-      </dgm:t>
-    </dgm:pt>
-    <dgm:pt modelId="{F49F617E-5C9D-41A1-B41C-8528836488D4}" type="sibTrans" cxnId="{FA09D05B-F467-41C6-9BDD-97D6D8250477}">
-      <dgm:prSet/>
-      <dgm:spPr/>
-      <dgm:t>
-        <a:bodyPr/>
-        <a:lstStyle/>
-        <a:p>
-          <a:endParaRPr lang="en-US"/>
-        </a:p>
-      </dgm:t>
-    </dgm:pt>
     <dgm:pt modelId="{FB0A922D-E824-4BF8-879D-C96C272A03BF}" type="pres">
       <dgm:prSet presAssocID="{0F5C71FB-DC0A-4435-A4A3-30556961B764}" presName="vert0" presStyleCnt="0">
         <dgm:presLayoutVars>
@@ -11806,7 +11729,7 @@
       <dgm:spPr/>
     </dgm:pt>
     <dgm:pt modelId="{B476705F-8569-4118-8A86-6FBE58A52419}" type="pres">
-      <dgm:prSet presAssocID="{AE76CF75-914E-4994-B798-02C3A13F60EC}" presName="thickLine" presStyleLbl="alignNode1" presStyleIdx="0" presStyleCnt="3"/>
+      <dgm:prSet presAssocID="{AE76CF75-914E-4994-B798-02C3A13F60EC}" presName="thickLine" presStyleLbl="alignNode1" presStyleIdx="0" presStyleCnt="2"/>
       <dgm:spPr/>
     </dgm:pt>
     <dgm:pt modelId="{D245AF81-8817-4572-B62F-E865A8AF118F}" type="pres">
@@ -11814,7 +11737,7 @@
       <dgm:spPr/>
     </dgm:pt>
     <dgm:pt modelId="{930FB5FB-3F96-436B-8773-93839EF461FB}" type="pres">
-      <dgm:prSet presAssocID="{AE76CF75-914E-4994-B798-02C3A13F60EC}" presName="tx1" presStyleLbl="revTx" presStyleIdx="0" presStyleCnt="3"/>
+      <dgm:prSet presAssocID="{AE76CF75-914E-4994-B798-02C3A13F60EC}" presName="tx1" presStyleLbl="revTx" presStyleIdx="0" presStyleCnt="2"/>
       <dgm:spPr/>
     </dgm:pt>
     <dgm:pt modelId="{48528145-AF37-47DC-A22F-7CDD36F205D3}" type="pres">
@@ -11822,7 +11745,7 @@
       <dgm:spPr/>
     </dgm:pt>
     <dgm:pt modelId="{4E786B78-44F7-410D-9251-9C2AFD22A55E}" type="pres">
-      <dgm:prSet presAssocID="{692C0C7E-BAB9-49DE-8485-F6F018308312}" presName="thickLine" presStyleLbl="alignNode1" presStyleIdx="1" presStyleCnt="3"/>
+      <dgm:prSet presAssocID="{692C0C7E-BAB9-49DE-8485-F6F018308312}" presName="thickLine" presStyleLbl="alignNode1" presStyleIdx="1" presStyleCnt="2"/>
       <dgm:spPr/>
     </dgm:pt>
     <dgm:pt modelId="{57B471E5-640E-4507-9399-6E0598E686D0}" type="pres">
@@ -11830,33 +11753,15 @@
       <dgm:spPr/>
     </dgm:pt>
     <dgm:pt modelId="{29B805B5-6ABC-4104-8373-0D63EE815FAF}" type="pres">
-      <dgm:prSet presAssocID="{692C0C7E-BAB9-49DE-8485-F6F018308312}" presName="tx1" presStyleLbl="revTx" presStyleIdx="1" presStyleCnt="3"/>
+      <dgm:prSet presAssocID="{692C0C7E-BAB9-49DE-8485-F6F018308312}" presName="tx1" presStyleLbl="revTx" presStyleIdx="1" presStyleCnt="2"/>
       <dgm:spPr/>
     </dgm:pt>
     <dgm:pt modelId="{5CA0B3D6-375B-4FB6-9C1C-3B04FEB2C5C2}" type="pres">
       <dgm:prSet presAssocID="{692C0C7E-BAB9-49DE-8485-F6F018308312}" presName="vert1" presStyleCnt="0"/>
       <dgm:spPr/>
     </dgm:pt>
-    <dgm:pt modelId="{F9A111F5-6ED4-4136-BF36-88EA82353CE2}" type="pres">
-      <dgm:prSet presAssocID="{17B1F2AB-9CCE-4CE2-90B1-CC7E523DCAEE}" presName="thickLine" presStyleLbl="alignNode1" presStyleIdx="2" presStyleCnt="3"/>
-      <dgm:spPr/>
-    </dgm:pt>
-    <dgm:pt modelId="{E7641004-3C57-4C36-AD24-4B50FF58F9A1}" type="pres">
-      <dgm:prSet presAssocID="{17B1F2AB-9CCE-4CE2-90B1-CC7E523DCAEE}" presName="horz1" presStyleCnt="0"/>
-      <dgm:spPr/>
-    </dgm:pt>
-    <dgm:pt modelId="{C3BBC625-1140-4642-B954-48858C509C41}" type="pres">
-      <dgm:prSet presAssocID="{17B1F2AB-9CCE-4CE2-90B1-CC7E523DCAEE}" presName="tx1" presStyleLbl="revTx" presStyleIdx="2" presStyleCnt="3"/>
-      <dgm:spPr/>
-    </dgm:pt>
-    <dgm:pt modelId="{C72136CB-F103-4C0F-B616-85D3F9169E7D}" type="pres">
-      <dgm:prSet presAssocID="{17B1F2AB-9CCE-4CE2-90B1-CC7E523DCAEE}" presName="vert1" presStyleCnt="0"/>
-      <dgm:spPr/>
-    </dgm:pt>
   </dgm:ptLst>
   <dgm:cxnLst>
-    <dgm:cxn modelId="{A85989BB-F53F-4E4B-BE62-26125D65FC3B}" type="presOf" srcId="{17B1F2AB-9CCE-4CE2-90B1-CC7E523DCAEE}" destId="{C3BBC625-1140-4642-B954-48858C509C41}" srcOrd="0" destOrd="0" presId="urn:microsoft.com/office/officeart/2008/layout/LinedList"/>
-    <dgm:cxn modelId="{FA09D05B-F467-41C6-9BDD-97D6D8250477}" srcId="{0F5C71FB-DC0A-4435-A4A3-30556961B764}" destId="{17B1F2AB-9CCE-4CE2-90B1-CC7E523DCAEE}" srcOrd="2" destOrd="0" parTransId="{119BD16E-0168-4182-88BC-056629811E7D}" sibTransId="{F49F617E-5C9D-41A1-B41C-8528836488D4}"/>
     <dgm:cxn modelId="{2BE72191-B68E-4FE1-A323-8EA71F689846}" type="presOf" srcId="{0F5C71FB-DC0A-4435-A4A3-30556961B764}" destId="{FB0A922D-E824-4BF8-879D-C96C272A03BF}" srcOrd="0" destOrd="0" presId="urn:microsoft.com/office/officeart/2008/layout/LinedList"/>
     <dgm:cxn modelId="{D713C265-027E-4772-90E1-33DB4BF40F22}" srcId="{0F5C71FB-DC0A-4435-A4A3-30556961B764}" destId="{692C0C7E-BAB9-49DE-8485-F6F018308312}" srcOrd="1" destOrd="0" parTransId="{C29B7E56-F459-4637-8D18-2CB23AD46206}" sibTransId="{6EDFCA5F-268C-4DAA-A455-3464E71DA233}"/>
     <dgm:cxn modelId="{4588AD14-A5FC-4903-83EA-B61E376903C5}" type="presOf" srcId="{AE76CF75-914E-4994-B798-02C3A13F60EC}" destId="{930FB5FB-3F96-436B-8773-93839EF461FB}" srcOrd="0" destOrd="0" presId="urn:microsoft.com/office/officeart/2008/layout/LinedList"/>
@@ -11870,10 +11775,6 @@
     <dgm:cxn modelId="{B52A83A2-B3B8-44FD-9589-D8B5BD72E49A}" type="presParOf" srcId="{FB0A922D-E824-4BF8-879D-C96C272A03BF}" destId="{57B471E5-640E-4507-9399-6E0598E686D0}" srcOrd="3" destOrd="0" presId="urn:microsoft.com/office/officeart/2008/layout/LinedList"/>
     <dgm:cxn modelId="{1E882085-A5FA-459B-8D00-4C8F738DB433}" type="presParOf" srcId="{57B471E5-640E-4507-9399-6E0598E686D0}" destId="{29B805B5-6ABC-4104-8373-0D63EE815FAF}" srcOrd="0" destOrd="0" presId="urn:microsoft.com/office/officeart/2008/layout/LinedList"/>
     <dgm:cxn modelId="{B8AFA68C-6829-4FFE-829F-73D2DA019310}" type="presParOf" srcId="{57B471E5-640E-4507-9399-6E0598E686D0}" destId="{5CA0B3D6-375B-4FB6-9C1C-3B04FEB2C5C2}" srcOrd="1" destOrd="0" presId="urn:microsoft.com/office/officeart/2008/layout/LinedList"/>
-    <dgm:cxn modelId="{9243BE9D-C38E-4F02-8840-7DD2AB19E208}" type="presParOf" srcId="{FB0A922D-E824-4BF8-879D-C96C272A03BF}" destId="{F9A111F5-6ED4-4136-BF36-88EA82353CE2}" srcOrd="4" destOrd="0" presId="urn:microsoft.com/office/officeart/2008/layout/LinedList"/>
-    <dgm:cxn modelId="{0E11F20F-B8F5-4CD5-974D-E4465D1C6586}" type="presParOf" srcId="{FB0A922D-E824-4BF8-879D-C96C272A03BF}" destId="{E7641004-3C57-4C36-AD24-4B50FF58F9A1}" srcOrd="5" destOrd="0" presId="urn:microsoft.com/office/officeart/2008/layout/LinedList"/>
-    <dgm:cxn modelId="{203846E0-E5A0-4615-BB39-8B48322A9B92}" type="presParOf" srcId="{E7641004-3C57-4C36-AD24-4B50FF58F9A1}" destId="{C3BBC625-1140-4642-B954-48858C509C41}" srcOrd="0" destOrd="0" presId="urn:microsoft.com/office/officeart/2008/layout/LinedList"/>
-    <dgm:cxn modelId="{E3211EE2-88F4-4207-B92A-FF95C7477558}" type="presParOf" srcId="{E7641004-3C57-4C36-AD24-4B50FF58F9A1}" destId="{C72136CB-F103-4C0F-B616-85D3F9169E7D}" srcOrd="1" destOrd="0" presId="urn:microsoft.com/office/officeart/2008/layout/LinedList"/>
   </dgm:cxnLst>
   <dgm:bg/>
   <dgm:whole/>
@@ -12178,7 +12079,14 @@
     </dgm:pt>
     <dgm:pt modelId="{565FC5D3-980D-4891-9985-2AAE4BF7A601}">
       <dgm:prSet phldrT="[Szöveg]" custT="1"/>
-      <dgm:spPr/>
+      <dgm:spPr>
+        <a:blipFill rotWithShape="0">
+          <a:blip xmlns:r="http://schemas.openxmlformats.org/officeDocument/2006/relationships" r:embed="rId1"/>
+          <a:stretch>
+            <a:fillRect/>
+          </a:stretch>
+        </a:blipFill>
+      </dgm:spPr>
       <dgm:t>
         <a:bodyPr/>
         <a:lstStyle/>
@@ -12622,7 +12530,6 @@
             <a:rPr lang="hu-HU" sz="2000" kern="1200"/>
             <a:t>Mérnöki fejlesztési folyamat szimulálása</a:t>
           </a:r>
-          <a:endParaRPr lang="hu-HU" sz="2000" kern="1200"/>
         </a:p>
       </dsp:txBody>
       <dsp:txXfrm>
@@ -12747,7 +12654,6 @@
             <a:rPr lang="hu-HU" sz="2000" kern="1200"/>
             <a:t>Vasúti elemekből álló modell</a:t>
           </a:r>
-          <a:endParaRPr lang="hu-HU" sz="2000" kern="1200"/>
         </a:p>
       </dsp:txBody>
       <dsp:txXfrm>
@@ -12872,7 +12778,6 @@
             <a:rPr lang="hu-HU" sz="2000" kern="1200"/>
             <a:t>6 különböző kényszer vizsgálata</a:t>
           </a:r>
-          <a:endParaRPr lang="hu-HU" sz="2000" kern="1200"/>
         </a:p>
       </dsp:txBody>
       <dsp:txXfrm>
@@ -12997,7 +12902,6 @@
             <a:rPr lang="hu-HU" sz="2000" kern="1200"/>
             <a:t>10 eszközre már elkészült a tesztelés, de Linuxon</a:t>
           </a:r>
-          <a:endParaRPr lang="hu-HU" sz="2000" kern="1200"/>
         </a:p>
       </dsp:txBody>
       <dsp:txXfrm>
@@ -13122,7 +13026,6 @@
             <a:rPr lang="hu-HU" sz="2000" kern="1200"/>
             <a:t>Különböző forgatókönyvek</a:t>
           </a:r>
-          <a:endParaRPr lang="hu-HU" sz="2000" kern="1200"/>
         </a:p>
       </dsp:txBody>
       <dsp:txXfrm>
@@ -14230,11 +14133,6 @@
             </a:rPr>
             <a:t>Egy solution, két project</a:t>
           </a:r>
-          <a:endParaRPr lang="hu-HU" sz="2200" kern="1200">
-            <a:solidFill>
-              <a:schemeClr val="tx1"/>
-            </a:solidFill>
-          </a:endParaRPr>
         </a:p>
         <a:p>
           <a:pPr marL="171450" lvl="1" indent="-171450" algn="l" defTabSz="755650">
@@ -14257,11 +14155,6 @@
             </a:rPr>
             <a:t>TSL nyelv az adattípusok leírására</a:t>
           </a:r>
-          <a:endParaRPr lang="hu-HU" sz="1700" kern="1200">
-            <a:solidFill>
-              <a:schemeClr val="tx1"/>
-            </a:solidFill>
-          </a:endParaRPr>
         </a:p>
         <a:p>
           <a:pPr marL="171450" lvl="1" indent="-171450" algn="l" defTabSz="755650">
@@ -14284,11 +14177,6 @@
             </a:rPr>
             <a:t>C# az adateléréshez és manipulációhoz</a:t>
           </a:r>
-          <a:endParaRPr lang="hu-HU" sz="1700" kern="1200">
-            <a:solidFill>
-              <a:schemeClr val="tx1"/>
-            </a:solidFill>
-          </a:endParaRPr>
         </a:p>
       </dsp:txBody>
       <dsp:txXfrm rot="10800000">
@@ -14412,11 +14300,6 @@
             </a:rPr>
             <a:t>Accessorok</a:t>
           </a:r>
-          <a:endParaRPr lang="hu-HU" sz="2200" kern="1200">
-            <a:solidFill>
-              <a:schemeClr val="tx1"/>
-            </a:solidFill>
-          </a:endParaRPr>
         </a:p>
         <a:p>
           <a:pPr marL="171450" lvl="1" indent="-171450" algn="l" defTabSz="755650">
@@ -14439,11 +14322,6 @@
             </a:rPr>
             <a:t>Automatikus</a:t>
           </a:r>
-          <a:endParaRPr lang="hu-HU" sz="1700" kern="1200">
-            <a:solidFill>
-              <a:schemeClr val="tx1"/>
-            </a:solidFill>
-          </a:endParaRPr>
         </a:p>
         <a:p>
           <a:pPr marL="171450" lvl="1" indent="-171450" algn="l" defTabSz="755650">
@@ -14466,11 +14344,6 @@
             </a:rPr>
             <a:t>Objektum-orientált</a:t>
           </a:r>
-          <a:endParaRPr lang="hu-HU" sz="1700" kern="1200">
-            <a:solidFill>
-              <a:schemeClr val="tx1"/>
-            </a:solidFill>
-          </a:endParaRPr>
         </a:p>
       </dsp:txBody>
       <dsp:txXfrm rot="10800000">
@@ -14580,18 +14453,13 @@
             <a:buNone/>
           </a:pPr>
           <a:r>
-            <a:rPr lang="hu-HU" sz="2200" kern="1200">
+            <a:rPr lang="hu-HU" sz="2200" kern="1200" dirty="0">
               <a:solidFill>
                 <a:schemeClr val="tx1"/>
               </a:solidFill>
             </a:rPr>
             <a:t>LINQ támogatott, de vannak nehézségek</a:t>
           </a:r>
-          <a:endParaRPr lang="hu-HU" sz="2200" kern="1200">
-            <a:solidFill>
-              <a:schemeClr val="tx1"/>
-            </a:solidFill>
-          </a:endParaRPr>
         </a:p>
       </dsp:txBody>
       <dsp:txXfrm rot="10800000">
@@ -14726,7 +14594,6 @@
             <a:rPr lang="hu-HU" sz="2200" kern="1200"/>
             <a:t>Két eszközteszt futtatása Windows környezetben</a:t>
           </a:r>
-          <a:endParaRPr lang="hu-HU" sz="2200" kern="1200"/>
         </a:p>
       </dsp:txBody>
       <dsp:txXfrm>
@@ -14787,7 +14654,6 @@
             <a:rPr lang="hu-HU" sz="1700" kern="1200"/>
             <a:t>RDF4J &amp; Jena</a:t>
           </a:r>
-          <a:endParaRPr lang="hu-HU" sz="1700" kern="1200"/>
         </a:p>
       </dsp:txBody>
       <dsp:txXfrm>
@@ -14865,7 +14731,6 @@
             <a:rPr lang="hu-HU" sz="2200" kern="1200"/>
             <a:t>Train Benchmark forgatókönyvek implementálása a Graph Engine használatával</a:t>
           </a:r>
-          <a:endParaRPr lang="hu-HU" sz="2200" kern="1200"/>
         </a:p>
       </dsp:txBody>
       <dsp:txXfrm>
@@ -14943,7 +14808,6 @@
             <a:rPr lang="hu-HU" sz="2200" kern="1200"/>
             <a:t>6-ból 2 kényszer</a:t>
           </a:r>
-          <a:endParaRPr lang="hu-HU" sz="2200" kern="1200"/>
         </a:p>
       </dsp:txBody>
       <dsp:txXfrm>
@@ -15021,7 +14885,6 @@
             <a:rPr lang="hu-HU" sz="2200" kern="1200"/>
             <a:t>Különböző méretű modelleken</a:t>
           </a:r>
-          <a:endParaRPr lang="hu-HU" sz="2200" kern="1200"/>
         </a:p>
       </dsp:txBody>
       <dsp:txXfrm>
@@ -15082,7 +14945,6 @@
             <a:rPr lang="hu-HU" sz="1700" kern="1200"/>
             <a:t>Kb. 5000 - 2,3 millió elem</a:t>
           </a:r>
-          <a:endParaRPr lang="hu-HU" sz="1700" kern="1200"/>
         </a:p>
       </dsp:txBody>
       <dsp:txXfrm>
@@ -16397,7 +16259,7 @@
       </dsp:nvSpPr>
       <dsp:spPr>
         <a:xfrm>
-          <a:off x="0" y="1466"/>
+          <a:off x="0" y="0"/>
           <a:ext cx="4153982" cy="0"/>
         </a:xfrm>
         <a:prstGeom prst="line">
@@ -16446,8 +16308,8 @@
       </dsp:nvSpPr>
       <dsp:spPr>
         <a:xfrm>
-          <a:off x="0" y="1466"/>
-          <a:ext cx="4153982" cy="1000024"/>
+          <a:off x="0" y="0"/>
+          <a:ext cx="4153982" cy="1501502"/>
         </a:xfrm>
         <a:prstGeom prst="rect">
           <a:avLst/>
@@ -16520,12 +16382,15 @@
             <a:rPr lang="en-US" sz="2400" kern="1200" dirty="0" err="1"/>
             <a:t>lehet</a:t>
           </a:r>
-          <a:endParaRPr lang="hu-HU" sz="2400" kern="1200" dirty="0"/>
+          <a:r>
+            <a:rPr lang="hu-HU" sz="2400" kern="1200" dirty="0"/>
+            <a:t>, de nem minden szempontból</a:t>
+          </a:r>
         </a:p>
       </dsp:txBody>
       <dsp:txXfrm>
-        <a:off x="0" y="1466"/>
-        <a:ext cx="4153982" cy="1000024"/>
+        <a:off x="0" y="0"/>
+        <a:ext cx="4153982" cy="1501502"/>
       </dsp:txXfrm>
     </dsp:sp>
     <dsp:sp modelId="{4E786B78-44F7-410D-9251-9C2AFD22A55E}">
@@ -16535,7 +16400,7 @@
       </dsp:nvSpPr>
       <dsp:spPr>
         <a:xfrm>
-          <a:off x="0" y="1001490"/>
+          <a:off x="0" y="1501502"/>
           <a:ext cx="4153982" cy="0"/>
         </a:xfrm>
         <a:prstGeom prst="line">
@@ -16584,8 +16449,8 @@
       </dsp:nvSpPr>
       <dsp:spPr>
         <a:xfrm>
-          <a:off x="0" y="1001490"/>
-          <a:ext cx="4153982" cy="1000024"/>
+          <a:off x="0" y="1501502"/>
+          <a:ext cx="4153982" cy="1501502"/>
         </a:xfrm>
         <a:prstGeom prst="rect">
           <a:avLst/>
@@ -16658,122 +16523,8 @@
         </a:p>
       </dsp:txBody>
       <dsp:txXfrm>
-        <a:off x="0" y="1001490"/>
-        <a:ext cx="4153982" cy="1000024"/>
-      </dsp:txXfrm>
-    </dsp:sp>
-    <dsp:sp modelId="{F9A111F5-6ED4-4136-BF36-88EA82353CE2}">
-      <dsp:nvSpPr>
-        <dsp:cNvPr id="0" name=""/>
-        <dsp:cNvSpPr/>
-      </dsp:nvSpPr>
-      <dsp:spPr>
-        <a:xfrm>
-          <a:off x="0" y="2001514"/>
-          <a:ext cx="4153982" cy="0"/>
-        </a:xfrm>
-        <a:prstGeom prst="line">
-          <a:avLst/>
-        </a:prstGeom>
-        <a:solidFill>
-          <a:schemeClr val="accent1">
-            <a:hueOff val="0"/>
-            <a:satOff val="0"/>
-            <a:lumOff val="0"/>
-            <a:alphaOff val="0"/>
-          </a:schemeClr>
-        </a:solidFill>
-        <a:ln w="25400" cap="flat" cmpd="sng" algn="ctr">
-          <a:solidFill>
-            <a:schemeClr val="accent1">
-              <a:hueOff val="0"/>
-              <a:satOff val="0"/>
-              <a:lumOff val="0"/>
-              <a:alphaOff val="0"/>
-            </a:schemeClr>
-          </a:solidFill>
-          <a:prstDash val="solid"/>
-        </a:ln>
-        <a:effectLst/>
-      </dsp:spPr>
-      <dsp:style>
-        <a:lnRef idx="2">
-          <a:scrgbClr r="0" g="0" b="0"/>
-        </a:lnRef>
-        <a:fillRef idx="1">
-          <a:scrgbClr r="0" g="0" b="0"/>
-        </a:fillRef>
-        <a:effectRef idx="0">
-          <a:scrgbClr r="0" g="0" b="0"/>
-        </a:effectRef>
-        <a:fontRef idx="minor">
-          <a:schemeClr val="lt1"/>
-        </a:fontRef>
-      </dsp:style>
-    </dsp:sp>
-    <dsp:sp modelId="{C3BBC625-1140-4642-B954-48858C509C41}">
-      <dsp:nvSpPr>
-        <dsp:cNvPr id="0" name=""/>
-        <dsp:cNvSpPr/>
-      </dsp:nvSpPr>
-      <dsp:spPr>
-        <a:xfrm>
-          <a:off x="0" y="2001514"/>
-          <a:ext cx="4153982" cy="1000024"/>
-        </a:xfrm>
-        <a:prstGeom prst="rect">
-          <a:avLst/>
-        </a:prstGeom>
-        <a:noFill/>
-        <a:ln>
-          <a:noFill/>
-        </a:ln>
-        <a:effectLst/>
-      </dsp:spPr>
-      <dsp:style>
-        <a:lnRef idx="0">
-          <a:scrgbClr r="0" g="0" b="0"/>
-        </a:lnRef>
-        <a:fillRef idx="0">
-          <a:scrgbClr r="0" g="0" b="0"/>
-        </a:fillRef>
-        <a:effectRef idx="0">
-          <a:scrgbClr r="0" g="0" b="0"/>
-        </a:effectRef>
-        <a:fontRef idx="minor"/>
-      </dsp:style>
-      <dsp:txBody>
-        <a:bodyPr spcFirstLastPara="0" vert="horz" wrap="square" lIns="91440" tIns="91440" rIns="91440" bIns="91440" numCol="1" spcCol="1270" anchor="ctr" anchorCtr="0">
-          <a:noAutofit/>
-        </a:bodyPr>
-        <a:lstStyle/>
-        <a:p>
-          <a:pPr marL="0" lvl="0" indent="0" algn="just" defTabSz="1066800">
-            <a:lnSpc>
-              <a:spcPct val="90000"/>
-            </a:lnSpc>
-            <a:spcBef>
-              <a:spcPct val="0"/>
-            </a:spcBef>
-            <a:spcAft>
-              <a:spcPct val="35000"/>
-            </a:spcAft>
-            <a:buNone/>
-          </a:pPr>
-          <a:r>
-            <a:rPr lang="hu-HU" sz="2400" kern="1200" dirty="0"/>
-            <a:t>Aki ezt elolvassa, </a:t>
-          </a:r>
-          <a:r>
-            <a:rPr lang="hu-HU" sz="2400" kern="1200" dirty="0" err="1"/>
-            <a:t>kacsintson</a:t>
-          </a:r>
-          <a:endParaRPr lang="en-US" sz="2400" kern="1200" dirty="0"/>
-        </a:p>
-      </dsp:txBody>
-      <dsp:txXfrm>
-        <a:off x="0" y="2001514"/>
-        <a:ext cx="4153982" cy="1000024"/>
+        <a:off x="0" y="1501502"/>
+        <a:ext cx="4153982" cy="1501502"/>
       </dsp:txXfrm>
     </dsp:sp>
   </dsp:spTree>
@@ -17167,15 +16918,12 @@
         <a:prstGeom prst="rect">
           <a:avLst/>
         </a:prstGeom>
-        <a:solidFill>
-          <a:schemeClr val="accent1">
-            <a:shade val="80000"/>
-            <a:hueOff val="0"/>
-            <a:satOff val="0"/>
-            <a:lumOff val="0"/>
-            <a:alphaOff val="0"/>
-          </a:schemeClr>
-        </a:solidFill>
+        <a:blipFill rotWithShape="0">
+          <a:blip xmlns:r="http://schemas.openxmlformats.org/officeDocument/2006/relationships" r:embed="rId1"/>
+          <a:stretch>
+            <a:fillRect/>
+          </a:stretch>
+        </a:blipFill>
         <a:ln>
           <a:noFill/>
         </a:ln>
@@ -32625,7 +32373,7 @@
           <a:p>
             <a:fld id="{D320DF98-73A7-40A6-8A84-2EB5B4F2C4CC}" type="datetimeFigureOut">
               <a:rPr lang="hu-HU" smtClean="0"/>
-              <a:t>2017.06.12.</a:t>
+              <a:t>2017.06.13.</a:t>
             </a:fld>
             <a:endParaRPr lang="hu-HU"/>
           </a:p>
@@ -32791,7 +32539,7 @@
             <a:fld id="{B9130191-0BE1-0142-AFC1-0297AE024A0E}" type="datetimeFigureOut">
               <a:rPr lang="en-US" smtClean="0"/>
               <a:pPr/>
-              <a:t>6/12/2017</a:t>
+              <a:t>6/13/2017</a:t>
             </a:fld>
             <a:endParaRPr lang="en-US"/>
           </a:p>
@@ -33192,6 +32940,466 @@
           <a:lstStyle/>
           <a:p>
             <a:r>
+              <a:rPr lang="hu-HU" dirty="0"/>
+              <a:t>RDF4J</a:t>
+            </a:r>
+            <a:r>
+              <a:rPr lang="hu-HU" baseline="0" dirty="0"/>
+              <a:t> és Jena RDF gráf alapú eszközök, ezért ezt választottam ki</a:t>
+            </a:r>
+          </a:p>
+          <a:p>
+            <a:endParaRPr lang="hu-HU" baseline="0" dirty="0"/>
+          </a:p>
+        </p:txBody>
+      </p:sp>
+      <p:sp>
+        <p:nvSpPr>
+          <p:cNvPr id="4" name="Slide Number Placeholder 3"/>
+          <p:cNvSpPr>
+            <a:spLocks noGrp="1"/>
+          </p:cNvSpPr>
+          <p:nvPr>
+            <p:ph type="sldNum" sz="quarter" idx="10"/>
+          </p:nvPr>
+        </p:nvSpPr>
+        <p:spPr/>
+        <p:txBody>
+          <a:bodyPr/>
+          <a:lstStyle/>
+          <a:p>
+            <a:fld id="{A70A3C59-3253-3B42-8BE0-F6D0BA6B0441}" type="slidenum">
+              <a:rPr lang="en-US" smtClean="0"/>
+              <a:pPr/>
+              <a:t>10</a:t>
+            </a:fld>
+            <a:endParaRPr lang="en-US"/>
+          </a:p>
+        </p:txBody>
+      </p:sp>
+    </p:spTree>
+    <p:extLst>
+      <p:ext uri="{BB962C8B-B14F-4D97-AF65-F5344CB8AC3E}">
+        <p14:creationId xmlns:p14="http://schemas.microsoft.com/office/powerpoint/2010/main" val="2621123209"/>
+      </p:ext>
+    </p:extLst>
+  </p:cSld>
+  <p:clrMapOvr>
+    <a:masterClrMapping/>
+  </p:clrMapOvr>
+</p:notes>
+</file>
+
+<file path=ppt/notesSlides/notesSlide11.xml><?xml version="1.0" encoding="utf-8"?>
+<p:notes xmlns:a="http://schemas.openxmlformats.org/drawingml/2006/main" xmlns:r="http://schemas.openxmlformats.org/officeDocument/2006/relationships" xmlns:p="http://schemas.openxmlformats.org/presentationml/2006/main">
+  <p:cSld>
+    <p:spTree>
+      <p:nvGrpSpPr>
+        <p:cNvPr id="1" name=""/>
+        <p:cNvGrpSpPr/>
+        <p:nvPr/>
+      </p:nvGrpSpPr>
+      <p:grpSpPr>
+        <a:xfrm>
+          <a:off x="0" y="0"/>
+          <a:ext cx="0" cy="0"/>
+          <a:chOff x="0" y="0"/>
+          <a:chExt cx="0" cy="0"/>
+        </a:xfrm>
+      </p:grpSpPr>
+      <p:sp>
+        <p:nvSpPr>
+          <p:cNvPr id="2" name="Slide Image Placeholder 1"/>
+          <p:cNvSpPr>
+            <a:spLocks noGrp="1" noRot="1" noChangeAspect="1"/>
+          </p:cNvSpPr>
+          <p:nvPr>
+            <p:ph type="sldImg"/>
+          </p:nvPr>
+        </p:nvSpPr>
+        <p:spPr/>
+      </p:sp>
+      <p:sp>
+        <p:nvSpPr>
+          <p:cNvPr id="3" name="Notes Placeholder 2"/>
+          <p:cNvSpPr>
+            <a:spLocks noGrp="1"/>
+          </p:cNvSpPr>
+          <p:nvPr>
+            <p:ph type="body" idx="1"/>
+          </p:nvPr>
+        </p:nvSpPr>
+        <p:spPr/>
+        <p:txBody>
+          <a:bodyPr/>
+          <a:lstStyle/>
+          <a:p>
+            <a:r>
+              <a:rPr lang="hu-HU" dirty="0"/>
+              <a:t>Mérésre a </a:t>
+            </a:r>
+            <a:r>
+              <a:rPr lang="hu-HU" dirty="0" err="1"/>
+              <a:t>Stopwatch</a:t>
+            </a:r>
+            <a:r>
+              <a:rPr lang="hu-HU" dirty="0"/>
+              <a:t> osztályt választottam</a:t>
+            </a:r>
+          </a:p>
+          <a:p>
+            <a:r>
+              <a:rPr lang="hu-HU" dirty="0"/>
+              <a:t>Ennek pontossága </a:t>
+            </a:r>
+            <a:r>
+              <a:rPr lang="hu-HU" dirty="0" err="1"/>
+              <a:t>ms</a:t>
+            </a:r>
+            <a:r>
+              <a:rPr lang="hu-HU" dirty="0"/>
+              <a:t> vagy </a:t>
+            </a:r>
+            <a:r>
+              <a:rPr lang="hu-HU" dirty="0" err="1"/>
+              <a:t>ElapsedTicks</a:t>
+            </a:r>
+            <a:endParaRPr lang="hu-HU" baseline="0" dirty="0"/>
+          </a:p>
+          <a:p>
+            <a:r>
+              <a:rPr lang="hu-HU" baseline="0" dirty="0"/>
+              <a:t>Eredetileg úgy gondoltam, hogy a </a:t>
+            </a:r>
+            <a:r>
+              <a:rPr lang="hu-HU" baseline="0" dirty="0" err="1"/>
+              <a:t>ms</a:t>
+            </a:r>
+            <a:r>
+              <a:rPr lang="hu-HU" baseline="0" dirty="0"/>
+              <a:t> pontosság kevés, ezért </a:t>
+            </a:r>
+            <a:r>
+              <a:rPr lang="hu-HU" baseline="0" dirty="0" err="1"/>
+              <a:t>ElapsedTicks</a:t>
+            </a:r>
+            <a:r>
+              <a:rPr lang="hu-HU" baseline="0" dirty="0"/>
+              <a:t>/</a:t>
+            </a:r>
+            <a:r>
+              <a:rPr lang="hu-HU" baseline="0" dirty="0" err="1"/>
+              <a:t>Frequency</a:t>
+            </a:r>
+            <a:r>
+              <a:rPr lang="hu-HU" baseline="0" dirty="0"/>
+              <a:t>-vel lehet nagyobb pontosságot elérni</a:t>
+            </a:r>
+          </a:p>
+          <a:p>
+            <a:endParaRPr lang="hu-HU" dirty="0"/>
+          </a:p>
+        </p:txBody>
+      </p:sp>
+      <p:sp>
+        <p:nvSpPr>
+          <p:cNvPr id="4" name="Slide Number Placeholder 3"/>
+          <p:cNvSpPr>
+            <a:spLocks noGrp="1"/>
+          </p:cNvSpPr>
+          <p:nvPr>
+            <p:ph type="sldNum" sz="quarter" idx="10"/>
+          </p:nvPr>
+        </p:nvSpPr>
+        <p:spPr/>
+        <p:txBody>
+          <a:bodyPr/>
+          <a:lstStyle/>
+          <a:p>
+            <a:fld id="{A70A3C59-3253-3B42-8BE0-F6D0BA6B0441}" type="slidenum">
+              <a:rPr lang="en-US" smtClean="0"/>
+              <a:pPr/>
+              <a:t>11</a:t>
+            </a:fld>
+            <a:endParaRPr lang="en-US"/>
+          </a:p>
+        </p:txBody>
+      </p:sp>
+    </p:spTree>
+    <p:extLst>
+      <p:ext uri="{BB962C8B-B14F-4D97-AF65-F5344CB8AC3E}">
+        <p14:creationId xmlns:p14="http://schemas.microsoft.com/office/powerpoint/2010/main" val="63176455"/>
+      </p:ext>
+    </p:extLst>
+  </p:cSld>
+  <p:clrMapOvr>
+    <a:masterClrMapping/>
+  </p:clrMapOvr>
+</p:notes>
+</file>
+
+<file path=ppt/notesSlides/notesSlide12.xml><?xml version="1.0" encoding="utf-8"?>
+<p:notes xmlns:a="http://schemas.openxmlformats.org/drawingml/2006/main" xmlns:r="http://schemas.openxmlformats.org/officeDocument/2006/relationships" xmlns:p="http://schemas.openxmlformats.org/presentationml/2006/main">
+  <p:cSld>
+    <p:spTree>
+      <p:nvGrpSpPr>
+        <p:cNvPr id="1" name=""/>
+        <p:cNvGrpSpPr/>
+        <p:nvPr/>
+      </p:nvGrpSpPr>
+      <p:grpSpPr>
+        <a:xfrm>
+          <a:off x="0" y="0"/>
+          <a:ext cx="0" cy="0"/>
+          <a:chOff x="0" y="0"/>
+          <a:chExt cx="0" cy="0"/>
+        </a:xfrm>
+      </p:grpSpPr>
+      <p:sp>
+        <p:nvSpPr>
+          <p:cNvPr id="2" name="Slide Image Placeholder 1"/>
+          <p:cNvSpPr>
+            <a:spLocks noGrp="1" noRot="1" noChangeAspect="1"/>
+          </p:cNvSpPr>
+          <p:nvPr>
+            <p:ph type="sldImg"/>
+          </p:nvPr>
+        </p:nvSpPr>
+        <p:spPr/>
+      </p:sp>
+      <p:sp>
+        <p:nvSpPr>
+          <p:cNvPr id="3" name="Notes Placeholder 2"/>
+          <p:cNvSpPr>
+            <a:spLocks noGrp="1"/>
+          </p:cNvSpPr>
+          <p:nvPr>
+            <p:ph type="body" idx="1"/>
+          </p:nvPr>
+        </p:nvSpPr>
+        <p:spPr/>
+        <p:txBody>
+          <a:bodyPr/>
+          <a:lstStyle/>
+          <a:p>
+            <a:r>
+              <a:rPr lang="hu-HU" noProof="0" dirty="0" err="1"/>
+              <a:t>Recheck</a:t>
+            </a:r>
+            <a:r>
+              <a:rPr lang="hu-HU" noProof="0" dirty="0"/>
+              <a:t> eredményei minden esetben megegyeznek a </a:t>
+            </a:r>
+            <a:r>
+              <a:rPr lang="hu-HU" noProof="0" dirty="0" err="1"/>
+              <a:t>Check</a:t>
+            </a:r>
+            <a:r>
+              <a:rPr lang="hu-HU" noProof="0" dirty="0"/>
+              <a:t> eredményeivel.</a:t>
+            </a:r>
+          </a:p>
+        </p:txBody>
+      </p:sp>
+      <p:sp>
+        <p:nvSpPr>
+          <p:cNvPr id="4" name="Slide Number Placeholder 3"/>
+          <p:cNvSpPr>
+            <a:spLocks noGrp="1"/>
+          </p:cNvSpPr>
+          <p:nvPr>
+            <p:ph type="sldNum" sz="quarter" idx="10"/>
+          </p:nvPr>
+        </p:nvSpPr>
+        <p:spPr/>
+        <p:txBody>
+          <a:bodyPr/>
+          <a:lstStyle/>
+          <a:p>
+            <a:fld id="{A70A3C59-3253-3B42-8BE0-F6D0BA6B0441}" type="slidenum">
+              <a:rPr lang="en-US" smtClean="0"/>
+              <a:pPr/>
+              <a:t>12</a:t>
+            </a:fld>
+            <a:endParaRPr lang="en-US"/>
+          </a:p>
+        </p:txBody>
+      </p:sp>
+    </p:spTree>
+    <p:extLst>
+      <p:ext uri="{BB962C8B-B14F-4D97-AF65-F5344CB8AC3E}">
+        <p14:creationId xmlns:p14="http://schemas.microsoft.com/office/powerpoint/2010/main" val="2520712550"/>
+      </p:ext>
+    </p:extLst>
+  </p:cSld>
+  <p:clrMapOvr>
+    <a:masterClrMapping/>
+  </p:clrMapOvr>
+</p:notes>
+</file>
+
+<file path=ppt/notesSlides/notesSlide13.xml><?xml version="1.0" encoding="utf-8"?>
+<p:notes xmlns:a="http://schemas.openxmlformats.org/drawingml/2006/main" xmlns:r="http://schemas.openxmlformats.org/officeDocument/2006/relationships" xmlns:p="http://schemas.openxmlformats.org/presentationml/2006/main">
+  <p:cSld>
+    <p:spTree>
+      <p:nvGrpSpPr>
+        <p:cNvPr id="1" name=""/>
+        <p:cNvGrpSpPr/>
+        <p:nvPr/>
+      </p:nvGrpSpPr>
+      <p:grpSpPr>
+        <a:xfrm>
+          <a:off x="0" y="0"/>
+          <a:ext cx="0" cy="0"/>
+          <a:chOff x="0" y="0"/>
+          <a:chExt cx="0" cy="0"/>
+        </a:xfrm>
+      </p:grpSpPr>
+      <p:sp>
+        <p:nvSpPr>
+          <p:cNvPr id="2" name="Slide Image Placeholder 1"/>
+          <p:cNvSpPr>
+            <a:spLocks noGrp="1" noRot="1" noChangeAspect="1"/>
+          </p:cNvSpPr>
+          <p:nvPr>
+            <p:ph type="sldImg"/>
+          </p:nvPr>
+        </p:nvSpPr>
+        <p:spPr/>
+      </p:sp>
+      <p:sp>
+        <p:nvSpPr>
+          <p:cNvPr id="3" name="Notes Placeholder 2"/>
+          <p:cNvSpPr>
+            <a:spLocks noGrp="1"/>
+          </p:cNvSpPr>
+          <p:nvPr>
+            <p:ph type="body" idx="1"/>
+          </p:nvPr>
+        </p:nvSpPr>
+        <p:spPr/>
+        <p:txBody>
+          <a:bodyPr/>
+          <a:lstStyle/>
+          <a:p>
+            <a:r>
+              <a:rPr lang="hu-HU" dirty="0"/>
+              <a:t>Az eredmények az egyik kényszerhez tartozóan</a:t>
+            </a:r>
+          </a:p>
+          <a:p>
+            <a:r>
+              <a:rPr lang="hu-HU" dirty="0" err="1"/>
+              <a:t>Inject</a:t>
+            </a:r>
+            <a:r>
+              <a:rPr lang="hu-HU" baseline="0" dirty="0"/>
+              <a:t> eredménye javult -&gt; nagyobb modellnél könnyebb olyan helyet találni, ahova lehet hibát injektálni</a:t>
+            </a:r>
+          </a:p>
+          <a:p>
+            <a:r>
+              <a:rPr lang="hu-HU" baseline="0" dirty="0" err="1"/>
+              <a:t>Repair</a:t>
+            </a:r>
+            <a:r>
+              <a:rPr lang="hu-HU" baseline="0" dirty="0"/>
+              <a:t> keresés – javítás a </a:t>
+            </a:r>
+            <a:r>
+              <a:rPr lang="hu-HU" baseline="0" dirty="0" err="1"/>
+              <a:t>check</a:t>
+            </a:r>
+            <a:r>
+              <a:rPr lang="hu-HU" baseline="0" dirty="0"/>
+              <a:t> eredményeihez hasonló</a:t>
+            </a:r>
+            <a:endParaRPr lang="hu-HU" dirty="0"/>
+          </a:p>
+        </p:txBody>
+      </p:sp>
+      <p:sp>
+        <p:nvSpPr>
+          <p:cNvPr id="4" name="Slide Number Placeholder 3"/>
+          <p:cNvSpPr>
+            <a:spLocks noGrp="1"/>
+          </p:cNvSpPr>
+          <p:nvPr>
+            <p:ph type="sldNum" sz="quarter" idx="10"/>
+          </p:nvPr>
+        </p:nvSpPr>
+        <p:spPr/>
+        <p:txBody>
+          <a:bodyPr/>
+          <a:lstStyle/>
+          <a:p>
+            <a:fld id="{A70A3C59-3253-3B42-8BE0-F6D0BA6B0441}" type="slidenum">
+              <a:rPr lang="en-US" smtClean="0"/>
+              <a:pPr/>
+              <a:t>13</a:t>
+            </a:fld>
+            <a:endParaRPr lang="en-US"/>
+          </a:p>
+        </p:txBody>
+      </p:sp>
+    </p:spTree>
+    <p:extLst>
+      <p:ext uri="{BB962C8B-B14F-4D97-AF65-F5344CB8AC3E}">
+        <p14:creationId xmlns:p14="http://schemas.microsoft.com/office/powerpoint/2010/main" val="3554251715"/>
+      </p:ext>
+    </p:extLst>
+  </p:cSld>
+  <p:clrMapOvr>
+    <a:masterClrMapping/>
+  </p:clrMapOvr>
+</p:notes>
+</file>
+
+<file path=ppt/notesSlides/notesSlide14.xml><?xml version="1.0" encoding="utf-8"?>
+<p:notes xmlns:a="http://schemas.openxmlformats.org/drawingml/2006/main" xmlns:r="http://schemas.openxmlformats.org/officeDocument/2006/relationships" xmlns:p="http://schemas.openxmlformats.org/presentationml/2006/main">
+  <p:cSld>
+    <p:spTree>
+      <p:nvGrpSpPr>
+        <p:cNvPr id="1" name=""/>
+        <p:cNvGrpSpPr/>
+        <p:nvPr/>
+      </p:nvGrpSpPr>
+      <p:grpSpPr>
+        <a:xfrm>
+          <a:off x="0" y="0"/>
+          <a:ext cx="0" cy="0"/>
+          <a:chOff x="0" y="0"/>
+          <a:chExt cx="0" cy="0"/>
+        </a:xfrm>
+      </p:grpSpPr>
+      <p:sp>
+        <p:nvSpPr>
+          <p:cNvPr id="2" name="Slide Image Placeholder 1"/>
+          <p:cNvSpPr>
+            <a:spLocks noGrp="1" noRot="1" noChangeAspect="1"/>
+          </p:cNvSpPr>
+          <p:nvPr>
+            <p:ph type="sldImg"/>
+          </p:nvPr>
+        </p:nvSpPr>
+        <p:spPr/>
+      </p:sp>
+      <p:sp>
+        <p:nvSpPr>
+          <p:cNvPr id="3" name="Notes Placeholder 2"/>
+          <p:cNvSpPr>
+            <a:spLocks noGrp="1"/>
+          </p:cNvSpPr>
+          <p:nvPr>
+            <p:ph type="body" idx="1"/>
+          </p:nvPr>
+        </p:nvSpPr>
+        <p:spPr/>
+        <p:txBody>
+          <a:bodyPr/>
+          <a:lstStyle/>
+          <a:p>
+            <a:r>
               <a:rPr lang="hu-HU" noProof="0" dirty="0" err="1"/>
               <a:t>Graph</a:t>
             </a:r>
@@ -33207,6 +33415,70 @@
               <a:rPr lang="hu-HU" noProof="0" dirty="0"/>
               <a:t> előnyei és hátrányai a másik két eszközhöz képest.</a:t>
             </a:r>
+          </a:p>
+          <a:p>
+            <a:r>
+              <a:rPr lang="hu-HU" noProof="0" dirty="0"/>
+              <a:t>Előnyök:</a:t>
+            </a:r>
+          </a:p>
+          <a:p>
+            <a:r>
+              <a:rPr lang="hu-HU" noProof="0" dirty="0"/>
+              <a:t>	Nagyobb modellekre hatékonyabb</a:t>
+            </a:r>
+            <a:r>
+              <a:rPr lang="hu-HU" baseline="0" noProof="0" dirty="0"/>
+              <a:t> lehet, de például a </a:t>
+            </a:r>
+            <a:r>
+              <a:rPr lang="hu-HU" baseline="0" noProof="0" dirty="0" err="1"/>
+              <a:t>Repair</a:t>
+            </a:r>
+            <a:r>
+              <a:rPr lang="hu-HU" baseline="0" noProof="0" dirty="0"/>
+              <a:t> esetében ez nem látszott</a:t>
+            </a:r>
+          </a:p>
+          <a:p>
+            <a:r>
+              <a:rPr lang="hu-HU" baseline="0" noProof="0" dirty="0"/>
+              <a:t>	A modell méretétől függetlenül a kis részének a módosítása gyors</a:t>
+            </a:r>
+          </a:p>
+          <a:p>
+            <a:r>
+              <a:rPr lang="hu-HU" baseline="0" noProof="0" dirty="0" err="1"/>
+              <a:t>Hártányok</a:t>
+            </a:r>
+            <a:endParaRPr lang="hu-HU" baseline="0" noProof="0" dirty="0"/>
+          </a:p>
+          <a:p>
+            <a:r>
+              <a:rPr lang="hu-HU" baseline="0" noProof="0" dirty="0"/>
+              <a:t>	Kisebb méretre rosszabb</a:t>
+            </a:r>
+          </a:p>
+          <a:p>
+            <a:r>
+              <a:rPr lang="hu-HU" baseline="0" noProof="0" dirty="0"/>
+              <a:t>	Beolvasás lassabb volt, ennek legfőbb oka a beolvasásra választott könyvtár lassúsága</a:t>
+            </a:r>
+          </a:p>
+          <a:p>
+            <a:r>
+              <a:rPr lang="hu-HU" baseline="0" noProof="0" dirty="0"/>
+              <a:t>	Az azonos típusokat nem lehet egy lekérdezésbe írni, ez lassítja a rendszert (sok lekérdezés </a:t>
+            </a:r>
+            <a:r>
+              <a:rPr lang="hu-HU" baseline="0" noProof="0" dirty="0" err="1"/>
+              <a:t>overhead</a:t>
+            </a:r>
+            <a:r>
+              <a:rPr lang="hu-HU" baseline="0" noProof="0" dirty="0"/>
+              <a:t>)</a:t>
+            </a:r>
+            <a:endParaRPr lang="hu-HU" noProof="0" dirty="0"/>
           </a:p>
         </p:txBody>
       </p:sp>
@@ -33247,7 +33519,208 @@
 </p:notes>
 </file>
 
-<file path=ppt/notesSlides/notesSlide11.xml><?xml version="1.0" encoding="utf-8"?>
+<file path=ppt/notesSlides/notesSlide15.xml><?xml version="1.0" encoding="utf-8"?>
+<p:notes xmlns:a="http://schemas.openxmlformats.org/drawingml/2006/main" xmlns:r="http://schemas.openxmlformats.org/officeDocument/2006/relationships" xmlns:p="http://schemas.openxmlformats.org/presentationml/2006/main">
+  <p:cSld>
+    <p:spTree>
+      <p:nvGrpSpPr>
+        <p:cNvPr id="1" name=""/>
+        <p:cNvGrpSpPr/>
+        <p:nvPr/>
+      </p:nvGrpSpPr>
+      <p:grpSpPr>
+        <a:xfrm>
+          <a:off x="0" y="0"/>
+          <a:ext cx="0" cy="0"/>
+          <a:chOff x="0" y="0"/>
+          <a:chExt cx="0" cy="0"/>
+        </a:xfrm>
+      </p:grpSpPr>
+      <p:sp>
+        <p:nvSpPr>
+          <p:cNvPr id="2" name="Slide Image Placeholder 1"/>
+          <p:cNvSpPr>
+            <a:spLocks noGrp="1" noRot="1" noChangeAspect="1"/>
+          </p:cNvSpPr>
+          <p:nvPr>
+            <p:ph type="sldImg"/>
+          </p:nvPr>
+        </p:nvSpPr>
+        <p:spPr/>
+      </p:sp>
+      <p:sp>
+        <p:nvSpPr>
+          <p:cNvPr id="3" name="Notes Placeholder 2"/>
+          <p:cNvSpPr>
+            <a:spLocks noGrp="1"/>
+          </p:cNvSpPr>
+          <p:nvPr>
+            <p:ph type="body" idx="1"/>
+          </p:nvPr>
+        </p:nvSpPr>
+        <p:spPr/>
+        <p:txBody>
+          <a:bodyPr/>
+          <a:lstStyle/>
+          <a:p>
+            <a:r>
+              <a:rPr lang="hu-HU" dirty="0"/>
+              <a:t>Lefuttattam</a:t>
+            </a:r>
+            <a:r>
+              <a:rPr lang="hu-HU" baseline="0" dirty="0"/>
+              <a:t> a </a:t>
+            </a:r>
+            <a:r>
+              <a:rPr lang="hu-HU" baseline="0" dirty="0" err="1"/>
+              <a:t>Train</a:t>
+            </a:r>
+            <a:r>
+              <a:rPr lang="hu-HU" baseline="0" dirty="0"/>
+              <a:t> Benchmark két választott eszközén a teljesítménymérést</a:t>
+            </a:r>
+          </a:p>
+          <a:p>
+            <a:r>
+              <a:rPr lang="hu-HU" baseline="0" dirty="0"/>
+              <a:t>Ez a két eszköz a Jena és az RDF4J volt</a:t>
+            </a:r>
+          </a:p>
+          <a:p>
+            <a:r>
+              <a:rPr lang="hu-HU" baseline="0" dirty="0"/>
+              <a:t>Implementáltam egy választott </a:t>
+            </a:r>
+            <a:r>
+              <a:rPr lang="hu-HU" baseline="0" dirty="0" err="1"/>
+              <a:t>gráflekérdező</a:t>
+            </a:r>
+            <a:r>
+              <a:rPr lang="hu-HU" baseline="0" dirty="0"/>
+              <a:t> eszközre, ez volt a </a:t>
+            </a:r>
+            <a:r>
+              <a:rPr lang="hu-HU" baseline="0" dirty="0" err="1"/>
+              <a:t>Graph</a:t>
+            </a:r>
+            <a:r>
+              <a:rPr lang="hu-HU" baseline="0" dirty="0"/>
+              <a:t> </a:t>
+            </a:r>
+            <a:r>
+              <a:rPr lang="hu-HU" baseline="0" dirty="0" err="1"/>
+              <a:t>Engine</a:t>
+            </a:r>
+            <a:r>
+              <a:rPr lang="hu-HU" baseline="0" dirty="0"/>
+              <a:t>.</a:t>
+            </a:r>
+          </a:p>
+          <a:p>
+            <a:r>
+              <a:rPr lang="hu-HU" baseline="0" dirty="0"/>
+              <a:t>A kapott eredményeket kiértékeltem és ez alapján levontam a konklúziót a </a:t>
+            </a:r>
+            <a:r>
+              <a:rPr lang="hu-HU" baseline="0" dirty="0" err="1"/>
+              <a:t>Graph</a:t>
+            </a:r>
+            <a:r>
+              <a:rPr lang="hu-HU" baseline="0" dirty="0"/>
+              <a:t> </a:t>
+            </a:r>
+            <a:r>
+              <a:rPr lang="hu-HU" baseline="0" dirty="0" err="1"/>
+              <a:t>Engine</a:t>
+            </a:r>
+            <a:r>
+              <a:rPr lang="hu-HU" baseline="0" dirty="0"/>
+              <a:t> előnyeiről és hátrányairól</a:t>
+            </a:r>
+          </a:p>
+          <a:p>
+            <a:endParaRPr lang="hu-HU" baseline="0" dirty="0"/>
+          </a:p>
+          <a:p>
+            <a:r>
+              <a:rPr lang="hu-HU" baseline="0" dirty="0"/>
+              <a:t>Létezik egy LIKQ nevű projekt a </a:t>
+            </a:r>
+            <a:r>
+              <a:rPr lang="hu-HU" baseline="0" dirty="0" err="1"/>
+              <a:t>Graph</a:t>
+            </a:r>
+            <a:r>
+              <a:rPr lang="hu-HU" baseline="0" dirty="0"/>
+              <a:t> </a:t>
+            </a:r>
+            <a:r>
+              <a:rPr lang="hu-HU" baseline="0" dirty="0" err="1"/>
+              <a:t>Engine</a:t>
+            </a:r>
+            <a:r>
+              <a:rPr lang="hu-HU" baseline="0" dirty="0"/>
+              <a:t> projekten belül, ami a gráf csúcsai közötti navigációt valósítja meg, ellenben még nincs hozzá dokumentáció, nem sikerült működésre bírni.</a:t>
+            </a:r>
+          </a:p>
+          <a:p>
+            <a:r>
+              <a:rPr lang="hu-HU" baseline="0" dirty="0"/>
+              <a:t>Ez nagy előrelépés lehet, így ha megvalósul, akkor érdemes a teszteket </a:t>
+            </a:r>
+            <a:r>
+              <a:rPr lang="hu-HU" baseline="0" dirty="0" err="1"/>
+              <a:t>újrafuttatni</a:t>
+            </a:r>
+            <a:endParaRPr lang="hu-HU" baseline="0" dirty="0"/>
+          </a:p>
+          <a:p>
+            <a:r>
+              <a:rPr lang="hu-HU" baseline="0" dirty="0"/>
+              <a:t>LINQ támogatása több típusú csúcs eléréséhez.</a:t>
+            </a:r>
+            <a:endParaRPr lang="hu-HU" dirty="0"/>
+          </a:p>
+        </p:txBody>
+      </p:sp>
+      <p:sp>
+        <p:nvSpPr>
+          <p:cNvPr id="4" name="Slide Number Placeholder 3"/>
+          <p:cNvSpPr>
+            <a:spLocks noGrp="1"/>
+          </p:cNvSpPr>
+          <p:nvPr>
+            <p:ph type="sldNum" sz="quarter" idx="10"/>
+          </p:nvPr>
+        </p:nvSpPr>
+        <p:spPr/>
+        <p:txBody>
+          <a:bodyPr/>
+          <a:lstStyle/>
+          <a:p>
+            <a:fld id="{A70A3C59-3253-3B42-8BE0-F6D0BA6B0441}" type="slidenum">
+              <a:rPr lang="en-US" smtClean="0"/>
+              <a:pPr/>
+              <a:t>15</a:t>
+            </a:fld>
+            <a:endParaRPr lang="en-US"/>
+          </a:p>
+        </p:txBody>
+      </p:sp>
+    </p:spTree>
+    <p:extLst>
+      <p:ext uri="{BB962C8B-B14F-4D97-AF65-F5344CB8AC3E}">
+        <p14:creationId xmlns:p14="http://schemas.microsoft.com/office/powerpoint/2010/main" val="3382713487"/>
+      </p:ext>
+    </p:extLst>
+  </p:cSld>
+  <p:clrMapOvr>
+    <a:masterClrMapping/>
+  </p:clrMapOvr>
+</p:notes>
+</file>
+
+<file path=ppt/notesSlides/notesSlide16.xml><?xml version="1.0" encoding="utf-8"?>
 <p:notes xmlns:a="http://schemas.openxmlformats.org/drawingml/2006/main" xmlns:r="http://schemas.openxmlformats.org/officeDocument/2006/relationships" xmlns:p="http://schemas.openxmlformats.org/presentationml/2006/main">
   <p:cSld>
     <p:spTree>
@@ -33313,7 +33786,7 @@
             <a:fld id="{A70A3C59-3253-3B42-8BE0-F6D0BA6B0441}" type="slidenum">
               <a:rPr lang="en-US" smtClean="0"/>
               <a:pPr/>
-              <a:t>15</a:t>
+              <a:t>16</a:t>
             </a:fld>
             <a:endParaRPr lang="en-US"/>
           </a:p>
@@ -33332,7 +33805,7 @@
 </p:notes>
 </file>
 
-<file path=ppt/notesSlides/notesSlide12.xml><?xml version="1.0" encoding="utf-8"?>
+<file path=ppt/notesSlides/notesSlide17.xml><?xml version="1.0" encoding="utf-8"?>
 <p:notes xmlns:a="http://schemas.openxmlformats.org/drawingml/2006/main" xmlns:r="http://schemas.openxmlformats.org/officeDocument/2006/relationships" xmlns:p="http://schemas.openxmlformats.org/presentationml/2006/main">
   <p:cSld>
     <p:spTree>
@@ -33462,7 +33935,7 @@
             <a:fld id="{A70A3C59-3253-3B42-8BE0-F6D0BA6B0441}" type="slidenum">
               <a:rPr lang="en-US" smtClean="0"/>
               <a:pPr/>
-              <a:t>16</a:t>
+              <a:t>17</a:t>
             </a:fld>
             <a:endParaRPr lang="en-US"/>
           </a:p>
@@ -33472,6 +33945,216 @@
     <p:extLst>
       <p:ext uri="{BB962C8B-B14F-4D97-AF65-F5344CB8AC3E}">
         <p14:creationId xmlns:p14="http://schemas.microsoft.com/office/powerpoint/2010/main" val="432445988"/>
+      </p:ext>
+    </p:extLst>
+  </p:cSld>
+  <p:clrMapOvr>
+    <a:masterClrMapping/>
+  </p:clrMapOvr>
+</p:notes>
+</file>
+
+<file path=ppt/notesSlides/notesSlide18.xml><?xml version="1.0" encoding="utf-8"?>
+<p:notes xmlns:a="http://schemas.openxmlformats.org/drawingml/2006/main" xmlns:r="http://schemas.openxmlformats.org/officeDocument/2006/relationships" xmlns:p="http://schemas.openxmlformats.org/presentationml/2006/main">
+  <p:cSld>
+    <p:spTree>
+      <p:nvGrpSpPr>
+        <p:cNvPr id="1" name=""/>
+        <p:cNvGrpSpPr/>
+        <p:nvPr/>
+      </p:nvGrpSpPr>
+      <p:grpSpPr>
+        <a:xfrm>
+          <a:off x="0" y="0"/>
+          <a:ext cx="0" cy="0"/>
+          <a:chOff x="0" y="0"/>
+          <a:chExt cx="0" cy="0"/>
+        </a:xfrm>
+      </p:grpSpPr>
+      <p:sp>
+        <p:nvSpPr>
+          <p:cNvPr id="2" name="Slide Image Placeholder 1"/>
+          <p:cNvSpPr>
+            <a:spLocks noGrp="1" noRot="1" noChangeAspect="1"/>
+          </p:cNvSpPr>
+          <p:nvPr>
+            <p:ph type="sldImg"/>
+          </p:nvPr>
+        </p:nvSpPr>
+        <p:spPr/>
+      </p:sp>
+      <p:sp>
+        <p:nvSpPr>
+          <p:cNvPr id="3" name="Notes Placeholder 2"/>
+          <p:cNvSpPr>
+            <a:spLocks noGrp="1"/>
+          </p:cNvSpPr>
+          <p:nvPr>
+            <p:ph type="body" idx="1"/>
+          </p:nvPr>
+        </p:nvSpPr>
+        <p:spPr/>
+        <p:txBody>
+          <a:bodyPr/>
+          <a:lstStyle/>
+          <a:p>
+            <a:r>
+              <a:rPr lang="hu-HU" dirty="0"/>
+              <a:t>Köszönöm a figyelmet!</a:t>
+            </a:r>
+          </a:p>
+          <a:p>
+            <a:r>
+              <a:rPr lang="hu-HU" dirty="0"/>
+              <a:t>Lefuttattam</a:t>
+            </a:r>
+            <a:r>
+              <a:rPr lang="hu-HU" baseline="0" dirty="0"/>
+              <a:t> a </a:t>
+            </a:r>
+            <a:r>
+              <a:rPr lang="hu-HU" baseline="0" dirty="0" err="1"/>
+              <a:t>Train</a:t>
+            </a:r>
+            <a:r>
+              <a:rPr lang="hu-HU" baseline="0" dirty="0"/>
+              <a:t> Benchmark két választott eszközén a teljesítménymérést</a:t>
+            </a:r>
+          </a:p>
+          <a:p>
+            <a:r>
+              <a:rPr lang="hu-HU" baseline="0" dirty="0"/>
+              <a:t>Ez a két eszköz a Jena és az RDF4J volt</a:t>
+            </a:r>
+          </a:p>
+          <a:p>
+            <a:r>
+              <a:rPr lang="hu-HU" baseline="0" dirty="0"/>
+              <a:t>Implementáltam egy választott </a:t>
+            </a:r>
+            <a:r>
+              <a:rPr lang="hu-HU" baseline="0" dirty="0" err="1"/>
+              <a:t>gráflekérdező</a:t>
+            </a:r>
+            <a:r>
+              <a:rPr lang="hu-HU" baseline="0" dirty="0"/>
+              <a:t> eszközre, ez volt a </a:t>
+            </a:r>
+            <a:r>
+              <a:rPr lang="hu-HU" baseline="0" dirty="0" err="1"/>
+              <a:t>Graph</a:t>
+            </a:r>
+            <a:r>
+              <a:rPr lang="hu-HU" baseline="0" dirty="0"/>
+              <a:t> </a:t>
+            </a:r>
+            <a:r>
+              <a:rPr lang="hu-HU" baseline="0" dirty="0" err="1"/>
+              <a:t>Engine</a:t>
+            </a:r>
+            <a:r>
+              <a:rPr lang="hu-HU" baseline="0" dirty="0"/>
+              <a:t>.</a:t>
+            </a:r>
+          </a:p>
+          <a:p>
+            <a:r>
+              <a:rPr lang="hu-HU" baseline="0" dirty="0"/>
+              <a:t>A kapott eredményeket kiértékeltem és ez alapján levontam a konklúziót a </a:t>
+            </a:r>
+            <a:r>
+              <a:rPr lang="hu-HU" baseline="0" dirty="0" err="1"/>
+              <a:t>Graph</a:t>
+            </a:r>
+            <a:r>
+              <a:rPr lang="hu-HU" baseline="0" dirty="0"/>
+              <a:t> </a:t>
+            </a:r>
+            <a:r>
+              <a:rPr lang="hu-HU" baseline="0" dirty="0" err="1"/>
+              <a:t>Engine</a:t>
+            </a:r>
+            <a:r>
+              <a:rPr lang="hu-HU" baseline="0" dirty="0"/>
+              <a:t> előnyeiről és hátrányairól</a:t>
+            </a:r>
+          </a:p>
+          <a:p>
+            <a:endParaRPr lang="hu-HU" baseline="0" dirty="0"/>
+          </a:p>
+          <a:p>
+            <a:r>
+              <a:rPr lang="hu-HU" baseline="0" dirty="0"/>
+              <a:t>Létezik egy LIKQ nevű projekt a </a:t>
+            </a:r>
+            <a:r>
+              <a:rPr lang="hu-HU" baseline="0" dirty="0" err="1"/>
+              <a:t>Graph</a:t>
+            </a:r>
+            <a:r>
+              <a:rPr lang="hu-HU" baseline="0" dirty="0"/>
+              <a:t> </a:t>
+            </a:r>
+            <a:r>
+              <a:rPr lang="hu-HU" baseline="0" dirty="0" err="1"/>
+              <a:t>Engine</a:t>
+            </a:r>
+            <a:r>
+              <a:rPr lang="hu-HU" baseline="0" dirty="0"/>
+              <a:t> projekten belül, ami a gráf csúcsai közötti navigációt valósítja meg, ellenben még nincs hozzá dokumentáció, nem sikerült működésre bírni.</a:t>
+            </a:r>
+          </a:p>
+          <a:p>
+            <a:r>
+              <a:rPr lang="hu-HU" baseline="0" dirty="0"/>
+              <a:t>Ez nagy előrelépés lehet, így ha megvalósul, akkor érdemes a teszteket </a:t>
+            </a:r>
+            <a:r>
+              <a:rPr lang="hu-HU" baseline="0" dirty="0" err="1"/>
+              <a:t>újrafuttatni</a:t>
+            </a:r>
+            <a:endParaRPr lang="hu-HU" baseline="0" dirty="0"/>
+          </a:p>
+          <a:p>
+            <a:r>
+              <a:rPr lang="hu-HU" baseline="0"/>
+              <a:t>LINQ támogatása több típusú csúcs eléréséhez.</a:t>
+            </a:r>
+            <a:endParaRPr lang="hu-HU"/>
+          </a:p>
+          <a:p>
+            <a:endParaRPr lang="hu-HU" dirty="0"/>
+          </a:p>
+        </p:txBody>
+      </p:sp>
+      <p:sp>
+        <p:nvSpPr>
+          <p:cNvPr id="4" name="Slide Number Placeholder 3"/>
+          <p:cNvSpPr>
+            <a:spLocks noGrp="1"/>
+          </p:cNvSpPr>
+          <p:nvPr>
+            <p:ph type="sldNum" sz="quarter" idx="10"/>
+          </p:nvPr>
+        </p:nvSpPr>
+        <p:spPr/>
+        <p:txBody>
+          <a:bodyPr/>
+          <a:lstStyle/>
+          <a:p>
+            <a:fld id="{A70A3C59-3253-3B42-8BE0-F6D0BA6B0441}" type="slidenum">
+              <a:rPr lang="en-US" smtClean="0"/>
+              <a:pPr/>
+              <a:t>24</a:t>
+            </a:fld>
+            <a:endParaRPr lang="en-US"/>
+          </a:p>
+        </p:txBody>
+      </p:sp>
+    </p:spTree>
+    <p:extLst>
+      <p:ext uri="{BB962C8B-B14F-4D97-AF65-F5344CB8AC3E}">
+        <p14:creationId xmlns:p14="http://schemas.microsoft.com/office/powerpoint/2010/main" val="1181446072"/>
       </p:ext>
     </p:extLst>
   </p:cSld>
@@ -33525,6 +34208,101 @@
           <a:bodyPr/>
           <a:lstStyle/>
           <a:p>
+            <a:r>
+              <a:rPr lang="hu-HU" dirty="0"/>
+              <a:t>A feladataim</a:t>
+            </a:r>
+            <a:r>
+              <a:rPr lang="hu-HU" baseline="0" dirty="0"/>
+              <a:t> a következők voltak:</a:t>
+            </a:r>
+          </a:p>
+          <a:p>
+            <a:r>
+              <a:rPr lang="hu-HU" baseline="0" dirty="0"/>
+              <a:t>Ismertetni a </a:t>
+            </a:r>
+            <a:r>
+              <a:rPr lang="hu-HU" baseline="0" dirty="0" err="1"/>
+              <a:t>Train</a:t>
+            </a:r>
+            <a:r>
+              <a:rPr lang="hu-HU" baseline="0" dirty="0"/>
+              <a:t> benchmark projektet,</a:t>
+            </a:r>
+          </a:p>
+          <a:p>
+            <a:r>
+              <a:rPr lang="hu-HU" baseline="0" dirty="0"/>
+              <a:t>Választani egy </a:t>
+            </a:r>
+            <a:r>
+              <a:rPr lang="hu-HU" baseline="0" dirty="0" err="1"/>
+              <a:t>gráflekérdező</a:t>
+            </a:r>
+            <a:r>
+              <a:rPr lang="hu-HU" baseline="0" dirty="0"/>
+              <a:t> rendszert és implementálni a forgatókönyveket erre a rendszerre</a:t>
+            </a:r>
+          </a:p>
+          <a:p>
+            <a:r>
+              <a:rPr lang="hu-HU" baseline="0" dirty="0"/>
+              <a:t>Ez lett a </a:t>
+            </a:r>
+            <a:r>
+              <a:rPr lang="hu-HU" baseline="0" dirty="0" err="1"/>
+              <a:t>Graph</a:t>
+            </a:r>
+            <a:r>
+              <a:rPr lang="hu-HU" baseline="0" dirty="0"/>
+              <a:t> </a:t>
+            </a:r>
+            <a:r>
+              <a:rPr lang="hu-HU" baseline="0" dirty="0" err="1"/>
+              <a:t>Engine</a:t>
+            </a:r>
+            <a:endParaRPr lang="hu-HU" baseline="0" dirty="0"/>
+          </a:p>
+          <a:p>
+            <a:r>
+              <a:rPr lang="hu-HU" dirty="0"/>
+              <a:t>Lefuttatni ugyanolyan</a:t>
+            </a:r>
+            <a:r>
+              <a:rPr lang="hu-HU" baseline="0" dirty="0"/>
+              <a:t> környezetben</a:t>
+            </a:r>
+            <a:r>
+              <a:rPr lang="hu-HU" dirty="0"/>
+              <a:t> a választott eszközön</a:t>
+            </a:r>
+            <a:r>
+              <a:rPr lang="hu-HU" baseline="0" dirty="0"/>
+              <a:t>, illetve két olyan eszközön, melyre már megvalósult</a:t>
+            </a:r>
+          </a:p>
+          <a:p>
+            <a:r>
+              <a:rPr lang="hu-HU" baseline="0" dirty="0"/>
+              <a:t>A kapott eredmények összehasonlítása, ezáltal a </a:t>
+            </a:r>
+            <a:r>
+              <a:rPr lang="hu-HU" baseline="0" dirty="0" err="1"/>
+              <a:t>Graph</a:t>
+            </a:r>
+            <a:r>
+              <a:rPr lang="hu-HU" baseline="0" dirty="0"/>
+              <a:t> </a:t>
+            </a:r>
+            <a:r>
+              <a:rPr lang="hu-HU" baseline="0" dirty="0" err="1"/>
+              <a:t>Engine</a:t>
+            </a:r>
+            <a:r>
+              <a:rPr lang="hu-HU" baseline="0" dirty="0"/>
+              <a:t> előnyei és hátrányai meghatározása</a:t>
+            </a:r>
             <a:endParaRPr lang="hu-HU" dirty="0"/>
           </a:p>
         </p:txBody>
@@ -33761,6 +34539,116 @@
               <a:rPr lang="en-US" dirty="0" err="1"/>
               <a:t>születhetnek</a:t>
             </a:r>
+            <a:endParaRPr lang="hu-HU" dirty="0"/>
+          </a:p>
+          <a:p>
+            <a:pPr marL="0" marR="0" lvl="0" indent="0" algn="l" defTabSz="457200" rtl="0" eaLnBrk="1" fontAlgn="auto" latinLnBrk="0" hangingPunct="1">
+              <a:lnSpc>
+                <a:spcPct val="100000"/>
+              </a:lnSpc>
+              <a:spcBef>
+                <a:spcPts val="0"/>
+              </a:spcBef>
+              <a:spcAft>
+                <a:spcPts val="0"/>
+              </a:spcAft>
+              <a:buClrTx/>
+              <a:buSzTx/>
+              <a:buFontTx/>
+              <a:buNone/>
+              <a:tabLst/>
+              <a:defRPr/>
+            </a:pPr>
+            <a:r>
+              <a:rPr lang="hu-HU" dirty="0"/>
+              <a:t>Egy</a:t>
+            </a:r>
+            <a:r>
+              <a:rPr lang="hu-HU" baseline="0" dirty="0"/>
+              <a:t> lehetséges összehasonlítás:</a:t>
+            </a:r>
+          </a:p>
+          <a:p>
+            <a:pPr marL="0" marR="0" lvl="0" indent="0" algn="l" defTabSz="457200" rtl="0" eaLnBrk="1" fontAlgn="auto" latinLnBrk="0" hangingPunct="1">
+              <a:lnSpc>
+                <a:spcPct val="100000"/>
+              </a:lnSpc>
+              <a:spcBef>
+                <a:spcPts val="0"/>
+              </a:spcBef>
+              <a:spcAft>
+                <a:spcPts val="0"/>
+              </a:spcAft>
+              <a:buClrTx/>
+              <a:buSzTx/>
+              <a:buFontTx/>
+              <a:buNone/>
+              <a:tabLst/>
+              <a:defRPr/>
+            </a:pPr>
+            <a:r>
+              <a:rPr lang="en-US" dirty="0" err="1"/>
+              <a:t>Modellvalidációs</a:t>
+            </a:r>
+            <a:r>
+              <a:rPr lang="en-US" dirty="0"/>
+              <a:t> </a:t>
+            </a:r>
+            <a:r>
+              <a:rPr lang="en-US" dirty="0" err="1"/>
+              <a:t>problémák</a:t>
+            </a:r>
+            <a:r>
+              <a:rPr lang="en-US" dirty="0"/>
+              <a:t> – </a:t>
+            </a:r>
+            <a:r>
+              <a:rPr lang="en-US" dirty="0" err="1"/>
+              <a:t>különböző</a:t>
+            </a:r>
+            <a:r>
+              <a:rPr lang="en-US" dirty="0"/>
+              <a:t> </a:t>
+            </a:r>
+            <a:r>
+              <a:rPr lang="en-US" dirty="0" err="1"/>
+              <a:t>modellalapú</a:t>
+            </a:r>
+            <a:r>
+              <a:rPr lang="en-US" dirty="0"/>
+              <a:t> </a:t>
+            </a:r>
+            <a:r>
+              <a:rPr lang="en-US" dirty="0" err="1"/>
+              <a:t>fejlesztés</a:t>
+            </a:r>
+            <a:r>
+              <a:rPr lang="en-US" dirty="0"/>
+              <a:t> </a:t>
+            </a:r>
+            <a:r>
+              <a:rPr lang="en-US" dirty="0" err="1"/>
+              <a:t>során</a:t>
+            </a:r>
+            <a:r>
+              <a:rPr lang="en-US" dirty="0"/>
+              <a:t> </a:t>
+            </a:r>
+            <a:r>
+              <a:rPr lang="en-US" dirty="0" err="1"/>
+              <a:t>bizonyos</a:t>
+            </a:r>
+            <a:r>
+              <a:rPr lang="en-US" dirty="0"/>
+              <a:t> </a:t>
+            </a:r>
+            <a:r>
+              <a:rPr lang="en-US" dirty="0" err="1"/>
+              <a:t>kényszerek</a:t>
+            </a:r>
+            <a:endParaRPr lang="en-US" dirty="0"/>
+          </a:p>
+          <a:p>
             <a:endParaRPr lang="en-US" dirty="0"/>
           </a:p>
           <a:p>
@@ -34026,6 +34914,129 @@
           <a:lstStyle/>
           <a:p>
             <a:r>
+              <a:rPr lang="hu-HU" dirty="0"/>
+              <a:t>A </a:t>
+            </a:r>
+            <a:r>
+              <a:rPr lang="hu-HU" dirty="0" err="1"/>
+              <a:t>Train</a:t>
+            </a:r>
+            <a:r>
+              <a:rPr lang="hu-HU" dirty="0"/>
+              <a:t> Benchmark projekt már sok eszközre</a:t>
+            </a:r>
+            <a:r>
+              <a:rPr lang="hu-HU" baseline="0" dirty="0"/>
+              <a:t> megvalósult</a:t>
+            </a:r>
+          </a:p>
+          <a:p>
+            <a:r>
+              <a:rPr lang="hu-HU" baseline="0" dirty="0"/>
+              <a:t>A dolgozat célja a megvalósítás egy új eszközre (</a:t>
+            </a:r>
+            <a:r>
+              <a:rPr lang="hu-HU" baseline="0" dirty="0" err="1"/>
+              <a:t>Graph</a:t>
+            </a:r>
+            <a:r>
+              <a:rPr lang="hu-HU" baseline="0" dirty="0"/>
+              <a:t> </a:t>
+            </a:r>
+            <a:r>
+              <a:rPr lang="hu-HU" baseline="0" dirty="0" err="1"/>
+              <a:t>Engine</a:t>
+            </a:r>
+            <a:r>
+              <a:rPr lang="hu-HU" baseline="0" dirty="0"/>
+              <a:t>)</a:t>
+            </a:r>
+            <a:endParaRPr lang="hu-HU" dirty="0"/>
+          </a:p>
+        </p:txBody>
+      </p:sp>
+      <p:sp>
+        <p:nvSpPr>
+          <p:cNvPr id="4" name="Slide Number Placeholder 3"/>
+          <p:cNvSpPr>
+            <a:spLocks noGrp="1"/>
+          </p:cNvSpPr>
+          <p:nvPr>
+            <p:ph type="sldNum" sz="quarter" idx="10"/>
+          </p:nvPr>
+        </p:nvSpPr>
+        <p:spPr/>
+        <p:txBody>
+          <a:bodyPr/>
+          <a:lstStyle/>
+          <a:p>
+            <a:fld id="{A70A3C59-3253-3B42-8BE0-F6D0BA6B0441}" type="slidenum">
+              <a:rPr lang="en-US" smtClean="0"/>
+              <a:pPr/>
+              <a:t>5</a:t>
+            </a:fld>
+            <a:endParaRPr lang="en-US"/>
+          </a:p>
+        </p:txBody>
+      </p:sp>
+    </p:spTree>
+    <p:extLst>
+      <p:ext uri="{BB962C8B-B14F-4D97-AF65-F5344CB8AC3E}">
+        <p14:creationId xmlns:p14="http://schemas.microsoft.com/office/powerpoint/2010/main" val="714637564"/>
+      </p:ext>
+    </p:extLst>
+  </p:cSld>
+  <p:clrMapOvr>
+    <a:masterClrMapping/>
+  </p:clrMapOvr>
+</p:notes>
+</file>
+
+<file path=ppt/notesSlides/notesSlide6.xml><?xml version="1.0" encoding="utf-8"?>
+<p:notes xmlns:a="http://schemas.openxmlformats.org/drawingml/2006/main" xmlns:r="http://schemas.openxmlformats.org/officeDocument/2006/relationships" xmlns:p="http://schemas.openxmlformats.org/presentationml/2006/main">
+  <p:cSld>
+    <p:spTree>
+      <p:nvGrpSpPr>
+        <p:cNvPr id="1" name=""/>
+        <p:cNvGrpSpPr/>
+        <p:nvPr/>
+      </p:nvGrpSpPr>
+      <p:grpSpPr>
+        <a:xfrm>
+          <a:off x="0" y="0"/>
+          <a:ext cx="0" cy="0"/>
+          <a:chOff x="0" y="0"/>
+          <a:chExt cx="0" cy="0"/>
+        </a:xfrm>
+      </p:grpSpPr>
+      <p:sp>
+        <p:nvSpPr>
+          <p:cNvPr id="2" name="Slide Image Placeholder 1"/>
+          <p:cNvSpPr>
+            <a:spLocks noGrp="1" noRot="1" noChangeAspect="1"/>
+          </p:cNvSpPr>
+          <p:nvPr>
+            <p:ph type="sldImg"/>
+          </p:nvPr>
+        </p:nvSpPr>
+        <p:spPr/>
+      </p:sp>
+      <p:sp>
+        <p:nvSpPr>
+          <p:cNvPr id="3" name="Notes Placeholder 2"/>
+          <p:cNvSpPr>
+            <a:spLocks noGrp="1"/>
+          </p:cNvSpPr>
+          <p:nvPr>
+            <p:ph type="body" idx="1"/>
+          </p:nvPr>
+        </p:nvSpPr>
+        <p:spPr/>
+        <p:txBody>
+          <a:bodyPr/>
+          <a:lstStyle/>
+          <a:p>
+            <a:r>
               <a:rPr lang="hu-HU" noProof="0" dirty="0"/>
               <a:t>Vasúti elemekből álló modell</a:t>
             </a:r>
@@ -34038,6 +35049,23 @@
             <a:r>
               <a:rPr lang="hu-HU" noProof="0" dirty="0" err="1"/>
               <a:t>stb</a:t>
+            </a:r>
+            <a:endParaRPr lang="hu-HU" noProof="0" dirty="0"/>
+          </a:p>
+          <a:p>
+            <a:r>
+              <a:rPr lang="hu-HU" noProof="0" dirty="0"/>
+              <a:t>Több eszközre megvalósult,</a:t>
+            </a:r>
+            <a:r>
+              <a:rPr lang="hu-HU" baseline="0" noProof="0" dirty="0"/>
+              <a:t> platformfüggetlen eszközökkel, de csak Linuxon lett futtatva</a:t>
+            </a:r>
+          </a:p>
+          <a:p>
+            <a:r>
+              <a:rPr lang="hu-HU" noProof="0" dirty="0"/>
+              <a:t>Három forgatókönyvet határoz meg</a:t>
             </a:r>
             <a:endParaRPr lang="en-US" noProof="0" dirty="0"/>
           </a:p>
@@ -34078,119 +35106,6 @@
     <p:extLst>
       <p:ext uri="{BB962C8B-B14F-4D97-AF65-F5344CB8AC3E}">
         <p14:creationId xmlns:p14="http://schemas.microsoft.com/office/powerpoint/2010/main" val="709621982"/>
-      </p:ext>
-    </p:extLst>
-  </p:cSld>
-  <p:clrMapOvr>
-    <a:masterClrMapping/>
-  </p:clrMapOvr>
-</p:notes>
-</file>
-
-<file path=ppt/notesSlides/notesSlide6.xml><?xml version="1.0" encoding="utf-8"?>
-<p:notes xmlns:a="http://schemas.openxmlformats.org/drawingml/2006/main" xmlns:r="http://schemas.openxmlformats.org/officeDocument/2006/relationships" xmlns:p="http://schemas.openxmlformats.org/presentationml/2006/main">
-  <p:cSld>
-    <p:spTree>
-      <p:nvGrpSpPr>
-        <p:cNvPr id="1" name=""/>
-        <p:cNvGrpSpPr/>
-        <p:nvPr/>
-      </p:nvGrpSpPr>
-      <p:grpSpPr>
-        <a:xfrm>
-          <a:off x="0" y="0"/>
-          <a:ext cx="0" cy="0"/>
-          <a:chOff x="0" y="0"/>
-          <a:chExt cx="0" cy="0"/>
-        </a:xfrm>
-      </p:grpSpPr>
-      <p:sp>
-        <p:nvSpPr>
-          <p:cNvPr id="2" name="Diakép helye 1"/>
-          <p:cNvSpPr>
-            <a:spLocks noGrp="1" noRot="1" noChangeAspect="1"/>
-          </p:cNvSpPr>
-          <p:nvPr>
-            <p:ph type="sldImg"/>
-          </p:nvPr>
-        </p:nvSpPr>
-        <p:spPr/>
-      </p:sp>
-      <p:sp>
-        <p:nvSpPr>
-          <p:cNvPr id="3" name="Jegyzetek helye 2"/>
-          <p:cNvSpPr>
-            <a:spLocks noGrp="1"/>
-          </p:cNvSpPr>
-          <p:nvPr>
-            <p:ph type="body" idx="1"/>
-          </p:nvPr>
-        </p:nvSpPr>
-        <p:spPr/>
-        <p:txBody>
-          <a:bodyPr/>
-          <a:lstStyle/>
-          <a:p>
-            <a:r>
-              <a:rPr lang="en-US" dirty="0" err="1"/>
-              <a:t>Fejlesztés</a:t>
-            </a:r>
-            <a:r>
-              <a:rPr lang="en-US" dirty="0"/>
-              <a:t> </a:t>
-            </a:r>
-            <a:r>
-              <a:rPr lang="en-US" dirty="0" err="1"/>
-              <a:t>lépései</a:t>
-            </a:r>
-            <a:r>
-              <a:rPr lang="en-US" dirty="0"/>
-              <a:t>, </a:t>
-            </a:r>
-            <a:r>
-              <a:rPr lang="en-US" dirty="0" err="1"/>
-              <a:t>különböző</a:t>
-            </a:r>
-            <a:r>
-              <a:rPr lang="en-US" dirty="0"/>
-              <a:t> benchmark </a:t>
-            </a:r>
-            <a:r>
-              <a:rPr lang="en-US" dirty="0" err="1"/>
-              <a:t>forgatókönyvek</a:t>
-            </a:r>
-            <a:endParaRPr lang="hu-HU" dirty="0"/>
-          </a:p>
-        </p:txBody>
-      </p:sp>
-      <p:sp>
-        <p:nvSpPr>
-          <p:cNvPr id="4" name="Dia számának helye 3"/>
-          <p:cNvSpPr>
-            <a:spLocks noGrp="1"/>
-          </p:cNvSpPr>
-          <p:nvPr>
-            <p:ph type="sldNum" sz="quarter" idx="10"/>
-          </p:nvPr>
-        </p:nvSpPr>
-        <p:spPr/>
-        <p:txBody>
-          <a:bodyPr/>
-          <a:lstStyle/>
-          <a:p>
-            <a:fld id="{A70A3C59-3253-3B42-8BE0-F6D0BA6B0441}" type="slidenum">
-              <a:rPr lang="en-US" smtClean="0"/>
-              <a:pPr/>
-              <a:t>7</a:t>
-            </a:fld>
-            <a:endParaRPr lang="en-US"/>
-          </a:p>
-        </p:txBody>
-      </p:sp>
-    </p:spTree>
-    <p:extLst>
-      <p:ext uri="{BB962C8B-B14F-4D97-AF65-F5344CB8AC3E}">
-        <p14:creationId xmlns:p14="http://schemas.microsoft.com/office/powerpoint/2010/main" val="1306959785"/>
       </p:ext>
     </p:extLst>
   </p:cSld>
@@ -34245,6 +35160,168 @@
           <a:lstStyle/>
           <a:p>
             <a:r>
+              <a:rPr lang="en-US" dirty="0" err="1"/>
+              <a:t>Fejlesztés</a:t>
+            </a:r>
+            <a:r>
+              <a:rPr lang="en-US" dirty="0"/>
+              <a:t> </a:t>
+            </a:r>
+            <a:r>
+              <a:rPr lang="en-US" dirty="0" err="1"/>
+              <a:t>lépései</a:t>
+            </a:r>
+            <a:r>
+              <a:rPr lang="en-US" dirty="0"/>
+              <a:t>, </a:t>
+            </a:r>
+            <a:r>
+              <a:rPr lang="en-US" dirty="0" err="1"/>
+              <a:t>különböző</a:t>
+            </a:r>
+            <a:r>
+              <a:rPr lang="en-US" dirty="0"/>
+              <a:t> benchmark </a:t>
+            </a:r>
+            <a:r>
+              <a:rPr lang="en-US" dirty="0" err="1"/>
+              <a:t>forgatókönyvek</a:t>
+            </a:r>
+            <a:endParaRPr lang="hu-HU" dirty="0"/>
+          </a:p>
+          <a:p>
+            <a:r>
+              <a:rPr lang="hu-HU" dirty="0"/>
+              <a:t>A Batch csak a beolvasás és </a:t>
+            </a:r>
+            <a:r>
+              <a:rPr lang="hu-HU" dirty="0" err="1"/>
+              <a:t>validáció</a:t>
+            </a:r>
+            <a:r>
+              <a:rPr lang="hu-HU" dirty="0"/>
+              <a:t> lépésekből</a:t>
+            </a:r>
+            <a:r>
+              <a:rPr lang="hu-HU" baseline="0" dirty="0"/>
+              <a:t> áll, ott nincs módosítás</a:t>
+            </a:r>
+          </a:p>
+          <a:p>
+            <a:r>
+              <a:rPr lang="hu-HU" baseline="0" dirty="0" err="1"/>
+              <a:t>Inject</a:t>
+            </a:r>
+            <a:r>
+              <a:rPr lang="hu-HU" baseline="0" dirty="0"/>
+              <a:t> - Hibainjektálás</a:t>
+            </a:r>
+          </a:p>
+          <a:p>
+            <a:r>
+              <a:rPr lang="hu-HU" baseline="0" dirty="0" err="1"/>
+              <a:t>Repair</a:t>
+            </a:r>
+            <a:r>
+              <a:rPr lang="hu-HU" baseline="0" dirty="0"/>
+              <a:t> - Hibajavítás</a:t>
+            </a:r>
+            <a:endParaRPr lang="hu-HU" dirty="0"/>
+          </a:p>
+        </p:txBody>
+      </p:sp>
+      <p:sp>
+        <p:nvSpPr>
+          <p:cNvPr id="4" name="Dia számának helye 3"/>
+          <p:cNvSpPr>
+            <a:spLocks noGrp="1"/>
+          </p:cNvSpPr>
+          <p:nvPr>
+            <p:ph type="sldNum" sz="quarter" idx="10"/>
+          </p:nvPr>
+        </p:nvSpPr>
+        <p:spPr/>
+        <p:txBody>
+          <a:bodyPr/>
+          <a:lstStyle/>
+          <a:p>
+            <a:fld id="{A70A3C59-3253-3B42-8BE0-F6D0BA6B0441}" type="slidenum">
+              <a:rPr lang="en-US" smtClean="0"/>
+              <a:pPr/>
+              <a:t>7</a:t>
+            </a:fld>
+            <a:endParaRPr lang="en-US"/>
+          </a:p>
+        </p:txBody>
+      </p:sp>
+    </p:spTree>
+    <p:extLst>
+      <p:ext uri="{BB962C8B-B14F-4D97-AF65-F5344CB8AC3E}">
+        <p14:creationId xmlns:p14="http://schemas.microsoft.com/office/powerpoint/2010/main" val="1306959785"/>
+      </p:ext>
+    </p:extLst>
+  </p:cSld>
+  <p:clrMapOvr>
+    <a:masterClrMapping/>
+  </p:clrMapOvr>
+</p:notes>
+</file>
+
+<file path=ppt/notesSlides/notesSlide8.xml><?xml version="1.0" encoding="utf-8"?>
+<p:notes xmlns:a="http://schemas.openxmlformats.org/drawingml/2006/main" xmlns:r="http://schemas.openxmlformats.org/officeDocument/2006/relationships" xmlns:p="http://schemas.openxmlformats.org/presentationml/2006/main">
+  <p:cSld>
+    <p:spTree>
+      <p:nvGrpSpPr>
+        <p:cNvPr id="1" name=""/>
+        <p:cNvGrpSpPr/>
+        <p:nvPr/>
+      </p:nvGrpSpPr>
+      <p:grpSpPr>
+        <a:xfrm>
+          <a:off x="0" y="0"/>
+          <a:ext cx="0" cy="0"/>
+          <a:chOff x="0" y="0"/>
+          <a:chExt cx="0" cy="0"/>
+        </a:xfrm>
+      </p:grpSpPr>
+      <p:sp>
+        <p:nvSpPr>
+          <p:cNvPr id="2" name="Diakép helye 1"/>
+          <p:cNvSpPr>
+            <a:spLocks noGrp="1" noRot="1" noChangeAspect="1"/>
+          </p:cNvSpPr>
+          <p:nvPr>
+            <p:ph type="sldImg"/>
+          </p:nvPr>
+        </p:nvSpPr>
+        <p:spPr/>
+      </p:sp>
+      <p:sp>
+        <p:nvSpPr>
+          <p:cNvPr id="3" name="Jegyzetek helye 2"/>
+          <p:cNvSpPr>
+            <a:spLocks noGrp="1"/>
+          </p:cNvSpPr>
+          <p:nvPr>
+            <p:ph type="body" idx="1"/>
+          </p:nvPr>
+        </p:nvSpPr>
+        <p:spPr/>
+        <p:txBody>
+          <a:bodyPr/>
+          <a:lstStyle/>
+          <a:p>
+            <a:r>
+              <a:rPr lang="hu-HU" dirty="0"/>
+              <a:t>A Microsoft cég</a:t>
+            </a:r>
+            <a:r>
+              <a:rPr lang="hu-HU" baseline="0" dirty="0"/>
+              <a:t> egy projektje</a:t>
+            </a:r>
+          </a:p>
+          <a:p>
+            <a:r>
               <a:rPr lang="en-US" dirty="0"/>
               <a:t>Slave-</a:t>
             </a:r>
@@ -34422,254 +35499,6 @@
     <p:extLst>
       <p:ext uri="{BB962C8B-B14F-4D97-AF65-F5344CB8AC3E}">
         <p14:creationId xmlns:p14="http://schemas.microsoft.com/office/powerpoint/2010/main" val="1201794871"/>
-      </p:ext>
-    </p:extLst>
-  </p:cSld>
-  <p:clrMapOvr>
-    <a:masterClrMapping/>
-  </p:clrMapOvr>
-</p:notes>
-</file>
-
-<file path=ppt/notesSlides/notesSlide8.xml><?xml version="1.0" encoding="utf-8"?>
-<p:notes xmlns:a="http://schemas.openxmlformats.org/drawingml/2006/main" xmlns:r="http://schemas.openxmlformats.org/officeDocument/2006/relationships" xmlns:p="http://schemas.openxmlformats.org/presentationml/2006/main">
-  <p:cSld>
-    <p:spTree>
-      <p:nvGrpSpPr>
-        <p:cNvPr id="1" name=""/>
-        <p:cNvGrpSpPr/>
-        <p:nvPr/>
-      </p:nvGrpSpPr>
-      <p:grpSpPr>
-        <a:xfrm>
-          <a:off x="0" y="0"/>
-          <a:ext cx="0" cy="0"/>
-          <a:chOff x="0" y="0"/>
-          <a:chExt cx="0" cy="0"/>
-        </a:xfrm>
-      </p:grpSpPr>
-      <p:sp>
-        <p:nvSpPr>
-          <p:cNvPr id="2" name="Slide Image Placeholder 1"/>
-          <p:cNvSpPr>
-            <a:spLocks noGrp="1" noRot="1" noChangeAspect="1"/>
-          </p:cNvSpPr>
-          <p:nvPr>
-            <p:ph type="sldImg"/>
-          </p:nvPr>
-        </p:nvSpPr>
-        <p:spPr/>
-      </p:sp>
-      <p:sp>
-        <p:nvSpPr>
-          <p:cNvPr id="3" name="Notes Placeholder 2"/>
-          <p:cNvSpPr>
-            <a:spLocks noGrp="1"/>
-          </p:cNvSpPr>
-          <p:nvPr>
-            <p:ph type="body" idx="1"/>
-          </p:nvPr>
-        </p:nvSpPr>
-        <p:spPr/>
-        <p:txBody>
-          <a:bodyPr/>
-          <a:lstStyle/>
-          <a:p>
-            <a:r>
-              <a:rPr lang="en-US" dirty="0" err="1"/>
-              <a:t>Esetünkben</a:t>
-            </a:r>
-            <a:r>
-              <a:rPr lang="en-US" dirty="0"/>
-              <a:t>  a </a:t>
-            </a:r>
-            <a:r>
-              <a:rPr lang="en-US" dirty="0" err="1"/>
-              <a:t>kliens</a:t>
-            </a:r>
-            <a:r>
-              <a:rPr lang="en-US" dirty="0"/>
-              <a:t>, </a:t>
-            </a:r>
-            <a:r>
-              <a:rPr lang="en-US" dirty="0" err="1"/>
-              <a:t>szerver</a:t>
-            </a:r>
-            <a:r>
-              <a:rPr lang="en-US" dirty="0"/>
-              <a:t> </a:t>
-            </a:r>
-            <a:r>
-              <a:rPr lang="en-US" dirty="0" err="1"/>
-              <a:t>együtt</a:t>
-            </a:r>
-            <a:endParaRPr lang="en-US" dirty="0"/>
-          </a:p>
-          <a:p>
-            <a:r>
-              <a:rPr lang="en-US" dirty="0"/>
-              <a:t>TSL </a:t>
-            </a:r>
-            <a:r>
-              <a:rPr lang="en-US" dirty="0" err="1"/>
-              <a:t>nyelv</a:t>
-            </a:r>
-            <a:r>
-              <a:rPr lang="en-US" dirty="0"/>
-              <a:t>  C-</a:t>
-            </a:r>
-            <a:r>
-              <a:rPr lang="en-US" dirty="0" err="1"/>
-              <a:t>hez</a:t>
-            </a:r>
-            <a:r>
-              <a:rPr lang="en-US" dirty="0"/>
-              <a:t> </a:t>
-            </a:r>
-            <a:r>
-              <a:rPr lang="en-US" dirty="0" err="1"/>
-              <a:t>hasonló</a:t>
-            </a:r>
-            <a:r>
-              <a:rPr lang="en-US" dirty="0"/>
-              <a:t>, struct-</a:t>
-            </a:r>
-            <a:r>
-              <a:rPr lang="en-US" dirty="0" err="1"/>
-              <a:t>szer</a:t>
-            </a:r>
-            <a:r>
-              <a:rPr lang="hu-HU" dirty="0"/>
-              <a:t>ű</a:t>
-            </a:r>
-            <a:r>
-              <a:rPr lang="en-US" dirty="0"/>
-              <a:t> </a:t>
-            </a:r>
-            <a:r>
-              <a:rPr lang="en-US" dirty="0" err="1"/>
-              <a:t>konténerekben</a:t>
-            </a:r>
-            <a:r>
-              <a:rPr lang="en-US" dirty="0"/>
-              <a:t> </a:t>
-            </a:r>
-            <a:r>
-              <a:rPr lang="en-US" dirty="0" err="1"/>
-              <a:t>tárolja</a:t>
-            </a:r>
-            <a:r>
-              <a:rPr lang="en-US" dirty="0"/>
-              <a:t> a Graph Engine a </a:t>
-            </a:r>
-            <a:r>
-              <a:rPr lang="en-US" dirty="0" err="1"/>
-              <a:t>csúcsokat</a:t>
-            </a:r>
-            <a:r>
-              <a:rPr lang="en-US" dirty="0"/>
-              <a:t>, </a:t>
-            </a:r>
-            <a:r>
-              <a:rPr lang="en-US" dirty="0" err="1"/>
-              <a:t>ezeknek</a:t>
-            </a:r>
-            <a:r>
-              <a:rPr lang="en-US" dirty="0"/>
-              <a:t> </a:t>
-            </a:r>
-            <a:r>
-              <a:rPr lang="en-US" dirty="0" err="1"/>
-              <a:t>kötött</a:t>
-            </a:r>
-            <a:r>
-              <a:rPr lang="en-US" dirty="0"/>
-              <a:t> </a:t>
-            </a:r>
-            <a:r>
-              <a:rPr lang="en-US" dirty="0" err="1"/>
-              <a:t>típusa</a:t>
-            </a:r>
-            <a:r>
-              <a:rPr lang="en-US" dirty="0"/>
-              <a:t> van.</a:t>
-            </a:r>
-          </a:p>
-          <a:p>
-            <a:r>
-              <a:rPr lang="en-US" dirty="0"/>
-              <a:t>C# </a:t>
-            </a:r>
-            <a:r>
-              <a:rPr lang="en-US" dirty="0" err="1"/>
-              <a:t>projektben</a:t>
-            </a:r>
-            <a:r>
-              <a:rPr lang="en-US" dirty="0"/>
-              <a:t> </a:t>
-            </a:r>
-            <a:r>
-              <a:rPr lang="en-US" dirty="0" err="1"/>
-              <a:t>minden</a:t>
-            </a:r>
-            <a:r>
-              <a:rPr lang="en-US" dirty="0"/>
-              <a:t> </a:t>
-            </a:r>
-            <a:r>
-              <a:rPr lang="en-US" dirty="0" err="1"/>
-              <a:t>más</a:t>
-            </a:r>
-            <a:r>
-              <a:rPr lang="en-US" dirty="0"/>
-              <a:t> (a program)</a:t>
-            </a:r>
-          </a:p>
-          <a:p>
-            <a:r>
-              <a:rPr lang="en-US" dirty="0" err="1"/>
-              <a:t>Accessorok</a:t>
-            </a:r>
-            <a:r>
-              <a:rPr lang="en-US" dirty="0"/>
-              <a:t> – </a:t>
-            </a:r>
-            <a:r>
-              <a:rPr lang="en-US" dirty="0" err="1"/>
-              <a:t>Adatelérés</a:t>
-            </a:r>
-            <a:endParaRPr lang="hu-HU" dirty="0"/>
-          </a:p>
-        </p:txBody>
-      </p:sp>
-      <p:sp>
-        <p:nvSpPr>
-          <p:cNvPr id="4" name="Slide Number Placeholder 3"/>
-          <p:cNvSpPr>
-            <a:spLocks noGrp="1"/>
-          </p:cNvSpPr>
-          <p:nvPr>
-            <p:ph type="sldNum" sz="quarter" idx="10"/>
-          </p:nvPr>
-        </p:nvSpPr>
-        <p:spPr/>
-        <p:txBody>
-          <a:bodyPr/>
-          <a:lstStyle/>
-          <a:p>
-            <a:fld id="{A70A3C59-3253-3B42-8BE0-F6D0BA6B0441}" type="slidenum">
-              <a:rPr lang="en-US" smtClean="0"/>
-              <a:pPr/>
-              <a:t>9</a:t>
-            </a:fld>
-            <a:endParaRPr lang="en-US"/>
-          </a:p>
-        </p:txBody>
-      </p:sp>
-    </p:spTree>
-    <p:extLst>
-      <p:ext uri="{BB962C8B-B14F-4D97-AF65-F5344CB8AC3E}">
-        <p14:creationId xmlns:p14="http://schemas.microsoft.com/office/powerpoint/2010/main" val="1475731141"/>
       </p:ext>
     </p:extLst>
   </p:cSld>
@@ -34724,21 +35553,186 @@
           <a:lstStyle/>
           <a:p>
             <a:r>
-              <a:rPr lang="hu-HU" noProof="0" dirty="0" err="1"/>
-              <a:t>Recheck</a:t>
-            </a:r>
-            <a:r>
-              <a:rPr lang="hu-HU" noProof="0" dirty="0"/>
-              <a:t> eredményei minden esetben megegyeznek a </a:t>
-            </a:r>
-            <a:r>
-              <a:rPr lang="hu-HU" noProof="0" dirty="0" err="1"/>
-              <a:t>Check</a:t>
-            </a:r>
-            <a:r>
-              <a:rPr lang="hu-HU" noProof="0" dirty="0"/>
-              <a:t> eredményeivel.</a:t>
-            </a:r>
+              <a:rPr lang="en-US" dirty="0" err="1"/>
+              <a:t>Esetünkben</a:t>
+            </a:r>
+            <a:r>
+              <a:rPr lang="en-US" dirty="0"/>
+              <a:t>  a </a:t>
+            </a:r>
+            <a:r>
+              <a:rPr lang="en-US" dirty="0" err="1"/>
+              <a:t>kliens</a:t>
+            </a:r>
+            <a:r>
+              <a:rPr lang="en-US" dirty="0"/>
+              <a:t>, </a:t>
+            </a:r>
+            <a:r>
+              <a:rPr lang="en-US" dirty="0" err="1"/>
+              <a:t>szerver</a:t>
+            </a:r>
+            <a:r>
+              <a:rPr lang="en-US" dirty="0"/>
+              <a:t> </a:t>
+            </a:r>
+            <a:r>
+              <a:rPr lang="en-US" dirty="0" err="1"/>
+              <a:t>együtt</a:t>
+            </a:r>
+            <a:endParaRPr lang="en-US" dirty="0"/>
+          </a:p>
+          <a:p>
+            <a:r>
+              <a:rPr lang="en-US" dirty="0"/>
+              <a:t>TSL </a:t>
+            </a:r>
+            <a:r>
+              <a:rPr lang="en-US" dirty="0" err="1"/>
+              <a:t>nyelv</a:t>
+            </a:r>
+            <a:r>
+              <a:rPr lang="en-US" dirty="0"/>
+              <a:t>  C-</a:t>
+            </a:r>
+            <a:r>
+              <a:rPr lang="en-US" dirty="0" err="1"/>
+              <a:t>hez</a:t>
+            </a:r>
+            <a:r>
+              <a:rPr lang="en-US" dirty="0"/>
+              <a:t> </a:t>
+            </a:r>
+            <a:r>
+              <a:rPr lang="en-US" dirty="0" err="1"/>
+              <a:t>hasonló</a:t>
+            </a:r>
+            <a:r>
+              <a:rPr lang="en-US" dirty="0"/>
+              <a:t>, struct-</a:t>
+            </a:r>
+            <a:r>
+              <a:rPr lang="en-US" dirty="0" err="1"/>
+              <a:t>szer</a:t>
+            </a:r>
+            <a:r>
+              <a:rPr lang="hu-HU" dirty="0"/>
+              <a:t>ű</a:t>
+            </a:r>
+            <a:r>
+              <a:rPr lang="en-US" dirty="0"/>
+              <a:t> </a:t>
+            </a:r>
+            <a:r>
+              <a:rPr lang="en-US" dirty="0" err="1"/>
+              <a:t>konténerekben</a:t>
+            </a:r>
+            <a:r>
+              <a:rPr lang="en-US" dirty="0"/>
+              <a:t> </a:t>
+            </a:r>
+            <a:r>
+              <a:rPr lang="en-US" dirty="0" err="1"/>
+              <a:t>tárolja</a:t>
+            </a:r>
+            <a:r>
+              <a:rPr lang="en-US" dirty="0"/>
+              <a:t> a Graph Engine a </a:t>
+            </a:r>
+            <a:r>
+              <a:rPr lang="en-US" dirty="0" err="1"/>
+              <a:t>csúcsokat</a:t>
+            </a:r>
+            <a:r>
+              <a:rPr lang="en-US" dirty="0"/>
+              <a:t>, </a:t>
+            </a:r>
+            <a:r>
+              <a:rPr lang="en-US" dirty="0" err="1"/>
+              <a:t>ezeknek</a:t>
+            </a:r>
+            <a:r>
+              <a:rPr lang="en-US" dirty="0"/>
+              <a:t> </a:t>
+            </a:r>
+            <a:r>
+              <a:rPr lang="en-US" dirty="0" err="1"/>
+              <a:t>kötött</a:t>
+            </a:r>
+            <a:r>
+              <a:rPr lang="en-US" dirty="0"/>
+              <a:t> </a:t>
+            </a:r>
+            <a:r>
+              <a:rPr lang="en-US" dirty="0" err="1"/>
+              <a:t>típusa</a:t>
+            </a:r>
+            <a:r>
+              <a:rPr lang="en-US" dirty="0"/>
+              <a:t> van.</a:t>
+            </a:r>
+          </a:p>
+          <a:p>
+            <a:r>
+              <a:rPr lang="en-US" dirty="0"/>
+              <a:t>C# </a:t>
+            </a:r>
+            <a:r>
+              <a:rPr lang="en-US" dirty="0" err="1"/>
+              <a:t>projektben</a:t>
+            </a:r>
+            <a:r>
+              <a:rPr lang="en-US" dirty="0"/>
+              <a:t> </a:t>
+            </a:r>
+            <a:r>
+              <a:rPr lang="en-US" dirty="0" err="1"/>
+              <a:t>minden</a:t>
+            </a:r>
+            <a:r>
+              <a:rPr lang="en-US" dirty="0"/>
+              <a:t> </a:t>
+            </a:r>
+            <a:r>
+              <a:rPr lang="en-US" dirty="0" err="1"/>
+              <a:t>más</a:t>
+            </a:r>
+            <a:r>
+              <a:rPr lang="en-US" dirty="0"/>
+              <a:t> (a program)</a:t>
+            </a:r>
+          </a:p>
+          <a:p>
+            <a:r>
+              <a:rPr lang="en-US" dirty="0" err="1"/>
+              <a:t>Accessorok</a:t>
+            </a:r>
+            <a:r>
+              <a:rPr lang="en-US" dirty="0"/>
+              <a:t> – </a:t>
+            </a:r>
+            <a:r>
+              <a:rPr lang="en-US" dirty="0" err="1"/>
+              <a:t>Adatelérés</a:t>
+            </a:r>
+            <a:endParaRPr lang="hu-HU" dirty="0"/>
+          </a:p>
+          <a:p>
+            <a:r>
+              <a:rPr lang="hu-HU" dirty="0"/>
+              <a:t>Objektum-orientált</a:t>
+            </a:r>
+            <a:r>
+              <a:rPr lang="hu-HU" baseline="0" dirty="0"/>
+              <a:t> csúcsok – könnyű adatelérés, módosítás</a:t>
+            </a:r>
+          </a:p>
+          <a:p>
+            <a:r>
+              <a:rPr lang="hu-HU" baseline="0" dirty="0"/>
+              <a:t>LINQ – Csak egy típusú csúcs lekérdezését támogatja</a:t>
+            </a:r>
+            <a:endParaRPr lang="hu-HU" dirty="0"/>
           </a:p>
         </p:txBody>
       </p:sp>
@@ -34760,7 +35754,7 @@
             <a:fld id="{A70A3C59-3253-3B42-8BE0-F6D0BA6B0441}" type="slidenum">
               <a:rPr lang="en-US" smtClean="0"/>
               <a:pPr/>
-              <a:t>12</a:t>
+              <a:t>9</a:t>
             </a:fld>
             <a:endParaRPr lang="en-US"/>
           </a:p>
@@ -34769,7 +35763,7 @@
     </p:spTree>
     <p:extLst>
       <p:ext uri="{BB962C8B-B14F-4D97-AF65-F5344CB8AC3E}">
-        <p14:creationId xmlns:p14="http://schemas.microsoft.com/office/powerpoint/2010/main" val="2520712550"/>
+        <p14:creationId xmlns:p14="http://schemas.microsoft.com/office/powerpoint/2010/main" val="1475731141"/>
       </p:ext>
     </p:extLst>
   </p:cSld>
@@ -39667,7 +40661,7 @@
           <p:nvPr/>
         </p:nvPicPr>
         <p:blipFill>
-          <a:blip r:embed="rId2">
+          <a:blip r:embed="rId3">
             <a:extLst>
               <a:ext uri="{28A0092B-C50C-407E-A947-70E740481C1C}">
                 <a14:useLocalDpi xmlns:a14="http://schemas.microsoft.com/office/drawing/2010/main" val="0"/>
@@ -39711,7 +40705,7 @@
         </p:xfrm>
         <a:graphic>
           <a:graphicData uri="http://schemas.openxmlformats.org/drawingml/2006/diagram">
-            <dgm:relIds xmlns:dgm="http://schemas.openxmlformats.org/drawingml/2006/diagram" xmlns:r="http://schemas.openxmlformats.org/officeDocument/2006/relationships" r:dm="rId3" r:lo="rId4" r:qs="rId5" r:cs="rId6"/>
+            <dgm:relIds xmlns:dgm="http://schemas.openxmlformats.org/drawingml/2006/diagram" xmlns:r="http://schemas.openxmlformats.org/officeDocument/2006/relationships" r:dm="rId4" r:lo="rId5" r:qs="rId6" r:cs="rId7"/>
           </a:graphicData>
         </a:graphic>
       </p:graphicFrame>
@@ -39754,7 +40748,7 @@
           <p:nvPr/>
         </p:nvPicPr>
         <p:blipFill>
-          <a:blip r:embed="rId2">
+          <a:blip r:embed="rId3">
             <a:extLst>
               <a:ext uri="{28A0092B-C50C-407E-A947-70E740481C1C}">
                 <a14:useLocalDpi xmlns:a14="http://schemas.microsoft.com/office/drawing/2010/main" val="0"/>
@@ -39859,7 +40853,7 @@
         </p:xfrm>
         <a:graphic>
           <a:graphicData uri="http://schemas.openxmlformats.org/drawingml/2006/diagram">
-            <dgm:relIds xmlns:dgm="http://schemas.openxmlformats.org/drawingml/2006/diagram" xmlns:r="http://schemas.openxmlformats.org/officeDocument/2006/relationships" r:dm="rId3" r:lo="rId4" r:qs="rId5" r:cs="rId6"/>
+            <dgm:relIds xmlns:dgm="http://schemas.openxmlformats.org/drawingml/2006/diagram" xmlns:r="http://schemas.openxmlformats.org/officeDocument/2006/relationships" r:dm="rId4" r:lo="rId5" r:qs="rId6" r:cs="rId7"/>
           </a:graphicData>
         </a:graphic>
       </p:graphicFrame>
@@ -40228,7 +41222,7 @@
           <p:nvPr/>
         </p:nvPicPr>
         <p:blipFill>
-          <a:blip r:embed="rId2"/>
+          <a:blip r:embed="rId3"/>
           <a:stretch>
             <a:fillRect/>
           </a:stretch>
@@ -40258,7 +41252,7 @@
           <p:nvPr/>
         </p:nvPicPr>
         <p:blipFill>
-          <a:blip r:embed="rId3"/>
+          <a:blip r:embed="rId4"/>
           <a:stretch>
             <a:fillRect/>
           </a:stretch>
@@ -40288,7 +41282,7 @@
           <p:nvPr/>
         </p:nvPicPr>
         <p:blipFill>
-          <a:blip r:embed="rId4"/>
+          <a:blip r:embed="rId5"/>
           <a:stretch>
             <a:fillRect/>
           </a:stretch>
@@ -40318,7 +41312,7 @@
           <p:nvPr/>
         </p:nvPicPr>
         <p:blipFill>
-          <a:blip r:embed="rId4"/>
+          <a:blip r:embed="rId5"/>
           <a:stretch>
             <a:fillRect/>
           </a:stretch>
@@ -40348,7 +41342,7 @@
           <p:nvPr/>
         </p:nvPicPr>
         <p:blipFill>
-          <a:blip r:embed="rId5"/>
+          <a:blip r:embed="rId6"/>
           <a:stretch>
             <a:fillRect/>
           </a:stretch>
@@ -40444,7 +41438,7 @@
           <p:nvPr/>
         </p:nvPicPr>
         <p:blipFill>
-          <a:blip r:embed="rId6"/>
+          <a:blip r:embed="rId7"/>
           <a:stretch>
             <a:fillRect/>
           </a:stretch>
@@ -40546,10 +41540,10 @@
           <a:lstStyle/>
           <a:p>
             <a:r>
-              <a:rPr lang="en-US" err="1"/>
+              <a:rPr lang="en-US" dirty="0" err="1"/>
               <a:t>Következtetés</a:t>
             </a:r>
-            <a:endParaRPr lang="hu-HU"/>
+            <a:endParaRPr lang="hu-HU" dirty="0"/>
           </a:p>
         </p:txBody>
       </p:sp>
@@ -40626,7 +41620,7 @@
           <p:nvPr>
             <p:extLst>
               <p:ext uri="{D42A27DB-BD31-4B8C-83A1-F6EECF244321}">
-                <p14:modId xmlns:p14="http://schemas.microsoft.com/office/powerpoint/2010/main" val="2132087510"/>
+                <p14:modId xmlns:p14="http://schemas.microsoft.com/office/powerpoint/2010/main" val="2114203078"/>
               </p:ext>
             </p:extLst>
           </p:nvPr>
@@ -40656,6 +41650,239 @@
 
 <file path=ppt/slides/slide15.xml><?xml version="1.0" encoding="utf-8"?>
 <p:sld xmlns:a="http://schemas.openxmlformats.org/drawingml/2006/main" xmlns:r="http://schemas.openxmlformats.org/officeDocument/2006/relationships" xmlns:p="http://schemas.openxmlformats.org/presentationml/2006/main">
+  <p:cSld>
+    <p:spTree>
+      <p:nvGrpSpPr>
+        <p:cNvPr id="1" name=""/>
+        <p:cNvGrpSpPr/>
+        <p:nvPr/>
+      </p:nvGrpSpPr>
+      <p:grpSpPr>
+        <a:xfrm>
+          <a:off x="0" y="0"/>
+          <a:ext cx="0" cy="0"/>
+          <a:chOff x="0" y="0"/>
+          <a:chExt cx="0" cy="0"/>
+        </a:xfrm>
+      </p:grpSpPr>
+      <p:sp>
+        <p:nvSpPr>
+          <p:cNvPr id="2" name="Title 1"/>
+          <p:cNvSpPr>
+            <a:spLocks noGrp="1"/>
+          </p:cNvSpPr>
+          <p:nvPr>
+            <p:ph type="title"/>
+          </p:nvPr>
+        </p:nvSpPr>
+        <p:spPr/>
+        <p:txBody>
+          <a:bodyPr/>
+          <a:lstStyle/>
+          <a:p>
+            <a:r>
+              <a:rPr lang="hu-HU" sz="3600" dirty="0"/>
+              <a:t>Összefoglalás, </a:t>
+            </a:r>
+            <a:r>
+              <a:rPr lang="hu-HU" sz="3600" dirty="0" err="1"/>
+              <a:t>továbbfejlesztési</a:t>
+            </a:r>
+            <a:r>
+              <a:rPr lang="hu-HU" sz="3600" dirty="0"/>
+              <a:t> lehetőségek</a:t>
+            </a:r>
+          </a:p>
+        </p:txBody>
+      </p:sp>
+      <p:sp>
+        <p:nvSpPr>
+          <p:cNvPr id="6" name="Content Placeholder 5"/>
+          <p:cNvSpPr>
+            <a:spLocks noGrp="1"/>
+          </p:cNvSpPr>
+          <p:nvPr>
+            <p:ph sz="half" idx="1"/>
+          </p:nvPr>
+        </p:nvSpPr>
+        <p:spPr>
+          <a:xfrm>
+            <a:off x="117414" y="836578"/>
+            <a:ext cx="8884346" cy="2831182"/>
+          </a:xfrm>
+        </p:spPr>
+        <p:txBody>
+          <a:bodyPr/>
+          <a:lstStyle/>
+          <a:p>
+            <a:pPr>
+              <a:buFont typeface="Wingdings" panose="05000000000000000000" pitchFamily="2" charset="2"/>
+              <a:buChar char="ü"/>
+            </a:pPr>
+            <a:r>
+              <a:rPr lang="hu-HU" dirty="0"/>
+              <a:t>A </a:t>
+            </a:r>
+            <a:r>
+              <a:rPr lang="hu-HU" dirty="0" err="1"/>
+              <a:t>Train</a:t>
+            </a:r>
+            <a:r>
+              <a:rPr lang="hu-HU" dirty="0"/>
+              <a:t> Benchmark forgatókönyveinek futtatása két választott eszközön Windows környezetben</a:t>
+            </a:r>
+          </a:p>
+          <a:p>
+            <a:pPr lvl="1">
+              <a:buFont typeface="Wingdings" panose="05000000000000000000" pitchFamily="2" charset="2"/>
+              <a:buChar char="ü"/>
+            </a:pPr>
+            <a:r>
+              <a:rPr lang="hu-HU" dirty="0"/>
+              <a:t>Jena, RDF4J</a:t>
+            </a:r>
+          </a:p>
+          <a:p>
+            <a:pPr>
+              <a:buFont typeface="Wingdings" panose="05000000000000000000" pitchFamily="2" charset="2"/>
+              <a:buChar char="ü"/>
+            </a:pPr>
+            <a:r>
+              <a:rPr lang="hu-HU" dirty="0"/>
+              <a:t>Egy választott </a:t>
+            </a:r>
+            <a:r>
+              <a:rPr lang="hu-HU" dirty="0" err="1"/>
+              <a:t>gráflekérdező</a:t>
+            </a:r>
+            <a:r>
+              <a:rPr lang="hu-HU" dirty="0"/>
+              <a:t> eszközön</a:t>
+            </a:r>
+          </a:p>
+          <a:p>
+            <a:pPr lvl="1">
+              <a:buFont typeface="Wingdings" panose="05000000000000000000" pitchFamily="2" charset="2"/>
+              <a:buChar char="ü"/>
+            </a:pPr>
+            <a:r>
+              <a:rPr lang="hu-HU" dirty="0" err="1"/>
+              <a:t>Graph</a:t>
+            </a:r>
+            <a:r>
+              <a:rPr lang="hu-HU" dirty="0"/>
+              <a:t> </a:t>
+            </a:r>
+            <a:r>
+              <a:rPr lang="hu-HU" dirty="0" err="1"/>
+              <a:t>Engine</a:t>
+            </a:r>
+            <a:endParaRPr lang="hu-HU" dirty="0"/>
+          </a:p>
+          <a:p>
+            <a:pPr>
+              <a:buFont typeface="Wingdings" panose="05000000000000000000" pitchFamily="2" charset="2"/>
+              <a:buChar char="ü"/>
+            </a:pPr>
+            <a:r>
+              <a:rPr lang="hu-HU" dirty="0"/>
+              <a:t>Eredmények értékelése</a:t>
+            </a:r>
+          </a:p>
+        </p:txBody>
+      </p:sp>
+      <p:sp>
+        <p:nvSpPr>
+          <p:cNvPr id="9" name="Content Placeholder 8"/>
+          <p:cNvSpPr>
+            <a:spLocks noGrp="1"/>
+          </p:cNvSpPr>
+          <p:nvPr>
+            <p:ph sz="half" idx="2"/>
+          </p:nvPr>
+        </p:nvSpPr>
+        <p:spPr>
+          <a:xfrm>
+            <a:off x="117414" y="3783613"/>
+            <a:ext cx="8884346" cy="2586707"/>
+          </a:xfrm>
+        </p:spPr>
+        <p:txBody>
+          <a:bodyPr/>
+          <a:lstStyle/>
+          <a:p>
+            <a:r>
+              <a:rPr lang="hu-HU" dirty="0"/>
+              <a:t>Tesztek ismételt elvégzése, ha megvalósul a</a:t>
+            </a:r>
+          </a:p>
+          <a:p>
+            <a:pPr lvl="1"/>
+            <a:r>
+              <a:rPr lang="hu-HU" dirty="0"/>
+              <a:t>LIKQ</a:t>
+            </a:r>
+          </a:p>
+          <a:p>
+            <a:pPr lvl="1"/>
+            <a:r>
+              <a:rPr lang="hu-HU" dirty="0"/>
+              <a:t>LINQ (több különböző típusú csúcs elérése)</a:t>
+            </a:r>
+          </a:p>
+          <a:p>
+            <a:pPr marL="0" indent="0">
+              <a:buNone/>
+            </a:pPr>
+            <a:r>
+              <a:rPr lang="hu-HU" dirty="0"/>
+              <a:t>támogatása</a:t>
+            </a:r>
+          </a:p>
+          <a:p>
+            <a:endParaRPr lang="hu-HU" dirty="0"/>
+          </a:p>
+        </p:txBody>
+      </p:sp>
+      <p:sp>
+        <p:nvSpPr>
+          <p:cNvPr id="5" name="Slide Number Placeholder 4"/>
+          <p:cNvSpPr>
+            <a:spLocks noGrp="1"/>
+          </p:cNvSpPr>
+          <p:nvPr>
+            <p:ph type="sldNum" sz="quarter" idx="10"/>
+          </p:nvPr>
+        </p:nvSpPr>
+        <p:spPr/>
+        <p:txBody>
+          <a:bodyPr/>
+          <a:lstStyle/>
+          <a:p>
+            <a:fld id="{A7C85712-A09B-4560-9D1E-08050AA835BB}" type="slidenum">
+              <a:rPr lang="hu-HU" smtClean="0"/>
+              <a:pPr/>
+              <a:t>15</a:t>
+            </a:fld>
+            <a:endParaRPr lang="hu-HU"/>
+          </a:p>
+        </p:txBody>
+      </p:sp>
+    </p:spTree>
+    <p:extLst>
+      <p:ext uri="{BB962C8B-B14F-4D97-AF65-F5344CB8AC3E}">
+        <p14:creationId xmlns:p14="http://schemas.microsoft.com/office/powerpoint/2010/main" val="3672740930"/>
+      </p:ext>
+    </p:extLst>
+  </p:cSld>
+  <p:clrMapOvr>
+    <a:masterClrMapping/>
+  </p:clrMapOvr>
+</p:sld>
+</file>
+
+<file path=ppt/slides/slide16.xml><?xml version="1.0" encoding="utf-8"?>
+<p:sld xmlns:a="http://schemas.openxmlformats.org/drawingml/2006/main" xmlns:r="http://schemas.openxmlformats.org/officeDocument/2006/relationships" xmlns:p="http://schemas.openxmlformats.org/presentationml/2006/main" show="0">
   <p:cSld>
     <p:spTree>
       <p:nvGrpSpPr>
@@ -40763,7 +41990,7 @@
             <a:fld id="{A7C85712-A09B-4560-9D1E-08050AA835BB}" type="slidenum">
               <a:rPr lang="hu-HU" smtClean="0"/>
               <a:pPr/>
-              <a:t>15</a:t>
+              <a:t>16</a:t>
             </a:fld>
             <a:endParaRPr lang="hu-HU"/>
           </a:p>
@@ -40782,7 +42009,7 @@
 </p:sld>
 </file>
 
-<file path=ppt/slides/slide16.xml><?xml version="1.0" encoding="utf-8"?>
+<file path=ppt/slides/slide17.xml><?xml version="1.0" encoding="utf-8"?>
 <p:sld xmlns:a="http://schemas.openxmlformats.org/drawingml/2006/main" xmlns:r="http://schemas.openxmlformats.org/officeDocument/2006/relationships" xmlns:p="http://schemas.openxmlformats.org/presentationml/2006/main" show="0">
   <p:cSld>
     <p:spTree>
@@ -41004,7 +42231,7 @@
             <a:fld id="{A7C85712-A09B-4560-9D1E-08050AA835BB}" type="slidenum">
               <a:rPr lang="hu-HU" smtClean="0"/>
               <a:pPr/>
-              <a:t>16</a:t>
+              <a:t>17</a:t>
             </a:fld>
             <a:endParaRPr lang="hu-HU"/>
           </a:p>
@@ -41023,8 +42250,1053 @@
 </p:sld>
 </file>
 
-<file path=ppt/slides/slide17.xml><?xml version="1.0" encoding="utf-8"?>
+<file path=ppt/slides/slide18.xml><?xml version="1.0" encoding="utf-8"?>
 <p:sld xmlns:a="http://schemas.openxmlformats.org/drawingml/2006/main" xmlns:r="http://schemas.openxmlformats.org/officeDocument/2006/relationships" xmlns:p="http://schemas.openxmlformats.org/presentationml/2006/main">
+  <p:cSld>
+    <p:spTree>
+      <p:nvGrpSpPr>
+        <p:cNvPr id="1" name=""/>
+        <p:cNvGrpSpPr/>
+        <p:nvPr/>
+      </p:nvGrpSpPr>
+      <p:grpSpPr>
+        <a:xfrm>
+          <a:off x="0" y="0"/>
+          <a:ext cx="0" cy="0"/>
+          <a:chOff x="0" y="0"/>
+          <a:chExt cx="0" cy="0"/>
+        </a:xfrm>
+      </p:grpSpPr>
+      <p:sp>
+        <p:nvSpPr>
+          <p:cNvPr id="2" name="Title 1">
+            <a:extLst>
+              <a:ext uri="{FF2B5EF4-FFF2-40B4-BE49-F238E27FC236}">
+                <a16:creationId xmlns:a16="http://schemas.microsoft.com/office/drawing/2014/main" id="{3E170F84-7F5B-486E-B317-0720717F62BA}"/>
+              </a:ext>
+            </a:extLst>
+          </p:cNvPr>
+          <p:cNvSpPr>
+            <a:spLocks noGrp="1"/>
+          </p:cNvSpPr>
+          <p:nvPr>
+            <p:ph type="title"/>
+          </p:nvPr>
+        </p:nvSpPr>
+        <p:spPr/>
+        <p:txBody>
+          <a:bodyPr/>
+          <a:lstStyle/>
+          <a:p>
+            <a:r>
+              <a:rPr lang="en-US" err="1"/>
+              <a:t>Bírálói</a:t>
+            </a:r>
+            <a:r>
+              <a:rPr lang="en-US"/>
+              <a:t> </a:t>
+            </a:r>
+            <a:r>
+              <a:rPr lang="en-US" err="1"/>
+              <a:t>kérdések</a:t>
+            </a:r>
+            <a:r>
+              <a:rPr lang="en-US"/>
+              <a:t> – 1.</a:t>
+            </a:r>
+            <a:endParaRPr lang="hu-HU"/>
+          </a:p>
+        </p:txBody>
+      </p:sp>
+      <p:sp>
+        <p:nvSpPr>
+          <p:cNvPr id="3" name="Content Placeholder 2">
+            <a:extLst>
+              <a:ext uri="{FF2B5EF4-FFF2-40B4-BE49-F238E27FC236}">
+                <a16:creationId xmlns:a16="http://schemas.microsoft.com/office/drawing/2014/main" id="{64733F9E-0903-47C7-82AB-A8B8906D85D4}"/>
+              </a:ext>
+            </a:extLst>
+          </p:cNvPr>
+          <p:cNvSpPr>
+            <a:spLocks noGrp="1"/>
+          </p:cNvSpPr>
+          <p:nvPr>
+            <p:ph idx="1"/>
+          </p:nvPr>
+        </p:nvSpPr>
+        <p:spPr/>
+        <p:txBody>
+          <a:bodyPr/>
+          <a:lstStyle/>
+          <a:p>
+            <a:r>
+              <a:rPr lang="hu-HU"/>
+              <a:t>Miért a futtatott program felőli időalapú mérést (</a:t>
+            </a:r>
+            <a:r>
+              <a:rPr lang="hu-HU" err="1"/>
+              <a:t>System.Diagnostic.StopWatch</a:t>
+            </a:r>
+            <a:r>
+              <a:rPr lang="hu-HU"/>
+              <a:t>) választott (mely függ a rendszer terhelésétől, háttértaszkoktól, </a:t>
+            </a:r>
+            <a:r>
+              <a:rPr lang="hu-HU" err="1"/>
+              <a:t>stb</a:t>
+            </a:r>
+            <a:r>
+              <a:rPr lang="hu-HU"/>
+              <a:t>) az operációs rendszer által szolgáltatott teljesítményindikátorok helyett (mint kernel/</a:t>
+            </a:r>
+            <a:r>
+              <a:rPr lang="hu-HU" err="1"/>
+              <a:t>user</a:t>
+            </a:r>
+            <a:r>
+              <a:rPr lang="hu-HU"/>
+              <a:t> módban eltöltött idő, elhasznált </a:t>
+            </a:r>
+            <a:r>
+              <a:rPr lang="hu-HU" err="1"/>
+              <a:t>cpu</a:t>
+            </a:r>
+            <a:r>
+              <a:rPr lang="hu-HU"/>
+              <a:t> órajelciklusok száma, </a:t>
+            </a:r>
+            <a:r>
+              <a:rPr lang="hu-HU" err="1"/>
+              <a:t>stb</a:t>
+            </a:r>
+            <a:r>
+              <a:rPr lang="hu-HU"/>
+              <a:t>)? </a:t>
+            </a:r>
+            <a:endParaRPr lang="en-US"/>
+          </a:p>
+          <a:p>
+            <a:pPr lvl="1"/>
+            <a:r>
+              <a:rPr lang="en-US"/>
+              <a:t>.NET </a:t>
+            </a:r>
+            <a:r>
+              <a:rPr lang="en-US" err="1"/>
+              <a:t>keretrendszer</a:t>
+            </a:r>
+            <a:r>
+              <a:rPr lang="en-US"/>
+              <a:t> </a:t>
+            </a:r>
+            <a:r>
+              <a:rPr lang="en-US" err="1"/>
+              <a:t>egyetlen</a:t>
+            </a:r>
+            <a:r>
+              <a:rPr lang="en-US"/>
+              <a:t> </a:t>
+            </a:r>
+            <a:r>
+              <a:rPr lang="en-US" err="1"/>
+              <a:t>támogatott</a:t>
+            </a:r>
+            <a:r>
+              <a:rPr lang="en-US"/>
+              <a:t> </a:t>
+            </a:r>
+            <a:r>
+              <a:rPr lang="en-US" err="1"/>
+              <a:t>osztálya</a:t>
+            </a:r>
+            <a:endParaRPr lang="en-US"/>
+          </a:p>
+          <a:p>
+            <a:pPr lvl="1"/>
+            <a:r>
+              <a:rPr lang="en-US" err="1"/>
+              <a:t>ms-nál</a:t>
+            </a:r>
+            <a:r>
+              <a:rPr lang="en-US"/>
+              <a:t> </a:t>
+            </a:r>
+            <a:r>
+              <a:rPr lang="en-US" err="1"/>
+              <a:t>nem</a:t>
+            </a:r>
+            <a:r>
+              <a:rPr lang="en-US"/>
+              <a:t> </a:t>
+            </a:r>
+            <a:r>
+              <a:rPr lang="en-US" err="1"/>
+              <a:t>kellett</a:t>
+            </a:r>
+            <a:r>
+              <a:rPr lang="en-US"/>
+              <a:t> </a:t>
+            </a:r>
+            <a:r>
+              <a:rPr lang="en-US" err="1"/>
+              <a:t>nagyobb</a:t>
+            </a:r>
+            <a:r>
+              <a:rPr lang="en-US"/>
+              <a:t> </a:t>
+            </a:r>
+            <a:r>
+              <a:rPr lang="en-US" err="1"/>
+              <a:t>pontosság</a:t>
+            </a:r>
+            <a:endParaRPr lang="hu-HU"/>
+          </a:p>
+        </p:txBody>
+      </p:sp>
+      <p:sp>
+        <p:nvSpPr>
+          <p:cNvPr id="4" name="Slide Number Placeholder 3">
+            <a:extLst>
+              <a:ext uri="{FF2B5EF4-FFF2-40B4-BE49-F238E27FC236}">
+                <a16:creationId xmlns:a16="http://schemas.microsoft.com/office/drawing/2014/main" id="{AC6BA789-30F0-4FC0-93DB-80CB68A3E795}"/>
+              </a:ext>
+            </a:extLst>
+          </p:cNvPr>
+          <p:cNvSpPr>
+            <a:spLocks noGrp="1"/>
+          </p:cNvSpPr>
+          <p:nvPr>
+            <p:ph type="sldNum" sz="quarter" idx="10"/>
+          </p:nvPr>
+        </p:nvSpPr>
+        <p:spPr/>
+        <p:txBody>
+          <a:bodyPr/>
+          <a:lstStyle/>
+          <a:p>
+            <a:fld id="{A7C85712-A09B-4560-9D1E-08050AA835BB}" type="slidenum">
+              <a:rPr lang="hu-HU" smtClean="0"/>
+              <a:pPr/>
+              <a:t>18</a:t>
+            </a:fld>
+            <a:endParaRPr lang="hu-HU"/>
+          </a:p>
+        </p:txBody>
+      </p:sp>
+    </p:spTree>
+    <p:extLst>
+      <p:ext uri="{BB962C8B-B14F-4D97-AF65-F5344CB8AC3E}">
+        <p14:creationId xmlns:p14="http://schemas.microsoft.com/office/powerpoint/2010/main" val="1223930910"/>
+      </p:ext>
+    </p:extLst>
+  </p:cSld>
+  <p:clrMapOvr>
+    <a:masterClrMapping/>
+  </p:clrMapOvr>
+</p:sld>
+</file>
+
+<file path=ppt/slides/slide19.xml><?xml version="1.0" encoding="utf-8"?>
+<p:sld xmlns:a="http://schemas.openxmlformats.org/drawingml/2006/main" xmlns:r="http://schemas.openxmlformats.org/officeDocument/2006/relationships" xmlns:p="http://schemas.openxmlformats.org/presentationml/2006/main">
+  <p:cSld>
+    <p:spTree>
+      <p:nvGrpSpPr>
+        <p:cNvPr id="1" name=""/>
+        <p:cNvGrpSpPr/>
+        <p:nvPr/>
+      </p:nvGrpSpPr>
+      <p:grpSpPr>
+        <a:xfrm>
+          <a:off x="0" y="0"/>
+          <a:ext cx="0" cy="0"/>
+          <a:chOff x="0" y="0"/>
+          <a:chExt cx="0" cy="0"/>
+        </a:xfrm>
+      </p:grpSpPr>
+      <p:sp>
+        <p:nvSpPr>
+          <p:cNvPr id="2" name="Title 1">
+            <a:extLst>
+              <a:ext uri="{FF2B5EF4-FFF2-40B4-BE49-F238E27FC236}">
+                <a16:creationId xmlns:a16="http://schemas.microsoft.com/office/drawing/2014/main" id="{31257F3B-6A0F-4039-9BB1-7E960329B498}"/>
+              </a:ext>
+            </a:extLst>
+          </p:cNvPr>
+          <p:cNvSpPr>
+            <a:spLocks noGrp="1"/>
+          </p:cNvSpPr>
+          <p:nvPr>
+            <p:ph type="title"/>
+          </p:nvPr>
+        </p:nvSpPr>
+        <p:spPr/>
+        <p:txBody>
+          <a:bodyPr/>
+          <a:lstStyle/>
+          <a:p>
+            <a:r>
+              <a:rPr lang="en-US" err="1"/>
+              <a:t>Bírálói</a:t>
+            </a:r>
+            <a:r>
+              <a:rPr lang="en-US"/>
+              <a:t> </a:t>
+            </a:r>
+            <a:r>
+              <a:rPr lang="en-US" err="1"/>
+              <a:t>kérdések</a:t>
+            </a:r>
+            <a:r>
+              <a:rPr lang="en-US"/>
+              <a:t> – 2.</a:t>
+            </a:r>
+            <a:endParaRPr lang="hu-HU"/>
+          </a:p>
+        </p:txBody>
+      </p:sp>
+      <p:sp>
+        <p:nvSpPr>
+          <p:cNvPr id="3" name="Content Placeholder 2">
+            <a:extLst>
+              <a:ext uri="{FF2B5EF4-FFF2-40B4-BE49-F238E27FC236}">
+                <a16:creationId xmlns:a16="http://schemas.microsoft.com/office/drawing/2014/main" id="{0C1D5654-6C4D-4041-AAF8-D6E940195B1E}"/>
+              </a:ext>
+            </a:extLst>
+          </p:cNvPr>
+          <p:cNvSpPr>
+            <a:spLocks noGrp="1"/>
+          </p:cNvSpPr>
+          <p:nvPr>
+            <p:ph idx="1"/>
+          </p:nvPr>
+        </p:nvSpPr>
+        <p:spPr/>
+        <p:txBody>
+          <a:bodyPr/>
+          <a:lstStyle/>
+          <a:p>
+            <a:r>
+              <a:rPr lang="hu-HU"/>
+              <a:t> Látva (és ön által is identifikálva) a </a:t>
+            </a:r>
+            <a:r>
+              <a:rPr lang="hu-HU" err="1"/>
+              <a:t>dotNetRDF</a:t>
+            </a:r>
+            <a:r>
+              <a:rPr lang="hu-HU"/>
+              <a:t> és a LINQ által okozott szűk keresztmetszetet próbálkozott-e más RDF olvasóval és más implementációval?</a:t>
+            </a:r>
+            <a:endParaRPr lang="en-US"/>
+          </a:p>
+          <a:p>
+            <a:pPr lvl="1"/>
+            <a:r>
+              <a:rPr lang="en-US"/>
+              <a:t>A Train Benchmark </a:t>
+            </a:r>
+            <a:r>
+              <a:rPr lang="en-US" err="1"/>
+              <a:t>mérnöki</a:t>
+            </a:r>
+            <a:r>
+              <a:rPr lang="en-US"/>
+              <a:t> </a:t>
+            </a:r>
+            <a:r>
+              <a:rPr lang="en-US" err="1"/>
+              <a:t>fejlesztést</a:t>
+            </a:r>
+            <a:r>
+              <a:rPr lang="en-US"/>
+              <a:t> </a:t>
+            </a:r>
+            <a:r>
+              <a:rPr lang="en-US" err="1"/>
+              <a:t>szimulál</a:t>
+            </a:r>
+            <a:r>
+              <a:rPr lang="en-US"/>
+              <a:t>, </a:t>
+            </a:r>
+            <a:r>
+              <a:rPr lang="en-US" err="1"/>
+              <a:t>nem</a:t>
+            </a:r>
+            <a:r>
+              <a:rPr lang="en-US"/>
+              <a:t> </a:t>
+            </a:r>
+            <a:r>
+              <a:rPr lang="en-US" err="1"/>
+              <a:t>tökéleteset</a:t>
+            </a:r>
+            <a:r>
+              <a:rPr lang="en-US"/>
+              <a:t>, </a:t>
+            </a:r>
+            <a:r>
+              <a:rPr lang="en-US" err="1"/>
+              <a:t>ezáltal</a:t>
+            </a:r>
+            <a:r>
+              <a:rPr lang="en-US"/>
+              <a:t> </a:t>
+            </a:r>
+            <a:r>
+              <a:rPr lang="en-US" err="1"/>
+              <a:t>nem</a:t>
+            </a:r>
+            <a:r>
+              <a:rPr lang="en-US"/>
+              <a:t> </a:t>
+            </a:r>
+            <a:r>
+              <a:rPr lang="en-US" err="1"/>
+              <a:t>próbálkoztam</a:t>
+            </a:r>
+            <a:r>
+              <a:rPr lang="en-US"/>
+              <a:t> </a:t>
+            </a:r>
+            <a:r>
+              <a:rPr lang="en-US" err="1"/>
+              <a:t>más</a:t>
+            </a:r>
+            <a:r>
+              <a:rPr lang="en-US"/>
+              <a:t> RDF </a:t>
+            </a:r>
+            <a:r>
+              <a:rPr lang="en-US" err="1"/>
+              <a:t>olvasóval</a:t>
+            </a:r>
+            <a:r>
+              <a:rPr lang="en-US"/>
+              <a:t>, </a:t>
+            </a:r>
+            <a:r>
+              <a:rPr lang="en-US" err="1"/>
+              <a:t>ez</a:t>
+            </a:r>
+            <a:r>
+              <a:rPr lang="en-US"/>
+              <a:t> </a:t>
+            </a:r>
+            <a:r>
+              <a:rPr lang="en-US" err="1"/>
+              <a:t>egy</a:t>
+            </a:r>
+            <a:r>
+              <a:rPr lang="en-US"/>
+              <a:t> </a:t>
+            </a:r>
+            <a:r>
+              <a:rPr lang="en-US" err="1"/>
+              <a:t>továbbfejlesztési</a:t>
+            </a:r>
+            <a:r>
+              <a:rPr lang="en-US"/>
+              <a:t> </a:t>
+            </a:r>
+            <a:r>
+              <a:rPr lang="en-US" err="1"/>
+              <a:t>lehetőség</a:t>
+            </a:r>
+            <a:r>
+              <a:rPr lang="en-US"/>
+              <a:t>.</a:t>
+            </a:r>
+          </a:p>
+        </p:txBody>
+      </p:sp>
+      <p:sp>
+        <p:nvSpPr>
+          <p:cNvPr id="4" name="Slide Number Placeholder 3">
+            <a:extLst>
+              <a:ext uri="{FF2B5EF4-FFF2-40B4-BE49-F238E27FC236}">
+                <a16:creationId xmlns:a16="http://schemas.microsoft.com/office/drawing/2014/main" id="{64579BAB-2886-4079-A613-D4D84D0ED15E}"/>
+              </a:ext>
+            </a:extLst>
+          </p:cNvPr>
+          <p:cNvSpPr>
+            <a:spLocks noGrp="1"/>
+          </p:cNvSpPr>
+          <p:nvPr>
+            <p:ph type="sldNum" sz="quarter" idx="10"/>
+          </p:nvPr>
+        </p:nvSpPr>
+        <p:spPr/>
+        <p:txBody>
+          <a:bodyPr/>
+          <a:lstStyle/>
+          <a:p>
+            <a:fld id="{A7C85712-A09B-4560-9D1E-08050AA835BB}" type="slidenum">
+              <a:rPr lang="hu-HU" smtClean="0"/>
+              <a:pPr/>
+              <a:t>19</a:t>
+            </a:fld>
+            <a:endParaRPr lang="hu-HU"/>
+          </a:p>
+        </p:txBody>
+      </p:sp>
+    </p:spTree>
+    <p:extLst>
+      <p:ext uri="{BB962C8B-B14F-4D97-AF65-F5344CB8AC3E}">
+        <p14:creationId xmlns:p14="http://schemas.microsoft.com/office/powerpoint/2010/main" val="2292789109"/>
+      </p:ext>
+    </p:extLst>
+  </p:cSld>
+  <p:clrMapOvr>
+    <a:masterClrMapping/>
+  </p:clrMapOvr>
+</p:sld>
+</file>
+
+<file path=ppt/slides/slide2.xml><?xml version="1.0" encoding="utf-8"?>
+<p:sld xmlns:a="http://schemas.openxmlformats.org/drawingml/2006/main" xmlns:r="http://schemas.openxmlformats.org/officeDocument/2006/relationships" xmlns:p="http://schemas.openxmlformats.org/presentationml/2006/main">
+  <p:cSld>
+    <p:spTree>
+      <p:nvGrpSpPr>
+        <p:cNvPr id="1" name=""/>
+        <p:cNvGrpSpPr/>
+        <p:nvPr/>
+      </p:nvGrpSpPr>
+      <p:grpSpPr>
+        <a:xfrm>
+          <a:off x="0" y="0"/>
+          <a:ext cx="0" cy="0"/>
+          <a:chOff x="0" y="0"/>
+          <a:chExt cx="0" cy="0"/>
+        </a:xfrm>
+      </p:grpSpPr>
+      <p:sp>
+        <p:nvSpPr>
+          <p:cNvPr id="5" name="Title 4"/>
+          <p:cNvSpPr>
+            <a:spLocks noGrp="1"/>
+          </p:cNvSpPr>
+          <p:nvPr>
+            <p:ph type="title"/>
+          </p:nvPr>
+        </p:nvSpPr>
+        <p:spPr/>
+        <p:txBody>
+          <a:bodyPr/>
+          <a:lstStyle/>
+          <a:p>
+            <a:r>
+              <a:rPr lang="hu-HU" dirty="0"/>
+              <a:t>Feladat és motivációja</a:t>
+            </a:r>
+          </a:p>
+        </p:txBody>
+      </p:sp>
+      <p:sp>
+        <p:nvSpPr>
+          <p:cNvPr id="4" name="Slide Number Placeholder 3"/>
+          <p:cNvSpPr>
+            <a:spLocks noGrp="1"/>
+          </p:cNvSpPr>
+          <p:nvPr>
+            <p:ph type="sldNum" sz="quarter" idx="10"/>
+          </p:nvPr>
+        </p:nvSpPr>
+        <p:spPr/>
+        <p:txBody>
+          <a:bodyPr/>
+          <a:lstStyle/>
+          <a:p>
+            <a:fld id="{A7C85712-A09B-4560-9D1E-08050AA835BB}" type="slidenum">
+              <a:rPr lang="hu-HU" smtClean="0"/>
+              <a:pPr/>
+              <a:t>2</a:t>
+            </a:fld>
+            <a:endParaRPr lang="hu-HU"/>
+          </a:p>
+        </p:txBody>
+      </p:sp>
+      <p:sp>
+        <p:nvSpPr>
+          <p:cNvPr id="3" name="Content Placeholder 2"/>
+          <p:cNvSpPr>
+            <a:spLocks noGrp="1"/>
+          </p:cNvSpPr>
+          <p:nvPr>
+            <p:ph idx="1"/>
+          </p:nvPr>
+        </p:nvSpPr>
+        <p:spPr/>
+        <p:txBody>
+          <a:bodyPr/>
+          <a:lstStyle/>
+          <a:p>
+            <a:pPr lvl="0"/>
+            <a:r>
+              <a:rPr lang="hu-HU" dirty="0" err="1"/>
+              <a:t>Train</a:t>
+            </a:r>
+            <a:r>
+              <a:rPr lang="hu-HU" dirty="0"/>
+              <a:t> Benchmark ismertetése</a:t>
+            </a:r>
+          </a:p>
+          <a:p>
+            <a:pPr lvl="0"/>
+            <a:r>
+              <a:rPr lang="hu-HU" dirty="0"/>
+              <a:t>Implementálása egy választott </a:t>
+            </a:r>
+            <a:r>
+              <a:rPr lang="hu-HU" dirty="0" err="1"/>
+              <a:t>gráflekérdező</a:t>
+            </a:r>
+            <a:r>
+              <a:rPr lang="hu-HU" dirty="0"/>
+              <a:t> rendszerre</a:t>
+            </a:r>
+          </a:p>
+          <a:p>
+            <a:pPr lvl="1"/>
+            <a:r>
+              <a:rPr lang="hu-HU" dirty="0" err="1"/>
+              <a:t>Graph</a:t>
+            </a:r>
+            <a:r>
+              <a:rPr lang="hu-HU" dirty="0"/>
+              <a:t> </a:t>
+            </a:r>
+            <a:r>
+              <a:rPr lang="hu-HU" dirty="0" err="1"/>
+              <a:t>Engine</a:t>
+            </a:r>
+            <a:endParaRPr lang="hu-HU" dirty="0"/>
+          </a:p>
+          <a:p>
+            <a:pPr lvl="0"/>
+            <a:r>
+              <a:rPr lang="hu-HU" dirty="0"/>
+              <a:t>A választott eszközön való futtatás</a:t>
+            </a:r>
+          </a:p>
+          <a:p>
+            <a:pPr lvl="0"/>
+            <a:r>
+              <a:rPr lang="hu-HU" dirty="0"/>
+              <a:t>Két már elkészült eszközön való futtatás</a:t>
+            </a:r>
+          </a:p>
+          <a:p>
+            <a:pPr lvl="1"/>
+            <a:r>
+              <a:rPr lang="hu-HU" dirty="0"/>
+              <a:t>Jena, RDF4J</a:t>
+            </a:r>
+            <a:endParaRPr lang="hu-HU" dirty="0"/>
+          </a:p>
+          <a:p>
+            <a:pPr lvl="0"/>
+            <a:r>
+              <a:rPr lang="hu-HU" dirty="0"/>
+              <a:t>Eredmények kiértékelése</a:t>
+            </a:r>
+          </a:p>
+          <a:p>
+            <a:pPr lvl="0"/>
+            <a:r>
+              <a:rPr lang="hu-HU" dirty="0"/>
+              <a:t>Konklúzió levonása</a:t>
+            </a:r>
+          </a:p>
+        </p:txBody>
+      </p:sp>
+    </p:spTree>
+    <p:extLst>
+      <p:ext uri="{BB962C8B-B14F-4D97-AF65-F5344CB8AC3E}">
+        <p14:creationId xmlns:p14="http://schemas.microsoft.com/office/powerpoint/2010/main" val="1572915044"/>
+      </p:ext>
+    </p:extLst>
+  </p:cSld>
+  <p:clrMapOvr>
+    <a:masterClrMapping/>
+  </p:clrMapOvr>
+</p:sld>
+</file>
+
+<file path=ppt/slides/slide20.xml><?xml version="1.0" encoding="utf-8"?>
+<p:sld xmlns:a="http://schemas.openxmlformats.org/drawingml/2006/main" xmlns:r="http://schemas.openxmlformats.org/officeDocument/2006/relationships" xmlns:p="http://schemas.openxmlformats.org/presentationml/2006/main">
+  <p:cSld>
+    <p:spTree>
+      <p:nvGrpSpPr>
+        <p:cNvPr id="1" name=""/>
+        <p:cNvGrpSpPr/>
+        <p:nvPr/>
+      </p:nvGrpSpPr>
+      <p:grpSpPr>
+        <a:xfrm>
+          <a:off x="0" y="0"/>
+          <a:ext cx="0" cy="0"/>
+          <a:chOff x="0" y="0"/>
+          <a:chExt cx="0" cy="0"/>
+        </a:xfrm>
+      </p:grpSpPr>
+      <p:sp>
+        <p:nvSpPr>
+          <p:cNvPr id="2" name="Title 1">
+            <a:extLst>
+              <a:ext uri="{FF2B5EF4-FFF2-40B4-BE49-F238E27FC236}">
+                <a16:creationId xmlns:a16="http://schemas.microsoft.com/office/drawing/2014/main" id="{A7A5FBA6-8128-463D-91B2-DB5880FD3FDC}"/>
+              </a:ext>
+            </a:extLst>
+          </p:cNvPr>
+          <p:cNvSpPr>
+            <a:spLocks noGrp="1"/>
+          </p:cNvSpPr>
+          <p:nvPr>
+            <p:ph type="title"/>
+          </p:nvPr>
+        </p:nvSpPr>
+        <p:spPr/>
+        <p:txBody>
+          <a:bodyPr/>
+          <a:lstStyle/>
+          <a:p>
+            <a:r>
+              <a:rPr lang="en-US" err="1"/>
+              <a:t>Bírálói</a:t>
+            </a:r>
+            <a:r>
+              <a:rPr lang="en-US"/>
+              <a:t> </a:t>
+            </a:r>
+            <a:r>
+              <a:rPr lang="en-US" err="1"/>
+              <a:t>kérdések</a:t>
+            </a:r>
+            <a:r>
+              <a:rPr lang="en-US"/>
+              <a:t> – 3.</a:t>
+            </a:r>
+            <a:endParaRPr lang="hu-HU"/>
+          </a:p>
+        </p:txBody>
+      </p:sp>
+      <p:sp>
+        <p:nvSpPr>
+          <p:cNvPr id="3" name="Content Placeholder 2">
+            <a:extLst>
+              <a:ext uri="{FF2B5EF4-FFF2-40B4-BE49-F238E27FC236}">
+                <a16:creationId xmlns:a16="http://schemas.microsoft.com/office/drawing/2014/main" id="{91F77379-8BFA-47D3-BEC9-7118ADF81113}"/>
+              </a:ext>
+            </a:extLst>
+          </p:cNvPr>
+          <p:cNvSpPr>
+            <a:spLocks noGrp="1"/>
+          </p:cNvSpPr>
+          <p:nvPr>
+            <p:ph idx="1"/>
+          </p:nvPr>
+        </p:nvSpPr>
+        <p:spPr/>
+        <p:txBody>
+          <a:bodyPr/>
+          <a:lstStyle/>
+          <a:p>
+            <a:r>
+              <a:rPr lang="hu-HU"/>
+              <a:t>Egyéb teljesítmény mérőszámokat miért nem mért (</a:t>
+            </a:r>
+            <a:r>
+              <a:rPr lang="hu-HU" err="1"/>
+              <a:t>pl</a:t>
+            </a:r>
+            <a:r>
+              <a:rPr lang="hu-HU"/>
+              <a:t> memóriahasználat, „</a:t>
+            </a:r>
+            <a:r>
+              <a:rPr lang="hu-HU" err="1"/>
+              <a:t>heap</a:t>
+            </a:r>
+            <a:r>
+              <a:rPr lang="hu-HU"/>
+              <a:t> </a:t>
+            </a:r>
+            <a:r>
+              <a:rPr lang="hu-HU" err="1"/>
+              <a:t>thrashing</a:t>
+            </a:r>
+            <a:r>
+              <a:rPr lang="hu-HU"/>
+              <a:t>”)?</a:t>
+            </a:r>
+            <a:endParaRPr lang="en-US"/>
+          </a:p>
+          <a:p>
+            <a:pPr lvl="1"/>
+            <a:r>
+              <a:rPr lang="en-US"/>
+              <a:t>A Garbage Collector m</a:t>
+            </a:r>
+            <a:r>
+              <a:rPr lang="hu-HU"/>
+              <a:t>ű</a:t>
+            </a:r>
+            <a:r>
+              <a:rPr lang="en-US" err="1"/>
+              <a:t>ködéséből</a:t>
+            </a:r>
+            <a:r>
+              <a:rPr lang="en-US"/>
+              <a:t> </a:t>
+            </a:r>
+            <a:r>
+              <a:rPr lang="en-US" err="1"/>
+              <a:t>kifolyólag</a:t>
+            </a:r>
+            <a:r>
+              <a:rPr lang="en-US"/>
+              <a:t> a </a:t>
+            </a:r>
+            <a:r>
+              <a:rPr lang="en-US" err="1"/>
+              <a:t>memóriahasználat</a:t>
+            </a:r>
+            <a:r>
+              <a:rPr lang="en-US"/>
+              <a:t> </a:t>
+            </a:r>
+            <a:r>
+              <a:rPr lang="en-US" err="1"/>
+              <a:t>méréséhez</a:t>
+            </a:r>
+            <a:r>
+              <a:rPr lang="en-US"/>
+              <a:t> a </a:t>
+            </a:r>
+            <a:r>
+              <a:rPr lang="en-US" err="1"/>
+              <a:t>memória</a:t>
+            </a:r>
+            <a:r>
+              <a:rPr lang="en-US"/>
+              <a:t> </a:t>
+            </a:r>
+            <a:r>
+              <a:rPr lang="en-US" err="1"/>
+              <a:t>tényleges</a:t>
+            </a:r>
+            <a:r>
+              <a:rPr lang="en-US"/>
+              <a:t> </a:t>
+            </a:r>
+            <a:r>
+              <a:rPr lang="en-US" err="1"/>
+              <a:t>méretére</a:t>
+            </a:r>
+            <a:r>
+              <a:rPr lang="en-US"/>
+              <a:t> </a:t>
+            </a:r>
+            <a:r>
+              <a:rPr lang="en-US" err="1"/>
+              <a:t>kellett</a:t>
+            </a:r>
+            <a:r>
+              <a:rPr lang="en-US"/>
+              <a:t> </a:t>
+            </a:r>
+            <a:r>
+              <a:rPr lang="en-US" err="1"/>
+              <a:t>volna</a:t>
+            </a:r>
+            <a:r>
+              <a:rPr lang="en-US"/>
+              <a:t> </a:t>
+            </a:r>
+            <a:r>
+              <a:rPr lang="en-US" err="1"/>
+              <a:t>korlátot</a:t>
+            </a:r>
+            <a:r>
+              <a:rPr lang="en-US"/>
+              <a:t> </a:t>
+            </a:r>
+            <a:r>
+              <a:rPr lang="en-US" err="1"/>
+              <a:t>állítani</a:t>
+            </a:r>
+            <a:r>
+              <a:rPr lang="en-US"/>
+              <a:t>. </a:t>
+            </a:r>
+            <a:r>
+              <a:rPr lang="en-US" err="1"/>
+              <a:t>Erre</a:t>
+            </a:r>
+            <a:r>
+              <a:rPr lang="en-US"/>
+              <a:t> </a:t>
+            </a:r>
+            <a:r>
+              <a:rPr lang="en-US" err="1"/>
+              <a:t>két</a:t>
+            </a:r>
+            <a:r>
+              <a:rPr lang="en-US"/>
+              <a:t> </a:t>
+            </a:r>
+            <a:r>
+              <a:rPr lang="en-US" err="1"/>
+              <a:t>lehetőség</a:t>
+            </a:r>
+            <a:r>
+              <a:rPr lang="en-US"/>
+              <a:t> </a:t>
+            </a:r>
+            <a:r>
+              <a:rPr lang="en-US" err="1"/>
+              <a:t>kínálkozott</a:t>
+            </a:r>
+            <a:r>
+              <a:rPr lang="en-US"/>
+              <a:t>:</a:t>
+            </a:r>
+          </a:p>
+          <a:p>
+            <a:pPr lvl="2"/>
+            <a:r>
+              <a:rPr lang="en-US" err="1"/>
+              <a:t>Új</a:t>
+            </a:r>
+            <a:r>
+              <a:rPr lang="en-US"/>
+              <a:t> </a:t>
+            </a:r>
+            <a:r>
+              <a:rPr lang="en-US" err="1"/>
+              <a:t>hardverek</a:t>
+            </a:r>
+            <a:r>
+              <a:rPr lang="en-US"/>
+              <a:t> </a:t>
+            </a:r>
+            <a:r>
+              <a:rPr lang="en-US" err="1"/>
+              <a:t>beszerzése</a:t>
+            </a:r>
+            <a:r>
+              <a:rPr lang="en-US"/>
+              <a:t> =&gt; </a:t>
+            </a:r>
+            <a:r>
+              <a:rPr lang="en-US" err="1"/>
+              <a:t>költséges</a:t>
+            </a:r>
+            <a:endParaRPr lang="en-US"/>
+          </a:p>
+          <a:p>
+            <a:pPr lvl="2"/>
+            <a:r>
+              <a:rPr lang="en-US" err="1"/>
+              <a:t>Virtuális</a:t>
+            </a:r>
+            <a:r>
+              <a:rPr lang="en-US"/>
+              <a:t> </a:t>
+            </a:r>
+            <a:r>
+              <a:rPr lang="en-US" err="1"/>
+              <a:t>környezet</a:t>
+            </a:r>
+            <a:r>
+              <a:rPr lang="en-US"/>
+              <a:t> =&gt; </a:t>
+            </a:r>
+            <a:r>
+              <a:rPr lang="en-US" err="1"/>
+              <a:t>lassú</a:t>
+            </a:r>
+            <a:r>
+              <a:rPr lang="en-US"/>
+              <a:t> </a:t>
+            </a:r>
+            <a:r>
+              <a:rPr lang="en-US" err="1"/>
+              <a:t>futási</a:t>
+            </a:r>
+            <a:r>
+              <a:rPr lang="en-US"/>
+              <a:t> </a:t>
+            </a:r>
+            <a:r>
+              <a:rPr lang="en-US" err="1"/>
+              <a:t>idő</a:t>
+            </a:r>
+            <a:r>
+              <a:rPr lang="en-US"/>
+              <a:t> (</a:t>
+            </a:r>
+            <a:r>
+              <a:rPr lang="en-US" err="1"/>
+              <a:t>hetek</a:t>
+            </a:r>
+            <a:r>
+              <a:rPr lang="en-US"/>
+              <a:t>)</a:t>
+            </a:r>
+          </a:p>
+          <a:p>
+            <a:pPr lvl="1"/>
+            <a:endParaRPr lang="hu-HU"/>
+          </a:p>
+        </p:txBody>
+      </p:sp>
+      <p:sp>
+        <p:nvSpPr>
+          <p:cNvPr id="4" name="Slide Number Placeholder 3">
+            <a:extLst>
+              <a:ext uri="{FF2B5EF4-FFF2-40B4-BE49-F238E27FC236}">
+                <a16:creationId xmlns:a16="http://schemas.microsoft.com/office/drawing/2014/main" id="{DE1449DB-3ED0-4538-82BD-53336DCD4323}"/>
+              </a:ext>
+            </a:extLst>
+          </p:cNvPr>
+          <p:cNvSpPr>
+            <a:spLocks noGrp="1"/>
+          </p:cNvSpPr>
+          <p:nvPr>
+            <p:ph type="sldNum" sz="quarter" idx="10"/>
+          </p:nvPr>
+        </p:nvSpPr>
+        <p:spPr/>
+        <p:txBody>
+          <a:bodyPr/>
+          <a:lstStyle/>
+          <a:p>
+            <a:fld id="{A7C85712-A09B-4560-9D1E-08050AA835BB}" type="slidenum">
+              <a:rPr lang="hu-HU" smtClean="0"/>
+              <a:pPr/>
+              <a:t>20</a:t>
+            </a:fld>
+            <a:endParaRPr lang="hu-HU"/>
+          </a:p>
+        </p:txBody>
+      </p:sp>
+    </p:spTree>
+    <p:extLst>
+      <p:ext uri="{BB962C8B-B14F-4D97-AF65-F5344CB8AC3E}">
+        <p14:creationId xmlns:p14="http://schemas.microsoft.com/office/powerpoint/2010/main" val="2768865570"/>
+      </p:ext>
+    </p:extLst>
+  </p:cSld>
+  <p:clrMapOvr>
+    <a:masterClrMapping/>
+  </p:clrMapOvr>
+</p:sld>
+</file>
+
+<file path=ppt/slides/slide21.xml><?xml version="1.0" encoding="utf-8"?>
+<p:sld xmlns:a="http://schemas.openxmlformats.org/drawingml/2006/main" xmlns:r="http://schemas.openxmlformats.org/officeDocument/2006/relationships" xmlns:p="http://schemas.openxmlformats.org/presentationml/2006/main" show="0">
   <p:cSld>
     <p:spTree>
       <p:nvGrpSpPr>
@@ -41084,7 +43356,11 @@
           <p:cNvPr id="7" name="Diagram 6"/>
           <p:cNvGraphicFramePr/>
           <p:nvPr>
-            <p:extLst/>
+            <p:extLst>
+              <p:ext uri="{D42A27DB-BD31-4B8C-83A1-F6EECF244321}">
+                <p14:modId xmlns:p14="http://schemas.microsoft.com/office/powerpoint/2010/main" val="2462177024"/>
+              </p:ext>
+            </p:extLst>
           </p:nvPr>
         </p:nvGraphicFramePr>
         <p:xfrm>
@@ -41175,7 +43451,7 @@
             <a:fld id="{A7C85712-A09B-4560-9D1E-08050AA835BB}" type="slidenum">
               <a:rPr lang="hu-HU" smtClean="0"/>
               <a:pPr/>
-              <a:t>17</a:t>
+              <a:t>21</a:t>
             </a:fld>
             <a:endParaRPr lang="hu-HU"/>
           </a:p>
@@ -41194,8 +43470,8 @@
 </p:sld>
 </file>
 
-<file path=ppt/slides/slide18.xml><?xml version="1.0" encoding="utf-8"?>
-<p:sld xmlns:a="http://schemas.openxmlformats.org/drawingml/2006/main" xmlns:r="http://schemas.openxmlformats.org/officeDocument/2006/relationships" xmlns:p="http://schemas.openxmlformats.org/presentationml/2006/main">
+<file path=ppt/slides/slide22.xml><?xml version="1.0" encoding="utf-8"?>
+<p:sld xmlns:a="http://schemas.openxmlformats.org/drawingml/2006/main" xmlns:r="http://schemas.openxmlformats.org/officeDocument/2006/relationships" xmlns:p="http://schemas.openxmlformats.org/presentationml/2006/main" show="0">
   <p:cSld>
     <p:spTree>
       <p:nvGrpSpPr>
@@ -41276,7 +43552,7 @@
             <a:fld id="{A7C85712-A09B-4560-9D1E-08050AA835BB}" type="slidenum">
               <a:rPr lang="hu-HU" smtClean="0"/>
               <a:pPr/>
-              <a:t>18</a:t>
+              <a:t>22</a:t>
             </a:fld>
             <a:endParaRPr lang="hu-HU"/>
           </a:p>
@@ -41354,8 +43630,8 @@
 </p:sld>
 </file>
 
-<file path=ppt/slides/slide19.xml><?xml version="1.0" encoding="utf-8"?>
-<p:sld xmlns:a="http://schemas.openxmlformats.org/drawingml/2006/main" xmlns:r="http://schemas.openxmlformats.org/officeDocument/2006/relationships" xmlns:p="http://schemas.openxmlformats.org/presentationml/2006/main">
+<file path=ppt/slides/slide23.xml><?xml version="1.0" encoding="utf-8"?>
+<p:sld xmlns:a="http://schemas.openxmlformats.org/drawingml/2006/main" xmlns:r="http://schemas.openxmlformats.org/officeDocument/2006/relationships" xmlns:p="http://schemas.openxmlformats.org/presentationml/2006/main" show="0">
   <p:cSld>
     <p:spTree>
       <p:nvGrpSpPr>
@@ -41454,7 +43730,7 @@
             <a:fld id="{A7C85712-A09B-4560-9D1E-08050AA835BB}" type="slidenum">
               <a:rPr lang="hu-HU" smtClean="0"/>
               <a:pPr/>
-              <a:t>19</a:t>
+              <a:t>23</a:t>
             </a:fld>
             <a:endParaRPr lang="hu-HU"/>
           </a:p>
@@ -41514,7 +43790,7 @@
 </p:sld>
 </file>
 
-<file path=ppt/slides/slide2.xml><?xml version="1.0" encoding="utf-8"?>
+<file path=ppt/slides/slide24.xml><?xml version="1.0" encoding="utf-8"?>
 <p:sld xmlns:a="http://schemas.openxmlformats.org/drawingml/2006/main" xmlns:r="http://schemas.openxmlformats.org/officeDocument/2006/relationships" xmlns:p="http://schemas.openxmlformats.org/presentationml/2006/main">
   <p:cSld>
     <p:spTree>
@@ -41533,7 +43809,7 @@
       </p:grpSpPr>
       <p:sp>
         <p:nvSpPr>
-          <p:cNvPr id="5" name="Title 4"/>
+          <p:cNvPr id="2" name="Title 1"/>
           <p:cNvSpPr>
             <a:spLocks noGrp="1"/>
           </p:cNvSpPr>
@@ -41547,15 +43823,172 @@
           <a:lstStyle/>
           <a:p>
             <a:r>
-              <a:rPr lang="hu-HU" dirty="0"/>
-              <a:t>Feladat és motivációja</a:t>
+              <a:rPr lang="hu-HU" sz="3600" dirty="0"/>
+              <a:t>Összefoglalás, </a:t>
+            </a:r>
+            <a:r>
+              <a:rPr lang="hu-HU" sz="3600" dirty="0" err="1"/>
+              <a:t>továbbfejlesztési</a:t>
+            </a:r>
+            <a:r>
+              <a:rPr lang="hu-HU" sz="3600" dirty="0"/>
+              <a:t> lehetőségek</a:t>
             </a:r>
           </a:p>
         </p:txBody>
       </p:sp>
       <p:sp>
         <p:nvSpPr>
-          <p:cNvPr id="4" name="Slide Number Placeholder 3"/>
+          <p:cNvPr id="6" name="Content Placeholder 5"/>
+          <p:cNvSpPr>
+            <a:spLocks noGrp="1"/>
+          </p:cNvSpPr>
+          <p:nvPr>
+            <p:ph sz="half" idx="1"/>
+          </p:nvPr>
+        </p:nvSpPr>
+        <p:spPr>
+          <a:xfrm>
+            <a:off x="117414" y="836578"/>
+            <a:ext cx="8884346" cy="2831182"/>
+          </a:xfrm>
+        </p:spPr>
+        <p:txBody>
+          <a:bodyPr/>
+          <a:lstStyle/>
+          <a:p>
+            <a:pPr>
+              <a:buFont typeface="Wingdings" panose="05000000000000000000" pitchFamily="2" charset="2"/>
+              <a:buChar char="ü"/>
+            </a:pPr>
+            <a:r>
+              <a:rPr lang="hu-HU" dirty="0"/>
+              <a:t>A </a:t>
+            </a:r>
+            <a:r>
+              <a:rPr lang="hu-HU" dirty="0" err="1"/>
+              <a:t>Train</a:t>
+            </a:r>
+            <a:r>
+              <a:rPr lang="hu-HU" dirty="0"/>
+              <a:t> Benchmark forgatókönyveinek megvalósítása két választott eszközön</a:t>
+            </a:r>
+          </a:p>
+          <a:p>
+            <a:pPr lvl="1">
+              <a:buFont typeface="Wingdings" panose="05000000000000000000" pitchFamily="2" charset="2"/>
+              <a:buChar char="ü"/>
+            </a:pPr>
+            <a:r>
+              <a:rPr lang="hu-HU" dirty="0"/>
+              <a:t>Jena, RDF4J</a:t>
+            </a:r>
+          </a:p>
+          <a:p>
+            <a:pPr>
+              <a:buFont typeface="Wingdings" panose="05000000000000000000" pitchFamily="2" charset="2"/>
+              <a:buChar char="ü"/>
+            </a:pPr>
+            <a:r>
+              <a:rPr lang="hu-HU" dirty="0"/>
+              <a:t>Egy választott </a:t>
+            </a:r>
+            <a:r>
+              <a:rPr lang="hu-HU" dirty="0" err="1"/>
+              <a:t>gráflekérdező</a:t>
+            </a:r>
+            <a:r>
+              <a:rPr lang="hu-HU" dirty="0"/>
+              <a:t> eszközön</a:t>
+            </a:r>
+          </a:p>
+          <a:p>
+            <a:pPr lvl="1">
+              <a:buFont typeface="Wingdings" panose="05000000000000000000" pitchFamily="2" charset="2"/>
+              <a:buChar char="ü"/>
+            </a:pPr>
+            <a:r>
+              <a:rPr lang="hu-HU" dirty="0" err="1"/>
+              <a:t>Graph</a:t>
+            </a:r>
+            <a:r>
+              <a:rPr lang="hu-HU" dirty="0"/>
+              <a:t> </a:t>
+            </a:r>
+            <a:r>
+              <a:rPr lang="hu-HU" dirty="0" err="1"/>
+              <a:t>Engine</a:t>
+            </a:r>
+            <a:endParaRPr lang="hu-HU" dirty="0"/>
+          </a:p>
+          <a:p>
+            <a:pPr>
+              <a:buFont typeface="Wingdings" panose="05000000000000000000" pitchFamily="2" charset="2"/>
+              <a:buChar char="ü"/>
+            </a:pPr>
+            <a:r>
+              <a:rPr lang="hu-HU" dirty="0"/>
+              <a:t>Eredmények értékelése</a:t>
+            </a:r>
+          </a:p>
+        </p:txBody>
+      </p:sp>
+      <p:sp>
+        <p:nvSpPr>
+          <p:cNvPr id="9" name="Content Placeholder 8"/>
+          <p:cNvSpPr>
+            <a:spLocks noGrp="1"/>
+          </p:cNvSpPr>
+          <p:nvPr>
+            <p:ph sz="half" idx="2"/>
+          </p:nvPr>
+        </p:nvSpPr>
+        <p:spPr>
+          <a:xfrm>
+            <a:off x="117414" y="3783613"/>
+            <a:ext cx="8884346" cy="2586707"/>
+          </a:xfrm>
+        </p:spPr>
+        <p:txBody>
+          <a:bodyPr/>
+          <a:lstStyle/>
+          <a:p>
+            <a:r>
+              <a:rPr lang="hu-HU" dirty="0"/>
+              <a:t>Tesztek ismételt elvégzése, ha megvalósul a</a:t>
+            </a:r>
+          </a:p>
+          <a:p>
+            <a:pPr lvl="1"/>
+            <a:r>
+              <a:rPr lang="hu-HU" dirty="0"/>
+              <a:t>LIKQ</a:t>
+            </a:r>
+          </a:p>
+          <a:p>
+            <a:pPr lvl="1"/>
+            <a:r>
+              <a:rPr lang="hu-HU" dirty="0"/>
+              <a:t>LINQ (több különböző típusú csúcs elérése)</a:t>
+            </a:r>
+          </a:p>
+          <a:p>
+            <a:pPr marL="0" indent="0">
+              <a:buNone/>
+            </a:pPr>
+            <a:r>
+              <a:rPr lang="hu-HU" dirty="0"/>
+              <a:t>támogatása</a:t>
+            </a:r>
+          </a:p>
+          <a:p>
+            <a:endParaRPr lang="hu-HU" dirty="0"/>
+          </a:p>
+        </p:txBody>
+      </p:sp>
+      <p:sp>
+        <p:nvSpPr>
+          <p:cNvPr id="5" name="Slide Number Placeholder 4"/>
           <p:cNvSpPr>
             <a:spLocks noGrp="1"/>
           </p:cNvSpPr>
@@ -41571,188 +44004,7 @@
             <a:fld id="{A7C85712-A09B-4560-9D1E-08050AA835BB}" type="slidenum">
               <a:rPr lang="hu-HU" smtClean="0"/>
               <a:pPr/>
-              <a:t>2</a:t>
-            </a:fld>
-            <a:endParaRPr lang="hu-HU"/>
-          </a:p>
-        </p:txBody>
-      </p:sp>
-      <p:sp>
-        <p:nvSpPr>
-          <p:cNvPr id="3" name="Content Placeholder 2"/>
-          <p:cNvSpPr>
-            <a:spLocks noGrp="1"/>
-          </p:cNvSpPr>
-          <p:nvPr>
-            <p:ph idx="1"/>
-          </p:nvPr>
-        </p:nvSpPr>
-        <p:spPr/>
-        <p:txBody>
-          <a:bodyPr/>
-          <a:lstStyle/>
-          <a:p>
-            <a:pPr lvl="0"/>
-            <a:r>
-              <a:rPr lang="hu-HU"/>
-              <a:t>Train Benchmark ismertetése</a:t>
-            </a:r>
-            <a:endParaRPr lang="hu-HU"/>
-          </a:p>
-          <a:p>
-            <a:pPr lvl="0"/>
-            <a:r>
-              <a:rPr lang="hu-HU"/>
-              <a:t>Implementálása egy választott gráflekérdező rendszerre</a:t>
-            </a:r>
-            <a:endParaRPr lang="hu-HU"/>
-          </a:p>
-          <a:p>
-            <a:pPr lvl="1"/>
-            <a:r>
-              <a:rPr lang="hu-HU"/>
-              <a:t>Graph Engine</a:t>
-            </a:r>
-            <a:endParaRPr lang="hu-HU"/>
-          </a:p>
-          <a:p>
-            <a:pPr lvl="0"/>
-            <a:r>
-              <a:rPr lang="hu-HU"/>
-              <a:t>A választott eszközön való futtatás</a:t>
-            </a:r>
-            <a:endParaRPr lang="hu-HU"/>
-          </a:p>
-          <a:p>
-            <a:pPr lvl="1"/>
-            <a:r>
-              <a:rPr lang="hu-HU"/>
-              <a:t>Jena, RDF4J</a:t>
-            </a:r>
-            <a:endParaRPr lang="hu-HU"/>
-          </a:p>
-          <a:p>
-            <a:pPr lvl="0"/>
-            <a:r>
-              <a:rPr lang="hu-HU"/>
-              <a:t>Két már elkészült eszközön való futtatás</a:t>
-            </a:r>
-            <a:endParaRPr lang="hu-HU"/>
-          </a:p>
-          <a:p>
-            <a:pPr lvl="0"/>
-            <a:r>
-              <a:rPr lang="hu-HU"/>
-              <a:t>Eredmények kiértékelése</a:t>
-            </a:r>
-            <a:endParaRPr lang="hu-HU"/>
-          </a:p>
-          <a:p>
-            <a:pPr lvl="0"/>
-            <a:r>
-              <a:rPr lang="hu-HU"/>
-              <a:t>Konklúzió levonása</a:t>
-            </a:r>
-            <a:endParaRPr lang="hu-HU"/>
-          </a:p>
-        </p:txBody>
-      </p:sp>
-    </p:spTree>
-    <p:extLst>
-      <p:ext uri="{BB962C8B-B14F-4D97-AF65-F5344CB8AC3E}">
-        <p14:creationId xmlns:p14="http://schemas.microsoft.com/office/powerpoint/2010/main" val="1572915044"/>
-      </p:ext>
-    </p:extLst>
-  </p:cSld>
-  <p:clrMapOvr>
-    <a:masterClrMapping/>
-  </p:clrMapOvr>
-</p:sld>
-</file>
-
-<file path=ppt/slides/slide20.xml><?xml version="1.0" encoding="utf-8"?>
-<p:sld xmlns:a="http://schemas.openxmlformats.org/drawingml/2006/main" xmlns:r="http://schemas.openxmlformats.org/officeDocument/2006/relationships" xmlns:p="http://schemas.openxmlformats.org/presentationml/2006/main">
-  <p:cSld>
-    <p:spTree>
-      <p:nvGrpSpPr>
-        <p:cNvPr id="1" name=""/>
-        <p:cNvGrpSpPr/>
-        <p:nvPr/>
-      </p:nvGrpSpPr>
-      <p:grpSpPr>
-        <a:xfrm>
-          <a:off x="0" y="0"/>
-          <a:ext cx="0" cy="0"/>
-          <a:chOff x="0" y="0"/>
-          <a:chExt cx="0" cy="0"/>
-        </a:xfrm>
-      </p:grpSpPr>
-      <p:sp>
-        <p:nvSpPr>
-          <p:cNvPr id="5" name="Title 4">
-            <a:extLst>
-              <a:ext uri="{FF2B5EF4-FFF2-40B4-BE49-F238E27FC236}">
-                <a16:creationId xmlns:a16="http://schemas.microsoft.com/office/drawing/2014/main" id="{6E27A8B2-5A76-455E-AA4D-D0E0FFBBEA5F}"/>
-              </a:ext>
-            </a:extLst>
-          </p:cNvPr>
-          <p:cNvSpPr>
-            <a:spLocks noGrp="1"/>
-          </p:cNvSpPr>
-          <p:nvPr>
-            <p:ph type="title"/>
-          </p:nvPr>
-        </p:nvSpPr>
-        <p:spPr/>
-        <p:txBody>
-          <a:bodyPr/>
-          <a:lstStyle/>
-          <a:p>
-            <a:r>
-              <a:rPr lang="en-US" dirty="0" err="1"/>
-              <a:t>Köszönöm</a:t>
-            </a:r>
-            <a:r>
-              <a:rPr lang="en-US" dirty="0"/>
-              <a:t> a </a:t>
-            </a:r>
-            <a:r>
-              <a:rPr lang="en-US" dirty="0" err="1"/>
-              <a:t>figyelmet</a:t>
-            </a:r>
-            <a:r>
-              <a:rPr lang="en-US" dirty="0"/>
-              <a:t>!</a:t>
-            </a:r>
-            <a:endParaRPr lang="hu-HU" dirty="0"/>
-          </a:p>
-        </p:txBody>
-      </p:sp>
-      <p:sp>
-        <p:nvSpPr>
-          <p:cNvPr id="4" name="Slide Number Placeholder 3">
-            <a:extLst>
-              <a:ext uri="{FF2B5EF4-FFF2-40B4-BE49-F238E27FC236}">
-                <a16:creationId xmlns:a16="http://schemas.microsoft.com/office/drawing/2014/main" id="{44CD9085-5428-4582-AA8F-DD9E0B2716A6}"/>
-              </a:ext>
-            </a:extLst>
-          </p:cNvPr>
-          <p:cNvSpPr>
-            <a:spLocks noGrp="1"/>
-          </p:cNvSpPr>
-          <p:nvPr>
-            <p:ph type="sldNum" sz="quarter" idx="10"/>
-          </p:nvPr>
-        </p:nvSpPr>
-        <p:spPr/>
-        <p:txBody>
-          <a:bodyPr/>
-          <a:lstStyle/>
-          <a:p>
-            <a:fld id="{A7C85712-A09B-4560-9D1E-08050AA835BB}" type="slidenum">
-              <a:rPr lang="hu-HU" smtClean="0"/>
-              <a:pPr/>
-              <a:t>20</a:t>
+              <a:t>24</a:t>
             </a:fld>
             <a:endParaRPr lang="hu-HU"/>
           </a:p>
@@ -41761,7 +44013,7 @@
     </p:spTree>
     <p:extLst>
       <p:ext uri="{BB962C8B-B14F-4D97-AF65-F5344CB8AC3E}">
-        <p14:creationId xmlns:p14="http://schemas.microsoft.com/office/powerpoint/2010/main" val="137895269"/>
+        <p14:creationId xmlns:p14="http://schemas.microsoft.com/office/powerpoint/2010/main" val="2424701595"/>
       </p:ext>
     </p:extLst>
   </p:cSld>
@@ -42485,7 +44737,7 @@
           </p:nvPr>
         </p:nvPicPr>
         <p:blipFill>
-          <a:blip r:embed="rId2"/>
+          <a:blip r:embed="rId3"/>
           <a:stretch>
             <a:fillRect/>
           </a:stretch>
@@ -42542,7 +44794,7 @@
           <p:nvPr/>
         </p:nvPicPr>
         <p:blipFill>
-          <a:blip r:embed="rId3"/>
+          <a:blip r:embed="rId4"/>
           <a:stretch>
             <a:fillRect/>
           </a:stretch>
@@ -42743,10 +44995,10 @@
             <p:nvPr/>
           </p:nvPicPr>
           <p:blipFill>
-            <a:blip r:embed="rId4">
+            <a:blip r:embed="rId5">
               <a:extLst>
                 <a:ext uri="{96DAC541-7B7A-43D3-8B79-37D633B846F1}">
-                  <asvg:svgBlip xmlns:asvg="http://schemas.microsoft.com/office/drawing/2016/SVG/main" r:embed="rId5"/>
+                  <asvg:svgBlip xmlns:asvg="http://schemas.microsoft.com/office/drawing/2016/SVG/main" r:embed="rId6"/>
                 </a:ext>
               </a:extLst>
             </a:blip>
@@ -44135,7 +46387,7 @@
             <p:ph idx="1"/>
             <p:extLst>
               <p:ext uri="{D42A27DB-BD31-4B8C-83A1-F6EECF244321}">
-                <p14:modId xmlns:p14="http://schemas.microsoft.com/office/powerpoint/2010/main" val="584703736"/>
+                <p14:modId xmlns:p14="http://schemas.microsoft.com/office/powerpoint/2010/main" val="3424626830"/>
               </p:ext>
             </p:extLst>
           </p:nvPr>

--- a/Dobosy_Kristof_szakdolgozat_2017_GraphEngine_0.pptx
+++ b/Dobosy_Kristof_szakdolgozat_2017_GraphEngine_0.pptx
@@ -16,9 +16,9 @@
     <p:sldId id="347" r:id="rId4"/>
     <p:sldId id="330" r:id="rId5"/>
     <p:sldId id="343" r:id="rId6"/>
-    <p:sldId id="334" r:id="rId7"/>
-    <p:sldId id="332" r:id="rId8"/>
-    <p:sldId id="329" r:id="rId9"/>
+    <p:sldId id="332" r:id="rId7"/>
+    <p:sldId id="329" r:id="rId8"/>
+    <p:sldId id="334" r:id="rId9"/>
     <p:sldId id="321" r:id="rId10"/>
     <p:sldId id="335" r:id="rId11"/>
     <p:sldId id="350" r:id="rId12"/>
@@ -143,9 +143,9 @@
             <p14:sldId id="347"/>
             <p14:sldId id="330"/>
             <p14:sldId id="343"/>
-            <p14:sldId id="334"/>
             <p14:sldId id="332"/>
             <p14:sldId id="329"/>
+            <p14:sldId id="334"/>
             <p14:sldId id="321"/>
             <p14:sldId id="335"/>
             <p14:sldId id="350"/>
@@ -8719,18 +8719,18 @@
     </dgm:pt>
   </dgm:ptLst>
   <dgm:cxnLst>
+    <dgm:cxn modelId="{DB528615-7D92-4E63-9D6B-3CF93B412B37}" type="presOf" srcId="{7ACD33EB-9CEB-4C1C-BE88-7BC95914F7C7}" destId="{D24D3177-94C4-4C3D-A1F7-EBEE9512DF2A}" srcOrd="0" destOrd="0" presId="urn:microsoft.com/office/officeart/2008/layout/VerticalCurvedList"/>
+    <dgm:cxn modelId="{2F9CE21D-18E5-4E5B-854F-4F6B9C21C437}" type="presOf" srcId="{DE8E82F2-CEFD-41B4-B1B5-84C86D86324C}" destId="{2063E44D-849B-455C-8F4A-DBAF33E522B2}" srcOrd="0" destOrd="0" presId="urn:microsoft.com/office/officeart/2008/layout/VerticalCurvedList"/>
+    <dgm:cxn modelId="{C0A45325-FA08-4A89-A62B-E97546EE1D04}" srcId="{3C6A0406-5B25-4493-87B2-ECB1AA4A535E}" destId="{7B1AD26B-E667-4F6C-88B6-4DCA69F4BB0F}" srcOrd="3" destOrd="0" parTransId="{6131106F-22FD-4154-A0B2-3EBE255380E7}" sibTransId="{F6A20EFA-AFD5-4F4A-B639-2D96FB359E48}"/>
+    <dgm:cxn modelId="{88C92535-08AF-4BA5-9FBD-7F9F5903E036}" srcId="{3C6A0406-5B25-4493-87B2-ECB1AA4A535E}" destId="{DE8E82F2-CEFD-41B4-B1B5-84C86D86324C}" srcOrd="2" destOrd="0" parTransId="{194FC275-A374-48E1-BA77-3C6C5A026B18}" sibTransId="{B02D8492-9D52-4183-8CE7-B0D60F6B962E}"/>
+    <dgm:cxn modelId="{77212A71-8CEE-4B62-9194-3739B190B6D8}" type="presOf" srcId="{C7523A20-B851-4EBE-A754-AD620965643E}" destId="{3F708124-61C2-49B7-8B6F-6EB262F1A4F2}" srcOrd="0" destOrd="0" presId="urn:microsoft.com/office/officeart/2008/layout/VerticalCurvedList"/>
+    <dgm:cxn modelId="{3A7AE555-BEE5-4102-8717-6A8C7EAC7221}" type="presOf" srcId="{7B1AD26B-E667-4F6C-88B6-4DCA69F4BB0F}" destId="{E9B5148A-7669-466F-8030-6CEAA8E1559A}" srcOrd="0" destOrd="0" presId="urn:microsoft.com/office/officeart/2008/layout/VerticalCurvedList"/>
+    <dgm:cxn modelId="{2241D18A-E2F8-458A-B71C-6F45BA8EC025}" type="presOf" srcId="{3C6A0406-5B25-4493-87B2-ECB1AA4A535E}" destId="{E46DB805-9893-415B-AA3D-370C9074F6CC}" srcOrd="0" destOrd="0" presId="urn:microsoft.com/office/officeart/2008/layout/VerticalCurvedList"/>
+    <dgm:cxn modelId="{BD99F68D-B960-47F3-B067-3B986613DFFD}" srcId="{3C6A0406-5B25-4493-87B2-ECB1AA4A535E}" destId="{7ACD33EB-9CEB-4C1C-BE88-7BC95914F7C7}" srcOrd="0" destOrd="0" parTransId="{573C5A9C-AF10-43D7-A4A6-70ABFF6EE233}" sibTransId="{84270A7D-CF3D-49E4-8DE2-7D4C2378C546}"/>
+    <dgm:cxn modelId="{9DD0649B-C105-438A-8957-2183AF1BCF0D}" srcId="{3C6A0406-5B25-4493-87B2-ECB1AA4A535E}" destId="{C7523A20-B851-4EBE-A754-AD620965643E}" srcOrd="4" destOrd="0" parTransId="{F69A3122-E1F7-453C-8AD5-DFA18964F97E}" sibTransId="{51DF3A8D-E62F-4575-AEBC-98305A734A51}"/>
+    <dgm:cxn modelId="{00DB7EB4-3333-4A6F-8058-A55044DFD070}" type="presOf" srcId="{84270A7D-CF3D-49E4-8DE2-7D4C2378C546}" destId="{49E9324C-DDFE-4FD7-8C7D-E7394F0314BF}" srcOrd="0" destOrd="0" presId="urn:microsoft.com/office/officeart/2008/layout/VerticalCurvedList"/>
+    <dgm:cxn modelId="{845C0AD0-11BA-46AC-9C0E-AE595F6BF9EC}" type="presOf" srcId="{50686372-E10C-4468-9638-33EE7AD9AB5A}" destId="{76ECA175-3FB6-43E7-9600-15670A300DE3}" srcOrd="0" destOrd="0" presId="urn:microsoft.com/office/officeart/2008/layout/VerticalCurvedList"/>
     <dgm:cxn modelId="{DC7D3CDB-B37B-4FB7-969D-9643C50C7519}" srcId="{3C6A0406-5B25-4493-87B2-ECB1AA4A535E}" destId="{50686372-E10C-4468-9638-33EE7AD9AB5A}" srcOrd="1" destOrd="0" parTransId="{AFBF7E3E-A0CE-4430-A33C-9B9FC8120A8D}" sibTransId="{6A608BDD-6A71-4CB7-BCC0-CE3BDFD1F55D}"/>
-    <dgm:cxn modelId="{9DD0649B-C105-438A-8957-2183AF1BCF0D}" srcId="{3C6A0406-5B25-4493-87B2-ECB1AA4A535E}" destId="{C7523A20-B851-4EBE-A754-AD620965643E}" srcOrd="4" destOrd="0" parTransId="{F69A3122-E1F7-453C-8AD5-DFA18964F97E}" sibTransId="{51DF3A8D-E62F-4575-AEBC-98305A734A51}"/>
-    <dgm:cxn modelId="{DB528615-7D92-4E63-9D6B-3CF93B412B37}" type="presOf" srcId="{7ACD33EB-9CEB-4C1C-BE88-7BC95914F7C7}" destId="{D24D3177-94C4-4C3D-A1F7-EBEE9512DF2A}" srcOrd="0" destOrd="0" presId="urn:microsoft.com/office/officeart/2008/layout/VerticalCurvedList"/>
-    <dgm:cxn modelId="{2241D18A-E2F8-458A-B71C-6F45BA8EC025}" type="presOf" srcId="{3C6A0406-5B25-4493-87B2-ECB1AA4A535E}" destId="{E46DB805-9893-415B-AA3D-370C9074F6CC}" srcOrd="0" destOrd="0" presId="urn:microsoft.com/office/officeart/2008/layout/VerticalCurvedList"/>
-    <dgm:cxn modelId="{845C0AD0-11BA-46AC-9C0E-AE595F6BF9EC}" type="presOf" srcId="{50686372-E10C-4468-9638-33EE7AD9AB5A}" destId="{76ECA175-3FB6-43E7-9600-15670A300DE3}" srcOrd="0" destOrd="0" presId="urn:microsoft.com/office/officeart/2008/layout/VerticalCurvedList"/>
-    <dgm:cxn modelId="{C0A45325-FA08-4A89-A62B-E97546EE1D04}" srcId="{3C6A0406-5B25-4493-87B2-ECB1AA4A535E}" destId="{7B1AD26B-E667-4F6C-88B6-4DCA69F4BB0F}" srcOrd="3" destOrd="0" parTransId="{6131106F-22FD-4154-A0B2-3EBE255380E7}" sibTransId="{F6A20EFA-AFD5-4F4A-B639-2D96FB359E48}"/>
-    <dgm:cxn modelId="{77212A71-8CEE-4B62-9194-3739B190B6D8}" type="presOf" srcId="{C7523A20-B851-4EBE-A754-AD620965643E}" destId="{3F708124-61C2-49B7-8B6F-6EB262F1A4F2}" srcOrd="0" destOrd="0" presId="urn:microsoft.com/office/officeart/2008/layout/VerticalCurvedList"/>
-    <dgm:cxn modelId="{00DB7EB4-3333-4A6F-8058-A55044DFD070}" type="presOf" srcId="{84270A7D-CF3D-49E4-8DE2-7D4C2378C546}" destId="{49E9324C-DDFE-4FD7-8C7D-E7394F0314BF}" srcOrd="0" destOrd="0" presId="urn:microsoft.com/office/officeart/2008/layout/VerticalCurvedList"/>
-    <dgm:cxn modelId="{3A7AE555-BEE5-4102-8717-6A8C7EAC7221}" type="presOf" srcId="{7B1AD26B-E667-4F6C-88B6-4DCA69F4BB0F}" destId="{E9B5148A-7669-466F-8030-6CEAA8E1559A}" srcOrd="0" destOrd="0" presId="urn:microsoft.com/office/officeart/2008/layout/VerticalCurvedList"/>
-    <dgm:cxn modelId="{88C92535-08AF-4BA5-9FBD-7F9F5903E036}" srcId="{3C6A0406-5B25-4493-87B2-ECB1AA4A535E}" destId="{DE8E82F2-CEFD-41B4-B1B5-84C86D86324C}" srcOrd="2" destOrd="0" parTransId="{194FC275-A374-48E1-BA77-3C6C5A026B18}" sibTransId="{B02D8492-9D52-4183-8CE7-B0D60F6B962E}"/>
-    <dgm:cxn modelId="{BD99F68D-B960-47F3-B067-3B986613DFFD}" srcId="{3C6A0406-5B25-4493-87B2-ECB1AA4A535E}" destId="{7ACD33EB-9CEB-4C1C-BE88-7BC95914F7C7}" srcOrd="0" destOrd="0" parTransId="{573C5A9C-AF10-43D7-A4A6-70ABFF6EE233}" sibTransId="{84270A7D-CF3D-49E4-8DE2-7D4C2378C546}"/>
-    <dgm:cxn modelId="{2F9CE21D-18E5-4E5B-854F-4F6B9C21C437}" type="presOf" srcId="{DE8E82F2-CEFD-41B4-B1B5-84C86D86324C}" destId="{2063E44D-849B-455C-8F4A-DBAF33E522B2}" srcOrd="0" destOrd="0" presId="urn:microsoft.com/office/officeart/2008/layout/VerticalCurvedList"/>
     <dgm:cxn modelId="{DCE30EEB-E672-4928-A60A-922B7F54903C}" type="presParOf" srcId="{E46DB805-9893-415B-AA3D-370C9074F6CC}" destId="{D7C25E50-E66B-4EA7-90D9-115519B0E2A9}" srcOrd="0" destOrd="0" presId="urn:microsoft.com/office/officeart/2008/layout/VerticalCurvedList"/>
     <dgm:cxn modelId="{07F67719-C638-425B-9B67-A1E31EA8CB1D}" type="presParOf" srcId="{D7C25E50-E66B-4EA7-90D9-115519B0E2A9}" destId="{F5CC97F0-BBB6-44D5-A958-61430C7CD04B}" srcOrd="0" destOrd="0" presId="urn:microsoft.com/office/officeart/2008/layout/VerticalCurvedList"/>
     <dgm:cxn modelId="{3F81CBE2-7325-4722-8F0E-31A0613F5F0D}" type="presParOf" srcId="{F5CC97F0-BBB6-44D5-A958-61430C7CD04B}" destId="{A93EA9A7-EAE2-4E28-82B0-15E83EB41696}" srcOrd="0" destOrd="0" presId="urn:microsoft.com/office/officeart/2008/layout/VerticalCurvedList"/>
@@ -9008,11 +9008,11 @@
     </dgm:pt>
   </dgm:ptLst>
   <dgm:cxnLst>
+    <dgm:cxn modelId="{7E95661A-6A84-4F14-B35F-0D2770169669}" type="presOf" srcId="{030DED3A-6CEF-44AC-8B3E-6EAF600CD6C1}" destId="{0E7FF914-9B91-48F5-9AD6-F50825816C24}" srcOrd="0" destOrd="0" presId="urn:microsoft.com/office/officeart/2005/8/layout/hList3"/>
+    <dgm:cxn modelId="{062B0B6F-D3C3-4EFF-AFFF-E9BBA82FE4DA}" type="presOf" srcId="{565FC5D3-980D-4891-9985-2AAE4BF7A601}" destId="{7B305264-32A2-462B-91C6-7E602B8C401C}" srcOrd="0" destOrd="0" presId="urn:microsoft.com/office/officeart/2005/8/layout/hList3"/>
+    <dgm:cxn modelId="{32548B9E-232A-4B9D-9765-23AB39B61B24}" type="presOf" srcId="{B6A0747C-EB19-45AB-9E33-6342457BD9E5}" destId="{5E7E67FF-437F-473A-929B-DE252323837C}" srcOrd="0" destOrd="0" presId="urn:microsoft.com/office/officeart/2005/8/layout/hList3"/>
     <dgm:cxn modelId="{1901DA9E-A664-4FB5-9063-19F672C15DE5}" srcId="{030DED3A-6CEF-44AC-8B3E-6EAF600CD6C1}" destId="{565FC5D3-980D-4891-9985-2AAE4BF7A601}" srcOrd="0" destOrd="0" parTransId="{3142BCE1-1D92-4CCB-BDA0-41D047096736}" sibTransId="{D86C04F4-A1D1-4E2E-8CDE-C66FFDCE7FFA}"/>
-    <dgm:cxn modelId="{32548B9E-232A-4B9D-9765-23AB39B61B24}" type="presOf" srcId="{B6A0747C-EB19-45AB-9E33-6342457BD9E5}" destId="{5E7E67FF-437F-473A-929B-DE252323837C}" srcOrd="0" destOrd="0" presId="urn:microsoft.com/office/officeart/2005/8/layout/hList3"/>
-    <dgm:cxn modelId="{062B0B6F-D3C3-4EFF-AFFF-E9BBA82FE4DA}" type="presOf" srcId="{565FC5D3-980D-4891-9985-2AAE4BF7A601}" destId="{7B305264-32A2-462B-91C6-7E602B8C401C}" srcOrd="0" destOrd="0" presId="urn:microsoft.com/office/officeart/2005/8/layout/hList3"/>
     <dgm:cxn modelId="{6C6064C0-338D-4C20-9F54-FE2CC9123412}" srcId="{565FC5D3-980D-4891-9985-2AAE4BF7A601}" destId="{B6A0747C-EB19-45AB-9E33-6342457BD9E5}" srcOrd="0" destOrd="0" parTransId="{7FA6FE26-8A27-42D7-A23C-F88F509E55F0}" sibTransId="{B401B00C-694B-4D71-B05F-5489572B8991}"/>
-    <dgm:cxn modelId="{7E95661A-6A84-4F14-B35F-0D2770169669}" type="presOf" srcId="{030DED3A-6CEF-44AC-8B3E-6EAF600CD6C1}" destId="{0E7FF914-9B91-48F5-9AD6-F50825816C24}" srcOrd="0" destOrd="0" presId="urn:microsoft.com/office/officeart/2005/8/layout/hList3"/>
     <dgm:cxn modelId="{4179A292-1607-4970-9A11-FC464F7F735D}" type="presParOf" srcId="{0E7FF914-9B91-48F5-9AD6-F50825816C24}" destId="{7B305264-32A2-462B-91C6-7E602B8C401C}" srcOrd="0" destOrd="0" presId="urn:microsoft.com/office/officeart/2005/8/layout/hList3"/>
     <dgm:cxn modelId="{C5CF8C68-05DD-458B-9067-6D41E2A1F3DE}" type="presParOf" srcId="{0E7FF914-9B91-48F5-9AD6-F50825816C24}" destId="{CD4107D5-C838-4DE5-8508-FC08AF9E787C}" srcOrd="1" destOrd="0" presId="urn:microsoft.com/office/officeart/2005/8/layout/hList3"/>
     <dgm:cxn modelId="{28CBF4F8-9A80-4338-8D7A-60ED4DBE3F61}" type="presParOf" srcId="{CD4107D5-C838-4DE5-8508-FC08AF9E787C}" destId="{5E7E67FF-437F-473A-929B-DE252323837C}" srcOrd="0" destOrd="0" presId="urn:microsoft.com/office/officeart/2005/8/layout/hList3"/>
@@ -9519,16 +9519,16 @@
   </dgm:ptLst>
   <dgm:cxnLst>
     <dgm:cxn modelId="{5FB7EA03-7FA9-4E67-BF95-E8F41C382D4C}" srcId="{83A3A57B-2265-4417-8E62-5A0ABCB661A8}" destId="{6DD2A67C-5E73-4862-9F91-D228A943AAF9}" srcOrd="1" destOrd="0" parTransId="{7B0DAF5B-CC65-4ACB-B117-6995257CA61E}" sibTransId="{F4CC1C39-C4A9-4A72-820C-86FE1FC5DB97}"/>
+    <dgm:cxn modelId="{A208100C-B55A-472F-8400-62CD183B2290}" srcId="{565FC5D3-980D-4891-9985-2AAE4BF7A601}" destId="{A7B4FE94-A9DD-4654-914A-C04B075901E8}" srcOrd="0" destOrd="0" parTransId="{450C23D4-2357-49D7-BE5D-8472B2E0AB18}" sibTransId="{8552BBC2-9C05-4B7F-A797-653B707FF7AF}"/>
+    <dgm:cxn modelId="{7E95661A-6A84-4F14-B35F-0D2770169669}" type="presOf" srcId="{030DED3A-6CEF-44AC-8B3E-6EAF600CD6C1}" destId="{0E7FF914-9B91-48F5-9AD6-F50825816C24}" srcOrd="0" destOrd="0" presId="urn:microsoft.com/office/officeart/2005/8/layout/hList3"/>
+    <dgm:cxn modelId="{AF444F22-A4DD-450C-8B2D-79450617C6B3}" type="presOf" srcId="{A7B4FE94-A9DD-4654-914A-C04B075901E8}" destId="{5E7E67FF-437F-473A-929B-DE252323837C}" srcOrd="0" destOrd="0" presId="urn:microsoft.com/office/officeart/2005/8/layout/hList3"/>
+    <dgm:cxn modelId="{5C51DE34-FF96-42C7-B911-DCF1E37B4D8A}" srcId="{565FC5D3-980D-4891-9985-2AAE4BF7A601}" destId="{83A3A57B-2265-4417-8E62-5A0ABCB661A8}" srcOrd="1" destOrd="0" parTransId="{E74668D0-6023-4E5F-8F67-8D7F87CEBB31}" sibTransId="{A11A2CA6-FF85-418E-B610-1142D9863888}"/>
+    <dgm:cxn modelId="{3FFAD55E-9EF8-436B-957F-4C4F8C33F6DC}" srcId="{83A3A57B-2265-4417-8E62-5A0ABCB661A8}" destId="{CBAAE66B-5B4A-40D7-A323-377B5DAE2723}" srcOrd="0" destOrd="0" parTransId="{310212A4-6C73-441E-8269-125CE66F7A9C}" sibTransId="{FD1B604C-003D-4B80-A677-60F63A699C52}"/>
     <dgm:cxn modelId="{062B0B6F-D3C3-4EFF-AFFF-E9BBA82FE4DA}" type="presOf" srcId="{565FC5D3-980D-4891-9985-2AAE4BF7A601}" destId="{7B305264-32A2-462B-91C6-7E602B8C401C}" srcOrd="0" destOrd="0" presId="urn:microsoft.com/office/officeart/2005/8/layout/hList3"/>
+    <dgm:cxn modelId="{0194A176-C9EF-4B6C-AA77-AE8EE417285C}" type="presOf" srcId="{6DD2A67C-5E73-4862-9F91-D228A943AAF9}" destId="{9F2DA0AD-636D-4540-ABA5-C3F1E90350AE}" srcOrd="0" destOrd="2" presId="urn:microsoft.com/office/officeart/2005/8/layout/hList3"/>
+    <dgm:cxn modelId="{1901DA9E-A664-4FB5-9063-19F672C15DE5}" srcId="{030DED3A-6CEF-44AC-8B3E-6EAF600CD6C1}" destId="{565FC5D3-980D-4891-9985-2AAE4BF7A601}" srcOrd="0" destOrd="0" parTransId="{3142BCE1-1D92-4CCB-BDA0-41D047096736}" sibTransId="{D86C04F4-A1D1-4E2E-8CDE-C66FFDCE7FFA}"/>
     <dgm:cxn modelId="{A0EBDFA7-DFFB-4C2B-9CDD-CDE0E0C39686}" type="presOf" srcId="{83A3A57B-2265-4417-8E62-5A0ABCB661A8}" destId="{9F2DA0AD-636D-4540-ABA5-C3F1E90350AE}" srcOrd="0" destOrd="0" presId="urn:microsoft.com/office/officeart/2005/8/layout/hList3"/>
-    <dgm:cxn modelId="{A208100C-B55A-472F-8400-62CD183B2290}" srcId="{565FC5D3-980D-4891-9985-2AAE4BF7A601}" destId="{A7B4FE94-A9DD-4654-914A-C04B075901E8}" srcOrd="0" destOrd="0" parTransId="{450C23D4-2357-49D7-BE5D-8472B2E0AB18}" sibTransId="{8552BBC2-9C05-4B7F-A797-653B707FF7AF}"/>
     <dgm:cxn modelId="{38FF8EF5-63BF-4662-866D-E108A02167A3}" type="presOf" srcId="{CBAAE66B-5B4A-40D7-A323-377B5DAE2723}" destId="{9F2DA0AD-636D-4540-ABA5-C3F1E90350AE}" srcOrd="0" destOrd="1" presId="urn:microsoft.com/office/officeart/2005/8/layout/hList3"/>
-    <dgm:cxn modelId="{3FFAD55E-9EF8-436B-957F-4C4F8C33F6DC}" srcId="{83A3A57B-2265-4417-8E62-5A0ABCB661A8}" destId="{CBAAE66B-5B4A-40D7-A323-377B5DAE2723}" srcOrd="0" destOrd="0" parTransId="{310212A4-6C73-441E-8269-125CE66F7A9C}" sibTransId="{FD1B604C-003D-4B80-A677-60F63A699C52}"/>
-    <dgm:cxn modelId="{0194A176-C9EF-4B6C-AA77-AE8EE417285C}" type="presOf" srcId="{6DD2A67C-5E73-4862-9F91-D228A943AAF9}" destId="{9F2DA0AD-636D-4540-ABA5-C3F1E90350AE}" srcOrd="0" destOrd="2" presId="urn:microsoft.com/office/officeart/2005/8/layout/hList3"/>
-    <dgm:cxn modelId="{7E95661A-6A84-4F14-B35F-0D2770169669}" type="presOf" srcId="{030DED3A-6CEF-44AC-8B3E-6EAF600CD6C1}" destId="{0E7FF914-9B91-48F5-9AD6-F50825816C24}" srcOrd="0" destOrd="0" presId="urn:microsoft.com/office/officeart/2005/8/layout/hList3"/>
-    <dgm:cxn modelId="{5C51DE34-FF96-42C7-B911-DCF1E37B4D8A}" srcId="{565FC5D3-980D-4891-9985-2AAE4BF7A601}" destId="{83A3A57B-2265-4417-8E62-5A0ABCB661A8}" srcOrd="1" destOrd="0" parTransId="{E74668D0-6023-4E5F-8F67-8D7F87CEBB31}" sibTransId="{A11A2CA6-FF85-418E-B610-1142D9863888}"/>
-    <dgm:cxn modelId="{AF444F22-A4DD-450C-8B2D-79450617C6B3}" type="presOf" srcId="{A7B4FE94-A9DD-4654-914A-C04B075901E8}" destId="{5E7E67FF-437F-473A-929B-DE252323837C}" srcOrd="0" destOrd="0" presId="urn:microsoft.com/office/officeart/2005/8/layout/hList3"/>
-    <dgm:cxn modelId="{1901DA9E-A664-4FB5-9063-19F672C15DE5}" srcId="{030DED3A-6CEF-44AC-8B3E-6EAF600CD6C1}" destId="{565FC5D3-980D-4891-9985-2AAE4BF7A601}" srcOrd="0" destOrd="0" parTransId="{3142BCE1-1D92-4CCB-BDA0-41D047096736}" sibTransId="{D86C04F4-A1D1-4E2E-8CDE-C66FFDCE7FFA}"/>
     <dgm:cxn modelId="{4179A292-1607-4970-9A11-FC464F7F735D}" type="presParOf" srcId="{0E7FF914-9B91-48F5-9AD6-F50825816C24}" destId="{7B305264-32A2-462B-91C6-7E602B8C401C}" srcOrd="0" destOrd="0" presId="urn:microsoft.com/office/officeart/2005/8/layout/hList3"/>
     <dgm:cxn modelId="{C5CF8C68-05DD-458B-9067-6D41E2A1F3DE}" type="presParOf" srcId="{0E7FF914-9B91-48F5-9AD6-F50825816C24}" destId="{CD4107D5-C838-4DE5-8508-FC08AF9E787C}" srcOrd="1" destOrd="0" presId="urn:microsoft.com/office/officeart/2005/8/layout/hList3"/>
     <dgm:cxn modelId="{28CBF4F8-9A80-4338-8D7A-60ED4DBE3F61}" type="presParOf" srcId="{CD4107D5-C838-4DE5-8508-FC08AF9E787C}" destId="{5E7E67FF-437F-473A-929B-DE252323837C}" srcOrd="0" destOrd="0" presId="urn:microsoft.com/office/officeart/2005/8/layout/hList3"/>
@@ -10073,23 +10073,23 @@
     </dgm:pt>
   </dgm:ptLst>
   <dgm:cxnLst>
-    <dgm:cxn modelId="{FDE6A6E8-87D4-4B39-A4D3-10A037C8FB25}" type="presOf" srcId="{72E20752-77DF-4CD3-81BB-68DCBE395620}" destId="{C91565F3-9A7D-49FA-98C3-66325EAE31E9}" srcOrd="0" destOrd="1" presId="urn:microsoft.com/office/officeart/2005/8/layout/vList3"/>
+    <dgm:cxn modelId="{4CA08725-21F5-4239-854D-D3951DAC3E35}" type="presOf" srcId="{189535F7-B33F-40B1-B49F-83A80D5B7D3C}" destId="{7722CB89-D9F2-4618-B968-2DD99C77C2D7}" srcOrd="0" destOrd="0" presId="urn:microsoft.com/office/officeart/2005/8/layout/vList3"/>
+    <dgm:cxn modelId="{E7480826-4FA7-4731-94B8-400E8F248B0E}" type="presOf" srcId="{9AEBEADD-A158-44AC-A8B1-37196740370A}" destId="{C91565F3-9A7D-49FA-98C3-66325EAE31E9}" srcOrd="0" destOrd="0" presId="urn:microsoft.com/office/officeart/2005/8/layout/vList3"/>
+    <dgm:cxn modelId="{E1C9082C-7BF4-47CB-9802-EA25EF4CD406}" srcId="{D84C4589-E1B2-42B5-BEBB-BC07DFC7967A}" destId="{9AEBEADD-A158-44AC-A8B1-37196740370A}" srcOrd="1" destOrd="0" parTransId="{FDB930E7-8F6C-4B59-AAB4-AF92EA3B0497}" sibTransId="{8CB5E5EC-25B1-4F32-BA9C-75E3E157BB32}"/>
+    <dgm:cxn modelId="{89A3745C-DBD2-4772-AFDF-225B2728B256}" srcId="{D84C4589-E1B2-42B5-BEBB-BC07DFC7967A}" destId="{189535F7-B33F-40B1-B49F-83A80D5B7D3C}" srcOrd="3" destOrd="0" parTransId="{F787BD31-307F-4928-9C37-F3C7F74F76F9}" sibTransId="{A9BCF6CD-E4A5-4C18-9BF7-4677097F36CE}"/>
+    <dgm:cxn modelId="{0F20975C-F055-4D16-AF2C-7E679FDFEF15}" type="presOf" srcId="{F744667D-9EAC-4635-B19C-677F7FF7D6E9}" destId="{8D2648AE-58B5-4360-BBFA-E4C1937A8744}" srcOrd="0" destOrd="0" presId="urn:microsoft.com/office/officeart/2005/8/layout/vList3"/>
+    <dgm:cxn modelId="{FA22B846-3249-49FF-B9F4-5BD441565AA2}" srcId="{D84C4589-E1B2-42B5-BEBB-BC07DFC7967A}" destId="{F744667D-9EAC-4635-B19C-677F7FF7D6E9}" srcOrd="2" destOrd="0" parTransId="{1343C98B-7125-449F-901C-43DC090CF3E5}" sibTransId="{AC17E8D7-968E-4771-B277-BC9160E0938E}"/>
+    <dgm:cxn modelId="{7EB72467-11FF-447D-A643-265FB1B694C6}" srcId="{F744667D-9EAC-4635-B19C-677F7FF7D6E9}" destId="{C67636D4-2108-47FC-9CCD-68F9605092F8}" srcOrd="0" destOrd="0" parTransId="{AF4452BD-6AA9-4F7F-8DF5-58E7878AA545}" sibTransId="{90949A4F-B563-420C-9510-DF9E1049628E}"/>
+    <dgm:cxn modelId="{6FEB866C-67E9-4208-9649-3464A09BF337}" type="presOf" srcId="{D84C4589-E1B2-42B5-BEBB-BC07DFC7967A}" destId="{CF9BC7D5-350D-4D8B-825E-8E40B96F6C3C}" srcOrd="0" destOrd="0" presId="urn:microsoft.com/office/officeart/2005/8/layout/vList3"/>
+    <dgm:cxn modelId="{8BDCE16C-FFD7-495C-81F6-4456DDD73E3A}" type="presOf" srcId="{8FA20538-76A6-4126-B482-71FEBADCEEA2}" destId="{BE74992F-BD1B-42E6-B8D2-023852EAD693}" srcOrd="0" destOrd="0" presId="urn:microsoft.com/office/officeart/2005/8/layout/vList3"/>
     <dgm:cxn modelId="{340BFD6F-2A4E-45EC-9A09-87FB125A6FE0}" srcId="{9AEBEADD-A158-44AC-A8B1-37196740370A}" destId="{BAF34BA6-557A-4FFB-8080-BD3526B42C23}" srcOrd="1" destOrd="0" parTransId="{895FD5C0-9B69-4120-8CD1-601A306365D4}" sibTransId="{C140254E-8C5B-402A-BBC6-CAFCC575BE15}"/>
-    <dgm:cxn modelId="{E7480826-4FA7-4731-94B8-400E8F248B0E}" type="presOf" srcId="{9AEBEADD-A158-44AC-A8B1-37196740370A}" destId="{C91565F3-9A7D-49FA-98C3-66325EAE31E9}" srcOrd="0" destOrd="0" presId="urn:microsoft.com/office/officeart/2005/8/layout/vList3"/>
-    <dgm:cxn modelId="{7EB72467-11FF-447D-A643-265FB1B694C6}" srcId="{F744667D-9EAC-4635-B19C-677F7FF7D6E9}" destId="{C67636D4-2108-47FC-9CCD-68F9605092F8}" srcOrd="0" destOrd="0" parTransId="{AF4452BD-6AA9-4F7F-8DF5-58E7878AA545}" sibTransId="{90949A4F-B563-420C-9510-DF9E1049628E}"/>
-    <dgm:cxn modelId="{A1E4DFE9-67D1-496B-B694-76B2583D8D65}" srcId="{9AEBEADD-A158-44AC-A8B1-37196740370A}" destId="{72E20752-77DF-4CD3-81BB-68DCBE395620}" srcOrd="0" destOrd="0" parTransId="{BCB32C09-F157-4665-836C-0C6539AA600C}" sibTransId="{6876DCEF-8765-46D8-A8FB-D59FD70E80DF}"/>
-    <dgm:cxn modelId="{0F20975C-F055-4D16-AF2C-7E679FDFEF15}" type="presOf" srcId="{F744667D-9EAC-4635-B19C-677F7FF7D6E9}" destId="{8D2648AE-58B5-4360-BBFA-E4C1937A8744}" srcOrd="0" destOrd="0" presId="urn:microsoft.com/office/officeart/2005/8/layout/vList3"/>
-    <dgm:cxn modelId="{4CA08725-21F5-4239-854D-D3951DAC3E35}" type="presOf" srcId="{189535F7-B33F-40B1-B49F-83A80D5B7D3C}" destId="{7722CB89-D9F2-4618-B968-2DD99C77C2D7}" srcOrd="0" destOrd="0" presId="urn:microsoft.com/office/officeart/2005/8/layout/vList3"/>
+    <dgm:cxn modelId="{A59F56C7-FFB4-4BD2-81E9-49703DC9EABC}" srcId="{D84C4589-E1B2-42B5-BEBB-BC07DFC7967A}" destId="{8FA20538-76A6-4126-B482-71FEBADCEEA2}" srcOrd="0" destOrd="0" parTransId="{9713D4C1-EF96-477A-8D6B-842018CB0457}" sibTransId="{24D6CD28-2D54-4BB9-927C-A9E14CE32DF1}"/>
     <dgm:cxn modelId="{708C4CC9-9CE2-409C-AA33-B4B9AA5BA19F}" type="presOf" srcId="{BAF34BA6-557A-4FFB-8080-BD3526B42C23}" destId="{C91565F3-9A7D-49FA-98C3-66325EAE31E9}" srcOrd="0" destOrd="2" presId="urn:microsoft.com/office/officeart/2005/8/layout/vList3"/>
-    <dgm:cxn modelId="{CB05FAE3-36CC-432E-B6EE-0216C55D3776}" type="presOf" srcId="{6874EA52-DECD-4D01-8229-3024A4A15635}" destId="{8D2648AE-58B5-4360-BBFA-E4C1937A8744}" srcOrd="0" destOrd="2" presId="urn:microsoft.com/office/officeart/2005/8/layout/vList3"/>
-    <dgm:cxn modelId="{89A3745C-DBD2-4772-AFDF-225B2728B256}" srcId="{D84C4589-E1B2-42B5-BEBB-BC07DFC7967A}" destId="{189535F7-B33F-40B1-B49F-83A80D5B7D3C}" srcOrd="3" destOrd="0" parTransId="{F787BD31-307F-4928-9C37-F3C7F74F76F9}" sibTransId="{A9BCF6CD-E4A5-4C18-9BF7-4677097F36CE}"/>
-    <dgm:cxn modelId="{6FEB866C-67E9-4208-9649-3464A09BF337}" type="presOf" srcId="{D84C4589-E1B2-42B5-BEBB-BC07DFC7967A}" destId="{CF9BC7D5-350D-4D8B-825E-8E40B96F6C3C}" srcOrd="0" destOrd="0" presId="urn:microsoft.com/office/officeart/2005/8/layout/vList3"/>
-    <dgm:cxn modelId="{E1C9082C-7BF4-47CB-9802-EA25EF4CD406}" srcId="{D84C4589-E1B2-42B5-BEBB-BC07DFC7967A}" destId="{9AEBEADD-A158-44AC-A8B1-37196740370A}" srcOrd="1" destOrd="0" parTransId="{FDB930E7-8F6C-4B59-AAB4-AF92EA3B0497}" sibTransId="{8CB5E5EC-25B1-4F32-BA9C-75E3E157BB32}"/>
-    <dgm:cxn modelId="{8BDCE16C-FFD7-495C-81F6-4456DDD73E3A}" type="presOf" srcId="{8FA20538-76A6-4126-B482-71FEBADCEEA2}" destId="{BE74992F-BD1B-42E6-B8D2-023852EAD693}" srcOrd="0" destOrd="0" presId="urn:microsoft.com/office/officeart/2005/8/layout/vList3"/>
-    <dgm:cxn modelId="{FA22B846-3249-49FF-B9F4-5BD441565AA2}" srcId="{D84C4589-E1B2-42B5-BEBB-BC07DFC7967A}" destId="{F744667D-9EAC-4635-B19C-677F7FF7D6E9}" srcOrd="2" destOrd="0" parTransId="{1343C98B-7125-449F-901C-43DC090CF3E5}" sibTransId="{AC17E8D7-968E-4771-B277-BC9160E0938E}"/>
-    <dgm:cxn modelId="{A59F56C7-FFB4-4BD2-81E9-49703DC9EABC}" srcId="{D84C4589-E1B2-42B5-BEBB-BC07DFC7967A}" destId="{8FA20538-76A6-4126-B482-71FEBADCEEA2}" srcOrd="0" destOrd="0" parTransId="{9713D4C1-EF96-477A-8D6B-842018CB0457}" sibTransId="{24D6CD28-2D54-4BB9-927C-A9E14CE32DF1}"/>
     <dgm:cxn modelId="{1B5189CA-A7D9-4386-B45B-F809170343F2}" type="presOf" srcId="{C67636D4-2108-47FC-9CCD-68F9605092F8}" destId="{8D2648AE-58B5-4360-BBFA-E4C1937A8744}" srcOrd="0" destOrd="1" presId="urn:microsoft.com/office/officeart/2005/8/layout/vList3"/>
     <dgm:cxn modelId="{0D538ADB-99BA-4920-975A-F6C6B0AB5820}" srcId="{F744667D-9EAC-4635-B19C-677F7FF7D6E9}" destId="{6874EA52-DECD-4D01-8229-3024A4A15635}" srcOrd="1" destOrd="0" parTransId="{641A33D5-FE47-4A8A-8359-CB32A544C378}" sibTransId="{A7329CE7-E9D1-4876-BEB6-056158CD62FE}"/>
+    <dgm:cxn modelId="{CB05FAE3-36CC-432E-B6EE-0216C55D3776}" type="presOf" srcId="{6874EA52-DECD-4D01-8229-3024A4A15635}" destId="{8D2648AE-58B5-4360-BBFA-E4C1937A8744}" srcOrd="0" destOrd="2" presId="urn:microsoft.com/office/officeart/2005/8/layout/vList3"/>
+    <dgm:cxn modelId="{FDE6A6E8-87D4-4B39-A4D3-10A037C8FB25}" type="presOf" srcId="{72E20752-77DF-4CD3-81BB-68DCBE395620}" destId="{C91565F3-9A7D-49FA-98C3-66325EAE31E9}" srcOrd="0" destOrd="1" presId="urn:microsoft.com/office/officeart/2005/8/layout/vList3"/>
+    <dgm:cxn modelId="{A1E4DFE9-67D1-496B-B694-76B2583D8D65}" srcId="{9AEBEADD-A158-44AC-A8B1-37196740370A}" destId="{72E20752-77DF-4CD3-81BB-68DCBE395620}" srcOrd="0" destOrd="0" parTransId="{BCB32C09-F157-4665-836C-0C6539AA600C}" sibTransId="{6876DCEF-8765-46D8-A8FB-D59FD70E80DF}"/>
     <dgm:cxn modelId="{CEEB83AE-A4FA-4E96-8E8C-32CBD10B4CA1}" type="presParOf" srcId="{CF9BC7D5-350D-4D8B-825E-8E40B96F6C3C}" destId="{06B8D20C-F220-4DA4-88E6-C0612B58C7BE}" srcOrd="0" destOrd="0" presId="urn:microsoft.com/office/officeart/2005/8/layout/vList3"/>
     <dgm:cxn modelId="{0D5570CA-7242-4166-8C8B-02B17C42B11A}" type="presParOf" srcId="{06B8D20C-F220-4DA4-88E6-C0612B58C7BE}" destId="{F9CBE9E4-5FA8-44D3-A89C-FF61D856A345}" srcOrd="0" destOrd="0" presId="urn:microsoft.com/office/officeart/2005/8/layout/vList3"/>
     <dgm:cxn modelId="{97F940FA-13C3-45B7-A89D-C8968B29933F}" type="presParOf" srcId="{06B8D20C-F220-4DA4-88E6-C0612B58C7BE}" destId="{BE74992F-BD1B-42E6-B8D2-023852EAD693}" srcOrd="1" destOrd="0" presId="urn:microsoft.com/office/officeart/2005/8/layout/vList3"/>
@@ -10120,79 +10120,7 @@
 <dgm:dataModel xmlns:dgm="http://schemas.openxmlformats.org/drawingml/2006/diagram" xmlns:a="http://schemas.openxmlformats.org/drawingml/2006/main">
   <dgm:ptLst>
     <dgm:pt modelId="{DC1612EC-68E9-4E78-929A-84537D7F088C}" type="doc">
-      <dgm:prSet loTypeId="urn:microsoft.com/office/officeart/2005/8/layout/vList2" loCatId="list" qsTypeId="urn:microsoft.com/office/officeart/2005/8/quickstyle/simple1" qsCatId="simple" csTypeId="urn:microsoft.com/office/officeart/2005/8/colors/accent1_2" csCatId="accent1"/>
-      <dgm:spPr/>
-      <dgm:t>
-        <a:bodyPr/>
-        <a:lstStyle/>
-        <a:p>
-          <a:endParaRPr lang="en-US"/>
-        </a:p>
-      </dgm:t>
-    </dgm:pt>
-    <dgm:pt modelId="{32F8F6CD-C273-41B8-985D-F4CD36E4893C}">
-      <dgm:prSet/>
-      <dgm:spPr/>
-      <dgm:t>
-        <a:bodyPr/>
-        <a:lstStyle/>
-        <a:p>
-          <a:r>
-            <a:rPr lang="hu-HU"/>
-            <a:t>Két eszközteszt futtatása Windows környezetben</a:t>
-          </a:r>
-        </a:p>
-      </dgm:t>
-    </dgm:pt>
-    <dgm:pt modelId="{0B686F52-CCA2-43AD-A5E5-F502102B266A}" type="parTrans" cxnId="{CCCF64EB-4CF5-46DE-9777-9FC6CBBAFA25}">
-      <dgm:prSet/>
-      <dgm:spPr/>
-      <dgm:t>
-        <a:bodyPr/>
-        <a:lstStyle/>
-        <a:p>
-          <a:endParaRPr lang="en-US"/>
-        </a:p>
-      </dgm:t>
-    </dgm:pt>
-    <dgm:pt modelId="{AAFA8C53-1E6F-4A71-8FAA-2D53650FD001}" type="sibTrans" cxnId="{CCCF64EB-4CF5-46DE-9777-9FC6CBBAFA25}">
-      <dgm:prSet/>
-      <dgm:spPr/>
-      <dgm:t>
-        <a:bodyPr/>
-        <a:lstStyle/>
-        <a:p>
-          <a:endParaRPr lang="en-US"/>
-        </a:p>
-      </dgm:t>
-    </dgm:pt>
-    <dgm:pt modelId="{0EDDCE59-3583-48BF-A29D-D6945760D540}">
-      <dgm:prSet/>
-      <dgm:spPr/>
-      <dgm:t>
-        <a:bodyPr/>
-        <a:lstStyle/>
-        <a:p>
-          <a:r>
-            <a:rPr lang="hu-HU"/>
-            <a:t>RDF4J &amp; Jena</a:t>
-          </a:r>
-        </a:p>
-      </dgm:t>
-    </dgm:pt>
-    <dgm:pt modelId="{F260342B-1AE4-4653-B6A1-B46D356C7FF4}" type="parTrans" cxnId="{F2E4FB85-D1B0-48E9-94BB-DEF2806CB40C}">
-      <dgm:prSet/>
-      <dgm:spPr/>
-      <dgm:t>
-        <a:bodyPr/>
-        <a:lstStyle/>
-        <a:p>
-          <a:endParaRPr lang="en-US"/>
-        </a:p>
-      </dgm:t>
-    </dgm:pt>
-    <dgm:pt modelId="{B548DA7F-C027-484F-929E-0C474AAF7460}" type="sibTrans" cxnId="{F2E4FB85-D1B0-48E9-94BB-DEF2806CB40C}">
-      <dgm:prSet/>
+      <dgm:prSet loTypeId="urn:microsoft.com/office/officeart/2005/8/layout/vList2" loCatId="list" qsTypeId="urn:microsoft.com/office/officeart/2005/8/quickstyle/simple1" qsCatId="simple" csTypeId="urn:microsoft.com/office/officeart/2005/8/colors/accent1_2" csCatId="accent1" phldr="1"/>
       <dgm:spPr/>
       <dgm:t>
         <a:bodyPr/>
@@ -10210,8 +10138,28 @@
         <a:lstStyle/>
         <a:p>
           <a:r>
-            <a:rPr lang="hu-HU"/>
-            <a:t>Train Benchmark forgatókönyvek implementálása a Graph Engine használatával</a:t>
+            <a:rPr lang="hu-HU" dirty="0" err="1"/>
+            <a:t>Train</a:t>
+          </a:r>
+          <a:r>
+            <a:rPr lang="hu-HU" dirty="0"/>
+            <a:t> Benchmark forgatókönyvek implementálása a </a:t>
+          </a:r>
+          <a:r>
+            <a:rPr lang="hu-HU" dirty="0" err="1"/>
+            <a:t>Graph</a:t>
+          </a:r>
+          <a:r>
+            <a:rPr lang="hu-HU" dirty="0"/>
+            <a:t> </a:t>
+          </a:r>
+          <a:r>
+            <a:rPr lang="hu-HU" dirty="0" err="1"/>
+            <a:t>Engine</a:t>
+          </a:r>
+          <a:r>
+            <a:rPr lang="hu-HU" dirty="0"/>
+            <a:t> használatával</a:t>
           </a:r>
         </a:p>
       </dgm:t>
@@ -10246,7 +10194,7 @@
         <a:lstStyle/>
         <a:p>
           <a:r>
-            <a:rPr lang="hu-HU"/>
+            <a:rPr lang="hu-HU" dirty="0"/>
             <a:t>6-ból 2 kényszer</a:t>
           </a:r>
         </a:p>
@@ -10318,7 +10266,7 @@
         <a:lstStyle/>
         <a:p>
           <a:r>
-            <a:rPr lang="hu-HU"/>
+            <a:rPr lang="hu-HU" dirty="0"/>
             <a:t>Kb. 5000 - 2,3 millió elem</a:t>
           </a:r>
         </a:p>
@@ -10346,6 +10294,163 @@
         </a:p>
       </dgm:t>
     </dgm:pt>
+    <dgm:pt modelId="{737AB283-D36B-4BC4-A6E6-A50B189B638B}">
+      <dgm:prSet/>
+      <dgm:spPr/>
+      <dgm:t>
+        <a:bodyPr/>
+        <a:lstStyle/>
+        <a:p>
+          <a:r>
+            <a:rPr lang="hu-HU" dirty="0"/>
+            <a:t>Két </a:t>
+          </a:r>
+          <a:r>
+            <a:rPr lang="en-US" dirty="0" err="1"/>
+            <a:t>további</a:t>
+          </a:r>
+          <a:r>
+            <a:rPr lang="en-US" dirty="0"/>
+            <a:t> </a:t>
+          </a:r>
+          <a:r>
+            <a:rPr lang="hu-HU" dirty="0"/>
+            <a:t>eszköz</a:t>
+          </a:r>
+          <a:r>
+            <a:rPr lang="en-US" dirty="0"/>
+            <a:t> </a:t>
+          </a:r>
+          <a:r>
+            <a:rPr lang="en-US" dirty="0" err="1"/>
+            <a:t>teljesítményének</a:t>
+          </a:r>
+          <a:r>
+            <a:rPr lang="en-US" dirty="0"/>
+            <a:t> </a:t>
+          </a:r>
+          <a:r>
+            <a:rPr lang="en-US" dirty="0" err="1"/>
+            <a:t>kiértékelése</a:t>
+          </a:r>
+          <a:r>
+            <a:rPr lang="hu-HU" dirty="0"/>
+            <a:t> Windows környezetben</a:t>
+          </a:r>
+        </a:p>
+      </dgm:t>
+    </dgm:pt>
+    <dgm:pt modelId="{F135468B-3D8D-4BFF-BAFC-B0FB83B733D4}" type="parTrans" cxnId="{9E08D8D8-77DA-45C1-A91E-1CBD06A2CC6B}">
+      <dgm:prSet/>
+      <dgm:spPr/>
+      <dgm:t>
+        <a:bodyPr/>
+        <a:lstStyle/>
+        <a:p>
+          <a:endParaRPr lang="en-US"/>
+        </a:p>
+      </dgm:t>
+    </dgm:pt>
+    <dgm:pt modelId="{35DCBD53-4A6A-445B-B403-E6AA312C9C8C}" type="sibTrans" cxnId="{9E08D8D8-77DA-45C1-A91E-1CBD06A2CC6B}">
+      <dgm:prSet/>
+      <dgm:spPr/>
+      <dgm:t>
+        <a:bodyPr/>
+        <a:lstStyle/>
+        <a:p>
+          <a:endParaRPr lang="en-US"/>
+        </a:p>
+      </dgm:t>
+    </dgm:pt>
+    <dgm:pt modelId="{45EFA99B-C106-4B47-A990-F45A7768C818}">
+      <dgm:prSet/>
+      <dgm:spPr/>
+      <dgm:t>
+        <a:bodyPr/>
+        <a:lstStyle/>
+        <a:p>
+          <a:r>
+            <a:rPr lang="hu-HU" dirty="0"/>
+            <a:t>RDF4J</a:t>
+          </a:r>
+        </a:p>
+      </dgm:t>
+    </dgm:pt>
+    <dgm:pt modelId="{65509532-6BFC-41C8-B5E3-CD6E49023FF1}" type="parTrans" cxnId="{461F2F9B-000B-494C-AF2B-96AA664ECF6F}">
+      <dgm:prSet/>
+      <dgm:spPr/>
+      <dgm:t>
+        <a:bodyPr/>
+        <a:lstStyle/>
+        <a:p>
+          <a:endParaRPr lang="en-US"/>
+        </a:p>
+      </dgm:t>
+    </dgm:pt>
+    <dgm:pt modelId="{231E74D3-9EF6-42C8-BDE0-9AA146C8593C}" type="sibTrans" cxnId="{461F2F9B-000B-494C-AF2B-96AA664ECF6F}">
+      <dgm:prSet/>
+      <dgm:spPr/>
+      <dgm:t>
+        <a:bodyPr/>
+        <a:lstStyle/>
+        <a:p>
+          <a:endParaRPr lang="en-US"/>
+        </a:p>
+      </dgm:t>
+    </dgm:pt>
+    <dgm:pt modelId="{C4A04BE7-B04A-48E5-BC93-1443F49E0EF2}">
+      <dgm:prSet/>
+      <dgm:spPr/>
+      <dgm:t>
+        <a:bodyPr/>
+        <a:lstStyle/>
+        <a:p>
+          <a:r>
+            <a:rPr lang="en-US" dirty="0" err="1"/>
+            <a:t>Hány</a:t>
+          </a:r>
+          <a:r>
+            <a:rPr lang="en-US" dirty="0"/>
+            <a:t> </a:t>
+          </a:r>
+          <a:r>
+            <a:rPr lang="en-US" dirty="0" err="1"/>
+            <a:t>modell</a:t>
+          </a:r>
+          <a:endParaRPr lang="hu-HU" dirty="0"/>
+        </a:p>
+      </dgm:t>
+    </dgm:pt>
+    <dgm:pt modelId="{4928BD8B-9609-4D89-AD8C-948645E4C2DF}" type="parTrans" cxnId="{A735BBE2-BCA8-4879-A2A4-C4DA59DD5B4C}">
+      <dgm:prSet/>
+      <dgm:spPr/>
+    </dgm:pt>
+    <dgm:pt modelId="{C0035CC7-7E81-4D8E-97E3-2EEB2004D83B}" type="sibTrans" cxnId="{A735BBE2-BCA8-4879-A2A4-C4DA59DD5B4C}">
+      <dgm:prSet/>
+      <dgm:spPr/>
+    </dgm:pt>
+    <dgm:pt modelId="{D02FB27F-1D06-44B4-8BC8-F88FBB7EB8E5}">
+      <dgm:prSet/>
+      <dgm:spPr/>
+      <dgm:t>
+        <a:bodyPr/>
+        <a:lstStyle/>
+        <a:p>
+          <a:r>
+            <a:rPr lang="hu-HU" dirty="0"/>
+            <a:t>Jena</a:t>
+          </a:r>
+        </a:p>
+      </dgm:t>
+    </dgm:pt>
+    <dgm:pt modelId="{452F7119-56D6-4B6F-887E-EC66F24CA161}" type="parTrans" cxnId="{5BA203C6-C414-4958-9CAD-C8E22ADA5011}">
+      <dgm:prSet/>
+      <dgm:spPr/>
+    </dgm:pt>
+    <dgm:pt modelId="{501EC85C-B1B0-4152-9A3A-1A6EA4F80897}" type="sibTrans" cxnId="{5BA203C6-C414-4958-9CAD-C8E22ADA5011}">
+      <dgm:prSet/>
+      <dgm:spPr/>
+    </dgm:pt>
     <dgm:pt modelId="{38E10FA0-9A28-48E6-8C3A-DE7435711C12}" type="pres">
       <dgm:prSet presAssocID="{DC1612EC-68E9-4E78-929A-84537D7F088C}" presName="linear" presStyleCnt="0">
         <dgm:presLayoutVars>
@@ -10355,8 +10460,8 @@
       </dgm:prSet>
       <dgm:spPr/>
     </dgm:pt>
-    <dgm:pt modelId="{EE441F2F-BCC2-4F1C-B8B3-251614182EB0}" type="pres">
-      <dgm:prSet presAssocID="{32F8F6CD-C273-41B8-985D-F4CD36E4893C}" presName="parentText" presStyleLbl="node1" presStyleIdx="0" presStyleCnt="4">
+    <dgm:pt modelId="{8A623824-C8FE-4ACD-B6FB-82D6A5EDD42D}" type="pres">
+      <dgm:prSet presAssocID="{E885C0EE-6154-4F9B-9DFA-88C3D305C9A8}" presName="parentText" presStyleLbl="node1" presStyleIdx="0" presStyleCnt="3">
         <dgm:presLayoutVars>
           <dgm:chMax val="0"/>
           <dgm:bulletEnabled val="1"/>
@@ -10364,42 +10469,16 @@
       </dgm:prSet>
       <dgm:spPr/>
     </dgm:pt>
-    <dgm:pt modelId="{5E1833FC-A62F-4187-8D26-94AF08FAD20F}" type="pres">
-      <dgm:prSet presAssocID="{32F8F6CD-C273-41B8-985D-F4CD36E4893C}" presName="childText" presStyleLbl="revTx" presStyleIdx="0" presStyleCnt="2">
+    <dgm:pt modelId="{D06F621C-6E23-4A7A-9D3D-D1F167B54AB7}" type="pres">
+      <dgm:prSet presAssocID="{E885C0EE-6154-4F9B-9DFA-88C3D305C9A8}" presName="childText" presStyleLbl="revTx" presStyleIdx="0" presStyleCnt="3">
         <dgm:presLayoutVars>
           <dgm:bulletEnabled val="1"/>
         </dgm:presLayoutVars>
       </dgm:prSet>
       <dgm:spPr/>
     </dgm:pt>
-    <dgm:pt modelId="{8A623824-C8FE-4ACD-B6FB-82D6A5EDD42D}" type="pres">
-      <dgm:prSet presAssocID="{E885C0EE-6154-4F9B-9DFA-88C3D305C9A8}" presName="parentText" presStyleLbl="node1" presStyleIdx="1" presStyleCnt="4">
-        <dgm:presLayoutVars>
-          <dgm:chMax val="0"/>
-          <dgm:bulletEnabled val="1"/>
-        </dgm:presLayoutVars>
-      </dgm:prSet>
-      <dgm:spPr/>
-    </dgm:pt>
-    <dgm:pt modelId="{12F37DF8-0E93-4346-9E11-0BF4F365A346}" type="pres">
-      <dgm:prSet presAssocID="{93987309-F1DE-4483-8D81-1E28853D4234}" presName="spacer" presStyleCnt="0"/>
-      <dgm:spPr/>
-    </dgm:pt>
-    <dgm:pt modelId="{5F557CF5-D381-4A86-A1C7-75CD8320D8FC}" type="pres">
-      <dgm:prSet presAssocID="{9C780E20-45C9-4674-B5C8-5240419D9F54}" presName="parentText" presStyleLbl="node1" presStyleIdx="2" presStyleCnt="4">
-        <dgm:presLayoutVars>
-          <dgm:chMax val="0"/>
-          <dgm:bulletEnabled val="1"/>
-        </dgm:presLayoutVars>
-      </dgm:prSet>
-      <dgm:spPr/>
-    </dgm:pt>
-    <dgm:pt modelId="{5D306548-BACA-46BE-860B-81AEB89D9225}" type="pres">
-      <dgm:prSet presAssocID="{534AF562-491C-4611-9664-D567AE667220}" presName="spacer" presStyleCnt="0"/>
-      <dgm:spPr/>
-    </dgm:pt>
     <dgm:pt modelId="{846673BC-00C8-41D0-BFCA-A2A11E6C4EDE}" type="pres">
-      <dgm:prSet presAssocID="{FA2CE7B7-A0F4-493C-9A9D-886B9DAAA55F}" presName="parentText" presStyleLbl="node1" presStyleIdx="3" presStyleCnt="4">
+      <dgm:prSet presAssocID="{FA2CE7B7-A0F4-493C-9A9D-886B9DAAA55F}" presName="parentText" presStyleLbl="node1" presStyleIdx="1" presStyleCnt="3">
         <dgm:presLayoutVars>
           <dgm:chMax val="0"/>
           <dgm:bulletEnabled val="1"/>
@@ -10408,7 +10487,24 @@
       <dgm:spPr/>
     </dgm:pt>
     <dgm:pt modelId="{21051CEF-715B-497D-856E-61A2C3F39F19}" type="pres">
-      <dgm:prSet presAssocID="{FA2CE7B7-A0F4-493C-9A9D-886B9DAAA55F}" presName="childText" presStyleLbl="revTx" presStyleIdx="1" presStyleCnt="2">
+      <dgm:prSet presAssocID="{FA2CE7B7-A0F4-493C-9A9D-886B9DAAA55F}" presName="childText" presStyleLbl="revTx" presStyleIdx="1" presStyleCnt="3">
+        <dgm:presLayoutVars>
+          <dgm:bulletEnabled val="1"/>
+        </dgm:presLayoutVars>
+      </dgm:prSet>
+      <dgm:spPr/>
+    </dgm:pt>
+    <dgm:pt modelId="{7CA86544-90AA-426B-8A06-771B39A4E850}" type="pres">
+      <dgm:prSet presAssocID="{737AB283-D36B-4BC4-A6E6-A50B189B638B}" presName="parentText" presStyleLbl="node1" presStyleIdx="2" presStyleCnt="3">
+        <dgm:presLayoutVars>
+          <dgm:chMax val="0"/>
+          <dgm:bulletEnabled val="1"/>
+        </dgm:presLayoutVars>
+      </dgm:prSet>
+      <dgm:spPr/>
+    </dgm:pt>
+    <dgm:pt modelId="{AFC89A2B-5B1E-42F1-BCC0-736F536764C6}" type="pres">
+      <dgm:prSet presAssocID="{737AB283-D36B-4BC4-A6E6-A50B189B638B}" presName="childText" presStyleLbl="revTx" presStyleIdx="2" presStyleCnt="3">
         <dgm:presLayoutVars>
           <dgm:bulletEnabled val="1"/>
         </dgm:presLayoutVars>
@@ -10417,27 +10513,29 @@
     </dgm:pt>
   </dgm:ptLst>
   <dgm:cxnLst>
-    <dgm:cxn modelId="{CCCF64EB-4CF5-46DE-9777-9FC6CBBAFA25}" srcId="{DC1612EC-68E9-4E78-929A-84537D7F088C}" destId="{32F8F6CD-C273-41B8-985D-F4CD36E4893C}" srcOrd="0" destOrd="0" parTransId="{0B686F52-CCA2-43AD-A5E5-F502102B266A}" sibTransId="{AAFA8C53-1E6F-4A71-8FAA-2D53650FD001}"/>
-    <dgm:cxn modelId="{708C6C61-7674-4EBE-A146-7CAE36574FED}" type="presOf" srcId="{9C780E20-45C9-4674-B5C8-5240419D9F54}" destId="{5F557CF5-D381-4A86-A1C7-75CD8320D8FC}" srcOrd="0" destOrd="0" presId="urn:microsoft.com/office/officeart/2005/8/layout/vList2"/>
-    <dgm:cxn modelId="{F35D66A5-2625-4FBF-8501-F24BEF2D4A7D}" srcId="{DC1612EC-68E9-4E78-929A-84537D7F088C}" destId="{FA2CE7B7-A0F4-493C-9A9D-886B9DAAA55F}" srcOrd="3" destOrd="0" parTransId="{0FEC47C1-80B0-4EE6-A1E0-3212CB377670}" sibTransId="{D2D85D81-D804-479A-9350-F9B032710B58}"/>
+    <dgm:cxn modelId="{D6AC0F39-5FD5-40D8-A99C-CCD8A5F4F706}" srcId="{E885C0EE-6154-4F9B-9DFA-88C3D305C9A8}" destId="{9C780E20-45C9-4674-B5C8-5240419D9F54}" srcOrd="0" destOrd="0" parTransId="{1B0C8D4B-A17A-489E-938E-95D41CAF78AD}" sibTransId="{534AF562-491C-4611-9664-D567AE667220}"/>
+    <dgm:cxn modelId="{C6E0FE3C-70AF-4E23-8A7D-7B7FC87B4EEF}" type="presOf" srcId="{D02FB27F-1D06-44B4-8BC8-F88FBB7EB8E5}" destId="{AFC89A2B-5B1E-42F1-BCC0-736F536764C6}" srcOrd="0" destOrd="1" presId="urn:microsoft.com/office/officeart/2005/8/layout/vList2"/>
+    <dgm:cxn modelId="{04E26C46-7E98-43CF-B2ED-01E49CDA87F5}" type="presOf" srcId="{9C780E20-45C9-4674-B5C8-5240419D9F54}" destId="{D06F621C-6E23-4A7A-9D3D-D1F167B54AB7}" srcOrd="0" destOrd="0" presId="urn:microsoft.com/office/officeart/2005/8/layout/vList2"/>
+    <dgm:cxn modelId="{F1C30749-2980-408E-A1E4-6EC1EC5CFB59}" type="presOf" srcId="{DC1612EC-68E9-4E78-929A-84537D7F088C}" destId="{38E10FA0-9A28-48E6-8C3A-DE7435711C12}" srcOrd="0" destOrd="0" presId="urn:microsoft.com/office/officeart/2005/8/layout/vList2"/>
+    <dgm:cxn modelId="{66986C4A-17BD-43FE-8CE9-6842D2D86DAA}" type="presOf" srcId="{E885C0EE-6154-4F9B-9DFA-88C3D305C9A8}" destId="{8A623824-C8FE-4ACD-B6FB-82D6A5EDD42D}" srcOrd="0" destOrd="0" presId="urn:microsoft.com/office/officeart/2005/8/layout/vList2"/>
+    <dgm:cxn modelId="{2B73466C-50F0-413A-9EF8-E11D2C56612E}" type="presOf" srcId="{5C6B2EE5-5C41-4DD7-8F2C-DB72D8844C9A}" destId="{21051CEF-715B-497D-856E-61A2C3F39F19}" srcOrd="0" destOrd="0" presId="urn:microsoft.com/office/officeart/2005/8/layout/vList2"/>
+    <dgm:cxn modelId="{668E8879-C83B-45CB-AE98-22CD935762EA}" srcId="{DC1612EC-68E9-4E78-929A-84537D7F088C}" destId="{E885C0EE-6154-4F9B-9DFA-88C3D305C9A8}" srcOrd="0" destOrd="0" parTransId="{37A5E637-B73B-4645-9326-EB91190C241E}" sibTransId="{93987309-F1DE-4483-8D81-1E28853D4234}"/>
+    <dgm:cxn modelId="{461F2F9B-000B-494C-AF2B-96AA664ECF6F}" srcId="{737AB283-D36B-4BC4-A6E6-A50B189B638B}" destId="{45EFA99B-C106-4B47-A990-F45A7768C818}" srcOrd="0" destOrd="0" parTransId="{65509532-6BFC-41C8-B5E3-CD6E49023FF1}" sibTransId="{231E74D3-9EF6-42C8-BDE0-9AA146C8593C}"/>
+    <dgm:cxn modelId="{F35D66A5-2625-4FBF-8501-F24BEF2D4A7D}" srcId="{DC1612EC-68E9-4E78-929A-84537D7F088C}" destId="{FA2CE7B7-A0F4-493C-9A9D-886B9DAAA55F}" srcOrd="1" destOrd="0" parTransId="{0FEC47C1-80B0-4EE6-A1E0-3212CB377670}" sibTransId="{D2D85D81-D804-479A-9350-F9B032710B58}"/>
+    <dgm:cxn modelId="{682A49A5-566D-4620-BC0A-2B3CDAB84110}" type="presOf" srcId="{C4A04BE7-B04A-48E5-BC93-1443F49E0EF2}" destId="{21051CEF-715B-497D-856E-61A2C3F39F19}" srcOrd="0" destOrd="1" presId="urn:microsoft.com/office/officeart/2005/8/layout/vList2"/>
+    <dgm:cxn modelId="{5BA203C6-C414-4958-9CAD-C8E22ADA5011}" srcId="{737AB283-D36B-4BC4-A6E6-A50B189B638B}" destId="{D02FB27F-1D06-44B4-8BC8-F88FBB7EB8E5}" srcOrd="1" destOrd="0" parTransId="{452F7119-56D6-4B6F-887E-EC66F24CA161}" sibTransId="{501EC85C-B1B0-4152-9A3A-1A6EA4F80897}"/>
+    <dgm:cxn modelId="{137251CF-EF33-47DB-A119-EA6DDC100E8C}" type="presOf" srcId="{45EFA99B-C106-4B47-A990-F45A7768C818}" destId="{AFC89A2B-5B1E-42F1-BCC0-736F536764C6}" srcOrd="0" destOrd="0" presId="urn:microsoft.com/office/officeart/2005/8/layout/vList2"/>
+    <dgm:cxn modelId="{9E08D8D8-77DA-45C1-A91E-1CBD06A2CC6B}" srcId="{DC1612EC-68E9-4E78-929A-84537D7F088C}" destId="{737AB283-D36B-4BC4-A6E6-A50B189B638B}" srcOrd="2" destOrd="0" parTransId="{F135468B-3D8D-4BFF-BAFC-B0FB83B733D4}" sibTransId="{35DCBD53-4A6A-445B-B403-E6AA312C9C8C}"/>
+    <dgm:cxn modelId="{A735BBE2-BCA8-4879-A2A4-C4DA59DD5B4C}" srcId="{FA2CE7B7-A0F4-493C-9A9D-886B9DAAA55F}" destId="{C4A04BE7-B04A-48E5-BC93-1443F49E0EF2}" srcOrd="1" destOrd="0" parTransId="{4928BD8B-9609-4D89-AD8C-948645E4C2DF}" sibTransId="{C0035CC7-7E81-4D8E-97E3-2EEB2004D83B}"/>
     <dgm:cxn modelId="{416F6AE3-A95B-4870-B617-C97413516E8C}" srcId="{FA2CE7B7-A0F4-493C-9A9D-886B9DAAA55F}" destId="{5C6B2EE5-5C41-4DD7-8F2C-DB72D8844C9A}" srcOrd="0" destOrd="0" parTransId="{594CFA16-A71E-438F-91B6-138DB2CB02EE}" sibTransId="{A66DB697-109D-43A2-B48C-A97B2136417D}"/>
+    <dgm:cxn modelId="{77B754EC-B70A-4413-A290-87F6AE4B8A3B}" type="presOf" srcId="{737AB283-D36B-4BC4-A6E6-A50B189B638B}" destId="{7CA86544-90AA-426B-8A06-771B39A4E850}" srcOrd="0" destOrd="0" presId="urn:microsoft.com/office/officeart/2005/8/layout/vList2"/>
     <dgm:cxn modelId="{E32CABF5-B2F3-408B-B7EC-11618F7648DC}" type="presOf" srcId="{FA2CE7B7-A0F4-493C-9A9D-886B9DAAA55F}" destId="{846673BC-00C8-41D0-BFCA-A2A11E6C4EDE}" srcOrd="0" destOrd="0" presId="urn:microsoft.com/office/officeart/2005/8/layout/vList2"/>
-    <dgm:cxn modelId="{F2E4FB85-D1B0-48E9-94BB-DEF2806CB40C}" srcId="{32F8F6CD-C273-41B8-985D-F4CD36E4893C}" destId="{0EDDCE59-3583-48BF-A29D-D6945760D540}" srcOrd="0" destOrd="0" parTransId="{F260342B-1AE4-4653-B6A1-B46D356C7FF4}" sibTransId="{B548DA7F-C027-484F-929E-0C474AAF7460}"/>
-    <dgm:cxn modelId="{F1C30749-2980-408E-A1E4-6EC1EC5CFB59}" type="presOf" srcId="{DC1612EC-68E9-4E78-929A-84537D7F088C}" destId="{38E10FA0-9A28-48E6-8C3A-DE7435711C12}" srcOrd="0" destOrd="0" presId="urn:microsoft.com/office/officeart/2005/8/layout/vList2"/>
-    <dgm:cxn modelId="{668E8879-C83B-45CB-AE98-22CD935762EA}" srcId="{DC1612EC-68E9-4E78-929A-84537D7F088C}" destId="{E885C0EE-6154-4F9B-9DFA-88C3D305C9A8}" srcOrd="1" destOrd="0" parTransId="{37A5E637-B73B-4645-9326-EB91190C241E}" sibTransId="{93987309-F1DE-4483-8D81-1E28853D4234}"/>
-    <dgm:cxn modelId="{F8F86B78-A0F5-4915-BC1B-20FAB9CFF03E}" type="presOf" srcId="{32F8F6CD-C273-41B8-985D-F4CD36E4893C}" destId="{EE441F2F-BCC2-4F1C-B8B3-251614182EB0}" srcOrd="0" destOrd="0" presId="urn:microsoft.com/office/officeart/2005/8/layout/vList2"/>
-    <dgm:cxn modelId="{D6AC0F39-5FD5-40D8-A99C-CCD8A5F4F706}" srcId="{DC1612EC-68E9-4E78-929A-84537D7F088C}" destId="{9C780E20-45C9-4674-B5C8-5240419D9F54}" srcOrd="2" destOrd="0" parTransId="{1B0C8D4B-A17A-489E-938E-95D41CAF78AD}" sibTransId="{534AF562-491C-4611-9664-D567AE667220}"/>
-    <dgm:cxn modelId="{66986C4A-17BD-43FE-8CE9-6842D2D86DAA}" type="presOf" srcId="{E885C0EE-6154-4F9B-9DFA-88C3D305C9A8}" destId="{8A623824-C8FE-4ACD-B6FB-82D6A5EDD42D}" srcOrd="0" destOrd="0" presId="urn:microsoft.com/office/officeart/2005/8/layout/vList2"/>
-    <dgm:cxn modelId="{DC4701B9-0C7B-4CFC-AFB8-B23B300BB410}" type="presOf" srcId="{0EDDCE59-3583-48BF-A29D-D6945760D540}" destId="{5E1833FC-A62F-4187-8D26-94AF08FAD20F}" srcOrd="0" destOrd="0" presId="urn:microsoft.com/office/officeart/2005/8/layout/vList2"/>
-    <dgm:cxn modelId="{2B73466C-50F0-413A-9EF8-E11D2C56612E}" type="presOf" srcId="{5C6B2EE5-5C41-4DD7-8F2C-DB72D8844C9A}" destId="{21051CEF-715B-497D-856E-61A2C3F39F19}" srcOrd="0" destOrd="0" presId="urn:microsoft.com/office/officeart/2005/8/layout/vList2"/>
-    <dgm:cxn modelId="{59AE0E7A-7C00-4B06-A030-FE43723A4D92}" type="presParOf" srcId="{38E10FA0-9A28-48E6-8C3A-DE7435711C12}" destId="{EE441F2F-BCC2-4F1C-B8B3-251614182EB0}" srcOrd="0" destOrd="0" presId="urn:microsoft.com/office/officeart/2005/8/layout/vList2"/>
-    <dgm:cxn modelId="{C55EF006-2E6A-4B27-AC53-DCC45137CD12}" type="presParOf" srcId="{38E10FA0-9A28-48E6-8C3A-DE7435711C12}" destId="{5E1833FC-A62F-4187-8D26-94AF08FAD20F}" srcOrd="1" destOrd="0" presId="urn:microsoft.com/office/officeart/2005/8/layout/vList2"/>
-    <dgm:cxn modelId="{4E3D57E4-DF49-4A96-B561-9464167DC5C4}" type="presParOf" srcId="{38E10FA0-9A28-48E6-8C3A-DE7435711C12}" destId="{8A623824-C8FE-4ACD-B6FB-82D6A5EDD42D}" srcOrd="2" destOrd="0" presId="urn:microsoft.com/office/officeart/2005/8/layout/vList2"/>
-    <dgm:cxn modelId="{76C58AA9-4AE0-4663-B814-B0FA00342E82}" type="presParOf" srcId="{38E10FA0-9A28-48E6-8C3A-DE7435711C12}" destId="{12F37DF8-0E93-4346-9E11-0BF4F365A346}" srcOrd="3" destOrd="0" presId="urn:microsoft.com/office/officeart/2005/8/layout/vList2"/>
-    <dgm:cxn modelId="{4C72F922-421F-4EFB-841D-EE88FC2F0901}" type="presParOf" srcId="{38E10FA0-9A28-48E6-8C3A-DE7435711C12}" destId="{5F557CF5-D381-4A86-A1C7-75CD8320D8FC}" srcOrd="4" destOrd="0" presId="urn:microsoft.com/office/officeart/2005/8/layout/vList2"/>
-    <dgm:cxn modelId="{8A117A40-85BA-4EDC-8A87-6BF64A7626E4}" type="presParOf" srcId="{38E10FA0-9A28-48E6-8C3A-DE7435711C12}" destId="{5D306548-BACA-46BE-860B-81AEB89D9225}" srcOrd="5" destOrd="0" presId="urn:microsoft.com/office/officeart/2005/8/layout/vList2"/>
-    <dgm:cxn modelId="{1FC2A58B-94B0-4DCE-BD85-B5BD4AEFF8D8}" type="presParOf" srcId="{38E10FA0-9A28-48E6-8C3A-DE7435711C12}" destId="{846673BC-00C8-41D0-BFCA-A2A11E6C4EDE}" srcOrd="6" destOrd="0" presId="urn:microsoft.com/office/officeart/2005/8/layout/vList2"/>
-    <dgm:cxn modelId="{04B32536-6D75-4AC9-935A-C1B27F550C90}" type="presParOf" srcId="{38E10FA0-9A28-48E6-8C3A-DE7435711C12}" destId="{21051CEF-715B-497D-856E-61A2C3F39F19}" srcOrd="7" destOrd="0" presId="urn:microsoft.com/office/officeart/2005/8/layout/vList2"/>
+    <dgm:cxn modelId="{4E3D57E4-DF49-4A96-B561-9464167DC5C4}" type="presParOf" srcId="{38E10FA0-9A28-48E6-8C3A-DE7435711C12}" destId="{8A623824-C8FE-4ACD-B6FB-82D6A5EDD42D}" srcOrd="0" destOrd="0" presId="urn:microsoft.com/office/officeart/2005/8/layout/vList2"/>
+    <dgm:cxn modelId="{9DE451CC-EED5-49ED-9B5D-4A3A6318CE38}" type="presParOf" srcId="{38E10FA0-9A28-48E6-8C3A-DE7435711C12}" destId="{D06F621C-6E23-4A7A-9D3D-D1F167B54AB7}" srcOrd="1" destOrd="0" presId="urn:microsoft.com/office/officeart/2005/8/layout/vList2"/>
+    <dgm:cxn modelId="{1FC2A58B-94B0-4DCE-BD85-B5BD4AEFF8D8}" type="presParOf" srcId="{38E10FA0-9A28-48E6-8C3A-DE7435711C12}" destId="{846673BC-00C8-41D0-BFCA-A2A11E6C4EDE}" srcOrd="2" destOrd="0" presId="urn:microsoft.com/office/officeart/2005/8/layout/vList2"/>
+    <dgm:cxn modelId="{04B32536-6D75-4AC9-935A-C1B27F550C90}" type="presParOf" srcId="{38E10FA0-9A28-48E6-8C3A-DE7435711C12}" destId="{21051CEF-715B-497D-856E-61A2C3F39F19}" srcOrd="3" destOrd="0" presId="urn:microsoft.com/office/officeart/2005/8/layout/vList2"/>
+    <dgm:cxn modelId="{2C135871-D64D-4F02-8344-573E191D2BEA}" type="presParOf" srcId="{38E10FA0-9A28-48E6-8C3A-DE7435711C12}" destId="{7CA86544-90AA-426B-8A06-771B39A4E850}" srcOrd="4" destOrd="0" presId="urn:microsoft.com/office/officeart/2005/8/layout/vList2"/>
+    <dgm:cxn modelId="{44A8C220-2029-4662-8C12-AD1C4061731E}" type="presParOf" srcId="{38E10FA0-9A28-48E6-8C3A-DE7435711C12}" destId="{AFC89A2B-5B1E-42F1-BCC0-736F536764C6}" srcOrd="5" destOrd="0" presId="urn:microsoft.com/office/officeart/2005/8/layout/vList2"/>
   </dgm:cxnLst>
   <dgm:bg/>
   <dgm:whole/>
@@ -11080,19 +11178,19 @@
   <dgm:cxnLst>
     <dgm:cxn modelId="{260E1E07-3643-4612-8020-102596171EDE}" type="presOf" srcId="{BED8E5D3-9B08-47FD-87A3-93717DBBD3C3}" destId="{70A80EEA-7031-44FA-873F-826F837E98A5}" srcOrd="0" destOrd="0" presId="urn:microsoft.com/office/officeart/2005/8/layout/vList2"/>
     <dgm:cxn modelId="{2A9E9735-23AD-46CB-8EA5-1EB279B466C0}" type="presOf" srcId="{59D516C2-7DE6-48A3-A42D-B3FE85DB3394}" destId="{51DD6D3B-5562-4A8B-B8FD-0B9BEDF08F4C}" srcOrd="0" destOrd="0" presId="urn:microsoft.com/office/officeart/2005/8/layout/vList2"/>
-    <dgm:cxn modelId="{125DBBC5-FC10-461E-85A3-DBB46673ACDF}" srcId="{59D516C2-7DE6-48A3-A42D-B3FE85DB3394}" destId="{50478BC3-7606-4B57-9F76-97C6D3D64996}" srcOrd="1" destOrd="0" parTransId="{F83CBFAB-DFD3-49AB-99B9-59C9EAAA7F55}" sibTransId="{48F0E2E8-B35A-4599-B846-3B6DE4046CED}"/>
-    <dgm:cxn modelId="{7B1A9E83-8DCB-4021-9D14-03CB7B08913C}" srcId="{E50F85DD-BB31-4E24-AC36-35BBDC41352E}" destId="{148A1843-5D27-4CE4-AB3C-73808D9F71BC}" srcOrd="0" destOrd="0" parTransId="{D717F117-E474-4483-990B-092E942C5D52}" sibTransId="{81CB20B6-29F3-425C-8B2E-DAD654A79105}"/>
     <dgm:cxn modelId="{D53F0562-23F4-4EF1-AA41-63F7342212AA}" srcId="{BED8E5D3-9B08-47FD-87A3-93717DBBD3C3}" destId="{59D516C2-7DE6-48A3-A42D-B3FE85DB3394}" srcOrd="0" destOrd="0" parTransId="{86FE2646-2DE2-455F-BDCB-1A3D16AF24D7}" sibTransId="{BDE7162B-4F4E-4832-97C5-FDED38AAF779}"/>
+    <dgm:cxn modelId="{186A8167-39F5-4D09-8C1E-BF5615B1F12C}" srcId="{59D516C2-7DE6-48A3-A42D-B3FE85DB3394}" destId="{07D9BDC5-00EA-4C21-AEDF-A04FC4A0DF96}" srcOrd="0" destOrd="0" parTransId="{42AEE6DA-8C94-4B40-87AF-EC195697F156}" sibTransId="{071F226E-3A3E-4999-BE72-C8BED6546FD2}"/>
     <dgm:cxn modelId="{2B4FE169-B4F8-478B-9B72-277AB372D9D8}" srcId="{BED8E5D3-9B08-47FD-87A3-93717DBBD3C3}" destId="{0BBABD46-440E-4FB7-B3B2-04336E0A6FD7}" srcOrd="1" destOrd="0" parTransId="{7181549E-85C7-4DE0-A28D-439A60CB787E}" sibTransId="{10B6B0EA-1F90-4396-9212-AE757B915F1D}"/>
     <dgm:cxn modelId="{90D9E84B-EB68-44D9-9C17-50E3883C90B4}" type="presOf" srcId="{E50F85DD-BB31-4E24-AC36-35BBDC41352E}" destId="{645128F0-9A6F-4D8B-A5BA-3926BB625618}" srcOrd="0" destOrd="0" presId="urn:microsoft.com/office/officeart/2005/8/layout/vList2"/>
+    <dgm:cxn modelId="{A609724F-AFC5-4EFD-9FE3-5266BBE01D6C}" srcId="{BED8E5D3-9B08-47FD-87A3-93717DBBD3C3}" destId="{E50F85DD-BB31-4E24-AC36-35BBDC41352E}" srcOrd="2" destOrd="0" parTransId="{8F091D5F-CDFC-4C19-B1E0-88862171967F}" sibTransId="{4401B9B4-9513-4B5C-B807-ADBCF01C501C}"/>
+    <dgm:cxn modelId="{12681E7A-66D4-4E5A-9FD2-615976620D68}" type="presOf" srcId="{148A1843-5D27-4CE4-AB3C-73808D9F71BC}" destId="{99B1203C-E356-4BF4-BBCE-D920F1B6277C}" srcOrd="0" destOrd="0" presId="urn:microsoft.com/office/officeart/2005/8/layout/vList2"/>
+    <dgm:cxn modelId="{7B1A9E83-8DCB-4021-9D14-03CB7B08913C}" srcId="{E50F85DD-BB31-4E24-AC36-35BBDC41352E}" destId="{148A1843-5D27-4CE4-AB3C-73808D9F71BC}" srcOrd="0" destOrd="0" parTransId="{D717F117-E474-4483-990B-092E942C5D52}" sibTransId="{81CB20B6-29F3-425C-8B2E-DAD654A79105}"/>
+    <dgm:cxn modelId="{EBEA21B5-7F25-4F68-9C4D-2D3BFDFA19DB}" type="presOf" srcId="{07D9BDC5-00EA-4C21-AEDF-A04FC4A0DF96}" destId="{CFDB7E57-D6E0-49A6-B7E9-B7D9A5285696}" srcOrd="0" destOrd="0" presId="urn:microsoft.com/office/officeart/2005/8/layout/vList2"/>
+    <dgm:cxn modelId="{908D2EB9-8B08-4C3B-8A82-FD04223E5AC8}" type="presOf" srcId="{0BBABD46-440E-4FB7-B3B2-04336E0A6FD7}" destId="{68C47070-41EC-4ED1-AF7F-44B161B18174}" srcOrd="0" destOrd="0" presId="urn:microsoft.com/office/officeart/2005/8/layout/vList2"/>
+    <dgm:cxn modelId="{0E10F5BD-C6E6-4298-B5FC-2CF099F2AB60}" type="presOf" srcId="{50478BC3-7606-4B57-9F76-97C6D3D64996}" destId="{CFDB7E57-D6E0-49A6-B7E9-B7D9A5285696}" srcOrd="0" destOrd="1" presId="urn:microsoft.com/office/officeart/2005/8/layout/vList2"/>
+    <dgm:cxn modelId="{125DBBC5-FC10-461E-85A3-DBB46673ACDF}" srcId="{59D516C2-7DE6-48A3-A42D-B3FE85DB3394}" destId="{50478BC3-7606-4B57-9F76-97C6D3D64996}" srcOrd="1" destOrd="0" parTransId="{F83CBFAB-DFD3-49AB-99B9-59C9EAAA7F55}" sibTransId="{48F0E2E8-B35A-4599-B846-3B6DE4046CED}"/>
+    <dgm:cxn modelId="{F40CDAD4-731A-4844-85FB-4AC6F363ED54}" srcId="{59D516C2-7DE6-48A3-A42D-B3FE85DB3394}" destId="{653AD1D0-B6C7-4F64-931F-EE917382B7CC}" srcOrd="2" destOrd="0" parTransId="{BCEE53CF-215A-4893-A1F0-1F0CFC14C48F}" sibTransId="{4AA8C3E2-8CE0-492C-9950-A1A10FD643D3}"/>
     <dgm:cxn modelId="{0C9C4AEE-1D78-446F-A0DD-ECBA8B2EBD40}" type="presOf" srcId="{653AD1D0-B6C7-4F64-931F-EE917382B7CC}" destId="{CFDB7E57-D6E0-49A6-B7E9-B7D9A5285696}" srcOrd="0" destOrd="2" presId="urn:microsoft.com/office/officeart/2005/8/layout/vList2"/>
-    <dgm:cxn modelId="{908D2EB9-8B08-4C3B-8A82-FD04223E5AC8}" type="presOf" srcId="{0BBABD46-440E-4FB7-B3B2-04336E0A6FD7}" destId="{68C47070-41EC-4ED1-AF7F-44B161B18174}" srcOrd="0" destOrd="0" presId="urn:microsoft.com/office/officeart/2005/8/layout/vList2"/>
-    <dgm:cxn modelId="{A609724F-AFC5-4EFD-9FE3-5266BBE01D6C}" srcId="{BED8E5D3-9B08-47FD-87A3-93717DBBD3C3}" destId="{E50F85DD-BB31-4E24-AC36-35BBDC41352E}" srcOrd="2" destOrd="0" parTransId="{8F091D5F-CDFC-4C19-B1E0-88862171967F}" sibTransId="{4401B9B4-9513-4B5C-B807-ADBCF01C501C}"/>
-    <dgm:cxn modelId="{F40CDAD4-731A-4844-85FB-4AC6F363ED54}" srcId="{59D516C2-7DE6-48A3-A42D-B3FE85DB3394}" destId="{653AD1D0-B6C7-4F64-931F-EE917382B7CC}" srcOrd="2" destOrd="0" parTransId="{BCEE53CF-215A-4893-A1F0-1F0CFC14C48F}" sibTransId="{4AA8C3E2-8CE0-492C-9950-A1A10FD643D3}"/>
-    <dgm:cxn modelId="{EBEA21B5-7F25-4F68-9C4D-2D3BFDFA19DB}" type="presOf" srcId="{07D9BDC5-00EA-4C21-AEDF-A04FC4A0DF96}" destId="{CFDB7E57-D6E0-49A6-B7E9-B7D9A5285696}" srcOrd="0" destOrd="0" presId="urn:microsoft.com/office/officeart/2005/8/layout/vList2"/>
-    <dgm:cxn modelId="{12681E7A-66D4-4E5A-9FD2-615976620D68}" type="presOf" srcId="{148A1843-5D27-4CE4-AB3C-73808D9F71BC}" destId="{99B1203C-E356-4BF4-BBCE-D920F1B6277C}" srcOrd="0" destOrd="0" presId="urn:microsoft.com/office/officeart/2005/8/layout/vList2"/>
-    <dgm:cxn modelId="{186A8167-39F5-4D09-8C1E-BF5615B1F12C}" srcId="{59D516C2-7DE6-48A3-A42D-B3FE85DB3394}" destId="{07D9BDC5-00EA-4C21-AEDF-A04FC4A0DF96}" srcOrd="0" destOrd="0" parTransId="{42AEE6DA-8C94-4B40-87AF-EC195697F156}" sibTransId="{071F226E-3A3E-4999-BE72-C8BED6546FD2}"/>
-    <dgm:cxn modelId="{0E10F5BD-C6E6-4298-B5FC-2CF099F2AB60}" type="presOf" srcId="{50478BC3-7606-4B57-9F76-97C6D3D64996}" destId="{CFDB7E57-D6E0-49A6-B7E9-B7D9A5285696}" srcOrd="0" destOrd="1" presId="urn:microsoft.com/office/officeart/2005/8/layout/vList2"/>
     <dgm:cxn modelId="{78D15F8F-9DC4-41C2-9300-3B4B5950BDB3}" type="presParOf" srcId="{70A80EEA-7031-44FA-873F-826F837E98A5}" destId="{51DD6D3B-5562-4A8B-B8FD-0B9BEDF08F4C}" srcOrd="0" destOrd="0" presId="urn:microsoft.com/office/officeart/2005/8/layout/vList2"/>
     <dgm:cxn modelId="{C3A93341-D36E-4DA1-ADEB-80DFDA55A10F}" type="presParOf" srcId="{70A80EEA-7031-44FA-873F-826F837E98A5}" destId="{CFDB7E57-D6E0-49A6-B7E9-B7D9A5285696}" srcOrd="1" destOrd="0" presId="urn:microsoft.com/office/officeart/2005/8/layout/vList2"/>
     <dgm:cxn modelId="{F7085396-A2F4-416D-BEB8-58007FD106CD}" type="presParOf" srcId="{70A80EEA-7031-44FA-873F-826F837E98A5}" destId="{68C47070-41EC-4ED1-AF7F-44B161B18174}" srcOrd="2" destOrd="0" presId="urn:microsoft.com/office/officeart/2005/8/layout/vList2"/>
@@ -11104,7 +11202,7 @@
   <dgm:whole/>
   <dgm:extLst>
     <a:ext uri="http://schemas.microsoft.com/office/drawing/2008/diagram">
-      <dsp:dataModelExt xmlns:dsp="http://schemas.microsoft.com/office/drawing/2008/diagram" relId="rId8" minVer="http://schemas.openxmlformats.org/drawingml/2006/diagram"/>
+      <dsp:dataModelExt xmlns:dsp="http://schemas.microsoft.com/office/drawing/2008/diagram" relId="rId7" minVer="http://schemas.openxmlformats.org/drawingml/2006/diagram"/>
     </a:ext>
   </dgm:extLst>
 </dgm:dataModel>
@@ -11234,11 +11332,11 @@
     </dgm:pt>
   </dgm:ptLst>
   <dgm:cxnLst>
+    <dgm:cxn modelId="{FBC91D31-4E7C-4B12-A2D7-40B4F7AECB1F}" type="presOf" srcId="{D4837DD9-B780-4B8A-B618-53E8952AD405}" destId="{78DB0CF2-5CCE-47E7-820F-17AF0C82C680}" srcOrd="0" destOrd="0" presId="urn:microsoft.com/office/officeart/2005/8/layout/arrow6"/>
     <dgm:cxn modelId="{86BF1962-491A-473C-88E2-7381F9085189}" type="presOf" srcId="{FD2E581D-5515-4358-9365-E1E300EA929D}" destId="{F592F5D7-13E7-48CC-B266-CC238A787A5B}" srcOrd="0" destOrd="0" presId="urn:microsoft.com/office/officeart/2005/8/layout/arrow6"/>
+    <dgm:cxn modelId="{87CFF997-98D2-486F-ABEC-A0F9554B3C52}" type="presOf" srcId="{DDBEE152-7525-45E3-988E-ED3A8BB669A9}" destId="{2E999A2D-A260-41A2-AFED-53FDD2A4246E}" srcOrd="0" destOrd="0" presId="urn:microsoft.com/office/officeart/2005/8/layout/arrow6"/>
+    <dgm:cxn modelId="{1D9334A1-15E8-40E5-85DE-70CBC1C12D0E}" srcId="{DDBEE152-7525-45E3-988E-ED3A8BB669A9}" destId="{D4837DD9-B780-4B8A-B618-53E8952AD405}" srcOrd="0" destOrd="0" parTransId="{383C9BD7-D6EE-4B00-B7B9-B3AAB488E1F5}" sibTransId="{E58C58D0-9400-4253-92A1-32701AA6C238}"/>
     <dgm:cxn modelId="{CBFB25A3-1DED-4279-9748-0DE35D09D897}" srcId="{DDBEE152-7525-45E3-988E-ED3A8BB669A9}" destId="{FD2E581D-5515-4358-9365-E1E300EA929D}" srcOrd="1" destOrd="0" parTransId="{C389A9F9-9757-4645-BE1D-345BE54C9B5A}" sibTransId="{9110D259-B8CB-49AE-9FDD-9E8344E0B57E}"/>
-    <dgm:cxn modelId="{87CFF997-98D2-486F-ABEC-A0F9554B3C52}" type="presOf" srcId="{DDBEE152-7525-45E3-988E-ED3A8BB669A9}" destId="{2E999A2D-A260-41A2-AFED-53FDD2A4246E}" srcOrd="0" destOrd="0" presId="urn:microsoft.com/office/officeart/2005/8/layout/arrow6"/>
-    <dgm:cxn modelId="{FBC91D31-4E7C-4B12-A2D7-40B4F7AECB1F}" type="presOf" srcId="{D4837DD9-B780-4B8A-B618-53E8952AD405}" destId="{78DB0CF2-5CCE-47E7-820F-17AF0C82C680}" srcOrd="0" destOrd="0" presId="urn:microsoft.com/office/officeart/2005/8/layout/arrow6"/>
-    <dgm:cxn modelId="{1D9334A1-15E8-40E5-85DE-70CBC1C12D0E}" srcId="{DDBEE152-7525-45E3-988E-ED3A8BB669A9}" destId="{D4837DD9-B780-4B8A-B618-53E8952AD405}" srcOrd="0" destOrd="0" parTransId="{383C9BD7-D6EE-4B00-B7B9-B3AAB488E1F5}" sibTransId="{E58C58D0-9400-4253-92A1-32701AA6C238}"/>
     <dgm:cxn modelId="{EF1732BC-B795-42D6-BC73-3461B47B4789}" type="presParOf" srcId="{2E999A2D-A260-41A2-AFED-53FDD2A4246E}" destId="{90A6A9F2-9667-4D9C-8E5D-CED9392A86DB}" srcOrd="0" destOrd="0" presId="urn:microsoft.com/office/officeart/2005/8/layout/arrow6"/>
     <dgm:cxn modelId="{4EECB6D2-2E00-4ECB-AEF4-4E44F46ACE6D}" type="presParOf" srcId="{2E999A2D-A260-41A2-AFED-53FDD2A4246E}" destId="{78DB0CF2-5CCE-47E7-820F-17AF0C82C680}" srcOrd="1" destOrd="0" presId="urn:microsoft.com/office/officeart/2005/8/layout/arrow6"/>
     <dgm:cxn modelId="{F6634675-979F-4D34-AB44-D2BCF4482E52}" type="presParOf" srcId="{2E999A2D-A260-41A2-AFED-53FDD2A4246E}" destId="{F592F5D7-13E7-48CC-B266-CC238A787A5B}" srcOrd="2" destOrd="0" presId="urn:microsoft.com/office/officeart/2005/8/layout/arrow6"/>
@@ -11539,13 +11637,13 @@
     </dgm:pt>
   </dgm:ptLst>
   <dgm:cxnLst>
-    <dgm:cxn modelId="{892DA55A-C697-4689-BF5D-93CD045D601F}" srcId="{5AD29136-70F2-4E26-AC4B-F108117A7F45}" destId="{E5B29A56-0376-4CCE-8889-407D20A46EA6}" srcOrd="0" destOrd="0" parTransId="{1FC070CB-05AB-46EB-930B-2DE6A76D114B}" sibTransId="{C0E07BF3-86C5-4235-B48E-B026A0423383}"/>
-    <dgm:cxn modelId="{FBF5BA4C-8703-49C2-9774-0691F02B7409}" srcId="{5AD29136-70F2-4E26-AC4B-F108117A7F45}" destId="{714E1E44-AE4D-447A-A199-0FD725DA4AA4}" srcOrd="2" destOrd="0" parTransId="{ED0B0D1F-229D-45D5-B377-B04E0C0DC99E}" sibTransId="{817793A9-1D59-4764-B9F7-C97A516F1721}"/>
     <dgm:cxn modelId="{5DB2C305-11BB-430C-8488-439ED36F6963}" type="presOf" srcId="{E5B29A56-0376-4CCE-8889-407D20A46EA6}" destId="{79FF8779-D8EA-493D-BDFC-2F7968CC6758}" srcOrd="0" destOrd="0" presId="urn:microsoft.com/office/officeart/2008/layout/LinedList"/>
     <dgm:cxn modelId="{B8A1A20C-C0EF-4F67-BB78-1F296165B796}" type="presOf" srcId="{5AD29136-70F2-4E26-AC4B-F108117A7F45}" destId="{64FB84C1-4CA0-46A8-9EDE-DCCFD954D105}" srcOrd="0" destOrd="0" presId="urn:microsoft.com/office/officeart/2008/layout/LinedList"/>
-    <dgm:cxn modelId="{923954E8-A875-49E0-A1D1-9C7DB384DCE6}" type="presOf" srcId="{BA85E6C5-BCCA-45F7-8CB8-F25209F0350A}" destId="{262821EF-0938-437C-942E-FAAA2EAE23D8}" srcOrd="0" destOrd="0" presId="urn:microsoft.com/office/officeart/2008/layout/LinedList"/>
+    <dgm:cxn modelId="{FBF5BA4C-8703-49C2-9774-0691F02B7409}" srcId="{5AD29136-70F2-4E26-AC4B-F108117A7F45}" destId="{714E1E44-AE4D-447A-A199-0FD725DA4AA4}" srcOrd="2" destOrd="0" parTransId="{ED0B0D1F-229D-45D5-B377-B04E0C0DC99E}" sibTransId="{817793A9-1D59-4764-B9F7-C97A516F1721}"/>
     <dgm:cxn modelId="{C5ACC972-F8C2-436F-8FFC-1230BC281D80}" type="presOf" srcId="{714E1E44-AE4D-447A-A199-0FD725DA4AA4}" destId="{5EB6F963-6CB3-4690-908C-7FFDC9C49028}" srcOrd="0" destOrd="0" presId="urn:microsoft.com/office/officeart/2008/layout/LinedList"/>
     <dgm:cxn modelId="{906EF375-2F0E-42AD-A0C2-40F40E196A19}" srcId="{5AD29136-70F2-4E26-AC4B-F108117A7F45}" destId="{BA85E6C5-BCCA-45F7-8CB8-F25209F0350A}" srcOrd="1" destOrd="0" parTransId="{3A17ED02-B51F-432D-A68E-9BFDD49270EC}" sibTransId="{A5EF6AF7-B2B0-4FCE-A85F-7F6D1F473A62}"/>
+    <dgm:cxn modelId="{892DA55A-C697-4689-BF5D-93CD045D601F}" srcId="{5AD29136-70F2-4E26-AC4B-F108117A7F45}" destId="{E5B29A56-0376-4CCE-8889-407D20A46EA6}" srcOrd="0" destOrd="0" parTransId="{1FC070CB-05AB-46EB-930B-2DE6A76D114B}" sibTransId="{C0E07BF3-86C5-4235-B48E-B026A0423383}"/>
+    <dgm:cxn modelId="{923954E8-A875-49E0-A1D1-9C7DB384DCE6}" type="presOf" srcId="{BA85E6C5-BCCA-45F7-8CB8-F25209F0350A}" destId="{262821EF-0938-437C-942E-FAAA2EAE23D8}" srcOrd="0" destOrd="0" presId="urn:microsoft.com/office/officeart/2008/layout/LinedList"/>
     <dgm:cxn modelId="{9B357918-9A02-4F06-9811-1F5C1BEB7FD1}" type="presParOf" srcId="{64FB84C1-4CA0-46A8-9EDE-DCCFD954D105}" destId="{E312A998-FA04-4108-8C00-F575E1EE9FBE}" srcOrd="0" destOrd="0" presId="urn:microsoft.com/office/officeart/2008/layout/LinedList"/>
     <dgm:cxn modelId="{CBD48735-191A-4D57-897D-B469D686B253}" type="presParOf" srcId="{64FB84C1-4CA0-46A8-9EDE-DCCFD954D105}" destId="{2FA46673-1817-4D87-83DD-138B1B6161E8}" srcOrd="1" destOrd="0" presId="urn:microsoft.com/office/officeart/2008/layout/LinedList"/>
     <dgm:cxn modelId="{F4B2315E-E494-4E35-B473-5CC91CDC3D8A}" type="presParOf" srcId="{2FA46673-1817-4D87-83DD-138B1B6161E8}" destId="{79FF8779-D8EA-493D-BDFC-2F7968CC6758}" srcOrd="0" destOrd="0" presId="urn:microsoft.com/office/officeart/2008/layout/LinedList"/>
@@ -11762,11 +11860,11 @@
     </dgm:pt>
   </dgm:ptLst>
   <dgm:cxnLst>
+    <dgm:cxn modelId="{4588AD14-A5FC-4903-83EA-B61E376903C5}" type="presOf" srcId="{AE76CF75-914E-4994-B798-02C3A13F60EC}" destId="{930FB5FB-3F96-436B-8773-93839EF461FB}" srcOrd="0" destOrd="0" presId="urn:microsoft.com/office/officeart/2008/layout/LinedList"/>
+    <dgm:cxn modelId="{D713C265-027E-4772-90E1-33DB4BF40F22}" srcId="{0F5C71FB-DC0A-4435-A4A3-30556961B764}" destId="{692C0C7E-BAB9-49DE-8485-F6F018308312}" srcOrd="1" destOrd="0" parTransId="{C29B7E56-F459-4637-8D18-2CB23AD46206}" sibTransId="{6EDFCA5F-268C-4DAA-A455-3464E71DA233}"/>
+    <dgm:cxn modelId="{5865BD7E-3FD5-427B-9960-B46B0561326F}" srcId="{0F5C71FB-DC0A-4435-A4A3-30556961B764}" destId="{AE76CF75-914E-4994-B798-02C3A13F60EC}" srcOrd="0" destOrd="0" parTransId="{D4356C59-A75B-4A43-B1DC-888EBD46BB3B}" sibTransId="{8F94E783-6033-4556-B4A2-099BB52CD33E}"/>
     <dgm:cxn modelId="{2BE72191-B68E-4FE1-A323-8EA71F689846}" type="presOf" srcId="{0F5C71FB-DC0A-4435-A4A3-30556961B764}" destId="{FB0A922D-E824-4BF8-879D-C96C272A03BF}" srcOrd="0" destOrd="0" presId="urn:microsoft.com/office/officeart/2008/layout/LinedList"/>
-    <dgm:cxn modelId="{D713C265-027E-4772-90E1-33DB4BF40F22}" srcId="{0F5C71FB-DC0A-4435-A4A3-30556961B764}" destId="{692C0C7E-BAB9-49DE-8485-F6F018308312}" srcOrd="1" destOrd="0" parTransId="{C29B7E56-F459-4637-8D18-2CB23AD46206}" sibTransId="{6EDFCA5F-268C-4DAA-A455-3464E71DA233}"/>
-    <dgm:cxn modelId="{4588AD14-A5FC-4903-83EA-B61E376903C5}" type="presOf" srcId="{AE76CF75-914E-4994-B798-02C3A13F60EC}" destId="{930FB5FB-3F96-436B-8773-93839EF461FB}" srcOrd="0" destOrd="0" presId="urn:microsoft.com/office/officeart/2008/layout/LinedList"/>
     <dgm:cxn modelId="{CF79FFEC-59EA-4099-BDFA-DDAECEC50F73}" type="presOf" srcId="{692C0C7E-BAB9-49DE-8485-F6F018308312}" destId="{29B805B5-6ABC-4104-8373-0D63EE815FAF}" srcOrd="0" destOrd="0" presId="urn:microsoft.com/office/officeart/2008/layout/LinedList"/>
-    <dgm:cxn modelId="{5865BD7E-3FD5-427B-9960-B46B0561326F}" srcId="{0F5C71FB-DC0A-4435-A4A3-30556961B764}" destId="{AE76CF75-914E-4994-B798-02C3A13F60EC}" srcOrd="0" destOrd="0" parTransId="{D4356C59-A75B-4A43-B1DC-888EBD46BB3B}" sibTransId="{8F94E783-6033-4556-B4A2-099BB52CD33E}"/>
     <dgm:cxn modelId="{02CFF18D-5FE5-4692-9810-23D4796294CE}" type="presParOf" srcId="{FB0A922D-E824-4BF8-879D-C96C272A03BF}" destId="{B476705F-8569-4118-8A86-6FBE58A52419}" srcOrd="0" destOrd="0" presId="urn:microsoft.com/office/officeart/2008/layout/LinedList"/>
     <dgm:cxn modelId="{5A935CC6-F9E3-4D31-B9C2-F0008BACBA45}" type="presParOf" srcId="{FB0A922D-E824-4BF8-879D-C96C272A03BF}" destId="{D245AF81-8817-4572-B62F-E865A8AF118F}" srcOrd="1" destOrd="0" presId="urn:microsoft.com/office/officeart/2008/layout/LinedList"/>
     <dgm:cxn modelId="{42C26DA3-73C5-4E7E-97C8-46107E10B39C}" type="presParOf" srcId="{D245AF81-8817-4572-B62F-E865A8AF118F}" destId="{930FB5FB-3F96-436B-8773-93839EF461FB}" srcOrd="0" destOrd="0" presId="urn:microsoft.com/office/officeart/2008/layout/LinedList"/>
@@ -12037,14 +12135,14 @@
   </dgm:ptLst>
   <dgm:cxnLst>
     <dgm:cxn modelId="{44B5DD0D-AB94-40A8-BF51-291FB936A1A4}" srcId="{2F226285-C3B3-4C76-BC19-F182EAC8B627}" destId="{0E209CAE-EEF8-4970-A6BC-E127A320BAD5}" srcOrd="1" destOrd="0" parTransId="{E3117D5F-EC0C-4BBA-A4ED-4B65B1A73E64}" sibTransId="{DE87CD9D-F2F8-46BE-9D56-7C68CA55AFCD}"/>
+    <dgm:cxn modelId="{32D2262A-B9C4-4EC2-B41D-6F41E86BC82A}" srcId="{2F226285-C3B3-4C76-BC19-F182EAC8B627}" destId="{530AE575-BC97-41D9-A150-61B76F05DB3D}" srcOrd="0" destOrd="0" parTransId="{729BCED2-4696-4ACB-AD86-EBEFA76AEE6C}" sibTransId="{0477A8F3-E18C-4B09-9AD1-B8EDBC58A17A}"/>
+    <dgm:cxn modelId="{04793469-5CFB-433F-92DD-6469A6DC7270}" type="presOf" srcId="{D8C3B9FD-1E60-41D0-B386-9E5D2DE5964C}" destId="{A6B5A266-CD12-4279-99E4-DAE309C6184A}" srcOrd="0" destOrd="0" presId="urn:microsoft.com/office/officeart/2005/8/layout/vList6"/>
+    <dgm:cxn modelId="{3392DE4B-008E-45A4-9830-4FCE763E4105}" type="presOf" srcId="{0E209CAE-EEF8-4970-A6BC-E127A320BAD5}" destId="{30548B46-5722-46A1-A307-D02C56DC055D}" srcOrd="0" destOrd="0" presId="urn:microsoft.com/office/officeart/2005/8/layout/vList6"/>
+    <dgm:cxn modelId="{85BB0379-CAF6-4131-857F-1E5A3621DD3F}" srcId="{0E209CAE-EEF8-4970-A6BC-E127A320BAD5}" destId="{D8C3B9FD-1E60-41D0-B386-9E5D2DE5964C}" srcOrd="0" destOrd="0" parTransId="{E647FD15-E26C-4DC2-A876-012291D6871F}" sibTransId="{8EFF2BD1-90C0-4C55-9C19-8699FF5F5559}"/>
+    <dgm:cxn modelId="{F2BAFA8C-E3B4-478E-82D1-6A833783849F}" srcId="{530AE575-BC97-41D9-A150-61B76F05DB3D}" destId="{1DEF6BDD-73A9-4474-AF5D-F83FA3710725}" srcOrd="0" destOrd="0" parTransId="{49DA8EB5-5BD6-427A-AB5A-FF58BAEB3DD0}" sibTransId="{8C74D45A-497F-4925-97EC-38F7BD694A24}"/>
+    <dgm:cxn modelId="{AA07C1A1-4AFE-42BF-9851-8E93EB811E57}" type="presOf" srcId="{2F226285-C3B3-4C76-BC19-F182EAC8B627}" destId="{B6DAE696-9BEA-46A2-8FD7-31FEB2DD2DFC}" srcOrd="0" destOrd="0" presId="urn:microsoft.com/office/officeart/2005/8/layout/vList6"/>
+    <dgm:cxn modelId="{82587FB6-D171-41C5-950A-D135916B850A}" type="presOf" srcId="{1DEF6BDD-73A9-4474-AF5D-F83FA3710725}" destId="{13D3AD72-5F7A-4167-9034-B7CD169E6C9B}" srcOrd="0" destOrd="0" presId="urn:microsoft.com/office/officeart/2005/8/layout/vList6"/>
     <dgm:cxn modelId="{359C0FBA-798F-4F12-93AA-796AF13BB867}" type="presOf" srcId="{530AE575-BC97-41D9-A150-61B76F05DB3D}" destId="{202CD1F9-E787-4E84-9BFE-973CBE24145B}" srcOrd="0" destOrd="0" presId="urn:microsoft.com/office/officeart/2005/8/layout/vList6"/>
-    <dgm:cxn modelId="{85BB0379-CAF6-4131-857F-1E5A3621DD3F}" srcId="{0E209CAE-EEF8-4970-A6BC-E127A320BAD5}" destId="{D8C3B9FD-1E60-41D0-B386-9E5D2DE5964C}" srcOrd="0" destOrd="0" parTransId="{E647FD15-E26C-4DC2-A876-012291D6871F}" sibTransId="{8EFF2BD1-90C0-4C55-9C19-8699FF5F5559}"/>
-    <dgm:cxn modelId="{82587FB6-D171-41C5-950A-D135916B850A}" type="presOf" srcId="{1DEF6BDD-73A9-4474-AF5D-F83FA3710725}" destId="{13D3AD72-5F7A-4167-9034-B7CD169E6C9B}" srcOrd="0" destOrd="0" presId="urn:microsoft.com/office/officeart/2005/8/layout/vList6"/>
-    <dgm:cxn modelId="{32D2262A-B9C4-4EC2-B41D-6F41E86BC82A}" srcId="{2F226285-C3B3-4C76-BC19-F182EAC8B627}" destId="{530AE575-BC97-41D9-A150-61B76F05DB3D}" srcOrd="0" destOrd="0" parTransId="{729BCED2-4696-4ACB-AD86-EBEFA76AEE6C}" sibTransId="{0477A8F3-E18C-4B09-9AD1-B8EDBC58A17A}"/>
-    <dgm:cxn modelId="{3392DE4B-008E-45A4-9830-4FCE763E4105}" type="presOf" srcId="{0E209CAE-EEF8-4970-A6BC-E127A320BAD5}" destId="{30548B46-5722-46A1-A307-D02C56DC055D}" srcOrd="0" destOrd="0" presId="urn:microsoft.com/office/officeart/2005/8/layout/vList6"/>
-    <dgm:cxn modelId="{04793469-5CFB-433F-92DD-6469A6DC7270}" type="presOf" srcId="{D8C3B9FD-1E60-41D0-B386-9E5D2DE5964C}" destId="{A6B5A266-CD12-4279-99E4-DAE309C6184A}" srcOrd="0" destOrd="0" presId="urn:microsoft.com/office/officeart/2005/8/layout/vList6"/>
-    <dgm:cxn modelId="{AA07C1A1-4AFE-42BF-9851-8E93EB811E57}" type="presOf" srcId="{2F226285-C3B3-4C76-BC19-F182EAC8B627}" destId="{B6DAE696-9BEA-46A2-8FD7-31FEB2DD2DFC}" srcOrd="0" destOrd="0" presId="urn:microsoft.com/office/officeart/2005/8/layout/vList6"/>
-    <dgm:cxn modelId="{F2BAFA8C-E3B4-478E-82D1-6A833783849F}" srcId="{530AE575-BC97-41D9-A150-61B76F05DB3D}" destId="{1DEF6BDD-73A9-4474-AF5D-F83FA3710725}" srcOrd="0" destOrd="0" parTransId="{49DA8EB5-5BD6-427A-AB5A-FF58BAEB3DD0}" sibTransId="{8C74D45A-497F-4925-97EC-38F7BD694A24}"/>
     <dgm:cxn modelId="{43D5BBC4-37EF-481A-95C6-AAAC4C218F4E}" type="presParOf" srcId="{B6DAE696-9BEA-46A2-8FD7-31FEB2DD2DFC}" destId="{5BB599CA-E42C-4B28-B6E6-D5935FD31750}" srcOrd="0" destOrd="0" presId="urn:microsoft.com/office/officeart/2005/8/layout/vList6"/>
     <dgm:cxn modelId="{DFEA8FE5-441E-4396-BC83-3407EB53A169}" type="presParOf" srcId="{5BB599CA-E42C-4B28-B6E6-D5935FD31750}" destId="{202CD1F9-E787-4E84-9BFE-973CBE24145B}" srcOrd="0" destOrd="0" presId="urn:microsoft.com/office/officeart/2005/8/layout/vList6"/>
     <dgm:cxn modelId="{818B6996-1BD5-4737-A3B6-601B2A056984}" type="presParOf" srcId="{5BB599CA-E42C-4B28-B6E6-D5935FD31750}" destId="{13D3AD72-5F7A-4167-9034-B7CD169E6C9B}" srcOrd="1" destOrd="0" presId="urn:microsoft.com/office/officeart/2005/8/layout/vList6"/>
@@ -12383,14 +12481,14 @@
     </dgm:pt>
   </dgm:ptLst>
   <dgm:cxnLst>
+    <dgm:cxn modelId="{A208100C-B55A-472F-8400-62CD183B2290}" srcId="{565FC5D3-980D-4891-9985-2AAE4BF7A601}" destId="{A7B4FE94-A9DD-4654-914A-C04B075901E8}" srcOrd="0" destOrd="0" parTransId="{450C23D4-2357-49D7-BE5D-8472B2E0AB18}" sibTransId="{8552BBC2-9C05-4B7F-A797-653B707FF7AF}"/>
+    <dgm:cxn modelId="{7E95661A-6A84-4F14-B35F-0D2770169669}" type="presOf" srcId="{030DED3A-6CEF-44AC-8B3E-6EAF600CD6C1}" destId="{0E7FF914-9B91-48F5-9AD6-F50825816C24}" srcOrd="0" destOrd="0" presId="urn:microsoft.com/office/officeart/2005/8/layout/hList3"/>
+    <dgm:cxn modelId="{AF444F22-A4DD-450C-8B2D-79450617C6B3}" type="presOf" srcId="{A7B4FE94-A9DD-4654-914A-C04B075901E8}" destId="{5E7E67FF-437F-473A-929B-DE252323837C}" srcOrd="0" destOrd="0" presId="urn:microsoft.com/office/officeart/2005/8/layout/hList3"/>
+    <dgm:cxn modelId="{5C51DE34-FF96-42C7-B911-DCF1E37B4D8A}" srcId="{565FC5D3-980D-4891-9985-2AAE4BF7A601}" destId="{83A3A57B-2265-4417-8E62-5A0ABCB661A8}" srcOrd="1" destOrd="0" parTransId="{E74668D0-6023-4E5F-8F67-8D7F87CEBB31}" sibTransId="{A11A2CA6-FF85-418E-B610-1142D9863888}"/>
     <dgm:cxn modelId="{062B0B6F-D3C3-4EFF-AFFF-E9BBA82FE4DA}" type="presOf" srcId="{565FC5D3-980D-4891-9985-2AAE4BF7A601}" destId="{7B305264-32A2-462B-91C6-7E602B8C401C}" srcOrd="0" destOrd="0" presId="urn:microsoft.com/office/officeart/2005/8/layout/hList3"/>
+    <dgm:cxn modelId="{1901DA9E-A664-4FB5-9063-19F672C15DE5}" srcId="{030DED3A-6CEF-44AC-8B3E-6EAF600CD6C1}" destId="{565FC5D3-980D-4891-9985-2AAE4BF7A601}" srcOrd="0" destOrd="0" parTransId="{3142BCE1-1D92-4CCB-BDA0-41D047096736}" sibTransId="{D86C04F4-A1D1-4E2E-8CDE-C66FFDCE7FFA}"/>
     <dgm:cxn modelId="{A0EBDFA7-DFFB-4C2B-9CDD-CDE0E0C39686}" type="presOf" srcId="{83A3A57B-2265-4417-8E62-5A0ABCB661A8}" destId="{9F2DA0AD-636D-4540-ABA5-C3F1E90350AE}" srcOrd="0" destOrd="0" presId="urn:microsoft.com/office/officeart/2005/8/layout/hList3"/>
-    <dgm:cxn modelId="{A208100C-B55A-472F-8400-62CD183B2290}" srcId="{565FC5D3-980D-4891-9985-2AAE4BF7A601}" destId="{A7B4FE94-A9DD-4654-914A-C04B075901E8}" srcOrd="0" destOrd="0" parTransId="{450C23D4-2357-49D7-BE5D-8472B2E0AB18}" sibTransId="{8552BBC2-9C05-4B7F-A797-653B707FF7AF}"/>
     <dgm:cxn modelId="{EBB8BFDB-7B4C-4A2E-95B9-2556611122A4}" srcId="{030DED3A-6CEF-44AC-8B3E-6EAF600CD6C1}" destId="{B2BBFAAF-53B3-49D3-92C1-CBC92EE6BEB2}" srcOrd="1" destOrd="0" parTransId="{115E5184-1C8D-454F-934E-FFCAEF7EC68A}" sibTransId="{65D0AF48-E274-4DA7-A1F6-AE87893AA58E}"/>
-    <dgm:cxn modelId="{7E95661A-6A84-4F14-B35F-0D2770169669}" type="presOf" srcId="{030DED3A-6CEF-44AC-8B3E-6EAF600CD6C1}" destId="{0E7FF914-9B91-48F5-9AD6-F50825816C24}" srcOrd="0" destOrd="0" presId="urn:microsoft.com/office/officeart/2005/8/layout/hList3"/>
-    <dgm:cxn modelId="{5C51DE34-FF96-42C7-B911-DCF1E37B4D8A}" srcId="{565FC5D3-980D-4891-9985-2AAE4BF7A601}" destId="{83A3A57B-2265-4417-8E62-5A0ABCB661A8}" srcOrd="1" destOrd="0" parTransId="{E74668D0-6023-4E5F-8F67-8D7F87CEBB31}" sibTransId="{A11A2CA6-FF85-418E-B610-1142D9863888}"/>
-    <dgm:cxn modelId="{AF444F22-A4DD-450C-8B2D-79450617C6B3}" type="presOf" srcId="{A7B4FE94-A9DD-4654-914A-C04B075901E8}" destId="{5E7E67FF-437F-473A-929B-DE252323837C}" srcOrd="0" destOrd="0" presId="urn:microsoft.com/office/officeart/2005/8/layout/hList3"/>
-    <dgm:cxn modelId="{1901DA9E-A664-4FB5-9063-19F672C15DE5}" srcId="{030DED3A-6CEF-44AC-8B3E-6EAF600CD6C1}" destId="{565FC5D3-980D-4891-9985-2AAE4BF7A601}" srcOrd="0" destOrd="0" parTransId="{3142BCE1-1D92-4CCB-BDA0-41D047096736}" sibTransId="{D86C04F4-A1D1-4E2E-8CDE-C66FFDCE7FFA}"/>
     <dgm:cxn modelId="{4179A292-1607-4970-9A11-FC464F7F735D}" type="presParOf" srcId="{0E7FF914-9B91-48F5-9AD6-F50825816C24}" destId="{7B305264-32A2-462B-91C6-7E602B8C401C}" srcOrd="0" destOrd="0" presId="urn:microsoft.com/office/officeart/2005/8/layout/hList3"/>
     <dgm:cxn modelId="{C5CF8C68-05DD-458B-9067-6D41E2A1F3DE}" type="presParOf" srcId="{0E7FF914-9B91-48F5-9AD6-F50825816C24}" destId="{CD4107D5-C838-4DE5-8508-FC08AF9E787C}" srcOrd="1" destOrd="0" presId="urn:microsoft.com/office/officeart/2005/8/layout/hList3"/>
     <dgm:cxn modelId="{28CBF4F8-9A80-4338-8D7A-60ED4DBE3F61}" type="presParOf" srcId="{CD4107D5-C838-4DE5-8508-FC08AF9E787C}" destId="{5E7E67FF-437F-473A-929B-DE252323837C}" srcOrd="0" destOrd="0" presId="urn:microsoft.com/office/officeart/2005/8/layout/hList3"/>
@@ -14524,15 +14622,15 @@
       <dsp:cNvGrpSpPr/>
     </dsp:nvGrpSpPr>
     <dsp:grpSpPr/>
-    <dsp:sp modelId="{EE441F2F-BCC2-4F1C-B8B3-251614182EB0}">
+    <dsp:sp modelId="{8A623824-C8FE-4ACD-B6FB-82D6A5EDD42D}">
       <dsp:nvSpPr>
         <dsp:cNvPr id="0" name=""/>
         <dsp:cNvSpPr/>
       </dsp:nvSpPr>
       <dsp:spPr>
         <a:xfrm>
-          <a:off x="0" y="564923"/>
-          <a:ext cx="5497976" cy="875160"/>
+          <a:off x="0" y="36399"/>
+          <a:ext cx="5497976" cy="1264770"/>
         </a:xfrm>
         <a:prstGeom prst="roundRect">
           <a:avLst/>
@@ -14573,12 +14671,12 @@
         </a:fontRef>
       </dsp:style>
       <dsp:txBody>
-        <a:bodyPr spcFirstLastPara="0" vert="horz" wrap="square" lIns="83820" tIns="83820" rIns="83820" bIns="83820" numCol="1" spcCol="1270" anchor="ctr" anchorCtr="0">
+        <a:bodyPr spcFirstLastPara="0" vert="horz" wrap="square" lIns="87630" tIns="87630" rIns="87630" bIns="87630" numCol="1" spcCol="1270" anchor="ctr" anchorCtr="0">
           <a:noAutofit/>
         </a:bodyPr>
         <a:lstStyle/>
         <a:p>
-          <a:pPr marL="0" lvl="0" indent="0" algn="l" defTabSz="977900">
+          <a:pPr marL="0" lvl="0" indent="0" algn="l" defTabSz="1022350">
             <a:lnSpc>
               <a:spcPct val="90000"/>
             </a:lnSpc>
@@ -14591,25 +14689,45 @@
             <a:buNone/>
           </a:pPr>
           <a:r>
-            <a:rPr lang="hu-HU" sz="2200" kern="1200"/>
-            <a:t>Két eszközteszt futtatása Windows környezetben</a:t>
+            <a:rPr lang="hu-HU" sz="2300" kern="1200" dirty="0" err="1"/>
+            <a:t>Train</a:t>
+          </a:r>
+          <a:r>
+            <a:rPr lang="hu-HU" sz="2300" kern="1200" dirty="0"/>
+            <a:t> Benchmark forgatókönyvek implementálása a </a:t>
+          </a:r>
+          <a:r>
+            <a:rPr lang="hu-HU" sz="2300" kern="1200" dirty="0" err="1"/>
+            <a:t>Graph</a:t>
+          </a:r>
+          <a:r>
+            <a:rPr lang="hu-HU" sz="2300" kern="1200" dirty="0"/>
+            <a:t> </a:t>
+          </a:r>
+          <a:r>
+            <a:rPr lang="hu-HU" sz="2300" kern="1200" dirty="0" err="1"/>
+            <a:t>Engine</a:t>
+          </a:r>
+          <a:r>
+            <a:rPr lang="hu-HU" sz="2300" kern="1200" dirty="0"/>
+            <a:t> használatával</a:t>
           </a:r>
         </a:p>
       </dsp:txBody>
       <dsp:txXfrm>
-        <a:off x="42722" y="607645"/>
-        <a:ext cx="5412532" cy="789716"/>
+        <a:off x="61741" y="98140"/>
+        <a:ext cx="5374494" cy="1141288"/>
       </dsp:txXfrm>
     </dsp:sp>
-    <dsp:sp modelId="{5E1833FC-A62F-4187-8D26-94AF08FAD20F}">
+    <dsp:sp modelId="{D06F621C-6E23-4A7A-9D3D-D1F167B54AB7}">
       <dsp:nvSpPr>
         <dsp:cNvPr id="0" name=""/>
         <dsp:cNvSpPr/>
       </dsp:nvSpPr>
       <dsp:spPr>
         <a:xfrm>
-          <a:off x="0" y="1440083"/>
-          <a:ext cx="5497976" cy="364320"/>
+          <a:off x="0" y="1301169"/>
+          <a:ext cx="5497976" cy="380880"/>
         </a:xfrm>
         <a:prstGeom prst="rect">
           <a:avLst/>
@@ -14633,12 +14751,12 @@
         <a:fontRef idx="minor"/>
       </dsp:style>
       <dsp:txBody>
-        <a:bodyPr spcFirstLastPara="0" vert="horz" wrap="square" lIns="174561" tIns="27940" rIns="156464" bIns="27940" numCol="1" spcCol="1270" anchor="t" anchorCtr="0">
+        <a:bodyPr spcFirstLastPara="0" vert="horz" wrap="square" lIns="174561" tIns="29210" rIns="163576" bIns="29210" numCol="1" spcCol="1270" anchor="t" anchorCtr="0">
           <a:noAutofit/>
         </a:bodyPr>
         <a:lstStyle/>
         <a:p>
-          <a:pPr marL="171450" lvl="1" indent="-171450" algn="l" defTabSz="755650">
+          <a:pPr marL="171450" lvl="1" indent="-171450" algn="l" defTabSz="800100">
             <a:lnSpc>
               <a:spcPct val="90000"/>
             </a:lnSpc>
@@ -14651,25 +14769,25 @@
             <a:buChar char="•"/>
           </a:pPr>
           <a:r>
-            <a:rPr lang="hu-HU" sz="1700" kern="1200"/>
-            <a:t>RDF4J &amp; Jena</a:t>
+            <a:rPr lang="hu-HU" sz="1800" kern="1200" dirty="0"/>
+            <a:t>6-ból 2 kényszer</a:t>
           </a:r>
         </a:p>
       </dsp:txBody>
       <dsp:txXfrm>
-        <a:off x="0" y="1440083"/>
-        <a:ext cx="5497976" cy="364320"/>
+        <a:off x="0" y="1301169"/>
+        <a:ext cx="5497976" cy="380880"/>
       </dsp:txXfrm>
     </dsp:sp>
-    <dsp:sp modelId="{8A623824-C8FE-4ACD-B6FB-82D6A5EDD42D}">
+    <dsp:sp modelId="{846673BC-00C8-41D0-BFCA-A2A11E6C4EDE}">
       <dsp:nvSpPr>
         <dsp:cNvPr id="0" name=""/>
         <dsp:cNvSpPr/>
       </dsp:nvSpPr>
       <dsp:spPr>
         <a:xfrm>
-          <a:off x="0" y="1804403"/>
-          <a:ext cx="5497976" cy="875160"/>
+          <a:off x="0" y="1682049"/>
+          <a:ext cx="5497976" cy="1264770"/>
         </a:xfrm>
         <a:prstGeom prst="roundRect">
           <a:avLst/>
@@ -14710,12 +14828,12 @@
         </a:fontRef>
       </dsp:style>
       <dsp:txBody>
-        <a:bodyPr spcFirstLastPara="0" vert="horz" wrap="square" lIns="83820" tIns="83820" rIns="83820" bIns="83820" numCol="1" spcCol="1270" anchor="ctr" anchorCtr="0">
+        <a:bodyPr spcFirstLastPara="0" vert="horz" wrap="square" lIns="87630" tIns="87630" rIns="87630" bIns="87630" numCol="1" spcCol="1270" anchor="ctr" anchorCtr="0">
           <a:noAutofit/>
         </a:bodyPr>
         <a:lstStyle/>
         <a:p>
-          <a:pPr marL="0" lvl="0" indent="0" algn="l" defTabSz="977900">
+          <a:pPr marL="0" lvl="0" indent="0" algn="l" defTabSz="1022350">
             <a:lnSpc>
               <a:spcPct val="90000"/>
             </a:lnSpc>
@@ -14728,25 +14846,112 @@
             <a:buNone/>
           </a:pPr>
           <a:r>
-            <a:rPr lang="hu-HU" sz="2200" kern="1200"/>
-            <a:t>Train Benchmark forgatókönyvek implementálása a Graph Engine használatával</a:t>
+            <a:rPr lang="hu-HU" sz="2300" kern="1200"/>
+            <a:t>Különböző méretű modelleken</a:t>
           </a:r>
         </a:p>
       </dsp:txBody>
       <dsp:txXfrm>
-        <a:off x="42722" y="1847125"/>
-        <a:ext cx="5412532" cy="789716"/>
+        <a:off x="61741" y="1743790"/>
+        <a:ext cx="5374494" cy="1141288"/>
       </dsp:txXfrm>
     </dsp:sp>
-    <dsp:sp modelId="{5F557CF5-D381-4A86-A1C7-75CD8320D8FC}">
+    <dsp:sp modelId="{21051CEF-715B-497D-856E-61A2C3F39F19}">
       <dsp:nvSpPr>
         <dsp:cNvPr id="0" name=""/>
         <dsp:cNvSpPr/>
       </dsp:nvSpPr>
       <dsp:spPr>
         <a:xfrm>
-          <a:off x="0" y="2742923"/>
-          <a:ext cx="5497976" cy="875160"/>
+          <a:off x="0" y="2946819"/>
+          <a:ext cx="5497976" cy="618930"/>
+        </a:xfrm>
+        <a:prstGeom prst="rect">
+          <a:avLst/>
+        </a:prstGeom>
+        <a:noFill/>
+        <a:ln>
+          <a:noFill/>
+        </a:ln>
+        <a:effectLst/>
+      </dsp:spPr>
+      <dsp:style>
+        <a:lnRef idx="0">
+          <a:scrgbClr r="0" g="0" b="0"/>
+        </a:lnRef>
+        <a:fillRef idx="0">
+          <a:scrgbClr r="0" g="0" b="0"/>
+        </a:fillRef>
+        <a:effectRef idx="0">
+          <a:scrgbClr r="0" g="0" b="0"/>
+        </a:effectRef>
+        <a:fontRef idx="minor"/>
+      </dsp:style>
+      <dsp:txBody>
+        <a:bodyPr spcFirstLastPara="0" vert="horz" wrap="square" lIns="174561" tIns="29210" rIns="163576" bIns="29210" numCol="1" spcCol="1270" anchor="t" anchorCtr="0">
+          <a:noAutofit/>
+        </a:bodyPr>
+        <a:lstStyle/>
+        <a:p>
+          <a:pPr marL="171450" lvl="1" indent="-171450" algn="l" defTabSz="800100">
+            <a:lnSpc>
+              <a:spcPct val="90000"/>
+            </a:lnSpc>
+            <a:spcBef>
+              <a:spcPct val="0"/>
+            </a:spcBef>
+            <a:spcAft>
+              <a:spcPct val="20000"/>
+            </a:spcAft>
+            <a:buChar char="•"/>
+          </a:pPr>
+          <a:r>
+            <a:rPr lang="hu-HU" sz="1800" kern="1200" dirty="0"/>
+            <a:t>Kb. 5000 - 2,3 millió elem</a:t>
+          </a:r>
+        </a:p>
+        <a:p>
+          <a:pPr marL="171450" lvl="1" indent="-171450" algn="l" defTabSz="800100">
+            <a:lnSpc>
+              <a:spcPct val="90000"/>
+            </a:lnSpc>
+            <a:spcBef>
+              <a:spcPct val="0"/>
+            </a:spcBef>
+            <a:spcAft>
+              <a:spcPct val="20000"/>
+            </a:spcAft>
+            <a:buChar char="•"/>
+          </a:pPr>
+          <a:r>
+            <a:rPr lang="en-US" sz="1800" kern="1200" dirty="0" err="1"/>
+            <a:t>Hány</a:t>
+          </a:r>
+          <a:r>
+            <a:rPr lang="en-US" sz="1800" kern="1200" dirty="0"/>
+            <a:t> </a:t>
+          </a:r>
+          <a:r>
+            <a:rPr lang="en-US" sz="1800" kern="1200" dirty="0" err="1"/>
+            <a:t>modell</a:t>
+          </a:r>
+          <a:endParaRPr lang="hu-HU" sz="1800" kern="1200" dirty="0"/>
+        </a:p>
+      </dsp:txBody>
+      <dsp:txXfrm>
+        <a:off x="0" y="2946819"/>
+        <a:ext cx="5497976" cy="618930"/>
+      </dsp:txXfrm>
+    </dsp:sp>
+    <dsp:sp modelId="{7CA86544-90AA-426B-8A06-771B39A4E850}">
+      <dsp:nvSpPr>
+        <dsp:cNvPr id="0" name=""/>
+        <dsp:cNvSpPr/>
+      </dsp:nvSpPr>
+      <dsp:spPr>
+        <a:xfrm>
+          <a:off x="0" y="3565749"/>
+          <a:ext cx="5497976" cy="1264770"/>
         </a:xfrm>
         <a:prstGeom prst="roundRect">
           <a:avLst/>
@@ -14787,12 +14992,12 @@
         </a:fontRef>
       </dsp:style>
       <dsp:txBody>
-        <a:bodyPr spcFirstLastPara="0" vert="horz" wrap="square" lIns="83820" tIns="83820" rIns="83820" bIns="83820" numCol="1" spcCol="1270" anchor="ctr" anchorCtr="0">
+        <a:bodyPr spcFirstLastPara="0" vert="horz" wrap="square" lIns="87630" tIns="87630" rIns="87630" bIns="87630" numCol="1" spcCol="1270" anchor="ctr" anchorCtr="0">
           <a:noAutofit/>
         </a:bodyPr>
         <a:lstStyle/>
         <a:p>
-          <a:pPr marL="0" lvl="0" indent="0" algn="l" defTabSz="977900">
+          <a:pPr marL="0" lvl="0" indent="0" algn="l" defTabSz="1022350">
             <a:lnSpc>
               <a:spcPct val="90000"/>
             </a:lnSpc>
@@ -14805,102 +15010,57 @@
             <a:buNone/>
           </a:pPr>
           <a:r>
-            <a:rPr lang="hu-HU" sz="2200" kern="1200"/>
-            <a:t>6-ból 2 kényszer</a:t>
+            <a:rPr lang="hu-HU" sz="2300" kern="1200" dirty="0"/>
+            <a:t>Két </a:t>
+          </a:r>
+          <a:r>
+            <a:rPr lang="en-US" sz="2300" kern="1200" dirty="0" err="1"/>
+            <a:t>további</a:t>
+          </a:r>
+          <a:r>
+            <a:rPr lang="en-US" sz="2300" kern="1200" dirty="0"/>
+            <a:t> </a:t>
+          </a:r>
+          <a:r>
+            <a:rPr lang="hu-HU" sz="2300" kern="1200" dirty="0"/>
+            <a:t>eszköz</a:t>
+          </a:r>
+          <a:r>
+            <a:rPr lang="en-US" sz="2300" kern="1200" dirty="0"/>
+            <a:t> </a:t>
+          </a:r>
+          <a:r>
+            <a:rPr lang="en-US" sz="2300" kern="1200" dirty="0" err="1"/>
+            <a:t>teljesítményének</a:t>
+          </a:r>
+          <a:r>
+            <a:rPr lang="en-US" sz="2300" kern="1200" dirty="0"/>
+            <a:t> </a:t>
+          </a:r>
+          <a:r>
+            <a:rPr lang="en-US" sz="2300" kern="1200" dirty="0" err="1"/>
+            <a:t>kiértékelése</a:t>
+          </a:r>
+          <a:r>
+            <a:rPr lang="hu-HU" sz="2300" kern="1200" dirty="0"/>
+            <a:t> Windows környezetben</a:t>
           </a:r>
         </a:p>
       </dsp:txBody>
       <dsp:txXfrm>
-        <a:off x="42722" y="2785645"/>
-        <a:ext cx="5412532" cy="789716"/>
+        <a:off x="61741" y="3627490"/>
+        <a:ext cx="5374494" cy="1141288"/>
       </dsp:txXfrm>
     </dsp:sp>
-    <dsp:sp modelId="{846673BC-00C8-41D0-BFCA-A2A11E6C4EDE}">
+    <dsp:sp modelId="{AFC89A2B-5B1E-42F1-BCC0-736F536764C6}">
       <dsp:nvSpPr>
         <dsp:cNvPr id="0" name=""/>
         <dsp:cNvSpPr/>
       </dsp:nvSpPr>
       <dsp:spPr>
         <a:xfrm>
-          <a:off x="0" y="3681444"/>
-          <a:ext cx="5497976" cy="875160"/>
-        </a:xfrm>
-        <a:prstGeom prst="roundRect">
-          <a:avLst/>
-        </a:prstGeom>
-        <a:solidFill>
-          <a:schemeClr val="accent1">
-            <a:hueOff val="0"/>
-            <a:satOff val="0"/>
-            <a:lumOff val="0"/>
-            <a:alphaOff val="0"/>
-          </a:schemeClr>
-        </a:solidFill>
-        <a:ln w="25400" cap="flat" cmpd="sng" algn="ctr">
-          <a:solidFill>
-            <a:schemeClr val="lt1">
-              <a:hueOff val="0"/>
-              <a:satOff val="0"/>
-              <a:lumOff val="0"/>
-              <a:alphaOff val="0"/>
-            </a:schemeClr>
-          </a:solidFill>
-          <a:prstDash val="solid"/>
-        </a:ln>
-        <a:effectLst/>
-      </dsp:spPr>
-      <dsp:style>
-        <a:lnRef idx="2">
-          <a:scrgbClr r="0" g="0" b="0"/>
-        </a:lnRef>
-        <a:fillRef idx="1">
-          <a:scrgbClr r="0" g="0" b="0"/>
-        </a:fillRef>
-        <a:effectRef idx="0">
-          <a:scrgbClr r="0" g="0" b="0"/>
-        </a:effectRef>
-        <a:fontRef idx="minor">
-          <a:schemeClr val="lt1"/>
-        </a:fontRef>
-      </dsp:style>
-      <dsp:txBody>
-        <a:bodyPr spcFirstLastPara="0" vert="horz" wrap="square" lIns="83820" tIns="83820" rIns="83820" bIns="83820" numCol="1" spcCol="1270" anchor="ctr" anchorCtr="0">
-          <a:noAutofit/>
-        </a:bodyPr>
-        <a:lstStyle/>
-        <a:p>
-          <a:pPr marL="0" lvl="0" indent="0" algn="l" defTabSz="977900">
-            <a:lnSpc>
-              <a:spcPct val="90000"/>
-            </a:lnSpc>
-            <a:spcBef>
-              <a:spcPct val="0"/>
-            </a:spcBef>
-            <a:spcAft>
-              <a:spcPct val="35000"/>
-            </a:spcAft>
-            <a:buNone/>
-          </a:pPr>
-          <a:r>
-            <a:rPr lang="hu-HU" sz="2200" kern="1200"/>
-            <a:t>Különböző méretű modelleken</a:t>
-          </a:r>
-        </a:p>
-      </dsp:txBody>
-      <dsp:txXfrm>
-        <a:off x="42722" y="3724166"/>
-        <a:ext cx="5412532" cy="789716"/>
-      </dsp:txXfrm>
-    </dsp:sp>
-    <dsp:sp modelId="{21051CEF-715B-497D-856E-61A2C3F39F19}">
-      <dsp:nvSpPr>
-        <dsp:cNvPr id="0" name=""/>
-        <dsp:cNvSpPr/>
-      </dsp:nvSpPr>
-      <dsp:spPr>
-        <a:xfrm>
-          <a:off x="0" y="4556604"/>
-          <a:ext cx="5497976" cy="364320"/>
+          <a:off x="0" y="4830519"/>
+          <a:ext cx="5497976" cy="618930"/>
         </a:xfrm>
         <a:prstGeom prst="rect">
           <a:avLst/>
@@ -14924,12 +15084,12 @@
         <a:fontRef idx="minor"/>
       </dsp:style>
       <dsp:txBody>
-        <a:bodyPr spcFirstLastPara="0" vert="horz" wrap="square" lIns="174561" tIns="27940" rIns="156464" bIns="27940" numCol="1" spcCol="1270" anchor="t" anchorCtr="0">
+        <a:bodyPr spcFirstLastPara="0" vert="horz" wrap="square" lIns="174561" tIns="29210" rIns="163576" bIns="29210" numCol="1" spcCol="1270" anchor="t" anchorCtr="0">
           <a:noAutofit/>
         </a:bodyPr>
         <a:lstStyle/>
         <a:p>
-          <a:pPr marL="171450" lvl="1" indent="-171450" algn="l" defTabSz="755650">
+          <a:pPr marL="171450" lvl="1" indent="-171450" algn="l" defTabSz="800100">
             <a:lnSpc>
               <a:spcPct val="90000"/>
             </a:lnSpc>
@@ -14942,14 +15102,32 @@
             <a:buChar char="•"/>
           </a:pPr>
           <a:r>
-            <a:rPr lang="hu-HU" sz="1700" kern="1200"/>
-            <a:t>Kb. 5000 - 2,3 millió elem</a:t>
+            <a:rPr lang="hu-HU" sz="1800" kern="1200" dirty="0"/>
+            <a:t>RDF4J</a:t>
+          </a:r>
+        </a:p>
+        <a:p>
+          <a:pPr marL="171450" lvl="1" indent="-171450" algn="l" defTabSz="800100">
+            <a:lnSpc>
+              <a:spcPct val="90000"/>
+            </a:lnSpc>
+            <a:spcBef>
+              <a:spcPct val="0"/>
+            </a:spcBef>
+            <a:spcAft>
+              <a:spcPct val="20000"/>
+            </a:spcAft>
+            <a:buChar char="•"/>
+          </a:pPr>
+          <a:r>
+            <a:rPr lang="hu-HU" sz="1800" kern="1200" dirty="0"/>
+            <a:t>Jena</a:t>
           </a:r>
         </a:p>
       </dsp:txBody>
       <dsp:txXfrm>
-        <a:off x="0" y="4556604"/>
-        <a:ext cx="5497976" cy="364320"/>
+        <a:off x="0" y="4830519"/>
+        <a:ext cx="5497976" cy="618930"/>
       </dsp:txXfrm>
     </dsp:sp>
   </dsp:spTree>
@@ -32373,7 +32551,7 @@
           <a:p>
             <a:fld id="{D320DF98-73A7-40A6-8A84-2EB5B4F2C4CC}" type="datetimeFigureOut">
               <a:rPr lang="hu-HU" smtClean="0"/>
-              <a:t>2017.06.13.</a:t>
+              <a:t>2017. 06. 13.</a:t>
             </a:fld>
             <a:endParaRPr lang="hu-HU"/>
           </a:p>
@@ -33998,6 +34176,91 @@
           <a:bodyPr/>
           <a:lstStyle/>
           <a:p>
+            <a:endParaRPr lang="hu-HU" dirty="0"/>
+          </a:p>
+        </p:txBody>
+      </p:sp>
+      <p:sp>
+        <p:nvSpPr>
+          <p:cNvPr id="4" name="Slide Number Placeholder 3"/>
+          <p:cNvSpPr>
+            <a:spLocks noGrp="1"/>
+          </p:cNvSpPr>
+          <p:nvPr>
+            <p:ph type="sldNum" sz="quarter" idx="10"/>
+          </p:nvPr>
+        </p:nvSpPr>
+        <p:spPr/>
+        <p:txBody>
+          <a:bodyPr/>
+          <a:lstStyle/>
+          <a:p>
+            <a:fld id="{A70A3C59-3253-3B42-8BE0-F6D0BA6B0441}" type="slidenum">
+              <a:rPr lang="en-US" smtClean="0"/>
+              <a:pPr/>
+              <a:t>20</a:t>
+            </a:fld>
+            <a:endParaRPr lang="en-US"/>
+          </a:p>
+        </p:txBody>
+      </p:sp>
+    </p:spTree>
+    <p:extLst>
+      <p:ext uri="{BB962C8B-B14F-4D97-AF65-F5344CB8AC3E}">
+        <p14:creationId xmlns:p14="http://schemas.microsoft.com/office/powerpoint/2010/main" val="2717709885"/>
+      </p:ext>
+    </p:extLst>
+  </p:cSld>
+  <p:clrMapOvr>
+    <a:masterClrMapping/>
+  </p:clrMapOvr>
+</p:notes>
+</file>
+
+<file path=ppt/notesSlides/notesSlide19.xml><?xml version="1.0" encoding="utf-8"?>
+<p:notes xmlns:a="http://schemas.openxmlformats.org/drawingml/2006/main" xmlns:r="http://schemas.openxmlformats.org/officeDocument/2006/relationships" xmlns:p="http://schemas.openxmlformats.org/presentationml/2006/main">
+  <p:cSld>
+    <p:spTree>
+      <p:nvGrpSpPr>
+        <p:cNvPr id="1" name=""/>
+        <p:cNvGrpSpPr/>
+        <p:nvPr/>
+      </p:nvGrpSpPr>
+      <p:grpSpPr>
+        <a:xfrm>
+          <a:off x="0" y="0"/>
+          <a:ext cx="0" cy="0"/>
+          <a:chOff x="0" y="0"/>
+          <a:chExt cx="0" cy="0"/>
+        </a:xfrm>
+      </p:grpSpPr>
+      <p:sp>
+        <p:nvSpPr>
+          <p:cNvPr id="2" name="Slide Image Placeholder 1"/>
+          <p:cNvSpPr>
+            <a:spLocks noGrp="1" noRot="1" noChangeAspect="1"/>
+          </p:cNvSpPr>
+          <p:nvPr>
+            <p:ph type="sldImg"/>
+          </p:nvPr>
+        </p:nvSpPr>
+        <p:spPr/>
+      </p:sp>
+      <p:sp>
+        <p:nvSpPr>
+          <p:cNvPr id="3" name="Notes Placeholder 2"/>
+          <p:cNvSpPr>
+            <a:spLocks noGrp="1"/>
+          </p:cNvSpPr>
+          <p:nvPr>
+            <p:ph type="body" idx="1"/>
+          </p:nvPr>
+        </p:nvSpPr>
+        <p:spPr/>
+        <p:txBody>
+          <a:bodyPr/>
+          <a:lstStyle/>
+          <a:p>
             <a:r>
               <a:rPr lang="hu-HU" dirty="0"/>
               <a:t>Köszönöm a figyelmet!</a:t>
@@ -34914,44 +35177,44 @@
           <a:lstStyle/>
           <a:p>
             <a:r>
-              <a:rPr lang="hu-HU" dirty="0"/>
-              <a:t>A </a:t>
-            </a:r>
-            <a:r>
-              <a:rPr lang="hu-HU" dirty="0" err="1"/>
-              <a:t>Train</a:t>
-            </a:r>
-            <a:r>
-              <a:rPr lang="hu-HU" dirty="0"/>
-              <a:t> Benchmark projekt már sok eszközre</a:t>
-            </a:r>
-            <a:r>
-              <a:rPr lang="hu-HU" baseline="0" dirty="0"/>
-              <a:t> megvalósult</a:t>
+              <a:rPr lang="hu-HU" noProof="0" dirty="0"/>
+              <a:t>Vasúti elemekből álló modell</a:t>
             </a:r>
           </a:p>
           <a:p>
             <a:r>
-              <a:rPr lang="hu-HU" baseline="0" dirty="0"/>
-              <a:t>A dolgozat célja a megvalósítás egy új eszközre (</a:t>
-            </a:r>
-            <a:r>
-              <a:rPr lang="hu-HU" baseline="0" dirty="0" err="1"/>
-              <a:t>Graph</a:t>
-            </a:r>
-            <a:r>
-              <a:rPr lang="hu-HU" baseline="0" dirty="0"/>
-              <a:t> </a:t>
-            </a:r>
-            <a:r>
-              <a:rPr lang="hu-HU" baseline="0" dirty="0" err="1"/>
-              <a:t>Engine</a:t>
-            </a:r>
-            <a:r>
-              <a:rPr lang="hu-HU" baseline="0" dirty="0"/>
-              <a:t>)</a:t>
-            </a:r>
-            <a:endParaRPr lang="hu-HU" dirty="0"/>
+              <a:rPr lang="hu-HU" noProof="0" dirty="0"/>
+              <a:t>Kényszerek vizsgálata, </a:t>
+            </a:r>
+            <a:r>
+              <a:rPr lang="hu-HU" noProof="0" dirty="0" err="1"/>
+              <a:t>stb</a:t>
+            </a:r>
+            <a:endParaRPr lang="hu-HU" noProof="0" dirty="0"/>
+          </a:p>
+          <a:p>
+            <a:r>
+              <a:rPr lang="hu-HU" noProof="0" dirty="0"/>
+              <a:t>Több eszközre megvalósult,</a:t>
+            </a:r>
+            <a:r>
+              <a:rPr lang="hu-HU" baseline="0" noProof="0" dirty="0"/>
+              <a:t> platformfüggetlen eszközökkel, de csak Linuxon lett futtatva</a:t>
+            </a:r>
+          </a:p>
+          <a:p>
+            <a:r>
+              <a:rPr lang="hu-HU" noProof="0" dirty="0"/>
+              <a:t>Három forgatókönyvet határoz meg</a:t>
+            </a:r>
+            <a:endParaRPr lang="en-US" noProof="0" dirty="0"/>
+          </a:p>
+          <a:p>
+            <a:r>
+              <a:rPr lang="en-US" noProof="0" dirty="0"/>
+              <a:t>Batch, Inject Repair</a:t>
+            </a:r>
+            <a:endParaRPr lang="hu-HU" noProof="0" dirty="0"/>
           </a:p>
         </p:txBody>
       </p:sp>
@@ -34982,7 +35245,7 @@
     </p:spTree>
     <p:extLst>
       <p:ext uri="{BB962C8B-B14F-4D97-AF65-F5344CB8AC3E}">
-        <p14:creationId xmlns:p14="http://schemas.microsoft.com/office/powerpoint/2010/main" val="714637564"/>
+        <p14:creationId xmlns:p14="http://schemas.microsoft.com/office/powerpoint/2010/main" val="709621982"/>
       </p:ext>
     </p:extLst>
   </p:cSld>
@@ -34993,6 +35256,150 @@
 </file>
 
 <file path=ppt/notesSlides/notesSlide6.xml><?xml version="1.0" encoding="utf-8"?>
+<p:notes xmlns:a="http://schemas.openxmlformats.org/drawingml/2006/main" xmlns:r="http://schemas.openxmlformats.org/officeDocument/2006/relationships" xmlns:p="http://schemas.openxmlformats.org/presentationml/2006/main">
+  <p:cSld>
+    <p:spTree>
+      <p:nvGrpSpPr>
+        <p:cNvPr id="1" name=""/>
+        <p:cNvGrpSpPr/>
+        <p:nvPr/>
+      </p:nvGrpSpPr>
+      <p:grpSpPr>
+        <a:xfrm>
+          <a:off x="0" y="0"/>
+          <a:ext cx="0" cy="0"/>
+          <a:chOff x="0" y="0"/>
+          <a:chExt cx="0" cy="0"/>
+        </a:xfrm>
+      </p:grpSpPr>
+      <p:sp>
+        <p:nvSpPr>
+          <p:cNvPr id="2" name="Diakép helye 1"/>
+          <p:cNvSpPr>
+            <a:spLocks noGrp="1" noRot="1" noChangeAspect="1"/>
+          </p:cNvSpPr>
+          <p:nvPr>
+            <p:ph type="sldImg"/>
+          </p:nvPr>
+        </p:nvSpPr>
+        <p:spPr/>
+      </p:sp>
+      <p:sp>
+        <p:nvSpPr>
+          <p:cNvPr id="3" name="Jegyzetek helye 2"/>
+          <p:cNvSpPr>
+            <a:spLocks noGrp="1"/>
+          </p:cNvSpPr>
+          <p:nvPr>
+            <p:ph type="body" idx="1"/>
+          </p:nvPr>
+        </p:nvSpPr>
+        <p:spPr/>
+        <p:txBody>
+          <a:bodyPr/>
+          <a:lstStyle/>
+          <a:p>
+            <a:r>
+              <a:rPr lang="en-US" dirty="0" err="1"/>
+              <a:t>Fejlesztés</a:t>
+            </a:r>
+            <a:r>
+              <a:rPr lang="en-US" dirty="0"/>
+              <a:t> </a:t>
+            </a:r>
+            <a:r>
+              <a:rPr lang="en-US" dirty="0" err="1"/>
+              <a:t>lépései</a:t>
+            </a:r>
+            <a:r>
+              <a:rPr lang="en-US" dirty="0"/>
+              <a:t>, </a:t>
+            </a:r>
+            <a:r>
+              <a:rPr lang="en-US" dirty="0" err="1"/>
+              <a:t>különböző</a:t>
+            </a:r>
+            <a:r>
+              <a:rPr lang="en-US" dirty="0"/>
+              <a:t> benchmark </a:t>
+            </a:r>
+            <a:r>
+              <a:rPr lang="en-US" dirty="0" err="1"/>
+              <a:t>forgatókönyvek</a:t>
+            </a:r>
+            <a:endParaRPr lang="hu-HU" dirty="0"/>
+          </a:p>
+          <a:p>
+            <a:r>
+              <a:rPr lang="hu-HU" dirty="0"/>
+              <a:t>A Batch csak a beolvasás és </a:t>
+            </a:r>
+            <a:r>
+              <a:rPr lang="hu-HU" dirty="0" err="1"/>
+              <a:t>validáció</a:t>
+            </a:r>
+            <a:r>
+              <a:rPr lang="hu-HU" dirty="0"/>
+              <a:t> lépésekből</a:t>
+            </a:r>
+            <a:r>
+              <a:rPr lang="hu-HU" baseline="0" dirty="0"/>
+              <a:t> áll, ott nincs módosítás</a:t>
+            </a:r>
+          </a:p>
+          <a:p>
+            <a:r>
+              <a:rPr lang="hu-HU" baseline="0" dirty="0"/>
+              <a:t>Hibainjektálás</a:t>
+            </a:r>
+          </a:p>
+          <a:p>
+            <a:r>
+              <a:rPr lang="hu-HU" baseline="0" dirty="0"/>
+              <a:t>Hibajavítás</a:t>
+            </a:r>
+            <a:endParaRPr lang="hu-HU" dirty="0"/>
+          </a:p>
+        </p:txBody>
+      </p:sp>
+      <p:sp>
+        <p:nvSpPr>
+          <p:cNvPr id="4" name="Dia számának helye 3"/>
+          <p:cNvSpPr>
+            <a:spLocks noGrp="1"/>
+          </p:cNvSpPr>
+          <p:nvPr>
+            <p:ph type="sldNum" sz="quarter" idx="10"/>
+          </p:nvPr>
+        </p:nvSpPr>
+        <p:spPr/>
+        <p:txBody>
+          <a:bodyPr/>
+          <a:lstStyle/>
+          <a:p>
+            <a:fld id="{A70A3C59-3253-3B42-8BE0-F6D0BA6B0441}" type="slidenum">
+              <a:rPr lang="en-US" smtClean="0"/>
+              <a:pPr/>
+              <a:t>6</a:t>
+            </a:fld>
+            <a:endParaRPr lang="en-US"/>
+          </a:p>
+        </p:txBody>
+      </p:sp>
+    </p:spTree>
+    <p:extLst>
+      <p:ext uri="{BB962C8B-B14F-4D97-AF65-F5344CB8AC3E}">
+        <p14:creationId xmlns:p14="http://schemas.microsoft.com/office/powerpoint/2010/main" val="1306959785"/>
+      </p:ext>
+    </p:extLst>
+  </p:cSld>
+  <p:clrMapOvr>
+    <a:masterClrMapping/>
+  </p:clrMapOvr>
+</p:notes>
+</file>
+
+<file path=ppt/notesSlides/notesSlide7.xml><?xml version="1.0" encoding="utf-8"?>
 <p:notes xmlns:a="http://schemas.openxmlformats.org/drawingml/2006/main" xmlns:r="http://schemas.openxmlformats.org/officeDocument/2006/relationships" xmlns:p="http://schemas.openxmlformats.org/presentationml/2006/main">
   <p:cSld>
     <p:spTree>
@@ -35037,202 +35444,70 @@
           <a:lstStyle/>
           <a:p>
             <a:r>
-              <a:rPr lang="hu-HU" noProof="0" dirty="0"/>
-              <a:t>Vasúti elemekből álló modell</a:t>
+              <a:rPr lang="hu-HU" dirty="0"/>
+              <a:t>A </a:t>
+            </a:r>
+            <a:r>
+              <a:rPr lang="hu-HU" dirty="0" err="1"/>
+              <a:t>Train</a:t>
+            </a:r>
+            <a:r>
+              <a:rPr lang="hu-HU" dirty="0"/>
+              <a:t> Benchmark projekt már sok eszközre</a:t>
+            </a:r>
+            <a:r>
+              <a:rPr lang="hu-HU" baseline="0" dirty="0"/>
+              <a:t> megvalósult</a:t>
             </a:r>
           </a:p>
           <a:p>
             <a:r>
-              <a:rPr lang="hu-HU" noProof="0" dirty="0"/>
-              <a:t>Kényszerek vizsgálata, </a:t>
-            </a:r>
-            <a:r>
-              <a:rPr lang="hu-HU" noProof="0" dirty="0" err="1"/>
-              <a:t>stb</a:t>
-            </a:r>
-            <a:endParaRPr lang="hu-HU" noProof="0" dirty="0"/>
+              <a:rPr lang="hu-HU" baseline="0" dirty="0"/>
+              <a:t>A dolgozat célja a megvalósítás egy új eszközre (</a:t>
+            </a:r>
+            <a:r>
+              <a:rPr lang="hu-HU" baseline="0" dirty="0" err="1"/>
+              <a:t>Graph</a:t>
+            </a:r>
+            <a:r>
+              <a:rPr lang="hu-HU" baseline="0" dirty="0"/>
+              <a:t> </a:t>
+            </a:r>
+            <a:r>
+              <a:rPr lang="hu-HU" baseline="0" dirty="0" err="1"/>
+              <a:t>Engine</a:t>
+            </a:r>
+            <a:r>
+              <a:rPr lang="hu-HU" baseline="0" dirty="0"/>
+              <a:t>)</a:t>
+            </a:r>
+            <a:endParaRPr lang="en-US" baseline="0" dirty="0"/>
           </a:p>
           <a:p>
-            <a:r>
-              <a:rPr lang="hu-HU" noProof="0" dirty="0"/>
-              <a:t>Több eszközre megvalósult,</a:t>
-            </a:r>
-            <a:r>
-              <a:rPr lang="hu-HU" baseline="0" noProof="0" dirty="0"/>
-              <a:t> platformfüggetlen eszközökkel, de csak Linuxon lett futtatva</a:t>
-            </a:r>
+            <a:endParaRPr lang="en-US" baseline="0" dirty="0"/>
           </a:p>
           <a:p>
             <a:r>
-              <a:rPr lang="hu-HU" noProof="0" dirty="0"/>
-              <a:t>Három forgatókönyvet határoz meg</a:t>
-            </a:r>
-            <a:endParaRPr lang="en-US" noProof="0" dirty="0"/>
+              <a:rPr lang="en-US" baseline="0" dirty="0"/>
+              <a:t>Microsoft research</a:t>
+            </a:r>
           </a:p>
           <a:p>
             <a:r>
-              <a:rPr lang="en-US" noProof="0" dirty="0"/>
-              <a:t>Batch, Inject Repair</a:t>
-            </a:r>
-            <a:endParaRPr lang="hu-HU" noProof="0" dirty="0"/>
+              <a:rPr lang="en-US" baseline="0" dirty="0"/>
+              <a:t>In memory </a:t>
+            </a:r>
+            <a:r>
+              <a:rPr lang="en-US" baseline="0" dirty="0" err="1"/>
+              <a:t>elosztott</a:t>
+            </a:r>
+            <a:endParaRPr lang="hu-HU" dirty="0"/>
           </a:p>
         </p:txBody>
       </p:sp>
       <p:sp>
         <p:nvSpPr>
           <p:cNvPr id="4" name="Slide Number Placeholder 3"/>
-          <p:cNvSpPr>
-            <a:spLocks noGrp="1"/>
-          </p:cNvSpPr>
-          <p:nvPr>
-            <p:ph type="sldNum" sz="quarter" idx="10"/>
-          </p:nvPr>
-        </p:nvSpPr>
-        <p:spPr/>
-        <p:txBody>
-          <a:bodyPr/>
-          <a:lstStyle/>
-          <a:p>
-            <a:fld id="{A70A3C59-3253-3B42-8BE0-F6D0BA6B0441}" type="slidenum">
-              <a:rPr lang="en-US" smtClean="0"/>
-              <a:pPr/>
-              <a:t>6</a:t>
-            </a:fld>
-            <a:endParaRPr lang="en-US"/>
-          </a:p>
-        </p:txBody>
-      </p:sp>
-    </p:spTree>
-    <p:extLst>
-      <p:ext uri="{BB962C8B-B14F-4D97-AF65-F5344CB8AC3E}">
-        <p14:creationId xmlns:p14="http://schemas.microsoft.com/office/powerpoint/2010/main" val="709621982"/>
-      </p:ext>
-    </p:extLst>
-  </p:cSld>
-  <p:clrMapOvr>
-    <a:masterClrMapping/>
-  </p:clrMapOvr>
-</p:notes>
-</file>
-
-<file path=ppt/notesSlides/notesSlide7.xml><?xml version="1.0" encoding="utf-8"?>
-<p:notes xmlns:a="http://schemas.openxmlformats.org/drawingml/2006/main" xmlns:r="http://schemas.openxmlformats.org/officeDocument/2006/relationships" xmlns:p="http://schemas.openxmlformats.org/presentationml/2006/main">
-  <p:cSld>
-    <p:spTree>
-      <p:nvGrpSpPr>
-        <p:cNvPr id="1" name=""/>
-        <p:cNvGrpSpPr/>
-        <p:nvPr/>
-      </p:nvGrpSpPr>
-      <p:grpSpPr>
-        <a:xfrm>
-          <a:off x="0" y="0"/>
-          <a:ext cx="0" cy="0"/>
-          <a:chOff x="0" y="0"/>
-          <a:chExt cx="0" cy="0"/>
-        </a:xfrm>
-      </p:grpSpPr>
-      <p:sp>
-        <p:nvSpPr>
-          <p:cNvPr id="2" name="Diakép helye 1"/>
-          <p:cNvSpPr>
-            <a:spLocks noGrp="1" noRot="1" noChangeAspect="1"/>
-          </p:cNvSpPr>
-          <p:nvPr>
-            <p:ph type="sldImg"/>
-          </p:nvPr>
-        </p:nvSpPr>
-        <p:spPr/>
-      </p:sp>
-      <p:sp>
-        <p:nvSpPr>
-          <p:cNvPr id="3" name="Jegyzetek helye 2"/>
-          <p:cNvSpPr>
-            <a:spLocks noGrp="1"/>
-          </p:cNvSpPr>
-          <p:nvPr>
-            <p:ph type="body" idx="1"/>
-          </p:nvPr>
-        </p:nvSpPr>
-        <p:spPr/>
-        <p:txBody>
-          <a:bodyPr/>
-          <a:lstStyle/>
-          <a:p>
-            <a:r>
-              <a:rPr lang="en-US" dirty="0" err="1"/>
-              <a:t>Fejlesztés</a:t>
-            </a:r>
-            <a:r>
-              <a:rPr lang="en-US" dirty="0"/>
-              <a:t> </a:t>
-            </a:r>
-            <a:r>
-              <a:rPr lang="en-US" dirty="0" err="1"/>
-              <a:t>lépései</a:t>
-            </a:r>
-            <a:r>
-              <a:rPr lang="en-US" dirty="0"/>
-              <a:t>, </a:t>
-            </a:r>
-            <a:r>
-              <a:rPr lang="en-US" dirty="0" err="1"/>
-              <a:t>különböző</a:t>
-            </a:r>
-            <a:r>
-              <a:rPr lang="en-US" dirty="0"/>
-              <a:t> benchmark </a:t>
-            </a:r>
-            <a:r>
-              <a:rPr lang="en-US" dirty="0" err="1"/>
-              <a:t>forgatókönyvek</a:t>
-            </a:r>
-            <a:endParaRPr lang="hu-HU" dirty="0"/>
-          </a:p>
-          <a:p>
-            <a:r>
-              <a:rPr lang="hu-HU" dirty="0"/>
-              <a:t>A Batch csak a beolvasás és </a:t>
-            </a:r>
-            <a:r>
-              <a:rPr lang="hu-HU" dirty="0" err="1"/>
-              <a:t>validáció</a:t>
-            </a:r>
-            <a:r>
-              <a:rPr lang="hu-HU" dirty="0"/>
-              <a:t> lépésekből</a:t>
-            </a:r>
-            <a:r>
-              <a:rPr lang="hu-HU" baseline="0" dirty="0"/>
-              <a:t> áll, ott nincs módosítás</a:t>
-            </a:r>
-          </a:p>
-          <a:p>
-            <a:r>
-              <a:rPr lang="hu-HU" baseline="0" dirty="0" err="1"/>
-              <a:t>Inject</a:t>
-            </a:r>
-            <a:r>
-              <a:rPr lang="hu-HU" baseline="0" dirty="0"/>
-              <a:t> - Hibainjektálás</a:t>
-            </a:r>
-          </a:p>
-          <a:p>
-            <a:r>
-              <a:rPr lang="hu-HU" baseline="0" dirty="0" err="1"/>
-              <a:t>Repair</a:t>
-            </a:r>
-            <a:r>
-              <a:rPr lang="hu-HU" baseline="0" dirty="0"/>
-              <a:t> - Hibajavítás</a:t>
-            </a:r>
-            <a:endParaRPr lang="hu-HU" dirty="0"/>
-          </a:p>
-        </p:txBody>
-      </p:sp>
-      <p:sp>
-        <p:nvSpPr>
-          <p:cNvPr id="4" name="Dia számának helye 3"/>
           <p:cNvSpPr>
             <a:spLocks noGrp="1"/>
           </p:cNvSpPr>
@@ -35257,7 +35532,7 @@
     </p:spTree>
     <p:extLst>
       <p:ext uri="{BB962C8B-B14F-4D97-AF65-F5344CB8AC3E}">
-        <p14:creationId xmlns:p14="http://schemas.microsoft.com/office/powerpoint/2010/main" val="1306959785"/>
+        <p14:creationId xmlns:p14="http://schemas.microsoft.com/office/powerpoint/2010/main" val="714637564"/>
       </p:ext>
     </p:extLst>
   </p:cSld>
@@ -40615,10 +40890,9 @@
           <a:lstStyle/>
           <a:p>
             <a:r>
-              <a:rPr lang="en-US" err="1"/>
-              <a:t>Megvalósítás</a:t>
-            </a:r>
-            <a:endParaRPr lang="hu-HU"/>
+              <a:rPr lang="hu-HU" dirty="0"/>
+              <a:t>Szakdolgozatfeladat megoldásának részei</a:t>
+            </a:r>
           </a:p>
         </p:txBody>
       </p:sp>
@@ -40697,7 +40971,13 @@
         <p:nvGraphicFramePr>
           <p:cNvPr id="5" name="Diagram 4"/>
           <p:cNvGraphicFramePr/>
-          <p:nvPr/>
+          <p:nvPr>
+            <p:extLst>
+              <p:ext uri="{D42A27DB-BD31-4B8C-83A1-F6EECF244321}">
+                <p14:modId xmlns:p14="http://schemas.microsoft.com/office/powerpoint/2010/main" val="1433472844"/>
+              </p:ext>
+            </p:extLst>
+          </p:nvPr>
         </p:nvGraphicFramePr>
         <p:xfrm>
           <a:off x="185194" y="844952"/>
@@ -40739,47 +41019,6 @@
           <a:chExt cx="0" cy="0"/>
         </a:xfrm>
       </p:grpSpPr>
-      <p:pic>
-        <p:nvPicPr>
-          <p:cNvPr id="2050" name="Picture 2" descr="Képtalálat a következőre: „measure time”"/>
-          <p:cNvPicPr>
-            <a:picLocks noChangeAspect="1" noChangeArrowheads="1"/>
-          </p:cNvPicPr>
-          <p:nvPr/>
-        </p:nvPicPr>
-        <p:blipFill>
-          <a:blip r:embed="rId3">
-            <a:extLst>
-              <a:ext uri="{28A0092B-C50C-407E-A947-70E740481C1C}">
-                <a14:useLocalDpi xmlns:a14="http://schemas.microsoft.com/office/drawing/2010/main" val="0"/>
-              </a:ext>
-            </a:extLst>
-          </a:blip>
-          <a:srcRect/>
-          <a:stretch>
-            <a:fillRect/>
-          </a:stretch>
-        </p:blipFill>
-        <p:spPr bwMode="auto">
-          <a:xfrm>
-            <a:off x="5787342" y="1145894"/>
-            <a:ext cx="3145910" cy="4713307"/>
-          </a:xfrm>
-          <a:prstGeom prst="rect">
-            <a:avLst/>
-          </a:prstGeom>
-          <a:noFill/>
-          <a:extLst>
-            <a:ext uri="{909E8E84-426E-40DD-AFC4-6F175D3DCCD1}">
-              <a14:hiddenFill xmlns:a14="http://schemas.microsoft.com/office/drawing/2010/main">
-                <a:solidFill>
-                  <a:srgbClr val="FFFFFF"/>
-                </a:solidFill>
-              </a14:hiddenFill>
-            </a:ext>
-          </a:extLst>
-        </p:spPr>
-      </p:pic>
       <p:sp>
         <p:nvSpPr>
           <p:cNvPr id="2" name="Title 1">
@@ -40802,10 +41041,10 @@
           <a:lstStyle/>
           <a:p>
             <a:r>
-              <a:rPr lang="en-US" err="1"/>
-              <a:t>Mérés</a:t>
-            </a:r>
-            <a:endParaRPr lang="hu-HU"/>
+              <a:rPr lang="en-US" dirty="0" err="1"/>
+              <a:t>Kiértékelés</a:t>
+            </a:r>
+            <a:endParaRPr lang="hu-HU" dirty="0"/>
           </a:p>
         </p:txBody>
       </p:sp>
@@ -40853,10 +41092,824 @@
         </p:xfrm>
         <a:graphic>
           <a:graphicData uri="http://schemas.openxmlformats.org/drawingml/2006/diagram">
-            <dgm:relIds xmlns:dgm="http://schemas.openxmlformats.org/drawingml/2006/diagram" xmlns:r="http://schemas.openxmlformats.org/officeDocument/2006/relationships" r:dm="rId4" r:lo="rId5" r:qs="rId6" r:cs="rId7"/>
+            <dgm:relIds xmlns:dgm="http://schemas.openxmlformats.org/drawingml/2006/diagram" xmlns:r="http://schemas.openxmlformats.org/officeDocument/2006/relationships" r:dm="rId3" r:lo="rId4" r:qs="rId5" r:cs="rId6"/>
           </a:graphicData>
         </a:graphic>
       </p:graphicFrame>
+      <p:grpSp>
+        <p:nvGrpSpPr>
+          <p:cNvPr id="6" name="Group 5">
+            <a:extLst>
+              <a:ext uri="{FF2B5EF4-FFF2-40B4-BE49-F238E27FC236}">
+                <a16:creationId xmlns:a16="http://schemas.microsoft.com/office/drawing/2014/main" id="{2CC9059E-87E1-44BE-BD1C-4FBA7CEEAF2C}"/>
+              </a:ext>
+            </a:extLst>
+          </p:cNvPr>
+          <p:cNvGrpSpPr/>
+          <p:nvPr/>
+        </p:nvGrpSpPr>
+        <p:grpSpPr>
+          <a:xfrm>
+            <a:off x="4441806" y="837946"/>
+            <a:ext cx="4633412" cy="5497539"/>
+            <a:chOff x="2189011" y="923678"/>
+            <a:chExt cx="4503218" cy="5343064"/>
+          </a:xfrm>
+        </p:grpSpPr>
+        <p:sp>
+          <p:nvSpPr>
+            <p:cNvPr id="8" name="Arrow: Down 7">
+              <a:extLst>
+                <a:ext uri="{FF2B5EF4-FFF2-40B4-BE49-F238E27FC236}">
+                  <a16:creationId xmlns:a16="http://schemas.microsoft.com/office/drawing/2014/main" id="{32FB7AB9-2AD4-462B-83C9-3BB02B9B256A}"/>
+                </a:ext>
+              </a:extLst>
+            </p:cNvPr>
+            <p:cNvSpPr/>
+            <p:nvPr/>
+          </p:nvSpPr>
+          <p:spPr>
+            <a:xfrm>
+              <a:off x="3680985" y="923678"/>
+              <a:ext cx="3011244" cy="713122"/>
+            </a:xfrm>
+            <a:prstGeom prst="downArrow">
+              <a:avLst/>
+            </a:prstGeom>
+            <a:solidFill>
+              <a:schemeClr val="bg1"/>
+            </a:solidFill>
+            <a:ln w="38100">
+              <a:solidFill>
+                <a:schemeClr val="accent1"/>
+              </a:solidFill>
+            </a:ln>
+            <a:effectLst/>
+          </p:spPr>
+          <p:style>
+            <a:lnRef idx="2">
+              <a:schemeClr val="accent4">
+                <a:shade val="50000"/>
+              </a:schemeClr>
+            </a:lnRef>
+            <a:fillRef idx="1">
+              <a:schemeClr val="accent4"/>
+            </a:fillRef>
+            <a:effectRef idx="0">
+              <a:schemeClr val="accent4"/>
+            </a:effectRef>
+            <a:fontRef idx="minor">
+              <a:schemeClr val="lt1"/>
+            </a:fontRef>
+          </p:style>
+          <p:txBody>
+            <a:bodyPr rot="0" spcFirstLastPara="0" vertOverflow="overflow" horzOverflow="overflow" vert="horz" wrap="square" lIns="91440" tIns="45720" rIns="91440" bIns="45720" numCol="1" spcCol="0" rtlCol="0" fromWordArt="0" anchor="ctr" anchorCtr="0" forceAA="0" compatLnSpc="1">
+              <a:prstTxWarp prst="textNoShape">
+                <a:avLst/>
+              </a:prstTxWarp>
+              <a:noAutofit/>
+            </a:bodyPr>
+            <a:lstStyle/>
+            <a:p>
+              <a:pPr algn="ctr"/>
+              <a:r>
+                <a:rPr lang="en-US" sz="2400" b="1">
+                  <a:solidFill>
+                    <a:schemeClr val="accent1"/>
+                  </a:solidFill>
+                </a:rPr>
+                <a:t>Modell</a:t>
+              </a:r>
+              <a:endParaRPr lang="hu-HU" sz="2400" b="1" err="1">
+                <a:solidFill>
+                  <a:schemeClr val="accent1"/>
+                </a:solidFill>
+              </a:endParaRPr>
+            </a:p>
+          </p:txBody>
+        </p:sp>
+        <p:grpSp>
+          <p:nvGrpSpPr>
+            <p:cNvPr id="9" name="Group 8">
+              <a:extLst>
+                <a:ext uri="{FF2B5EF4-FFF2-40B4-BE49-F238E27FC236}">
+                  <a16:creationId xmlns:a16="http://schemas.microsoft.com/office/drawing/2014/main" id="{5A423B39-A32B-46C4-A4C7-7E36F7813EBF}"/>
+                </a:ext>
+              </a:extLst>
+            </p:cNvPr>
+            <p:cNvGrpSpPr/>
+            <p:nvPr/>
+          </p:nvGrpSpPr>
+          <p:grpSpPr>
+            <a:xfrm>
+              <a:off x="2189011" y="1706897"/>
+              <a:ext cx="4447210" cy="3643723"/>
+              <a:chOff x="3729776" y="1432514"/>
+              <a:chExt cx="4447210" cy="3643723"/>
+            </a:xfrm>
+          </p:grpSpPr>
+          <p:sp>
+            <p:nvSpPr>
+              <p:cNvPr id="11" name="Rectangle: Rounded Corners 10">
+                <a:extLst>
+                  <a:ext uri="{FF2B5EF4-FFF2-40B4-BE49-F238E27FC236}">
+                    <a16:creationId xmlns:a16="http://schemas.microsoft.com/office/drawing/2014/main" id="{F49B1C0D-60CC-452F-A49D-627DA989BE28}"/>
+                  </a:ext>
+                </a:extLst>
+              </p:cNvPr>
+              <p:cNvSpPr/>
+              <p:nvPr/>
+            </p:nvSpPr>
+            <p:spPr>
+              <a:xfrm>
+                <a:off x="5257799" y="1432514"/>
+                <a:ext cx="2906487" cy="625942"/>
+              </a:xfrm>
+              <a:prstGeom prst="roundRect">
+                <a:avLst/>
+              </a:prstGeom>
+              <a:solidFill>
+                <a:schemeClr val="accent1"/>
+              </a:solidFill>
+              <a:ln w="38100">
+                <a:solidFill>
+                  <a:schemeClr val="accent1"/>
+                </a:solidFill>
+              </a:ln>
+              <a:effectLst>
+                <a:outerShdw blurRad="50800" dist="38100" dir="5400000" algn="t" rotWithShape="0">
+                  <a:prstClr val="black">
+                    <a:alpha val="40000"/>
+                  </a:prstClr>
+                </a:outerShdw>
+              </a:effectLst>
+            </p:spPr>
+            <p:style>
+              <a:lnRef idx="2">
+                <a:schemeClr val="accent4">
+                  <a:shade val="50000"/>
+                </a:schemeClr>
+              </a:lnRef>
+              <a:fillRef idx="1">
+                <a:schemeClr val="accent4"/>
+              </a:fillRef>
+              <a:effectRef idx="0">
+                <a:schemeClr val="accent4"/>
+              </a:effectRef>
+              <a:fontRef idx="minor">
+                <a:schemeClr val="lt1"/>
+              </a:fontRef>
+            </p:style>
+            <p:txBody>
+              <a:bodyPr rot="0" spcFirstLastPara="0" vertOverflow="overflow" horzOverflow="overflow" vert="horz" wrap="square" lIns="91440" tIns="45720" rIns="91440" bIns="45720" numCol="1" spcCol="0" rtlCol="0" fromWordArt="0" anchor="ctr" anchorCtr="0" forceAA="0" compatLnSpc="1">
+                <a:prstTxWarp prst="textNoShape">
+                  <a:avLst/>
+                </a:prstTxWarp>
+                <a:noAutofit/>
+              </a:bodyPr>
+              <a:lstStyle/>
+              <a:p>
+                <a:pPr algn="ctr"/>
+                <a:r>
+                  <a:rPr lang="hu-HU" sz="2400" b="1">
+                    <a:solidFill>
+                      <a:schemeClr val="tx2"/>
+                    </a:solidFill>
+                  </a:rPr>
+                  <a:t>Beolvasás</a:t>
+                </a:r>
+              </a:p>
+            </p:txBody>
+          </p:sp>
+          <p:sp>
+            <p:nvSpPr>
+              <p:cNvPr id="12" name="Rectangle: Rounded Corners 11">
+                <a:extLst>
+                  <a:ext uri="{FF2B5EF4-FFF2-40B4-BE49-F238E27FC236}">
+                    <a16:creationId xmlns:a16="http://schemas.microsoft.com/office/drawing/2014/main" id="{61BF83D3-61F6-45FC-BDFA-336F732D9926}"/>
+                  </a:ext>
+                </a:extLst>
+              </p:cNvPr>
+              <p:cNvSpPr/>
+              <p:nvPr/>
+            </p:nvSpPr>
+            <p:spPr>
+              <a:xfrm>
+                <a:off x="5251448" y="2438441"/>
+                <a:ext cx="2906487" cy="625942"/>
+              </a:xfrm>
+              <a:prstGeom prst="roundRect">
+                <a:avLst/>
+              </a:prstGeom>
+              <a:solidFill>
+                <a:schemeClr val="accent1"/>
+              </a:solidFill>
+              <a:ln w="38100">
+                <a:solidFill>
+                  <a:schemeClr val="accent1"/>
+                </a:solidFill>
+              </a:ln>
+              <a:effectLst>
+                <a:outerShdw blurRad="50800" dist="38100" dir="5400000" algn="t" rotWithShape="0">
+                  <a:prstClr val="black">
+                    <a:alpha val="40000"/>
+                  </a:prstClr>
+                </a:outerShdw>
+              </a:effectLst>
+            </p:spPr>
+            <p:style>
+              <a:lnRef idx="2">
+                <a:schemeClr val="accent4">
+                  <a:shade val="50000"/>
+                </a:schemeClr>
+              </a:lnRef>
+              <a:fillRef idx="1">
+                <a:schemeClr val="accent4"/>
+              </a:fillRef>
+              <a:effectRef idx="0">
+                <a:schemeClr val="accent4"/>
+              </a:effectRef>
+              <a:fontRef idx="minor">
+                <a:schemeClr val="lt1"/>
+              </a:fontRef>
+            </p:style>
+            <p:txBody>
+              <a:bodyPr rot="0" spcFirstLastPara="0" vertOverflow="overflow" horzOverflow="overflow" vert="horz" wrap="square" lIns="91440" tIns="45720" rIns="91440" bIns="45720" numCol="1" spcCol="0" rtlCol="0" fromWordArt="0" anchor="ctr" anchorCtr="0" forceAA="0" compatLnSpc="1">
+                <a:prstTxWarp prst="textNoShape">
+                  <a:avLst/>
+                </a:prstTxWarp>
+                <a:noAutofit/>
+              </a:bodyPr>
+              <a:lstStyle/>
+              <a:p>
+                <a:pPr algn="ctr"/>
+                <a:r>
+                  <a:rPr lang="en-US" sz="2400" b="1" dirty="0" err="1">
+                    <a:solidFill>
+                      <a:schemeClr val="tx2"/>
+                    </a:solidFill>
+                  </a:rPr>
+                  <a:t>Validáció</a:t>
+                </a:r>
+                <a:endParaRPr lang="hu-HU" sz="2400" b="1" dirty="0">
+                  <a:solidFill>
+                    <a:schemeClr val="tx2"/>
+                  </a:solidFill>
+                </a:endParaRPr>
+              </a:p>
+            </p:txBody>
+          </p:sp>
+          <p:sp>
+            <p:nvSpPr>
+              <p:cNvPr id="13" name="Rectangle: Rounded Corners 12">
+                <a:extLst>
+                  <a:ext uri="{FF2B5EF4-FFF2-40B4-BE49-F238E27FC236}">
+                    <a16:creationId xmlns:a16="http://schemas.microsoft.com/office/drawing/2014/main" id="{BDB544B7-5765-403F-8892-48268FAAE827}"/>
+                  </a:ext>
+                </a:extLst>
+              </p:cNvPr>
+              <p:cNvSpPr/>
+              <p:nvPr/>
+            </p:nvSpPr>
+            <p:spPr>
+              <a:xfrm>
+                <a:off x="5264149" y="3444368"/>
+                <a:ext cx="2906487" cy="625942"/>
+              </a:xfrm>
+              <a:prstGeom prst="roundRect">
+                <a:avLst/>
+              </a:prstGeom>
+              <a:solidFill>
+                <a:schemeClr val="accent1"/>
+              </a:solidFill>
+              <a:ln w="38100">
+                <a:solidFill>
+                  <a:schemeClr val="accent1"/>
+                </a:solidFill>
+              </a:ln>
+              <a:effectLst>
+                <a:outerShdw blurRad="50800" dist="38100" dir="5400000" algn="t" rotWithShape="0">
+                  <a:prstClr val="black">
+                    <a:alpha val="40000"/>
+                  </a:prstClr>
+                </a:outerShdw>
+              </a:effectLst>
+            </p:spPr>
+            <p:style>
+              <a:lnRef idx="2">
+                <a:schemeClr val="accent4">
+                  <a:shade val="50000"/>
+                </a:schemeClr>
+              </a:lnRef>
+              <a:fillRef idx="1">
+                <a:schemeClr val="accent4"/>
+              </a:fillRef>
+              <a:effectRef idx="0">
+                <a:schemeClr val="accent4"/>
+              </a:effectRef>
+              <a:fontRef idx="minor">
+                <a:schemeClr val="lt1"/>
+              </a:fontRef>
+            </p:style>
+            <p:txBody>
+              <a:bodyPr rot="0" spcFirstLastPara="0" vertOverflow="overflow" horzOverflow="overflow" vert="horz" wrap="square" lIns="91440" tIns="45720" rIns="91440" bIns="45720" numCol="1" spcCol="0" rtlCol="0" fromWordArt="0" anchor="ctr" anchorCtr="0" forceAA="0" compatLnSpc="1">
+                <a:prstTxWarp prst="textNoShape">
+                  <a:avLst/>
+                </a:prstTxWarp>
+                <a:noAutofit/>
+              </a:bodyPr>
+              <a:lstStyle/>
+              <a:p>
+                <a:pPr algn="ctr"/>
+                <a:r>
+                  <a:rPr lang="en-US" sz="2400" b="1" dirty="0" err="1">
+                    <a:solidFill>
+                      <a:schemeClr val="tx2"/>
+                    </a:solidFill>
+                  </a:rPr>
+                  <a:t>Módosítás</a:t>
+                </a:r>
+                <a:endParaRPr lang="hu-HU" sz="2400" b="1" dirty="0">
+                  <a:solidFill>
+                    <a:schemeClr val="tx2"/>
+                  </a:solidFill>
+                </a:endParaRPr>
+              </a:p>
+            </p:txBody>
+          </p:sp>
+          <p:sp>
+            <p:nvSpPr>
+              <p:cNvPr id="14" name="Rectangle: Rounded Corners 13">
+                <a:extLst>
+                  <a:ext uri="{FF2B5EF4-FFF2-40B4-BE49-F238E27FC236}">
+                    <a16:creationId xmlns:a16="http://schemas.microsoft.com/office/drawing/2014/main" id="{9E09DFF5-0B89-4CED-9166-B1D671338F92}"/>
+                  </a:ext>
+                </a:extLst>
+              </p:cNvPr>
+              <p:cNvSpPr/>
+              <p:nvPr/>
+            </p:nvSpPr>
+            <p:spPr>
+              <a:xfrm>
+                <a:off x="5270499" y="4450295"/>
+                <a:ext cx="2906487" cy="625942"/>
+              </a:xfrm>
+              <a:prstGeom prst="roundRect">
+                <a:avLst/>
+              </a:prstGeom>
+              <a:solidFill>
+                <a:schemeClr val="accent1"/>
+              </a:solidFill>
+              <a:ln w="38100">
+                <a:solidFill>
+                  <a:schemeClr val="accent1"/>
+                </a:solidFill>
+              </a:ln>
+              <a:effectLst>
+                <a:outerShdw blurRad="50800" dist="38100" dir="5400000" algn="t" rotWithShape="0">
+                  <a:prstClr val="black">
+                    <a:alpha val="40000"/>
+                  </a:prstClr>
+                </a:outerShdw>
+              </a:effectLst>
+            </p:spPr>
+            <p:style>
+              <a:lnRef idx="2">
+                <a:schemeClr val="accent4">
+                  <a:shade val="50000"/>
+                </a:schemeClr>
+              </a:lnRef>
+              <a:fillRef idx="1">
+                <a:schemeClr val="accent4"/>
+              </a:fillRef>
+              <a:effectRef idx="0">
+                <a:schemeClr val="accent4"/>
+              </a:effectRef>
+              <a:fontRef idx="minor">
+                <a:schemeClr val="lt1"/>
+              </a:fontRef>
+            </p:style>
+            <p:txBody>
+              <a:bodyPr rot="0" spcFirstLastPara="0" vertOverflow="overflow" horzOverflow="overflow" vert="horz" wrap="square" lIns="91440" tIns="45720" rIns="91440" bIns="45720" numCol="1" spcCol="0" rtlCol="0" fromWordArt="0" anchor="ctr" anchorCtr="0" forceAA="0" compatLnSpc="1">
+                <a:prstTxWarp prst="textNoShape">
+                  <a:avLst/>
+                </a:prstTxWarp>
+                <a:noAutofit/>
+              </a:bodyPr>
+              <a:lstStyle/>
+              <a:p>
+                <a:pPr algn="ctr"/>
+                <a:r>
+                  <a:rPr lang="en-US" sz="2400" b="1" dirty="0" err="1">
+                    <a:solidFill>
+                      <a:schemeClr val="tx2"/>
+                    </a:solidFill>
+                  </a:rPr>
+                  <a:t>Validáció</a:t>
+                </a:r>
+                <a:endParaRPr lang="hu-HU" sz="2400" b="1" dirty="0">
+                  <a:solidFill>
+                    <a:schemeClr val="tx2"/>
+                  </a:solidFill>
+                </a:endParaRPr>
+              </a:p>
+            </p:txBody>
+          </p:sp>
+          <p:cxnSp>
+            <p:nvCxnSpPr>
+              <p:cNvPr id="15" name="Straight Arrow Connector 14">
+                <a:extLst>
+                  <a:ext uri="{FF2B5EF4-FFF2-40B4-BE49-F238E27FC236}">
+                    <a16:creationId xmlns:a16="http://schemas.microsoft.com/office/drawing/2014/main" id="{6283FCD0-0040-43D7-BC41-79CAC80AC5D9}"/>
+                  </a:ext>
+                </a:extLst>
+              </p:cNvPr>
+              <p:cNvCxnSpPr>
+                <a:cxnSpLocks/>
+                <a:stCxn id="11" idx="2"/>
+                <a:endCxn id="12" idx="0"/>
+              </p:cNvCxnSpPr>
+              <p:nvPr/>
+            </p:nvCxnSpPr>
+            <p:spPr>
+              <a:xfrm flipH="1">
+                <a:off x="6704692" y="2058456"/>
+                <a:ext cx="6351" cy="379985"/>
+              </a:xfrm>
+              <a:prstGeom prst="straightConnector1">
+                <a:avLst/>
+              </a:prstGeom>
+              <a:ln w="76200">
+                <a:tailEnd type="triangle"/>
+              </a:ln>
+            </p:spPr>
+            <p:style>
+              <a:lnRef idx="1">
+                <a:schemeClr val="accent1"/>
+              </a:lnRef>
+              <a:fillRef idx="0">
+                <a:schemeClr val="accent1"/>
+              </a:fillRef>
+              <a:effectRef idx="0">
+                <a:schemeClr val="accent1"/>
+              </a:effectRef>
+              <a:fontRef idx="minor">
+                <a:schemeClr val="tx1"/>
+              </a:fontRef>
+            </p:style>
+          </p:cxnSp>
+          <p:cxnSp>
+            <p:nvCxnSpPr>
+              <p:cNvPr id="16" name="Straight Arrow Connector 15">
+                <a:extLst>
+                  <a:ext uri="{FF2B5EF4-FFF2-40B4-BE49-F238E27FC236}">
+                    <a16:creationId xmlns:a16="http://schemas.microsoft.com/office/drawing/2014/main" id="{A815341C-55D7-4C14-AA3F-6C178F9E6731}"/>
+                  </a:ext>
+                </a:extLst>
+              </p:cNvPr>
+              <p:cNvCxnSpPr>
+                <a:cxnSpLocks/>
+                <a:stCxn id="12" idx="2"/>
+                <a:endCxn id="13" idx="0"/>
+              </p:cNvCxnSpPr>
+              <p:nvPr/>
+            </p:nvCxnSpPr>
+            <p:spPr>
+              <a:xfrm>
+                <a:off x="6704692" y="3064383"/>
+                <a:ext cx="12701" cy="379985"/>
+              </a:xfrm>
+              <a:prstGeom prst="straightConnector1">
+                <a:avLst/>
+              </a:prstGeom>
+              <a:ln w="76200">
+                <a:tailEnd type="triangle"/>
+              </a:ln>
+            </p:spPr>
+            <p:style>
+              <a:lnRef idx="1">
+                <a:schemeClr val="accent1"/>
+              </a:lnRef>
+              <a:fillRef idx="0">
+                <a:schemeClr val="accent1"/>
+              </a:fillRef>
+              <a:effectRef idx="0">
+                <a:schemeClr val="accent1"/>
+              </a:effectRef>
+              <a:fontRef idx="minor">
+                <a:schemeClr val="tx1"/>
+              </a:fontRef>
+            </p:style>
+          </p:cxnSp>
+          <p:cxnSp>
+            <p:nvCxnSpPr>
+              <p:cNvPr id="17" name="Straight Arrow Connector 16">
+                <a:extLst>
+                  <a:ext uri="{FF2B5EF4-FFF2-40B4-BE49-F238E27FC236}">
+                    <a16:creationId xmlns:a16="http://schemas.microsoft.com/office/drawing/2014/main" id="{33670DD1-9D6B-4EB6-B72D-69E6C6F7429B}"/>
+                  </a:ext>
+                </a:extLst>
+              </p:cNvPr>
+              <p:cNvCxnSpPr>
+                <a:cxnSpLocks/>
+                <a:stCxn id="13" idx="2"/>
+                <a:endCxn id="14" idx="0"/>
+              </p:cNvCxnSpPr>
+              <p:nvPr/>
+            </p:nvCxnSpPr>
+            <p:spPr>
+              <a:xfrm>
+                <a:off x="6717393" y="4070310"/>
+                <a:ext cx="6350" cy="379985"/>
+              </a:xfrm>
+              <a:prstGeom prst="straightConnector1">
+                <a:avLst/>
+              </a:prstGeom>
+              <a:ln w="76200">
+                <a:tailEnd type="triangle"/>
+              </a:ln>
+            </p:spPr>
+            <p:style>
+              <a:lnRef idx="1">
+                <a:schemeClr val="accent1"/>
+              </a:lnRef>
+              <a:fillRef idx="0">
+                <a:schemeClr val="accent1"/>
+              </a:fillRef>
+              <a:effectRef idx="0">
+                <a:schemeClr val="accent1"/>
+              </a:effectRef>
+              <a:fontRef idx="minor">
+                <a:schemeClr val="tx1"/>
+              </a:fontRef>
+            </p:style>
+          </p:cxnSp>
+          <p:cxnSp>
+            <p:nvCxnSpPr>
+              <p:cNvPr id="18" name="Connector: Elbow 17">
+                <a:extLst>
+                  <a:ext uri="{FF2B5EF4-FFF2-40B4-BE49-F238E27FC236}">
+                    <a16:creationId xmlns:a16="http://schemas.microsoft.com/office/drawing/2014/main" id="{E1566AF6-BB99-4815-86B2-34D9D2B095DE}"/>
+                  </a:ext>
+                </a:extLst>
+              </p:cNvPr>
+              <p:cNvCxnSpPr>
+                <a:cxnSpLocks/>
+                <a:stCxn id="14" idx="1"/>
+                <a:endCxn id="13" idx="1"/>
+              </p:cNvCxnSpPr>
+              <p:nvPr/>
+            </p:nvCxnSpPr>
+            <p:spPr>
+              <a:xfrm rot="10800000">
+                <a:off x="5264149" y="3757340"/>
+                <a:ext cx="6350" cy="1005927"/>
+              </a:xfrm>
+              <a:prstGeom prst="bentConnector3">
+                <a:avLst>
+                  <a:gd name="adj1" fmla="val 11157150"/>
+                </a:avLst>
+              </a:prstGeom>
+              <a:ln w="76200">
+                <a:tailEnd type="triangle"/>
+              </a:ln>
+            </p:spPr>
+            <p:style>
+              <a:lnRef idx="1">
+                <a:schemeClr val="accent1"/>
+              </a:lnRef>
+              <a:fillRef idx="0">
+                <a:schemeClr val="accent1"/>
+              </a:fillRef>
+              <a:effectRef idx="0">
+                <a:schemeClr val="accent1"/>
+              </a:effectRef>
+              <a:fontRef idx="minor">
+                <a:schemeClr val="tx1"/>
+              </a:fontRef>
+            </p:style>
+          </p:cxnSp>
+          <p:sp>
+            <p:nvSpPr>
+              <p:cNvPr id="19" name="TextBox 18">
+                <a:extLst>
+                  <a:ext uri="{FF2B5EF4-FFF2-40B4-BE49-F238E27FC236}">
+                    <a16:creationId xmlns:a16="http://schemas.microsoft.com/office/drawing/2014/main" id="{2D835CC4-6AB6-42AB-895D-41D70D4A9FA3}"/>
+                  </a:ext>
+                </a:extLst>
+              </p:cNvPr>
+              <p:cNvSpPr txBox="1"/>
+              <p:nvPr/>
+            </p:nvSpPr>
+            <p:spPr>
+              <a:xfrm>
+                <a:off x="4288952" y="4004913"/>
+                <a:ext cx="548858" cy="510778"/>
+              </a:xfrm>
+              <a:prstGeom prst="roundRect">
+                <a:avLst/>
+              </a:prstGeom>
+              <a:solidFill>
+                <a:schemeClr val="bg2"/>
+              </a:solidFill>
+              <a:ln w="38100">
+                <a:solidFill>
+                  <a:srgbClr val="7F182D"/>
+                </a:solidFill>
+              </a:ln>
+            </p:spPr>
+            <p:txBody>
+              <a:bodyPr wrap="none" rtlCol="0">
+                <a:spAutoFit/>
+              </a:bodyPr>
+              <a:lstStyle/>
+              <a:p>
+                <a:r>
+                  <a:rPr lang="en-US" sz="2400">
+                    <a:solidFill>
+                      <a:schemeClr val="bg1"/>
+                    </a:solidFill>
+                  </a:rPr>
+                  <a:t>n*</a:t>
+                </a:r>
+                <a:endParaRPr lang="hu-HU" sz="2400">
+                  <a:solidFill>
+                    <a:schemeClr val="bg1"/>
+                  </a:solidFill>
+                </a:endParaRPr>
+              </a:p>
+            </p:txBody>
+          </p:sp>
+          <p:cxnSp>
+            <p:nvCxnSpPr>
+              <p:cNvPr id="20" name="Connector: Elbow 19">
+                <a:extLst>
+                  <a:ext uri="{FF2B5EF4-FFF2-40B4-BE49-F238E27FC236}">
+                    <a16:creationId xmlns:a16="http://schemas.microsoft.com/office/drawing/2014/main" id="{00EF3F27-8B43-45F7-81EC-DA233A378FEE}"/>
+                  </a:ext>
+                </a:extLst>
+              </p:cNvPr>
+              <p:cNvCxnSpPr>
+                <a:cxnSpLocks/>
+                <a:stCxn id="14" idx="1"/>
+                <a:endCxn id="11" idx="1"/>
+              </p:cNvCxnSpPr>
+              <p:nvPr/>
+            </p:nvCxnSpPr>
+            <p:spPr>
+              <a:xfrm rot="10800000">
+                <a:off x="5257799" y="1745486"/>
+                <a:ext cx="12700" cy="3017781"/>
+              </a:xfrm>
+              <a:prstGeom prst="bentConnector3">
+                <a:avLst>
+                  <a:gd name="adj1" fmla="val 10257142"/>
+                </a:avLst>
+              </a:prstGeom>
+              <a:ln w="76200">
+                <a:tailEnd type="triangle"/>
+              </a:ln>
+            </p:spPr>
+            <p:style>
+              <a:lnRef idx="1">
+                <a:schemeClr val="accent1"/>
+              </a:lnRef>
+              <a:fillRef idx="0">
+                <a:schemeClr val="accent1"/>
+              </a:fillRef>
+              <a:effectRef idx="0">
+                <a:schemeClr val="accent1"/>
+              </a:effectRef>
+              <a:fontRef idx="minor">
+                <a:schemeClr val="tx1"/>
+              </a:fontRef>
+            </p:style>
+          </p:cxnSp>
+          <p:sp>
+            <p:nvSpPr>
+              <p:cNvPr id="21" name="TextBox 20">
+                <a:extLst>
+                  <a:ext uri="{FF2B5EF4-FFF2-40B4-BE49-F238E27FC236}">
+                    <a16:creationId xmlns:a16="http://schemas.microsoft.com/office/drawing/2014/main" id="{646B78D3-8035-4C08-98B1-5855C3A0EAAD}"/>
+                  </a:ext>
+                </a:extLst>
+              </p:cNvPr>
+              <p:cNvSpPr txBox="1"/>
+              <p:nvPr/>
+            </p:nvSpPr>
+            <p:spPr>
+              <a:xfrm>
+                <a:off x="3729776" y="2383474"/>
+                <a:ext cx="524246" cy="510778"/>
+              </a:xfrm>
+              <a:prstGeom prst="roundRect">
+                <a:avLst/>
+              </a:prstGeom>
+              <a:solidFill>
+                <a:schemeClr val="bg2"/>
+              </a:solidFill>
+              <a:ln w="38100">
+                <a:solidFill>
+                  <a:srgbClr val="7F182D"/>
+                </a:solidFill>
+              </a:ln>
+            </p:spPr>
+            <p:txBody>
+              <a:bodyPr wrap="none" rtlCol="0">
+                <a:spAutoFit/>
+              </a:bodyPr>
+              <a:lstStyle/>
+              <a:p>
+                <a:r>
+                  <a:rPr lang="en-US" sz="2400">
+                    <a:solidFill>
+                      <a:schemeClr val="bg1"/>
+                    </a:solidFill>
+                  </a:rPr>
+                  <a:t>k*</a:t>
+                </a:r>
+                <a:endParaRPr lang="hu-HU" sz="2400">
+                  <a:solidFill>
+                    <a:schemeClr val="bg1"/>
+                  </a:solidFill>
+                </a:endParaRPr>
+              </a:p>
+            </p:txBody>
+          </p:sp>
+        </p:grpSp>
+        <p:sp>
+          <p:nvSpPr>
+            <p:cNvPr id="10" name="Arrow: Down 9">
+              <a:extLst>
+                <a:ext uri="{FF2B5EF4-FFF2-40B4-BE49-F238E27FC236}">
+                  <a16:creationId xmlns:a16="http://schemas.microsoft.com/office/drawing/2014/main" id="{A4919849-2B57-4C48-8E9E-D3318E986C9C}"/>
+                </a:ext>
+              </a:extLst>
+            </p:cNvPr>
+            <p:cNvSpPr/>
+            <p:nvPr/>
+          </p:nvSpPr>
+          <p:spPr>
+            <a:xfrm>
+              <a:off x="3680985" y="5553620"/>
+              <a:ext cx="3011244" cy="713122"/>
+            </a:xfrm>
+            <a:prstGeom prst="downArrow">
+              <a:avLst/>
+            </a:prstGeom>
+            <a:solidFill>
+              <a:schemeClr val="bg1"/>
+            </a:solidFill>
+            <a:ln w="38100">
+              <a:solidFill>
+                <a:schemeClr val="accent1"/>
+              </a:solidFill>
+            </a:ln>
+            <a:effectLst/>
+          </p:spPr>
+          <p:style>
+            <a:lnRef idx="2">
+              <a:schemeClr val="accent4">
+                <a:shade val="50000"/>
+              </a:schemeClr>
+            </a:lnRef>
+            <a:fillRef idx="1">
+              <a:schemeClr val="accent4"/>
+            </a:fillRef>
+            <a:effectRef idx="0">
+              <a:schemeClr val="accent4"/>
+            </a:effectRef>
+            <a:fontRef idx="minor">
+              <a:schemeClr val="lt1"/>
+            </a:fontRef>
+          </p:style>
+          <p:txBody>
+            <a:bodyPr rot="0" spcFirstLastPara="0" vertOverflow="overflow" horzOverflow="overflow" vert="horz" wrap="square" lIns="91440" tIns="45720" rIns="91440" bIns="45720" numCol="1" spcCol="0" rtlCol="0" fromWordArt="0" anchor="ctr" anchorCtr="0" forceAA="0" compatLnSpc="1">
+              <a:prstTxWarp prst="textNoShape">
+                <a:avLst/>
+              </a:prstTxWarp>
+              <a:noAutofit/>
+            </a:bodyPr>
+            <a:lstStyle/>
+            <a:p>
+              <a:pPr algn="ctr"/>
+              <a:r>
+                <a:rPr lang="en-US" sz="2400" b="1" err="1">
+                  <a:solidFill>
+                    <a:schemeClr val="accent1"/>
+                  </a:solidFill>
+                </a:rPr>
+                <a:t>Eredmény</a:t>
+              </a:r>
+              <a:endParaRPr lang="hu-HU" sz="2400" b="1" err="1">
+                <a:solidFill>
+                  <a:schemeClr val="accent1"/>
+                </a:solidFill>
+              </a:endParaRPr>
+            </a:p>
+          </p:txBody>
+        </p:sp>
+      </p:grpSp>
     </p:spTree>
     <p:extLst>
       <p:ext uri="{BB962C8B-B14F-4D97-AF65-F5344CB8AC3E}">
@@ -41600,7 +42653,11 @@
           <p:cNvPr id="10" name="Diagram 9"/>
           <p:cNvGraphicFramePr/>
           <p:nvPr>
-            <p:extLst/>
+            <p:extLst>
+              <p:ext uri="{D42A27DB-BD31-4B8C-83A1-F6EECF244321}">
+                <p14:modId xmlns:p14="http://schemas.microsoft.com/office/powerpoint/2010/main" val="1640205596"/>
+              </p:ext>
+            </p:extLst>
           </p:nvPr>
         </p:nvGraphicFramePr>
         <p:xfrm>
@@ -41788,6 +42845,58 @@
               <a:rPr lang="hu-HU" dirty="0"/>
               <a:t>Eredmények értékelése</a:t>
             </a:r>
+            <a:endParaRPr lang="en-US" dirty="0"/>
+          </a:p>
+          <a:p>
+            <a:pPr lvl="1">
+              <a:buFont typeface="Wingdings" panose="05000000000000000000" pitchFamily="2" charset="2"/>
+              <a:buChar char="ü"/>
+            </a:pPr>
+            <a:r>
+              <a:rPr lang="en-US" dirty="0" err="1"/>
+              <a:t>Futási</a:t>
+            </a:r>
+            <a:r>
+              <a:rPr lang="en-US" dirty="0"/>
+              <a:t> </a:t>
+            </a:r>
+            <a:r>
+              <a:rPr lang="en-US" dirty="0" err="1"/>
+              <a:t>idők</a:t>
+            </a:r>
+            <a:r>
+              <a:rPr lang="en-US" dirty="0"/>
+              <a:t> </a:t>
+            </a:r>
+            <a:r>
+              <a:rPr lang="en-US" dirty="0" err="1"/>
+              <a:t>összehasonlítása</a:t>
+            </a:r>
+            <a:r>
+              <a:rPr lang="en-US" dirty="0"/>
+              <a:t> a </a:t>
+            </a:r>
+            <a:r>
+              <a:rPr lang="en-US" dirty="0" err="1"/>
+              <a:t>különböző</a:t>
+            </a:r>
+            <a:r>
+              <a:rPr lang="en-US" dirty="0"/>
+              <a:t> </a:t>
+            </a:r>
+            <a:r>
+              <a:rPr lang="en-US" dirty="0" err="1"/>
+              <a:t>eszközök</a:t>
+            </a:r>
+            <a:r>
+              <a:rPr lang="en-US" dirty="0"/>
+              <a:t> </a:t>
+            </a:r>
+            <a:r>
+              <a:rPr lang="en-US" dirty="0" err="1"/>
+              <a:t>esetén</a:t>
+            </a:r>
+            <a:endParaRPr lang="hu-HU" dirty="0"/>
           </a:p>
         </p:txBody>
       </p:sp>
@@ -41803,8 +42912,8 @@
         </p:nvSpPr>
         <p:spPr>
           <a:xfrm>
-            <a:off x="117414" y="3783613"/>
-            <a:ext cx="8884346" cy="2586707"/>
+            <a:off x="117414" y="4245429"/>
+            <a:ext cx="8884346" cy="2124891"/>
           </a:xfrm>
         </p:spPr>
         <p:txBody>
@@ -42576,137 +43685,158 @@
           <a:lstStyle/>
           <a:p>
             <a:r>
-              <a:rPr lang="hu-HU"/>
+              <a:rPr lang="hu-HU" dirty="0"/>
               <a:t> Látva (és ön által is identifikálva) a </a:t>
             </a:r>
             <a:r>
-              <a:rPr lang="hu-HU" err="1"/>
+              <a:rPr lang="hu-HU" dirty="0" err="1"/>
               <a:t>dotNetRDF</a:t>
             </a:r>
             <a:r>
-              <a:rPr lang="hu-HU"/>
+              <a:rPr lang="hu-HU" dirty="0"/>
               <a:t> és a LINQ által okozott szűk keresztmetszetet próbálkozott-e más RDF olvasóval és más implementációval?</a:t>
             </a:r>
-            <a:endParaRPr lang="en-US"/>
+            <a:endParaRPr lang="en-US" dirty="0"/>
           </a:p>
           <a:p>
             <a:pPr lvl="1"/>
             <a:r>
-              <a:rPr lang="en-US"/>
-              <a:t>A Train Benchmark </a:t>
-            </a:r>
-            <a:r>
-              <a:rPr lang="en-US" err="1"/>
-              <a:t>mérnöki</a:t>
-            </a:r>
-            <a:r>
-              <a:rPr lang="en-US"/>
+              <a:rPr lang="en-US" dirty="0"/>
+              <a:t>A Graph Engine-</a:t>
+            </a:r>
+            <a:r>
+              <a:rPr lang="en-US" dirty="0" err="1"/>
+              <a:t>hez</a:t>
+            </a:r>
+            <a:r>
+              <a:rPr lang="en-US" dirty="0"/>
               <a:t> </a:t>
             </a:r>
             <a:r>
-              <a:rPr lang="en-US" err="1"/>
-              <a:t>fejlesztést</a:t>
-            </a:r>
-            <a:r>
-              <a:rPr lang="en-US"/>
+              <a:rPr lang="en-US" dirty="0" err="1"/>
+              <a:t>nincs</a:t>
+            </a:r>
+            <a:r>
+              <a:rPr lang="en-US" dirty="0"/>
               <a:t> </a:t>
             </a:r>
             <a:r>
-              <a:rPr lang="en-US" err="1"/>
-              <a:t>szimulál</a:t>
-            </a:r>
-            <a:r>
-              <a:rPr lang="en-US"/>
+              <a:rPr lang="en-US" dirty="0" err="1"/>
+              <a:t>beépített</a:t>
+            </a:r>
+            <a:r>
+              <a:rPr lang="en-US" dirty="0"/>
+              <a:t> RDF </a:t>
+            </a:r>
+            <a:r>
+              <a:rPr lang="en-US" dirty="0" err="1"/>
+              <a:t>olvasó</a:t>
+            </a:r>
+            <a:endParaRPr lang="en-US" dirty="0"/>
+          </a:p>
+          <a:p>
+            <a:pPr lvl="1"/>
+            <a:r>
+              <a:rPr lang="en-US" dirty="0" err="1"/>
+              <a:t>dotNetRDF</a:t>
+            </a:r>
+            <a:r>
+              <a:rPr lang="en-US" dirty="0"/>
+              <a:t> </a:t>
+            </a:r>
+            <a:r>
+              <a:rPr lang="en-US" dirty="0" err="1"/>
+              <a:t>népszer</a:t>
+            </a:r>
+            <a:r>
+              <a:rPr lang="hu-HU" dirty="0"/>
+              <a:t>ű</a:t>
+            </a:r>
+            <a:r>
+              <a:rPr lang="en-US" dirty="0"/>
+              <a:t> </a:t>
+            </a:r>
+            <a:r>
+              <a:rPr lang="en-US" dirty="0" err="1"/>
+              <a:t>könyvtár</a:t>
+            </a:r>
+            <a:r>
+              <a:rPr lang="en-US" dirty="0"/>
               <a:t>, </a:t>
             </a:r>
             <a:r>
-              <a:rPr lang="en-US" err="1"/>
-              <a:t>nem</a:t>
-            </a:r>
-            <a:r>
-              <a:rPr lang="en-US"/>
+              <a:rPr lang="en-US" dirty="0" err="1"/>
+              <a:t>ezért</a:t>
+            </a:r>
+            <a:r>
+              <a:rPr lang="en-US" dirty="0"/>
               <a:t> </a:t>
             </a:r>
             <a:r>
-              <a:rPr lang="en-US" err="1"/>
-              <a:t>tökéleteset</a:t>
-            </a:r>
-            <a:r>
-              <a:rPr lang="en-US"/>
-              <a:t>, </a:t>
-            </a:r>
-            <a:r>
-              <a:rPr lang="en-US" err="1"/>
-              <a:t>ezáltal</a:t>
-            </a:r>
-            <a:r>
-              <a:rPr lang="en-US"/>
+              <a:rPr lang="en-US" dirty="0" err="1"/>
+              <a:t>választottam</a:t>
+            </a:r>
+            <a:endParaRPr lang="en-US" dirty="0"/>
+          </a:p>
+          <a:p>
+            <a:pPr lvl="1"/>
+            <a:r>
+              <a:rPr lang="en-US" dirty="0"/>
+              <a:t>A Train </a:t>
+            </a:r>
+            <a:r>
+              <a:rPr lang="en-US" dirty="0" err="1"/>
+              <a:t>Benchmarkkal</a:t>
+            </a:r>
+            <a:r>
+              <a:rPr lang="en-US" dirty="0"/>
               <a:t> </a:t>
             </a:r>
             <a:r>
-              <a:rPr lang="en-US" err="1"/>
-              <a:t>nem</a:t>
-            </a:r>
-            <a:r>
-              <a:rPr lang="en-US"/>
+              <a:rPr lang="en-US" dirty="0" err="1"/>
+              <a:t>elsősorban</a:t>
+            </a:r>
+            <a:r>
+              <a:rPr lang="en-US" dirty="0"/>
+              <a:t> a Graph Engine </a:t>
+            </a:r>
+            <a:r>
+              <a:rPr lang="en-US" dirty="0" err="1"/>
+              <a:t>jellemzőire</a:t>
+            </a:r>
+            <a:r>
+              <a:rPr lang="en-US" dirty="0"/>
               <a:t> </a:t>
             </a:r>
             <a:r>
-              <a:rPr lang="en-US" err="1"/>
-              <a:t>próbálkoztam</a:t>
-            </a:r>
-            <a:r>
-              <a:rPr lang="en-US"/>
+              <a:rPr lang="en-US" dirty="0" err="1"/>
+              <a:t>szerettem</a:t>
+            </a:r>
+            <a:r>
+              <a:rPr lang="en-US" dirty="0"/>
               <a:t> </a:t>
             </a:r>
             <a:r>
-              <a:rPr lang="en-US" err="1"/>
-              <a:t>más</a:t>
-            </a:r>
-            <a:r>
-              <a:rPr lang="en-US"/>
-              <a:t> RDF </a:t>
-            </a:r>
-            <a:r>
-              <a:rPr lang="en-US" err="1"/>
-              <a:t>olvasóval</a:t>
-            </a:r>
-            <a:r>
-              <a:rPr lang="en-US"/>
-              <a:t>, </a:t>
-            </a:r>
-            <a:r>
-              <a:rPr lang="en-US" err="1"/>
-              <a:t>ez</a:t>
-            </a:r>
-            <a:r>
-              <a:rPr lang="en-US"/>
+              <a:rPr lang="en-US" dirty="0" err="1"/>
+              <a:t>volna</a:t>
+            </a:r>
+            <a:r>
+              <a:rPr lang="en-US" dirty="0"/>
               <a:t> </a:t>
             </a:r>
             <a:r>
-              <a:rPr lang="en-US" err="1"/>
-              <a:t>egy</a:t>
-            </a:r>
-            <a:r>
-              <a:rPr lang="en-US"/>
+              <a:rPr lang="en-US" dirty="0" err="1"/>
+              <a:t>megállapítást</a:t>
+            </a:r>
+            <a:r>
+              <a:rPr lang="en-US" dirty="0"/>
               <a:t> </a:t>
             </a:r>
             <a:r>
-              <a:rPr lang="en-US" err="1"/>
-              <a:t>továbbfejlesztési</a:t>
-            </a:r>
-            <a:r>
-              <a:rPr lang="en-US"/>
-              <a:t> </a:t>
-            </a:r>
-            <a:r>
-              <a:rPr lang="en-US" err="1"/>
-              <a:t>lehetőség</a:t>
-            </a:r>
-            <a:r>
-              <a:rPr lang="en-US"/>
-              <a:t>.</a:t>
-            </a:r>
+              <a:rPr lang="en-US" dirty="0" err="1"/>
+              <a:t>tenni</a:t>
+            </a:r>
+            <a:endParaRPr lang="en-US" dirty="0"/>
           </a:p>
         </p:txBody>
       </p:sp>
@@ -42833,6 +43963,50 @@
           <a:p>
             <a:pPr lvl="0"/>
             <a:r>
+              <a:rPr lang="en-US" dirty="0" err="1"/>
+              <a:t>Teljesítménymérés</a:t>
+            </a:r>
+            <a:endParaRPr lang="en-US" dirty="0"/>
+          </a:p>
+          <a:p>
+            <a:pPr lvl="0"/>
+            <a:r>
+              <a:rPr lang="en-US" dirty="0" err="1"/>
+              <a:t>Gráflekérdező</a:t>
+            </a:r>
+            <a:r>
+              <a:rPr lang="en-US" dirty="0"/>
+              <a:t> </a:t>
+            </a:r>
+            <a:r>
+              <a:rPr lang="en-US" dirty="0" err="1"/>
+              <a:t>motoron</a:t>
+            </a:r>
+            <a:endParaRPr lang="en-US" dirty="0"/>
+          </a:p>
+          <a:p>
+            <a:pPr lvl="0"/>
+            <a:r>
+              <a:rPr lang="en-US" dirty="0" err="1"/>
+              <a:t>Eredmények</a:t>
+            </a:r>
+            <a:r>
+              <a:rPr lang="en-US" dirty="0"/>
+              <a:t> </a:t>
+            </a:r>
+            <a:r>
+              <a:rPr lang="en-US" dirty="0" err="1"/>
+              <a:t>kiértékelése</a:t>
+            </a:r>
+            <a:endParaRPr lang="en-US" dirty="0"/>
+          </a:p>
+          <a:p>
+            <a:pPr lvl="0"/>
+            <a:endParaRPr lang="en-US" dirty="0"/>
+          </a:p>
+          <a:p>
+            <a:pPr lvl="0"/>
+            <a:r>
               <a:rPr lang="hu-HU" dirty="0" err="1"/>
               <a:t>Train</a:t>
             </a:r>
@@ -42892,7 +44066,6 @@
               <a:rPr lang="hu-HU" dirty="0"/>
               <a:t>Jena, RDF4J</a:t>
             </a:r>
-            <a:endParaRPr lang="hu-HU" dirty="0"/>
           </a:p>
           <a:p>
             <a:pPr lvl="0"/>
@@ -42962,22 +44135,9 @@
           <a:lstStyle/>
           <a:p>
             <a:r>
-              <a:rPr lang="en-US" err="1"/>
-              <a:t>Bírálói</a:t>
-            </a:r>
-            <a:r>
-              <a:rPr lang="en-US"/>
-              <a:t> </a:t>
-            </a:r>
-            <a:r>
-              <a:rPr lang="en-US" err="1"/>
-              <a:t>kérdések</a:t>
-            </a:r>
-            <a:r>
-              <a:rPr lang="en-US"/>
-              <a:t> – 3.</a:t>
-            </a:r>
-            <a:endParaRPr lang="hu-HU"/>
+              <a:rPr lang="hu-HU" dirty="0"/>
+              <a:t>Bírálói kérdések – 3.</a:t>
+            </a:r>
           </a:p>
         </p:txBody>
       </p:sp>
@@ -43003,252 +44163,53 @@
           <a:lstStyle/>
           <a:p>
             <a:r>
-              <a:rPr lang="hu-HU"/>
-              <a:t>Egyéb teljesítmény mérőszámokat miért nem mért (</a:t>
-            </a:r>
-            <a:r>
-              <a:rPr lang="hu-HU" err="1"/>
-              <a:t>pl</a:t>
-            </a:r>
-            <a:r>
-              <a:rPr lang="hu-HU"/>
-              <a:t> memóriahasználat, „</a:t>
-            </a:r>
-            <a:r>
-              <a:rPr lang="hu-HU" err="1"/>
-              <a:t>heap</a:t>
-            </a:r>
-            <a:r>
-              <a:rPr lang="hu-HU"/>
-              <a:t> </a:t>
-            </a:r>
-            <a:r>
-              <a:rPr lang="hu-HU" err="1"/>
-              <a:t>thrashing</a:t>
-            </a:r>
-            <a:r>
-              <a:rPr lang="hu-HU"/>
-              <a:t>”)?</a:t>
-            </a:r>
-            <a:endParaRPr lang="en-US"/>
+              <a:rPr lang="hu-HU" dirty="0"/>
+              <a:t>Egyéb teljesítmény mérőszámokat miért nem mért (pl memóriahasználat, „heap thrashing”)?</a:t>
+            </a:r>
+            <a:endParaRPr lang="en-US" dirty="0"/>
           </a:p>
           <a:p>
             <a:pPr lvl="1"/>
             <a:r>
-              <a:rPr lang="en-US"/>
-              <a:t>A Garbage Collector m</a:t>
-            </a:r>
-            <a:r>
-              <a:rPr lang="hu-HU"/>
-              <a:t>ű</a:t>
-            </a:r>
-            <a:r>
-              <a:rPr lang="en-US" err="1"/>
-              <a:t>ködéséből</a:t>
-            </a:r>
-            <a:r>
-              <a:rPr lang="en-US"/>
+              <a:rPr lang="hu-HU" dirty="0"/>
+              <a:t>Jelen</a:t>
+            </a:r>
+            <a:r>
+              <a:rPr lang="en-US" dirty="0"/>
               <a:t> </a:t>
             </a:r>
             <a:r>
-              <a:rPr lang="en-US" err="1"/>
-              <a:t>kifolyólag</a:t>
-            </a:r>
-            <a:r>
-              <a:rPr lang="en-US"/>
-              <a:t> a </a:t>
-            </a:r>
-            <a:r>
-              <a:rPr lang="en-US" err="1"/>
-              <a:t>memóriahasználat</a:t>
-            </a:r>
-            <a:r>
-              <a:rPr lang="en-US"/>
-              <a:t> </a:t>
-            </a:r>
-            <a:r>
-              <a:rPr lang="en-US" err="1"/>
-              <a:t>méréséhez</a:t>
-            </a:r>
-            <a:r>
-              <a:rPr lang="en-US"/>
-              <a:t> a </a:t>
-            </a:r>
-            <a:r>
-              <a:rPr lang="en-US" err="1"/>
-              <a:t>memória</a:t>
-            </a:r>
-            <a:r>
-              <a:rPr lang="en-US"/>
-              <a:t> </a:t>
-            </a:r>
-            <a:r>
-              <a:rPr lang="en-US" err="1"/>
-              <a:t>tényleges</a:t>
-            </a:r>
-            <a:r>
-              <a:rPr lang="en-US"/>
-              <a:t> </a:t>
-            </a:r>
-            <a:r>
-              <a:rPr lang="en-US" err="1"/>
-              <a:t>méretére</a:t>
-            </a:r>
-            <a:r>
-              <a:rPr lang="en-US"/>
-              <a:t> </a:t>
-            </a:r>
-            <a:r>
-              <a:rPr lang="en-US" err="1"/>
-              <a:t>kellett</a:t>
-            </a:r>
-            <a:r>
-              <a:rPr lang="en-US"/>
-              <a:t> </a:t>
-            </a:r>
-            <a:r>
-              <a:rPr lang="en-US" err="1"/>
-              <a:t>volna</a:t>
-            </a:r>
-            <a:r>
-              <a:rPr lang="en-US"/>
-              <a:t> </a:t>
-            </a:r>
-            <a:r>
-              <a:rPr lang="en-US" err="1"/>
-              <a:t>korlátot</a:t>
-            </a:r>
-            <a:r>
-              <a:rPr lang="en-US"/>
-              <a:t> </a:t>
-            </a:r>
-            <a:r>
-              <a:rPr lang="en-US" err="1"/>
-              <a:t>állítani</a:t>
-            </a:r>
-            <a:r>
-              <a:rPr lang="en-US"/>
-              <a:t>. </a:t>
-            </a:r>
-            <a:r>
-              <a:rPr lang="en-US" err="1"/>
-              <a:t>Erre</a:t>
-            </a:r>
-            <a:r>
-              <a:rPr lang="en-US"/>
-              <a:t> </a:t>
-            </a:r>
-            <a:r>
-              <a:rPr lang="en-US" err="1"/>
-              <a:t>két</a:t>
-            </a:r>
-            <a:r>
-              <a:rPr lang="en-US"/>
-              <a:t> </a:t>
-            </a:r>
-            <a:r>
-              <a:rPr lang="en-US" err="1"/>
-              <a:t>lehetőség</a:t>
-            </a:r>
-            <a:r>
-              <a:rPr lang="en-US"/>
-              <a:t> </a:t>
-            </a:r>
-            <a:r>
-              <a:rPr lang="en-US" err="1"/>
-              <a:t>kínálkozott</a:t>
-            </a:r>
-            <a:r>
-              <a:rPr lang="en-US"/>
-              <a:t>:</a:t>
-            </a:r>
-          </a:p>
-          <a:p>
-            <a:pPr lvl="2"/>
-            <a:r>
-              <a:rPr lang="en-US" err="1"/>
-              <a:t>Új</a:t>
-            </a:r>
-            <a:r>
-              <a:rPr lang="en-US"/>
-              <a:t> </a:t>
-            </a:r>
-            <a:r>
-              <a:rPr lang="en-US" err="1"/>
-              <a:t>hardverek</a:t>
-            </a:r>
-            <a:r>
-              <a:rPr lang="en-US"/>
-              <a:t> </a:t>
-            </a:r>
-            <a:r>
-              <a:rPr lang="en-US" err="1"/>
-              <a:t>beszerzése</a:t>
-            </a:r>
-            <a:r>
-              <a:rPr lang="en-US"/>
-              <a:t> =&gt; </a:t>
-            </a:r>
-            <a:r>
-              <a:rPr lang="en-US" err="1"/>
-              <a:t>költséges</a:t>
-            </a:r>
-            <a:endParaRPr lang="en-US"/>
-          </a:p>
-          <a:p>
-            <a:pPr lvl="2"/>
-            <a:r>
-              <a:rPr lang="en-US" err="1"/>
-              <a:t>Virtuális</a:t>
-            </a:r>
-            <a:r>
-              <a:rPr lang="en-US"/>
-              <a:t> </a:t>
-            </a:r>
-            <a:r>
-              <a:rPr lang="en-US" err="1"/>
-              <a:t>környezet</a:t>
-            </a:r>
-            <a:r>
-              <a:rPr lang="en-US"/>
-              <a:t> =&gt; </a:t>
-            </a:r>
-            <a:r>
-              <a:rPr lang="en-US" err="1"/>
-              <a:t>lassú</a:t>
-            </a:r>
-            <a:r>
-              <a:rPr lang="en-US"/>
-              <a:t> </a:t>
-            </a:r>
-            <a:r>
-              <a:rPr lang="en-US" err="1"/>
-              <a:t>futási</a:t>
-            </a:r>
-            <a:r>
-              <a:rPr lang="en-US"/>
-              <a:t> </a:t>
-            </a:r>
-            <a:r>
-              <a:rPr lang="en-US" err="1"/>
-              <a:t>idő</a:t>
-            </a:r>
-            <a:r>
-              <a:rPr lang="en-US"/>
-              <a:t> (</a:t>
-            </a:r>
-            <a:r>
-              <a:rPr lang="en-US" err="1"/>
-              <a:t>hetek</a:t>
-            </a:r>
-            <a:r>
-              <a:rPr lang="en-US"/>
-              <a:t>)</a:t>
+              <a:rPr lang="hu-HU" dirty="0"/>
+              <a:t>mérés fókuszában a futás ideje szerepelt</a:t>
             </a:r>
           </a:p>
           <a:p>
             <a:pPr lvl="1"/>
-            <a:endParaRPr lang="hu-HU"/>
+            <a:r>
+              <a:rPr lang="hu-HU" dirty="0"/>
+              <a:t>A </a:t>
+            </a:r>
+            <a:r>
+              <a:rPr lang="hu-HU" dirty="0" err="1"/>
+              <a:t>Garbage</a:t>
+            </a:r>
+            <a:r>
+              <a:rPr lang="hu-HU" dirty="0"/>
+              <a:t> </a:t>
+            </a:r>
+            <a:r>
+              <a:rPr lang="hu-HU" dirty="0" err="1"/>
+              <a:t>Collector</a:t>
+            </a:r>
+            <a:r>
+              <a:rPr lang="hu-HU" dirty="0"/>
+              <a:t> működéséből kifolyólag a memóriahasználat méréséhez a memória tényleges méretére kellett volna korlátot állítani. </a:t>
+            </a:r>
+            <a:r>
+              <a:rPr lang="en-US" dirty="0"/>
+              <a:t>E</a:t>
+            </a:r>
+            <a:endParaRPr lang="hu-HU" dirty="0"/>
           </a:p>
         </p:txBody>
       </p:sp>
@@ -44697,467 +45658,6 @@
           <p:cNvPr id="2" name="Title 1">
             <a:extLst>
               <a:ext uri="{FF2B5EF4-FFF2-40B4-BE49-F238E27FC236}">
-                <a16:creationId xmlns:a16="http://schemas.microsoft.com/office/drawing/2014/main" id="{F5C582A6-C3B7-4EAF-9EF0-CD243FF5EC4B}"/>
-              </a:ext>
-            </a:extLst>
-          </p:cNvPr>
-          <p:cNvSpPr>
-            <a:spLocks noGrp="1"/>
-          </p:cNvSpPr>
-          <p:nvPr>
-            <p:ph type="title"/>
-          </p:nvPr>
-        </p:nvSpPr>
-        <p:spPr/>
-        <p:txBody>
-          <a:bodyPr/>
-          <a:lstStyle/>
-          <a:p>
-            <a:r>
-              <a:rPr lang="hu-HU" dirty="0"/>
-              <a:t>Probléma</a:t>
-            </a:r>
-          </a:p>
-        </p:txBody>
-      </p:sp>
-      <p:pic>
-        <p:nvPicPr>
-          <p:cNvPr id="6" name="Content Placeholder 5">
-            <a:extLst>
-              <a:ext uri="{FF2B5EF4-FFF2-40B4-BE49-F238E27FC236}">
-                <a16:creationId xmlns:a16="http://schemas.microsoft.com/office/drawing/2014/main" id="{9B5C7B4A-ACEE-432D-85FD-1219735A041D}"/>
-              </a:ext>
-            </a:extLst>
-          </p:cNvPr>
-          <p:cNvPicPr>
-            <a:picLocks noGrp="1" noChangeAspect="1"/>
-          </p:cNvPicPr>
-          <p:nvPr>
-            <p:ph idx="1"/>
-          </p:nvPr>
-        </p:nvPicPr>
-        <p:blipFill>
-          <a:blip r:embed="rId3"/>
-          <a:stretch>
-            <a:fillRect/>
-          </a:stretch>
-        </p:blipFill>
-        <p:spPr>
-          <a:xfrm>
-            <a:off x="5560950" y="2747944"/>
-            <a:ext cx="1667180" cy="1010950"/>
-          </a:xfrm>
-        </p:spPr>
-      </p:pic>
-      <p:sp>
-        <p:nvSpPr>
-          <p:cNvPr id="4" name="Slide Number Placeholder 3">
-            <a:extLst>
-              <a:ext uri="{FF2B5EF4-FFF2-40B4-BE49-F238E27FC236}">
-                <a16:creationId xmlns:a16="http://schemas.microsoft.com/office/drawing/2014/main" id="{E7B1E828-3408-4287-BA4C-1F9432395959}"/>
-              </a:ext>
-            </a:extLst>
-          </p:cNvPr>
-          <p:cNvSpPr>
-            <a:spLocks noGrp="1"/>
-          </p:cNvSpPr>
-          <p:nvPr>
-            <p:ph type="sldNum" sz="quarter" idx="10"/>
-          </p:nvPr>
-        </p:nvSpPr>
-        <p:spPr/>
-        <p:txBody>
-          <a:bodyPr/>
-          <a:lstStyle/>
-          <a:p>
-            <a:fld id="{A7C85712-A09B-4560-9D1E-08050AA835BB}" type="slidenum">
-              <a:rPr lang="hu-HU" smtClean="0"/>
-              <a:pPr/>
-              <a:t>5</a:t>
-            </a:fld>
-            <a:endParaRPr lang="hu-HU"/>
-          </a:p>
-        </p:txBody>
-      </p:sp>
-      <p:pic>
-        <p:nvPicPr>
-          <p:cNvPr id="8" name="Picture 7">
-            <a:extLst>
-              <a:ext uri="{FF2B5EF4-FFF2-40B4-BE49-F238E27FC236}">
-                <a16:creationId xmlns:a16="http://schemas.microsoft.com/office/drawing/2014/main" id="{3786EDB1-90AC-4962-B55D-3DE3A743CBAE}"/>
-              </a:ext>
-            </a:extLst>
-          </p:cNvPr>
-          <p:cNvPicPr>
-            <a:picLocks noChangeAspect="1"/>
-          </p:cNvPicPr>
-          <p:nvPr/>
-        </p:nvPicPr>
-        <p:blipFill>
-          <a:blip r:embed="rId4"/>
-          <a:stretch>
-            <a:fillRect/>
-          </a:stretch>
-        </p:blipFill>
-        <p:spPr>
-          <a:xfrm>
-            <a:off x="7685329" y="2780213"/>
-            <a:ext cx="946411" cy="946411"/>
-          </a:xfrm>
-          <a:prstGeom prst="rect">
-            <a:avLst/>
-          </a:prstGeom>
-        </p:spPr>
-      </p:pic>
-      <p:sp>
-        <p:nvSpPr>
-          <p:cNvPr id="9" name="Oval 8">
-            <a:extLst>
-              <a:ext uri="{FF2B5EF4-FFF2-40B4-BE49-F238E27FC236}">
-                <a16:creationId xmlns:a16="http://schemas.microsoft.com/office/drawing/2014/main" id="{E11ABAA1-DD9A-4549-AFC1-E14B31949629}"/>
-              </a:ext>
-            </a:extLst>
-          </p:cNvPr>
-          <p:cNvSpPr/>
-          <p:nvPr/>
-        </p:nvSpPr>
-        <p:spPr>
-          <a:xfrm>
-            <a:off x="4990468" y="2024037"/>
-            <a:ext cx="3984172" cy="3608614"/>
-          </a:xfrm>
-          <a:prstGeom prst="ellipse">
-            <a:avLst/>
-          </a:prstGeom>
-          <a:noFill/>
-          <a:ln w="38100">
-            <a:solidFill>
-              <a:schemeClr val="accent1"/>
-            </a:solidFill>
-          </a:ln>
-          <a:effectLst>
-            <a:outerShdw blurRad="50800" dist="38100" dir="5400000" algn="t" rotWithShape="0">
-              <a:prstClr val="black">
-                <a:alpha val="40000"/>
-              </a:prstClr>
-            </a:outerShdw>
-          </a:effectLst>
-        </p:spPr>
-        <p:style>
-          <a:lnRef idx="2">
-            <a:schemeClr val="accent4">
-              <a:shade val="50000"/>
-            </a:schemeClr>
-          </a:lnRef>
-          <a:fillRef idx="1">
-            <a:schemeClr val="accent4"/>
-          </a:fillRef>
-          <a:effectRef idx="0">
-            <a:schemeClr val="accent4"/>
-          </a:effectRef>
-          <a:fontRef idx="minor">
-            <a:schemeClr val="lt1"/>
-          </a:fontRef>
-        </p:style>
-        <p:txBody>
-          <a:bodyPr rot="0" spcFirstLastPara="0" vertOverflow="overflow" horzOverflow="overflow" vert="horz" wrap="square" lIns="91440" tIns="45720" rIns="91440" bIns="45720" numCol="1" spcCol="0" rtlCol="0" fromWordArt="0" anchor="ctr" anchorCtr="0" forceAA="0" compatLnSpc="1">
-            <a:prstTxWarp prst="textNoShape">
-              <a:avLst/>
-            </a:prstTxWarp>
-            <a:noAutofit/>
-          </a:bodyPr>
-          <a:lstStyle/>
-          <a:p>
-            <a:pPr algn="ctr"/>
-            <a:endParaRPr lang="hu-HU" sz="2400" err="1">
-              <a:solidFill>
-                <a:schemeClr val="tx2"/>
-              </a:solidFill>
-            </a:endParaRPr>
-          </a:p>
-        </p:txBody>
-      </p:sp>
-      <p:sp>
-        <p:nvSpPr>
-          <p:cNvPr id="10" name="TextBox 9">
-            <a:extLst>
-              <a:ext uri="{FF2B5EF4-FFF2-40B4-BE49-F238E27FC236}">
-                <a16:creationId xmlns:a16="http://schemas.microsoft.com/office/drawing/2014/main" id="{566B060C-A5E3-4710-8C51-81635A2313A5}"/>
-              </a:ext>
-            </a:extLst>
-          </p:cNvPr>
-          <p:cNvSpPr txBox="1"/>
-          <p:nvPr/>
-        </p:nvSpPr>
-        <p:spPr>
-          <a:xfrm>
-            <a:off x="6571224" y="3984356"/>
-            <a:ext cx="822661" cy="1200329"/>
-          </a:xfrm>
-          <a:prstGeom prst="rect">
-            <a:avLst/>
-          </a:prstGeom>
-          <a:noFill/>
-        </p:spPr>
-        <p:txBody>
-          <a:bodyPr wrap="none" rtlCol="0">
-            <a:spAutoFit/>
-          </a:bodyPr>
-          <a:lstStyle/>
-          <a:p>
-            <a:r>
-              <a:rPr lang="en-US" sz="7200"/>
-              <a:t>…</a:t>
-            </a:r>
-            <a:endParaRPr lang="hu-HU" sz="7200"/>
-          </a:p>
-        </p:txBody>
-      </p:sp>
-      <p:sp>
-        <p:nvSpPr>
-          <p:cNvPr id="11" name="TextBox 10">
-            <a:extLst>
-              <a:ext uri="{FF2B5EF4-FFF2-40B4-BE49-F238E27FC236}">
-                <a16:creationId xmlns:a16="http://schemas.microsoft.com/office/drawing/2014/main" id="{39EB655C-649F-44A3-B244-F2923948D783}"/>
-              </a:ext>
-            </a:extLst>
-          </p:cNvPr>
-          <p:cNvSpPr txBox="1"/>
-          <p:nvPr/>
-        </p:nvSpPr>
-        <p:spPr>
-          <a:xfrm>
-            <a:off x="5121855" y="700598"/>
-            <a:ext cx="3675365" cy="1323439"/>
-          </a:xfrm>
-          <a:prstGeom prst="rect">
-            <a:avLst/>
-          </a:prstGeom>
-          <a:noFill/>
-        </p:spPr>
-        <p:txBody>
-          <a:bodyPr wrap="none" rtlCol="0">
-            <a:spAutoFit/>
-          </a:bodyPr>
-          <a:lstStyle/>
-          <a:p>
-            <a:pPr algn="ctr"/>
-            <a:r>
-              <a:rPr lang="hu-HU" sz="4000" dirty="0" err="1"/>
-              <a:t>Train</a:t>
-            </a:r>
-            <a:r>
-              <a:rPr lang="hu-HU" sz="4000" dirty="0"/>
-              <a:t> Benchmark</a:t>
-            </a:r>
-            <a:br>
-              <a:rPr lang="hu-HU" sz="4000" dirty="0"/>
-            </a:br>
-            <a:r>
-              <a:rPr lang="hu-HU" sz="4000" dirty="0"/>
-              <a:t> projekt</a:t>
-            </a:r>
-          </a:p>
-        </p:txBody>
-      </p:sp>
-      <p:grpSp>
-        <p:nvGrpSpPr>
-          <p:cNvPr id="15" name="Group 14">
-            <a:extLst>
-              <a:ext uri="{FF2B5EF4-FFF2-40B4-BE49-F238E27FC236}">
-                <a16:creationId xmlns:a16="http://schemas.microsoft.com/office/drawing/2014/main" id="{B1E2A551-C349-4901-90D0-CFF296E199CF}"/>
-              </a:ext>
-            </a:extLst>
-          </p:cNvPr>
-          <p:cNvGrpSpPr/>
-          <p:nvPr/>
-        </p:nvGrpSpPr>
-        <p:grpSpPr>
-          <a:xfrm>
-            <a:off x="124735" y="2457002"/>
-            <a:ext cx="2426883" cy="2458774"/>
-            <a:chOff x="847360" y="1136436"/>
-            <a:chExt cx="2426883" cy="2458774"/>
-          </a:xfrm>
-        </p:grpSpPr>
-        <p:pic>
-          <p:nvPicPr>
-            <p:cNvPr id="13" name="Graphic 12">
-              <a:extLst>
-                <a:ext uri="{FF2B5EF4-FFF2-40B4-BE49-F238E27FC236}">
-                  <a16:creationId xmlns:a16="http://schemas.microsoft.com/office/drawing/2014/main" id="{D47622FB-D97A-46C5-B15C-90F74A044882}"/>
-                </a:ext>
-              </a:extLst>
-            </p:cNvPr>
-            <p:cNvPicPr>
-              <a:picLocks noChangeAspect="1"/>
-            </p:cNvPicPr>
-            <p:nvPr/>
-          </p:nvPicPr>
-          <p:blipFill>
-            <a:blip r:embed="rId5">
-              <a:extLst>
-                <a:ext uri="{96DAC541-7B7A-43D3-8B79-37D633B846F1}">
-                  <asvg:svgBlip xmlns:asvg="http://schemas.microsoft.com/office/drawing/2016/SVG/main" r:embed="rId6"/>
-                </a:ext>
-              </a:extLst>
-            </a:blip>
-            <a:stretch>
-              <a:fillRect/>
-            </a:stretch>
-          </p:blipFill>
-          <p:spPr>
-            <a:xfrm>
-              <a:off x="1329418" y="2132442"/>
-              <a:ext cx="1462768" cy="1462768"/>
-            </a:xfrm>
-            <a:prstGeom prst="rect">
-              <a:avLst/>
-            </a:prstGeom>
-          </p:spPr>
-        </p:pic>
-        <p:sp>
-          <p:nvSpPr>
-            <p:cNvPr id="14" name="TextBox 13">
-              <a:extLst>
-                <a:ext uri="{FF2B5EF4-FFF2-40B4-BE49-F238E27FC236}">
-                  <a16:creationId xmlns:a16="http://schemas.microsoft.com/office/drawing/2014/main" id="{9A32D51A-DDE3-4255-84C5-3205243A627C}"/>
-                </a:ext>
-              </a:extLst>
-            </p:cNvPr>
-            <p:cNvSpPr txBox="1"/>
-            <p:nvPr/>
-          </p:nvSpPr>
-          <p:spPr>
-            <a:xfrm>
-              <a:off x="847360" y="1136436"/>
-              <a:ext cx="2426883" cy="584775"/>
-            </a:xfrm>
-            <a:prstGeom prst="rect">
-              <a:avLst/>
-            </a:prstGeom>
-            <a:noFill/>
-          </p:spPr>
-          <p:txBody>
-            <a:bodyPr wrap="none" rtlCol="0">
-              <a:spAutoFit/>
-            </a:bodyPr>
-            <a:lstStyle/>
-            <a:p>
-              <a:r>
-                <a:rPr lang="en-US" sz="3200"/>
-                <a:t>Graph Engine</a:t>
-              </a:r>
-              <a:endParaRPr lang="hu-HU" sz="3200"/>
-            </a:p>
-          </p:txBody>
-        </p:sp>
-      </p:grpSp>
-      <p:sp>
-        <p:nvSpPr>
-          <p:cNvPr id="16" name="Arrow: Right 15">
-            <a:extLst>
-              <a:ext uri="{FF2B5EF4-FFF2-40B4-BE49-F238E27FC236}">
-                <a16:creationId xmlns:a16="http://schemas.microsoft.com/office/drawing/2014/main" id="{FA6A43BD-189D-447E-9F36-79A9E5457C20}"/>
-              </a:ext>
-            </a:extLst>
-          </p:cNvPr>
-          <p:cNvSpPr/>
-          <p:nvPr/>
-        </p:nvSpPr>
-        <p:spPr>
-          <a:xfrm>
-            <a:off x="2704944" y="3740119"/>
-            <a:ext cx="3559628" cy="1175657"/>
-          </a:xfrm>
-          <a:prstGeom prst="rightArrow">
-            <a:avLst/>
-          </a:prstGeom>
-          <a:solidFill>
-            <a:schemeClr val="bg2"/>
-          </a:solidFill>
-          <a:ln w="38100">
-            <a:solidFill>
-              <a:schemeClr val="accent1"/>
-            </a:solidFill>
-          </a:ln>
-          <a:effectLst>
-            <a:outerShdw blurRad="50800" dist="38100" dir="5400000" algn="t" rotWithShape="0">
-              <a:prstClr val="black">
-                <a:alpha val="40000"/>
-              </a:prstClr>
-            </a:outerShdw>
-          </a:effectLst>
-        </p:spPr>
-        <p:style>
-          <a:lnRef idx="2">
-            <a:schemeClr val="accent4">
-              <a:shade val="50000"/>
-            </a:schemeClr>
-          </a:lnRef>
-          <a:fillRef idx="1">
-            <a:schemeClr val="accent4"/>
-          </a:fillRef>
-          <a:effectRef idx="0">
-            <a:schemeClr val="accent4"/>
-          </a:effectRef>
-          <a:fontRef idx="minor">
-            <a:schemeClr val="lt1"/>
-          </a:fontRef>
-        </p:style>
-        <p:txBody>
-          <a:bodyPr rot="0" spcFirstLastPara="0" vertOverflow="overflow" horzOverflow="overflow" vert="horz" wrap="square" lIns="91440" tIns="45720" rIns="91440" bIns="45720" numCol="1" spcCol="0" rtlCol="0" fromWordArt="0" anchor="ctr" anchorCtr="0" forceAA="0" compatLnSpc="1">
-            <a:prstTxWarp prst="textNoShape">
-              <a:avLst/>
-            </a:prstTxWarp>
-            <a:noAutofit/>
-          </a:bodyPr>
-          <a:lstStyle/>
-          <a:p>
-            <a:pPr algn="ctr"/>
-            <a:endParaRPr lang="hu-HU" sz="2400" err="1">
-              <a:solidFill>
-                <a:schemeClr val="tx2"/>
-              </a:solidFill>
-            </a:endParaRPr>
-          </a:p>
-        </p:txBody>
-      </p:sp>
-    </p:spTree>
-    <p:extLst>
-      <p:ext uri="{BB962C8B-B14F-4D97-AF65-F5344CB8AC3E}">
-        <p14:creationId xmlns:p14="http://schemas.microsoft.com/office/powerpoint/2010/main" val="1409034837"/>
-      </p:ext>
-    </p:extLst>
-  </p:cSld>
-  <p:clrMapOvr>
-    <a:masterClrMapping/>
-  </p:clrMapOvr>
-</p:sld>
-</file>
-
-<file path=ppt/slides/slide6.xml><?xml version="1.0" encoding="utf-8"?>
-<p:sld xmlns:a="http://schemas.openxmlformats.org/drawingml/2006/main" xmlns:r="http://schemas.openxmlformats.org/officeDocument/2006/relationships" xmlns:p="http://schemas.openxmlformats.org/presentationml/2006/main">
-  <p:cSld>
-    <p:spTree>
-      <p:nvGrpSpPr>
-        <p:cNvPr id="1" name=""/>
-        <p:cNvGrpSpPr/>
-        <p:nvPr/>
-      </p:nvGrpSpPr>
-      <p:grpSpPr>
-        <a:xfrm>
-          <a:off x="0" y="0"/>
-          <a:ext cx="0" cy="0"/>
-          <a:chOff x="0" y="0"/>
-          <a:chExt cx="0" cy="0"/>
-        </a:xfrm>
-      </p:grpSpPr>
-      <p:sp>
-        <p:nvSpPr>
-          <p:cNvPr id="2" name="Title 1">
-            <a:extLst>
-              <a:ext uri="{FF2B5EF4-FFF2-40B4-BE49-F238E27FC236}">
                 <a16:creationId xmlns:a16="http://schemas.microsoft.com/office/drawing/2014/main" id="{98BB5933-FCA6-4798-8F0B-80332FD6A617}"/>
               </a:ext>
             </a:extLst>
@@ -45273,7 +45773,7 @@
             <a:fld id="{A7C85712-A09B-4560-9D1E-08050AA835BB}" type="slidenum">
               <a:rPr lang="hu-HU" smtClean="0"/>
               <a:pPr/>
-              <a:t>6</a:t>
+              <a:t>5</a:t>
             </a:fld>
             <a:endParaRPr lang="hu-HU"/>
           </a:p>
@@ -45292,7 +45792,7 @@
 </p:sld>
 </file>
 
-<file path=ppt/slides/slide7.xml><?xml version="1.0" encoding="utf-8"?>
+<file path=ppt/slides/slide6.xml><?xml version="1.0" encoding="utf-8"?>
 <p:sld xmlns:a="http://schemas.openxmlformats.org/drawingml/2006/main" xmlns:r="http://schemas.openxmlformats.org/officeDocument/2006/relationships" xmlns:p="http://schemas.openxmlformats.org/presentationml/2006/main">
   <p:cSld>
     <p:spTree>
@@ -45349,7 +45849,7 @@
             <a:fld id="{A7C85712-A09B-4560-9D1E-08050AA835BB}" type="slidenum">
               <a:rPr lang="hu-HU" smtClean="0"/>
               <a:pPr/>
-              <a:t>7</a:t>
+              <a:t>6</a:t>
             </a:fld>
             <a:endParaRPr lang="hu-HU"/>
           </a:p>
@@ -45603,14 +46103,14 @@
               <a:p>
                 <a:pPr algn="ctr"/>
                 <a:r>
-                  <a:rPr lang="en-US" sz="2400" b="1" err="1">
+                  <a:rPr lang="en-US" sz="2400" b="1" dirty="0" err="1">
                     <a:solidFill>
                       <a:schemeClr val="tx2"/>
                     </a:solidFill>
                   </a:rPr>
                   <a:t>Validáció</a:t>
                 </a:r>
-                <a:endParaRPr lang="hu-HU" sz="2400" b="1" err="1">
+                <a:endParaRPr lang="hu-HU" sz="2400" b="1" dirty="0">
                   <a:solidFill>
                     <a:schemeClr val="tx2"/>
                   </a:solidFill>
@@ -45681,14 +46181,14 @@
               <a:p>
                 <a:pPr algn="ctr"/>
                 <a:r>
-                  <a:rPr lang="en-US" sz="2400" b="1" err="1">
+                  <a:rPr lang="en-US" sz="2400" b="1" dirty="0" err="1">
                     <a:solidFill>
                       <a:schemeClr val="tx2"/>
                     </a:solidFill>
                   </a:rPr>
                   <a:t>Módosítás</a:t>
                 </a:r>
-                <a:endParaRPr lang="hu-HU" sz="2400" b="1" err="1">
+                <a:endParaRPr lang="hu-HU" sz="2400" b="1" dirty="0">
                   <a:solidFill>
                     <a:schemeClr val="tx2"/>
                   </a:solidFill>
@@ -45759,14 +46259,14 @@
               <a:p>
                 <a:pPr algn="ctr"/>
                 <a:r>
-                  <a:rPr lang="en-US" sz="2400" b="1" err="1">
+                  <a:rPr lang="en-US" sz="2400" b="1" dirty="0" err="1">
                     <a:solidFill>
                       <a:schemeClr val="tx2"/>
                     </a:solidFill>
                   </a:rPr>
                   <a:t>Validáció</a:t>
                 </a:r>
-                <a:endParaRPr lang="hu-HU" sz="2400" b="1" err="1">
+                <a:endParaRPr lang="hu-HU" sz="2400" b="1" dirty="0">
                   <a:solidFill>
                     <a:schemeClr val="tx2"/>
                   </a:solidFill>
@@ -46169,6 +46669,50 @@
           </p:txBody>
         </p:sp>
       </p:grpSp>
+      <p:sp>
+        <p:nvSpPr>
+          <p:cNvPr id="3" name="Right Brace 2">
+            <a:extLst>
+              <a:ext uri="{FF2B5EF4-FFF2-40B4-BE49-F238E27FC236}">
+                <a16:creationId xmlns:a16="http://schemas.microsoft.com/office/drawing/2014/main" id="{9A320503-397F-4AF8-98E2-EAA23C945C37}"/>
+              </a:ext>
+            </a:extLst>
+          </p:cNvPr>
+          <p:cNvSpPr/>
+          <p:nvPr/>
+        </p:nvSpPr>
+        <p:spPr>
+          <a:xfrm>
+            <a:off x="6071744" y="3718751"/>
+            <a:ext cx="639299" cy="1631869"/>
+          </a:xfrm>
+          <a:prstGeom prst="rightBrace">
+            <a:avLst/>
+          </a:prstGeom>
+        </p:spPr>
+        <p:style>
+          <a:lnRef idx="1">
+            <a:schemeClr val="accent1"/>
+          </a:lnRef>
+          <a:fillRef idx="0">
+            <a:schemeClr val="accent1"/>
+          </a:fillRef>
+          <a:effectRef idx="0">
+            <a:schemeClr val="accent1"/>
+          </a:effectRef>
+          <a:fontRef idx="minor">
+            <a:schemeClr val="tx1"/>
+          </a:fontRef>
+        </p:style>
+        <p:txBody>
+          <a:bodyPr rtlCol="0" anchor="ctr"/>
+          <a:lstStyle/>
+          <a:p>
+            <a:pPr algn="ctr"/>
+            <a:endParaRPr lang="hu-HU"/>
+          </a:p>
+        </p:txBody>
+      </p:sp>
     </p:spTree>
     <p:extLst>
       <p:ext uri="{BB962C8B-B14F-4D97-AF65-F5344CB8AC3E}">
@@ -46182,8 +46726,469 @@
 </p:sld>
 </file>
 
+<file path=ppt/slides/slide7.xml><?xml version="1.0" encoding="utf-8"?>
+<p:sld xmlns:a="http://schemas.openxmlformats.org/drawingml/2006/main" xmlns:r="http://schemas.openxmlformats.org/officeDocument/2006/relationships" xmlns:p="http://schemas.openxmlformats.org/presentationml/2006/main">
+  <p:cSld>
+    <p:spTree>
+      <p:nvGrpSpPr>
+        <p:cNvPr id="1" name=""/>
+        <p:cNvGrpSpPr/>
+        <p:nvPr/>
+      </p:nvGrpSpPr>
+      <p:grpSpPr>
+        <a:xfrm>
+          <a:off x="0" y="0"/>
+          <a:ext cx="0" cy="0"/>
+          <a:chOff x="0" y="0"/>
+          <a:chExt cx="0" cy="0"/>
+        </a:xfrm>
+      </p:grpSpPr>
+      <p:sp>
+        <p:nvSpPr>
+          <p:cNvPr id="2" name="Title 1">
+            <a:extLst>
+              <a:ext uri="{FF2B5EF4-FFF2-40B4-BE49-F238E27FC236}">
+                <a16:creationId xmlns:a16="http://schemas.microsoft.com/office/drawing/2014/main" id="{F5C582A6-C3B7-4EAF-9EF0-CD243FF5EC4B}"/>
+              </a:ext>
+            </a:extLst>
+          </p:cNvPr>
+          <p:cNvSpPr>
+            <a:spLocks noGrp="1"/>
+          </p:cNvSpPr>
+          <p:nvPr>
+            <p:ph type="title"/>
+          </p:nvPr>
+        </p:nvSpPr>
+        <p:spPr/>
+        <p:txBody>
+          <a:bodyPr/>
+          <a:lstStyle/>
+          <a:p>
+            <a:r>
+              <a:rPr lang="hu-HU" dirty="0"/>
+              <a:t>Probléma</a:t>
+            </a:r>
+          </a:p>
+        </p:txBody>
+      </p:sp>
+      <p:pic>
+        <p:nvPicPr>
+          <p:cNvPr id="6" name="Content Placeholder 5">
+            <a:extLst>
+              <a:ext uri="{FF2B5EF4-FFF2-40B4-BE49-F238E27FC236}">
+                <a16:creationId xmlns:a16="http://schemas.microsoft.com/office/drawing/2014/main" id="{9B5C7B4A-ACEE-432D-85FD-1219735A041D}"/>
+              </a:ext>
+            </a:extLst>
+          </p:cNvPr>
+          <p:cNvPicPr>
+            <a:picLocks noGrp="1" noChangeAspect="1"/>
+          </p:cNvPicPr>
+          <p:nvPr>
+            <p:ph idx="1"/>
+          </p:nvPr>
+        </p:nvPicPr>
+        <p:blipFill>
+          <a:blip r:embed="rId3"/>
+          <a:stretch>
+            <a:fillRect/>
+          </a:stretch>
+        </p:blipFill>
+        <p:spPr>
+          <a:xfrm>
+            <a:off x="5560950" y="2747944"/>
+            <a:ext cx="1667180" cy="1010950"/>
+          </a:xfrm>
+        </p:spPr>
+      </p:pic>
+      <p:sp>
+        <p:nvSpPr>
+          <p:cNvPr id="4" name="Slide Number Placeholder 3">
+            <a:extLst>
+              <a:ext uri="{FF2B5EF4-FFF2-40B4-BE49-F238E27FC236}">
+                <a16:creationId xmlns:a16="http://schemas.microsoft.com/office/drawing/2014/main" id="{E7B1E828-3408-4287-BA4C-1F9432395959}"/>
+              </a:ext>
+            </a:extLst>
+          </p:cNvPr>
+          <p:cNvSpPr>
+            <a:spLocks noGrp="1"/>
+          </p:cNvSpPr>
+          <p:nvPr>
+            <p:ph type="sldNum" sz="quarter" idx="10"/>
+          </p:nvPr>
+        </p:nvSpPr>
+        <p:spPr/>
+        <p:txBody>
+          <a:bodyPr/>
+          <a:lstStyle/>
+          <a:p>
+            <a:fld id="{A7C85712-A09B-4560-9D1E-08050AA835BB}" type="slidenum">
+              <a:rPr lang="hu-HU" smtClean="0"/>
+              <a:pPr/>
+              <a:t>7</a:t>
+            </a:fld>
+            <a:endParaRPr lang="hu-HU"/>
+          </a:p>
+        </p:txBody>
+      </p:sp>
+      <p:pic>
+        <p:nvPicPr>
+          <p:cNvPr id="8" name="Picture 7">
+            <a:extLst>
+              <a:ext uri="{FF2B5EF4-FFF2-40B4-BE49-F238E27FC236}">
+                <a16:creationId xmlns:a16="http://schemas.microsoft.com/office/drawing/2014/main" id="{3786EDB1-90AC-4962-B55D-3DE3A743CBAE}"/>
+              </a:ext>
+            </a:extLst>
+          </p:cNvPr>
+          <p:cNvPicPr>
+            <a:picLocks noChangeAspect="1"/>
+          </p:cNvPicPr>
+          <p:nvPr/>
+        </p:nvPicPr>
+        <p:blipFill>
+          <a:blip r:embed="rId4"/>
+          <a:stretch>
+            <a:fillRect/>
+          </a:stretch>
+        </p:blipFill>
+        <p:spPr>
+          <a:xfrm>
+            <a:off x="7685329" y="2780213"/>
+            <a:ext cx="946411" cy="946411"/>
+          </a:xfrm>
+          <a:prstGeom prst="rect">
+            <a:avLst/>
+          </a:prstGeom>
+        </p:spPr>
+      </p:pic>
+      <p:sp>
+        <p:nvSpPr>
+          <p:cNvPr id="9" name="Oval 8">
+            <a:extLst>
+              <a:ext uri="{FF2B5EF4-FFF2-40B4-BE49-F238E27FC236}">
+                <a16:creationId xmlns:a16="http://schemas.microsoft.com/office/drawing/2014/main" id="{E11ABAA1-DD9A-4549-AFC1-E14B31949629}"/>
+              </a:ext>
+            </a:extLst>
+          </p:cNvPr>
+          <p:cNvSpPr/>
+          <p:nvPr/>
+        </p:nvSpPr>
+        <p:spPr>
+          <a:xfrm>
+            <a:off x="4990468" y="2024037"/>
+            <a:ext cx="3984172" cy="3608614"/>
+          </a:xfrm>
+          <a:prstGeom prst="ellipse">
+            <a:avLst/>
+          </a:prstGeom>
+          <a:noFill/>
+          <a:ln w="38100">
+            <a:solidFill>
+              <a:schemeClr val="accent1"/>
+            </a:solidFill>
+          </a:ln>
+          <a:effectLst>
+            <a:outerShdw blurRad="50800" dist="38100" dir="5400000" algn="t" rotWithShape="0">
+              <a:prstClr val="black">
+                <a:alpha val="40000"/>
+              </a:prstClr>
+            </a:outerShdw>
+          </a:effectLst>
+        </p:spPr>
+        <p:style>
+          <a:lnRef idx="2">
+            <a:schemeClr val="accent4">
+              <a:shade val="50000"/>
+            </a:schemeClr>
+          </a:lnRef>
+          <a:fillRef idx="1">
+            <a:schemeClr val="accent4"/>
+          </a:fillRef>
+          <a:effectRef idx="0">
+            <a:schemeClr val="accent4"/>
+          </a:effectRef>
+          <a:fontRef idx="minor">
+            <a:schemeClr val="lt1"/>
+          </a:fontRef>
+        </p:style>
+        <p:txBody>
+          <a:bodyPr rot="0" spcFirstLastPara="0" vertOverflow="overflow" horzOverflow="overflow" vert="horz" wrap="square" lIns="91440" tIns="45720" rIns="91440" bIns="45720" numCol="1" spcCol="0" rtlCol="0" fromWordArt="0" anchor="ctr" anchorCtr="0" forceAA="0" compatLnSpc="1">
+            <a:prstTxWarp prst="textNoShape">
+              <a:avLst/>
+            </a:prstTxWarp>
+            <a:noAutofit/>
+          </a:bodyPr>
+          <a:lstStyle/>
+          <a:p>
+            <a:pPr algn="ctr"/>
+            <a:endParaRPr lang="hu-HU" sz="2400" err="1">
+              <a:solidFill>
+                <a:schemeClr val="tx2"/>
+              </a:solidFill>
+            </a:endParaRPr>
+          </a:p>
+        </p:txBody>
+      </p:sp>
+      <p:sp>
+        <p:nvSpPr>
+          <p:cNvPr id="10" name="TextBox 9">
+            <a:extLst>
+              <a:ext uri="{FF2B5EF4-FFF2-40B4-BE49-F238E27FC236}">
+                <a16:creationId xmlns:a16="http://schemas.microsoft.com/office/drawing/2014/main" id="{566B060C-A5E3-4710-8C51-81635A2313A5}"/>
+              </a:ext>
+            </a:extLst>
+          </p:cNvPr>
+          <p:cNvSpPr txBox="1"/>
+          <p:nvPr/>
+        </p:nvSpPr>
+        <p:spPr>
+          <a:xfrm>
+            <a:off x="6571224" y="3984356"/>
+            <a:ext cx="822661" cy="1200329"/>
+          </a:xfrm>
+          <a:prstGeom prst="rect">
+            <a:avLst/>
+          </a:prstGeom>
+          <a:noFill/>
+        </p:spPr>
+        <p:txBody>
+          <a:bodyPr wrap="none" rtlCol="0">
+            <a:spAutoFit/>
+          </a:bodyPr>
+          <a:lstStyle/>
+          <a:p>
+            <a:r>
+              <a:rPr lang="en-US" sz="7200"/>
+              <a:t>…</a:t>
+            </a:r>
+            <a:endParaRPr lang="hu-HU" sz="7200"/>
+          </a:p>
+        </p:txBody>
+      </p:sp>
+      <p:sp>
+        <p:nvSpPr>
+          <p:cNvPr id="11" name="TextBox 10">
+            <a:extLst>
+              <a:ext uri="{FF2B5EF4-FFF2-40B4-BE49-F238E27FC236}">
+                <a16:creationId xmlns:a16="http://schemas.microsoft.com/office/drawing/2014/main" id="{39EB655C-649F-44A3-B244-F2923948D783}"/>
+              </a:ext>
+            </a:extLst>
+          </p:cNvPr>
+          <p:cNvSpPr txBox="1"/>
+          <p:nvPr/>
+        </p:nvSpPr>
+        <p:spPr>
+          <a:xfrm>
+            <a:off x="5121855" y="700598"/>
+            <a:ext cx="3675365" cy="1323439"/>
+          </a:xfrm>
+          <a:prstGeom prst="rect">
+            <a:avLst/>
+          </a:prstGeom>
+          <a:noFill/>
+        </p:spPr>
+        <p:txBody>
+          <a:bodyPr wrap="none" rtlCol="0">
+            <a:spAutoFit/>
+          </a:bodyPr>
+          <a:lstStyle/>
+          <a:p>
+            <a:pPr algn="ctr"/>
+            <a:r>
+              <a:rPr lang="hu-HU" sz="4000" dirty="0" err="1"/>
+              <a:t>Train</a:t>
+            </a:r>
+            <a:r>
+              <a:rPr lang="hu-HU" sz="4000" dirty="0"/>
+              <a:t> Benchmark</a:t>
+            </a:r>
+            <a:br>
+              <a:rPr lang="hu-HU" sz="4000" dirty="0"/>
+            </a:br>
+            <a:r>
+              <a:rPr lang="hu-HU" sz="4000" dirty="0"/>
+              <a:t> projekt</a:t>
+            </a:r>
+          </a:p>
+        </p:txBody>
+      </p:sp>
+      <p:grpSp>
+        <p:nvGrpSpPr>
+          <p:cNvPr id="15" name="Group 14">
+            <a:extLst>
+              <a:ext uri="{FF2B5EF4-FFF2-40B4-BE49-F238E27FC236}">
+                <a16:creationId xmlns:a16="http://schemas.microsoft.com/office/drawing/2014/main" id="{B1E2A551-C349-4901-90D0-CFF296E199CF}"/>
+              </a:ext>
+            </a:extLst>
+          </p:cNvPr>
+          <p:cNvGrpSpPr/>
+          <p:nvPr/>
+        </p:nvGrpSpPr>
+        <p:grpSpPr>
+          <a:xfrm>
+            <a:off x="124735" y="2457002"/>
+            <a:ext cx="2426883" cy="2458774"/>
+            <a:chOff x="847360" y="1136436"/>
+            <a:chExt cx="2426883" cy="2458774"/>
+          </a:xfrm>
+        </p:grpSpPr>
+        <p:pic>
+          <p:nvPicPr>
+            <p:cNvPr id="13" name="Graphic 12">
+              <a:extLst>
+                <a:ext uri="{FF2B5EF4-FFF2-40B4-BE49-F238E27FC236}">
+                  <a16:creationId xmlns:a16="http://schemas.microsoft.com/office/drawing/2014/main" id="{D47622FB-D97A-46C5-B15C-90F74A044882}"/>
+                </a:ext>
+              </a:extLst>
+            </p:cNvPr>
+            <p:cNvPicPr>
+              <a:picLocks noChangeAspect="1"/>
+            </p:cNvPicPr>
+            <p:nvPr/>
+          </p:nvPicPr>
+          <p:blipFill>
+            <a:blip r:embed="rId5">
+              <a:extLst>
+                <a:ext uri="{96DAC541-7B7A-43D3-8B79-37D633B846F1}">
+                  <asvg:svgBlip xmlns:asvg="http://schemas.microsoft.com/office/drawing/2016/SVG/main" r:embed="rId6"/>
+                </a:ext>
+              </a:extLst>
+            </a:blip>
+            <a:stretch>
+              <a:fillRect/>
+            </a:stretch>
+          </p:blipFill>
+          <p:spPr>
+            <a:xfrm>
+              <a:off x="1329418" y="2132442"/>
+              <a:ext cx="1462768" cy="1462768"/>
+            </a:xfrm>
+            <a:prstGeom prst="rect">
+              <a:avLst/>
+            </a:prstGeom>
+          </p:spPr>
+        </p:pic>
+        <p:sp>
+          <p:nvSpPr>
+            <p:cNvPr id="14" name="TextBox 13">
+              <a:extLst>
+                <a:ext uri="{FF2B5EF4-FFF2-40B4-BE49-F238E27FC236}">
+                  <a16:creationId xmlns:a16="http://schemas.microsoft.com/office/drawing/2014/main" id="{9A32D51A-DDE3-4255-84C5-3205243A627C}"/>
+                </a:ext>
+              </a:extLst>
+            </p:cNvPr>
+            <p:cNvSpPr txBox="1"/>
+            <p:nvPr/>
+          </p:nvSpPr>
+          <p:spPr>
+            <a:xfrm>
+              <a:off x="847360" y="1136436"/>
+              <a:ext cx="2426883" cy="584775"/>
+            </a:xfrm>
+            <a:prstGeom prst="rect">
+              <a:avLst/>
+            </a:prstGeom>
+            <a:noFill/>
+          </p:spPr>
+          <p:txBody>
+            <a:bodyPr wrap="none" rtlCol="0">
+              <a:spAutoFit/>
+            </a:bodyPr>
+            <a:lstStyle/>
+            <a:p>
+              <a:r>
+                <a:rPr lang="en-US" sz="3200"/>
+                <a:t>Graph Engine</a:t>
+              </a:r>
+              <a:endParaRPr lang="hu-HU" sz="3200"/>
+            </a:p>
+          </p:txBody>
+        </p:sp>
+      </p:grpSp>
+      <p:sp>
+        <p:nvSpPr>
+          <p:cNvPr id="16" name="Arrow: Right 15">
+            <a:extLst>
+              <a:ext uri="{FF2B5EF4-FFF2-40B4-BE49-F238E27FC236}">
+                <a16:creationId xmlns:a16="http://schemas.microsoft.com/office/drawing/2014/main" id="{FA6A43BD-189D-447E-9F36-79A9E5457C20}"/>
+              </a:ext>
+            </a:extLst>
+          </p:cNvPr>
+          <p:cNvSpPr/>
+          <p:nvPr/>
+        </p:nvSpPr>
+        <p:spPr>
+          <a:xfrm>
+            <a:off x="2704944" y="3740119"/>
+            <a:ext cx="3559628" cy="1175657"/>
+          </a:xfrm>
+          <a:prstGeom prst="rightArrow">
+            <a:avLst/>
+          </a:prstGeom>
+          <a:solidFill>
+            <a:schemeClr val="bg2"/>
+          </a:solidFill>
+          <a:ln w="38100">
+            <a:solidFill>
+              <a:schemeClr val="accent1"/>
+            </a:solidFill>
+          </a:ln>
+          <a:effectLst>
+            <a:outerShdw blurRad="50800" dist="38100" dir="5400000" algn="t" rotWithShape="0">
+              <a:prstClr val="black">
+                <a:alpha val="40000"/>
+              </a:prstClr>
+            </a:outerShdw>
+          </a:effectLst>
+        </p:spPr>
+        <p:style>
+          <a:lnRef idx="2">
+            <a:schemeClr val="accent4">
+              <a:shade val="50000"/>
+            </a:schemeClr>
+          </a:lnRef>
+          <a:fillRef idx="1">
+            <a:schemeClr val="accent4"/>
+          </a:fillRef>
+          <a:effectRef idx="0">
+            <a:schemeClr val="accent4"/>
+          </a:effectRef>
+          <a:fontRef idx="minor">
+            <a:schemeClr val="lt1"/>
+          </a:fontRef>
+        </p:style>
+        <p:txBody>
+          <a:bodyPr rot="0" spcFirstLastPara="0" vertOverflow="overflow" horzOverflow="overflow" vert="horz" wrap="square" lIns="91440" tIns="45720" rIns="91440" bIns="45720" numCol="1" spcCol="0" rtlCol="0" fromWordArt="0" anchor="ctr" anchorCtr="0" forceAA="0" compatLnSpc="1">
+            <a:prstTxWarp prst="textNoShape">
+              <a:avLst/>
+            </a:prstTxWarp>
+            <a:noAutofit/>
+          </a:bodyPr>
+          <a:lstStyle/>
+          <a:p>
+            <a:pPr algn="ctr"/>
+            <a:endParaRPr lang="hu-HU" sz="2400" err="1">
+              <a:solidFill>
+                <a:schemeClr val="tx2"/>
+              </a:solidFill>
+            </a:endParaRPr>
+          </a:p>
+        </p:txBody>
+      </p:sp>
+    </p:spTree>
+    <p:extLst>
+      <p:ext uri="{BB962C8B-B14F-4D97-AF65-F5344CB8AC3E}">
+        <p14:creationId xmlns:p14="http://schemas.microsoft.com/office/powerpoint/2010/main" val="1409034837"/>
+      </p:ext>
+    </p:extLst>
+  </p:cSld>
+  <p:clrMapOvr>
+    <a:masterClrMapping/>
+  </p:clrMapOvr>
+</p:sld>
+</file>
+
 <file path=ppt/slides/slide8.xml><?xml version="1.0" encoding="utf-8"?>
-<p:sld xmlns:a="http://schemas.openxmlformats.org/drawingml/2006/main" xmlns:r="http://schemas.openxmlformats.org/officeDocument/2006/relationships" xmlns:p="http://schemas.openxmlformats.org/presentationml/2006/main">
+<p:sld xmlns:a="http://schemas.openxmlformats.org/drawingml/2006/main" xmlns:r="http://schemas.openxmlformats.org/officeDocument/2006/relationships" xmlns:p="http://schemas.openxmlformats.org/presentationml/2006/main" show="0">
   <p:cSld>
     <p:spTree>
       <p:nvGrpSpPr>

--- a/Dobosy_Kristof_szakdolgozat_2017_GraphEngine_0.pptx
+++ b/Dobosy_Kristof_szakdolgozat_2017_GraphEngine_0.pptx
@@ -19,25 +19,25 @@
     <p:sldId id="332" r:id="rId7"/>
     <p:sldId id="329" r:id="rId8"/>
     <p:sldId id="334" r:id="rId9"/>
-    <p:sldId id="321" r:id="rId10"/>
-    <p:sldId id="335" r:id="rId11"/>
-    <p:sldId id="350" r:id="rId12"/>
-    <p:sldId id="349" r:id="rId13"/>
-    <p:sldId id="360" r:id="rId14"/>
-    <p:sldId id="359" r:id="rId15"/>
-    <p:sldId id="336" r:id="rId16"/>
-    <p:sldId id="344" r:id="rId17"/>
-    <p:sldId id="348" r:id="rId18"/>
-    <p:sldId id="357" r:id="rId19"/>
-    <p:sldId id="345" r:id="rId20"/>
-    <p:sldId id="341" r:id="rId21"/>
-    <p:sldId id="354" r:id="rId22"/>
-    <p:sldId id="355" r:id="rId23"/>
-    <p:sldId id="356" r:id="rId24"/>
-    <p:sldId id="351" r:id="rId25"/>
-    <p:sldId id="352" r:id="rId26"/>
-    <p:sldId id="353" r:id="rId27"/>
-    <p:sldId id="358" r:id="rId28"/>
+    <p:sldId id="335" r:id="rId10"/>
+    <p:sldId id="350" r:id="rId11"/>
+    <p:sldId id="349" r:id="rId12"/>
+    <p:sldId id="360" r:id="rId13"/>
+    <p:sldId id="359" r:id="rId14"/>
+    <p:sldId id="336" r:id="rId15"/>
+    <p:sldId id="344" r:id="rId16"/>
+    <p:sldId id="348" r:id="rId17"/>
+    <p:sldId id="357" r:id="rId18"/>
+    <p:sldId id="345" r:id="rId19"/>
+    <p:sldId id="341" r:id="rId20"/>
+    <p:sldId id="354" r:id="rId21"/>
+    <p:sldId id="355" r:id="rId22"/>
+    <p:sldId id="356" r:id="rId23"/>
+    <p:sldId id="351" r:id="rId24"/>
+    <p:sldId id="352" r:id="rId25"/>
+    <p:sldId id="353" r:id="rId26"/>
+    <p:sldId id="358" r:id="rId27"/>
+    <p:sldId id="321" r:id="rId28"/>
   </p:sldIdLst>
   <p:sldSz cx="9144000" cy="6858000" type="screen4x3"/>
   <p:notesSz cx="6858000" cy="9144000"/>
@@ -148,7 +148,6 @@
             <p14:sldId id="332"/>
             <p14:sldId id="329"/>
             <p14:sldId id="334"/>
-            <p14:sldId id="321"/>
             <p14:sldId id="335"/>
             <p14:sldId id="350"/>
             <p14:sldId id="349"/>
@@ -167,6 +166,7 @@
             <p14:sldId id="352"/>
             <p14:sldId id="353"/>
             <p14:sldId id="358"/>
+            <p14:sldId id="321"/>
           </p14:sldIdLst>
         </p14:section>
       </p14:sectionLst>
@@ -10679,7 +10679,6 @@
             <a:rPr lang="hu-HU"/>
             <a:t>Teljesítménymérés</a:t>
           </a:r>
-          <a:endParaRPr lang="hu-HU"/>
         </a:p>
       </dgm:t>
     </dgm:pt>
@@ -10716,7 +10715,6 @@
             <a:rPr lang="hu-HU"/>
             <a:t>Train Benchmark</a:t>
           </a:r>
-          <a:endParaRPr lang="hu-HU"/>
         </a:p>
       </dgm:t>
     </dgm:pt>
@@ -10753,7 +10751,6 @@
             <a:rPr lang="hu-HU"/>
             <a:t>Gráflekérdező motor</a:t>
           </a:r>
-          <a:endParaRPr lang="hu-HU"/>
         </a:p>
       </dgm:t>
     </dgm:pt>
@@ -10790,7 +10787,6 @@
             <a:rPr lang="hu-HU"/>
             <a:t>Graph Engine</a:t>
           </a:r>
-          <a:endParaRPr lang="hu-HU"/>
         </a:p>
       </dgm:t>
     </dgm:pt>
@@ -10827,7 +10823,6 @@
             <a:rPr lang="hu-HU"/>
             <a:t>Más eszközökön való futtatás</a:t>
           </a:r>
-          <a:endParaRPr lang="hu-HU"/>
         </a:p>
       </dgm:t>
     </dgm:pt>
@@ -10864,7 +10859,6 @@
             <a:rPr lang="hu-HU"/>
             <a:t>Létező implementációk</a:t>
           </a:r>
-          <a:endParaRPr lang="hu-HU"/>
         </a:p>
       </dgm:t>
     </dgm:pt>
@@ -10901,7 +10895,6 @@
             <a:rPr lang="hu-HU"/>
             <a:t>Konklúzió</a:t>
           </a:r>
-          <a:endParaRPr lang="hu-HU"/>
         </a:p>
       </dgm:t>
     </dgm:pt>
@@ -10938,7 +10931,6 @@
             <a:rPr lang="hu-HU"/>
             <a:t>Előnyök és hátrányok</a:t>
           </a:r>
-          <a:endParaRPr lang="hu-HU"/>
         </a:p>
       </dgm:t>
     </dgm:pt>
@@ -11047,8 +11039,8 @@
     <dgm:cxn modelId="{1F5482DD-1420-4FCA-9AB9-E64E1FC39253}" srcId="{7B1463DB-063C-40EE-867A-5F30DE8301C7}" destId="{A302E846-D0F4-486C-8657-E06E1A3B466F}" srcOrd="3" destOrd="0" parTransId="{FB9FE5EC-2BDD-4B51-9CBF-803E979B9F26}" sibTransId="{29804AFD-8979-4251-A5B4-5CBDB9BEFD70}"/>
     <dgm:cxn modelId="{F77C20DA-96E8-4C53-8B10-D75EAB7B5B51}" type="presOf" srcId="{2D74FAC3-C9A9-48F7-BE0D-A1D168D51653}" destId="{CD5D3ABB-1541-4680-B719-B4504FC739ED}" srcOrd="0" destOrd="0" presId="urn:microsoft.com/office/officeart/2005/8/layout/vList2"/>
     <dgm:cxn modelId="{4AD70A3F-994E-4013-9016-2A43C268EBC2}" srcId="{DA33B89D-AFDB-4449-BE03-444D7DAC6E2A}" destId="{2D74FAC3-C9A9-48F7-BE0D-A1D168D51653}" srcOrd="0" destOrd="0" parTransId="{E99778A7-435E-412E-99B3-52CC95510F23}" sibTransId="{9D9D9C35-8C2D-47A8-BE48-C8F204EB1D5B}"/>
+    <dgm:cxn modelId="{D5B498B5-A8AF-4532-83A9-D0CE33B9F197}" type="presOf" srcId="{7B1463DB-063C-40EE-867A-5F30DE8301C7}" destId="{DB644431-87BF-4CEF-8658-1DE153F843C7}" srcOrd="0" destOrd="0" presId="urn:microsoft.com/office/officeart/2005/8/layout/vList2"/>
     <dgm:cxn modelId="{490D4E61-5757-4ACA-8C68-F0787DB7CE31}" type="presOf" srcId="{F5530A9C-04D0-4D20-8146-5F25440F7C93}" destId="{76110F3A-99CE-4B67-A3AB-4EC064A8B1E7}" srcOrd="0" destOrd="0" presId="urn:microsoft.com/office/officeart/2005/8/layout/vList2"/>
-    <dgm:cxn modelId="{D5B498B5-A8AF-4532-83A9-D0CE33B9F197}" type="presOf" srcId="{7B1463DB-063C-40EE-867A-5F30DE8301C7}" destId="{DB644431-87BF-4CEF-8658-1DE153F843C7}" srcOrd="0" destOrd="0" presId="urn:microsoft.com/office/officeart/2005/8/layout/vList2"/>
     <dgm:cxn modelId="{D7E82364-5062-4D3D-88B1-9E35B29496BB}" srcId="{A302E846-D0F4-486C-8657-E06E1A3B466F}" destId="{7F59E6CA-D1A9-4473-B1FF-4B6199830160}" srcOrd="0" destOrd="0" parTransId="{7DDAEB08-D152-439F-BCEF-3314A17C7736}" sibTransId="{317F9A81-66AE-4246-B5A0-8EBF289FAB32}"/>
     <dgm:cxn modelId="{A2F09227-6398-4547-8D6B-462FBC1DFA23}" srcId="{F5530A9C-04D0-4D20-8146-5F25440F7C93}" destId="{3CFB1B11-D10F-42AE-AD77-5B035F5F7A55}" srcOrd="0" destOrd="0" parTransId="{29058E1F-4109-472C-940C-88E74483FB35}" sibTransId="{44DC252B-EE48-4F7B-A60C-088355B4324F}"/>
     <dgm:cxn modelId="{A993A64E-4006-4E39-9D28-D5CD1C984363}" srcId="{7B1463DB-063C-40EE-867A-5F30DE8301C7}" destId="{F5530A9C-04D0-4D20-8146-5F25440F7C93}" srcOrd="2" destOrd="0" parTransId="{E25BF57B-0EC9-4B43-B7B1-1A4B330897CB}" sibTransId="{9B3BFF7E-79CC-4A2D-BC7A-F997769F679D}"/>
@@ -11384,13 +11376,13 @@
     </dgm:pt>
   </dgm:ptLst>
   <dgm:cxnLst>
+    <dgm:cxn modelId="{68A24E57-CFA1-4FC6-B779-B454EED27763}" srcId="{0F5C71FB-DC0A-4435-A4A3-30556961B764}" destId="{873D64E5-836F-42BF-94D8-A0B32F9DDF71}" srcOrd="2" destOrd="0" parTransId="{B0EA63DC-3789-45FD-B51C-7238BAF39964}" sibTransId="{78F6155F-780F-49D0-8ACA-A0C5D81456EC}"/>
+    <dgm:cxn modelId="{E1CCCC6C-E788-4A70-8654-07C29B13CE9E}" srcId="{0F5C71FB-DC0A-4435-A4A3-30556961B764}" destId="{CCC83A34-ED71-4215-8084-98BE070DCD46}" srcOrd="0" destOrd="0" parTransId="{03878D47-2E76-4A46-B962-EDBC437218DE}" sibTransId="{8CD9424F-A2D5-458C-8FA8-AE807FA90376}"/>
+    <dgm:cxn modelId="{444ED4EC-292C-4996-800F-7950807CBBCB}" srcId="{0F5C71FB-DC0A-4435-A4A3-30556961B764}" destId="{E9185C5E-3FCA-4078-AA05-9E8F23E68DDE}" srcOrd="1" destOrd="0" parTransId="{4D32D35C-C45C-48AF-8DD1-E87DBAB885C7}" sibTransId="{6A88633D-FC97-4256-927B-1329D1A4D012}"/>
     <dgm:cxn modelId="{2BE72191-B68E-4FE1-A323-8EA71F689846}" type="presOf" srcId="{0F5C71FB-DC0A-4435-A4A3-30556961B764}" destId="{FB0A922D-E824-4BF8-879D-C96C272A03BF}" srcOrd="0" destOrd="0" presId="urn:microsoft.com/office/officeart/2008/layout/LinedList"/>
     <dgm:cxn modelId="{E7F1E5FB-0C2F-46D0-966C-F25F56547C65}" type="presOf" srcId="{873D64E5-836F-42BF-94D8-A0B32F9DDF71}" destId="{5FCC7BC8-A5D1-4DFA-AD7C-CF4F7B8F01AD}" srcOrd="0" destOrd="0" presId="urn:microsoft.com/office/officeart/2008/layout/LinedList"/>
+    <dgm:cxn modelId="{878D0A8B-FAE7-4E68-9E7D-AA9B202B48CA}" type="presOf" srcId="{E9185C5E-3FCA-4078-AA05-9E8F23E68DDE}" destId="{984B2C13-E746-4DF3-9794-4BFF9A384AB9}" srcOrd="0" destOrd="0" presId="urn:microsoft.com/office/officeart/2008/layout/LinedList"/>
     <dgm:cxn modelId="{AC5F2A02-4360-4FC9-B910-D983E3406E3F}" type="presOf" srcId="{CCC83A34-ED71-4215-8084-98BE070DCD46}" destId="{B6D80E60-DC2F-4ECE-A703-808FFEF48425}" srcOrd="0" destOrd="0" presId="urn:microsoft.com/office/officeart/2008/layout/LinedList"/>
-    <dgm:cxn modelId="{E1CCCC6C-E788-4A70-8654-07C29B13CE9E}" srcId="{0F5C71FB-DC0A-4435-A4A3-30556961B764}" destId="{CCC83A34-ED71-4215-8084-98BE070DCD46}" srcOrd="0" destOrd="0" parTransId="{03878D47-2E76-4A46-B962-EDBC437218DE}" sibTransId="{8CD9424F-A2D5-458C-8FA8-AE807FA90376}"/>
-    <dgm:cxn modelId="{444ED4EC-292C-4996-800F-7950807CBBCB}" srcId="{0F5C71FB-DC0A-4435-A4A3-30556961B764}" destId="{E9185C5E-3FCA-4078-AA05-9E8F23E68DDE}" srcOrd="1" destOrd="0" parTransId="{4D32D35C-C45C-48AF-8DD1-E87DBAB885C7}" sibTransId="{6A88633D-FC97-4256-927B-1329D1A4D012}"/>
-    <dgm:cxn modelId="{878D0A8B-FAE7-4E68-9E7D-AA9B202B48CA}" type="presOf" srcId="{E9185C5E-3FCA-4078-AA05-9E8F23E68DDE}" destId="{984B2C13-E746-4DF3-9794-4BFF9A384AB9}" srcOrd="0" destOrd="0" presId="urn:microsoft.com/office/officeart/2008/layout/LinedList"/>
-    <dgm:cxn modelId="{68A24E57-CFA1-4FC6-B779-B454EED27763}" srcId="{0F5C71FB-DC0A-4435-A4A3-30556961B764}" destId="{873D64E5-836F-42BF-94D8-A0B32F9DDF71}" srcOrd="2" destOrd="0" parTransId="{B0EA63DC-3789-45FD-B51C-7238BAF39964}" sibTransId="{78F6155F-780F-49D0-8ACA-A0C5D81456EC}"/>
     <dgm:cxn modelId="{EA962502-01E9-4460-B73C-5F16FBEC4CC6}" type="presParOf" srcId="{FB0A922D-E824-4BF8-879D-C96C272A03BF}" destId="{D92CA37C-CB2E-473D-A518-7D5FCA64D1B1}" srcOrd="0" destOrd="0" presId="urn:microsoft.com/office/officeart/2008/layout/LinedList"/>
     <dgm:cxn modelId="{7E094F70-9FC2-464A-A9A9-BCCE97774002}" type="presParOf" srcId="{FB0A922D-E824-4BF8-879D-C96C272A03BF}" destId="{616F010A-E41F-4FFA-AFF1-ECC5EB330676}" srcOrd="1" destOrd="0" presId="urn:microsoft.com/office/officeart/2008/layout/LinedList"/>
     <dgm:cxn modelId="{ED6C5706-E4C3-46DA-96E3-71C7CE3311E0}" type="presParOf" srcId="{616F010A-E41F-4FFA-AFF1-ECC5EB330676}" destId="{B6D80E60-DC2F-4ECE-A703-808FFEF48425}" srcOrd="0" destOrd="0" presId="urn:microsoft.com/office/officeart/2008/layout/LinedList"/>
@@ -14032,8 +14024,8 @@
         <a:lstStyle/>
         <a:p>
           <a:r>
-            <a:rPr lang="en-US" dirty="0" err="1"/>
-            <a:t>Hány</a:t>
+            <a:rPr lang="hu-HU" dirty="0"/>
+            <a:t>10</a:t>
           </a:r>
           <a:r>
             <a:rPr lang="en-US" dirty="0"/>
@@ -14935,19 +14927,19 @@
     </dgm:pt>
   </dgm:ptLst>
   <dgm:cxnLst>
+    <dgm:cxn modelId="{260E1E07-3643-4612-8020-102596171EDE}" type="presOf" srcId="{BED8E5D3-9B08-47FD-87A3-93717DBBD3C3}" destId="{70A80EEA-7031-44FA-873F-826F837E98A5}" srcOrd="0" destOrd="0" presId="urn:microsoft.com/office/officeart/2005/8/layout/vList2"/>
+    <dgm:cxn modelId="{2969E166-E029-48AF-B615-0A2D277F4C9F}" type="presOf" srcId="{F34E9070-50CC-468C-A875-8A5D0CBC483E}" destId="{6675BA72-125B-4E33-B797-290747844A4D}" srcOrd="0" destOrd="0" presId="urn:microsoft.com/office/officeart/2005/8/layout/vList2"/>
+    <dgm:cxn modelId="{2A9E9735-23AD-46CB-8EA5-1EB279B466C0}" type="presOf" srcId="{59D516C2-7DE6-48A3-A42D-B3FE85DB3394}" destId="{51DD6D3B-5562-4A8B-B8FD-0B9BEDF08F4C}" srcOrd="0" destOrd="0" presId="urn:microsoft.com/office/officeart/2005/8/layout/vList2"/>
     <dgm:cxn modelId="{125DBBC5-FC10-461E-85A3-DBB46673ACDF}" srcId="{59D516C2-7DE6-48A3-A42D-B3FE85DB3394}" destId="{50478BC3-7606-4B57-9F76-97C6D3D64996}" srcOrd="1" destOrd="0" parTransId="{F83CBFAB-DFD3-49AB-99B9-59C9EAAA7F55}" sibTransId="{48F0E2E8-B35A-4599-B846-3B6DE4046CED}"/>
+    <dgm:cxn modelId="{D53F0562-23F4-4EF1-AA41-63F7342212AA}" srcId="{BED8E5D3-9B08-47FD-87A3-93717DBBD3C3}" destId="{59D516C2-7DE6-48A3-A42D-B3FE85DB3394}" srcOrd="2" destOrd="0" parTransId="{86FE2646-2DE2-455F-BDCB-1A3D16AF24D7}" sibTransId="{BDE7162B-4F4E-4832-97C5-FDED38AAF779}"/>
     <dgm:cxn modelId="{0C9C4AEE-1D78-446F-A0DD-ECBA8B2EBD40}" type="presOf" srcId="{653AD1D0-B6C7-4F64-931F-EE917382B7CC}" destId="{CFDB7E57-D6E0-49A6-B7E9-B7D9A5285696}" srcOrd="0" destOrd="2" presId="urn:microsoft.com/office/officeart/2005/8/layout/vList2"/>
+    <dgm:cxn modelId="{F40CDAD4-731A-4844-85FB-4AC6F363ED54}" srcId="{59D516C2-7DE6-48A3-A42D-B3FE85DB3394}" destId="{653AD1D0-B6C7-4F64-931F-EE917382B7CC}" srcOrd="2" destOrd="0" parTransId="{BCEE53CF-215A-4893-A1F0-1F0CFC14C48F}" sibTransId="{4AA8C3E2-8CE0-492C-9950-A1A10FD643D3}"/>
+    <dgm:cxn modelId="{20F3D4FA-8700-4D93-B38A-0DD76E955C9C}" type="presOf" srcId="{61B42AF4-5AFA-4177-A9A3-1EC93CEE3E91}" destId="{CED6D60E-21FA-49E9-A532-FDCDF9225B86}" srcOrd="0" destOrd="0" presId="urn:microsoft.com/office/officeart/2005/8/layout/vList2"/>
+    <dgm:cxn modelId="{EBEA21B5-7F25-4F68-9C4D-2D3BFDFA19DB}" type="presOf" srcId="{07D9BDC5-00EA-4C21-AEDF-A04FC4A0DF96}" destId="{CFDB7E57-D6E0-49A6-B7E9-B7D9A5285696}" srcOrd="0" destOrd="0" presId="urn:microsoft.com/office/officeart/2005/8/layout/vList2"/>
     <dgm:cxn modelId="{186A8167-39F5-4D09-8C1E-BF5615B1F12C}" srcId="{59D516C2-7DE6-48A3-A42D-B3FE85DB3394}" destId="{07D9BDC5-00EA-4C21-AEDF-A04FC4A0DF96}" srcOrd="0" destOrd="0" parTransId="{42AEE6DA-8C94-4B40-87AF-EC195697F156}" sibTransId="{071F226E-3A3E-4999-BE72-C8BED6546FD2}"/>
     <dgm:cxn modelId="{5CE730CB-5E50-426B-A47C-C05A5FB57C49}" srcId="{BED8E5D3-9B08-47FD-87A3-93717DBBD3C3}" destId="{F34E9070-50CC-468C-A875-8A5D0CBC483E}" srcOrd="0" destOrd="0" parTransId="{E00AA861-BABA-4DAB-94A5-7801795032B9}" sibTransId="{50B21418-E56A-4B48-97B8-1C6EB2A4DB0A}"/>
-    <dgm:cxn modelId="{EBEA21B5-7F25-4F68-9C4D-2D3BFDFA19DB}" type="presOf" srcId="{07D9BDC5-00EA-4C21-AEDF-A04FC4A0DF96}" destId="{CFDB7E57-D6E0-49A6-B7E9-B7D9A5285696}" srcOrd="0" destOrd="0" presId="urn:microsoft.com/office/officeart/2005/8/layout/vList2"/>
-    <dgm:cxn modelId="{260E1E07-3643-4612-8020-102596171EDE}" type="presOf" srcId="{BED8E5D3-9B08-47FD-87A3-93717DBBD3C3}" destId="{70A80EEA-7031-44FA-873F-826F837E98A5}" srcOrd="0" destOrd="0" presId="urn:microsoft.com/office/officeart/2005/8/layout/vList2"/>
-    <dgm:cxn modelId="{F40CDAD4-731A-4844-85FB-4AC6F363ED54}" srcId="{59D516C2-7DE6-48A3-A42D-B3FE85DB3394}" destId="{653AD1D0-B6C7-4F64-931F-EE917382B7CC}" srcOrd="2" destOrd="0" parTransId="{BCEE53CF-215A-4893-A1F0-1F0CFC14C48F}" sibTransId="{4AA8C3E2-8CE0-492C-9950-A1A10FD643D3}"/>
     <dgm:cxn modelId="{B6382388-CB7E-4B9C-BF95-423F2461B696}" srcId="{BED8E5D3-9B08-47FD-87A3-93717DBBD3C3}" destId="{61B42AF4-5AFA-4177-A9A3-1EC93CEE3E91}" srcOrd="1" destOrd="0" parTransId="{123711F7-336A-4153-82D1-F1C5BE252238}" sibTransId="{CF5A014A-4A7E-4886-905B-C5354B443D1E}"/>
-    <dgm:cxn modelId="{2969E166-E029-48AF-B615-0A2D277F4C9F}" type="presOf" srcId="{F34E9070-50CC-468C-A875-8A5D0CBC483E}" destId="{6675BA72-125B-4E33-B797-290747844A4D}" srcOrd="0" destOrd="0" presId="urn:microsoft.com/office/officeart/2005/8/layout/vList2"/>
-    <dgm:cxn modelId="{20F3D4FA-8700-4D93-B38A-0DD76E955C9C}" type="presOf" srcId="{61B42AF4-5AFA-4177-A9A3-1EC93CEE3E91}" destId="{CED6D60E-21FA-49E9-A532-FDCDF9225B86}" srcOrd="0" destOrd="0" presId="urn:microsoft.com/office/officeart/2005/8/layout/vList2"/>
-    <dgm:cxn modelId="{D53F0562-23F4-4EF1-AA41-63F7342212AA}" srcId="{BED8E5D3-9B08-47FD-87A3-93717DBBD3C3}" destId="{59D516C2-7DE6-48A3-A42D-B3FE85DB3394}" srcOrd="2" destOrd="0" parTransId="{86FE2646-2DE2-455F-BDCB-1A3D16AF24D7}" sibTransId="{BDE7162B-4F4E-4832-97C5-FDED38AAF779}"/>
     <dgm:cxn modelId="{0E10F5BD-C6E6-4298-B5FC-2CF099F2AB60}" type="presOf" srcId="{50478BC3-7606-4B57-9F76-97C6D3D64996}" destId="{CFDB7E57-D6E0-49A6-B7E9-B7D9A5285696}" srcOrd="0" destOrd="1" presId="urn:microsoft.com/office/officeart/2005/8/layout/vList2"/>
-    <dgm:cxn modelId="{2A9E9735-23AD-46CB-8EA5-1EB279B466C0}" type="presOf" srcId="{59D516C2-7DE6-48A3-A42D-B3FE85DB3394}" destId="{51DD6D3B-5562-4A8B-B8FD-0B9BEDF08F4C}" srcOrd="0" destOrd="0" presId="urn:microsoft.com/office/officeart/2005/8/layout/vList2"/>
     <dgm:cxn modelId="{7AE13EE8-AB41-4F4C-AE66-6C87BDE2E186}" type="presParOf" srcId="{70A80EEA-7031-44FA-873F-826F837E98A5}" destId="{6675BA72-125B-4E33-B797-290747844A4D}" srcOrd="0" destOrd="0" presId="urn:microsoft.com/office/officeart/2005/8/layout/vList2"/>
     <dgm:cxn modelId="{D9291742-2F73-4E23-B35C-6BE3043634CF}" type="presParOf" srcId="{70A80EEA-7031-44FA-873F-826F837E98A5}" destId="{953D2486-3B26-41C9-89DB-E454CD18319F}" srcOrd="1" destOrd="0" presId="urn:microsoft.com/office/officeart/2005/8/layout/vList2"/>
     <dgm:cxn modelId="{702A737B-07E9-4A5B-ADBE-94EFB74FCA37}" type="presParOf" srcId="{70A80EEA-7031-44FA-873F-826F837E98A5}" destId="{CED6D60E-21FA-49E9-A532-FDCDF9225B86}" srcOrd="2" destOrd="0" presId="urn:microsoft.com/office/officeart/2005/8/layout/vList2"/>
@@ -16538,7 +16530,6 @@
             <a:rPr lang="hu-HU" sz="2400" dirty="0"/>
             <a:t>, de nem minden szempontból</a:t>
           </a:r>
-          <a:endParaRPr lang="hu-HU" sz="2400" dirty="0"/>
         </a:p>
       </dgm:t>
     </dgm:pt>
@@ -16669,11 +16660,11 @@
     </dgm:pt>
   </dgm:ptLst>
   <dgm:cxnLst>
+    <dgm:cxn modelId="{B8A1A20C-C0EF-4F67-BB78-1F296165B796}" type="presOf" srcId="{5AD29136-70F2-4E26-AC4B-F108117A7F45}" destId="{64FB84C1-4CA0-46A8-9EDE-DCCFD954D105}" srcOrd="0" destOrd="0" presId="urn:microsoft.com/office/officeart/2008/layout/LinedList"/>
+    <dgm:cxn modelId="{47C15054-4736-421E-95BF-6F6D1870A261}" srcId="{5AD29136-70F2-4E26-AC4B-F108117A7F45}" destId="{858EBB39-2F17-46C9-B258-EBFC9203F493}" srcOrd="0" destOrd="0" parTransId="{C8E70F4F-AD03-4FB9-AC79-C78B722FADD0}" sibTransId="{F1B867F9-9792-4322-912B-D018BB55902A}"/>
     <dgm:cxn modelId="{592521C9-D6D4-40B2-9409-A494447E1702}" srcId="{5AD29136-70F2-4E26-AC4B-F108117A7F45}" destId="{A24C09C7-EB03-4058-908D-2790B435A1D7}" srcOrd="1" destOrd="0" parTransId="{D755FAE1-48CD-4E6C-B485-99E09CDAE7ED}" sibTransId="{128AD94F-1ECC-4767-96E5-00FB0F3D4814}"/>
+    <dgm:cxn modelId="{D0E2E8B6-884B-4E7A-B4FD-0DEBEA644131}" type="presOf" srcId="{858EBB39-2F17-46C9-B258-EBFC9203F493}" destId="{61289DE1-85B0-4627-AE09-252FEA2A5C42}" srcOrd="0" destOrd="0" presId="urn:microsoft.com/office/officeart/2008/layout/LinedList"/>
     <dgm:cxn modelId="{9372AFD9-89A2-415E-8EDB-2E3FC4C4D755}" type="presOf" srcId="{A24C09C7-EB03-4058-908D-2790B435A1D7}" destId="{9DDDDE57-EE07-468F-9297-CE21F49D9A71}" srcOrd="0" destOrd="0" presId="urn:microsoft.com/office/officeart/2008/layout/LinedList"/>
-    <dgm:cxn modelId="{B8A1A20C-C0EF-4F67-BB78-1F296165B796}" type="presOf" srcId="{5AD29136-70F2-4E26-AC4B-F108117A7F45}" destId="{64FB84C1-4CA0-46A8-9EDE-DCCFD954D105}" srcOrd="0" destOrd="0" presId="urn:microsoft.com/office/officeart/2008/layout/LinedList"/>
-    <dgm:cxn modelId="{D0E2E8B6-884B-4E7A-B4FD-0DEBEA644131}" type="presOf" srcId="{858EBB39-2F17-46C9-B258-EBFC9203F493}" destId="{61289DE1-85B0-4627-AE09-252FEA2A5C42}" srcOrd="0" destOrd="0" presId="urn:microsoft.com/office/officeart/2008/layout/LinedList"/>
-    <dgm:cxn modelId="{47C15054-4736-421E-95BF-6F6D1870A261}" srcId="{5AD29136-70F2-4E26-AC4B-F108117A7F45}" destId="{858EBB39-2F17-46C9-B258-EBFC9203F493}" srcOrd="0" destOrd="0" parTransId="{C8E70F4F-AD03-4FB9-AC79-C78B722FADD0}" sibTransId="{F1B867F9-9792-4322-912B-D018BB55902A}"/>
     <dgm:cxn modelId="{57C7CF84-02FF-4E0B-BFDF-BDE0A2B6F4AD}" type="presParOf" srcId="{64FB84C1-4CA0-46A8-9EDE-DCCFD954D105}" destId="{A70009AE-A811-48AD-B681-19EBBF8D573C}" srcOrd="0" destOrd="0" presId="urn:microsoft.com/office/officeart/2008/layout/LinedList"/>
     <dgm:cxn modelId="{34ACCD47-4FFC-4196-9644-4ED0D8D3010A}" type="presParOf" srcId="{64FB84C1-4CA0-46A8-9EDE-DCCFD954D105}" destId="{B6C72F4B-21AA-4F37-BF97-12FD54EBF9EE}" srcOrd="1" destOrd="0" presId="urn:microsoft.com/office/officeart/2008/layout/LinedList"/>
     <dgm:cxn modelId="{A24DE098-D8FB-419B-A32C-1B19DBD736D0}" type="presParOf" srcId="{B6C72F4B-21AA-4F37-BF97-12FD54EBF9EE}" destId="{61289DE1-85B0-4627-AE09-252FEA2A5C42}" srcOrd="0" destOrd="0" presId="urn:microsoft.com/office/officeart/2008/layout/LinedList"/>
@@ -16771,7 +16762,6 @@
             <a:rPr lang="hu-HU" sz="3400" kern="1200"/>
             <a:t>Teljesítménymérés</a:t>
           </a:r>
-          <a:endParaRPr lang="hu-HU" sz="3400" kern="1200"/>
         </a:p>
       </dsp:txBody>
       <dsp:txXfrm>
@@ -16832,7 +16822,6 @@
             <a:rPr lang="hu-HU" sz="2700" kern="1200"/>
             <a:t>Train Benchmark</a:t>
           </a:r>
-          <a:endParaRPr lang="hu-HU" sz="2700" kern="1200"/>
         </a:p>
       </dsp:txBody>
       <dsp:txXfrm>
@@ -16910,7 +16899,6 @@
             <a:rPr lang="hu-HU" sz="3400" kern="1200"/>
             <a:t>Gráflekérdező motor</a:t>
           </a:r>
-          <a:endParaRPr lang="hu-HU" sz="3400" kern="1200"/>
         </a:p>
       </dsp:txBody>
       <dsp:txXfrm>
@@ -16971,7 +16959,6 @@
             <a:rPr lang="hu-HU" sz="2700" kern="1200"/>
             <a:t>Graph Engine</a:t>
           </a:r>
-          <a:endParaRPr lang="hu-HU" sz="2700" kern="1200"/>
         </a:p>
       </dsp:txBody>
       <dsp:txXfrm>
@@ -17049,7 +17036,6 @@
             <a:rPr lang="hu-HU" sz="3400" kern="1200"/>
             <a:t>Más eszközökön való futtatás</a:t>
           </a:r>
-          <a:endParaRPr lang="hu-HU" sz="3400" kern="1200"/>
         </a:p>
       </dsp:txBody>
       <dsp:txXfrm>
@@ -17110,7 +17096,6 @@
             <a:rPr lang="hu-HU" sz="2700" kern="1200"/>
             <a:t>Létező implementációk</a:t>
           </a:r>
-          <a:endParaRPr lang="hu-HU" sz="2700" kern="1200"/>
         </a:p>
       </dsp:txBody>
       <dsp:txXfrm>
@@ -17188,7 +17173,6 @@
             <a:rPr lang="hu-HU" sz="3400" kern="1200"/>
             <a:t>Konklúzió</a:t>
           </a:r>
-          <a:endParaRPr lang="hu-HU" sz="3400" kern="1200"/>
         </a:p>
       </dsp:txBody>
       <dsp:txXfrm>
@@ -17249,7 +17233,6 @@
             <a:rPr lang="hu-HU" sz="2700" kern="1200"/>
             <a:t>Előnyök és hátrányok</a:t>
           </a:r>
-          <a:endParaRPr lang="hu-HU" sz="2700" kern="1200"/>
         </a:p>
       </dsp:txBody>
       <dsp:txXfrm>
@@ -20871,8 +20854,8 @@
             <a:buChar char="•"/>
           </a:pPr>
           <a:r>
-            <a:rPr lang="en-US" sz="1800" kern="1200" dirty="0" err="1"/>
-            <a:t>Hány</a:t>
+            <a:rPr lang="hu-HU" sz="1800" kern="1200" dirty="0"/>
+            <a:t>10</a:t>
           </a:r>
           <a:r>
             <a:rPr lang="en-US" sz="1800" kern="1200" dirty="0"/>
@@ -23550,7 +23533,6 @@
             <a:rPr lang="hu-HU" sz="2400" kern="1200" dirty="0"/>
             <a:t>, de nem minden szempontból</a:t>
           </a:r>
-          <a:endParaRPr lang="hu-HU" sz="2400" kern="1200" dirty="0"/>
         </a:p>
       </dsp:txBody>
       <dsp:txXfrm>
@@ -42412,7 +42394,7 @@
           <a:p>
             <a:fld id="{D320DF98-73A7-40A6-8A84-2EB5B4F2C4CC}" type="datetimeFigureOut">
               <a:rPr lang="hu-HU" smtClean="0"/>
-              <a:t>2017.06.13.</a:t>
+              <a:t>2017.06.14.</a:t>
             </a:fld>
             <a:endParaRPr lang="hu-HU"/>
           </a:p>
@@ -42578,7 +42560,7 @@
             <a:fld id="{B9130191-0BE1-0142-AFC1-0297AE024A0E}" type="datetimeFigureOut">
               <a:rPr lang="en-US" smtClean="0"/>
               <a:pPr/>
-              <a:t>6/13/2017</a:t>
+              <a:t>6/14/2017</a:t>
             </a:fld>
             <a:endParaRPr lang="en-US"/>
           </a:p>
@@ -42980,15 +42962,68 @@
           <a:p>
             <a:r>
               <a:rPr lang="hu-HU" dirty="0"/>
-              <a:t>RDF4J</a:t>
+              <a:t>Mérésre a </a:t>
+            </a:r>
+            <a:r>
+              <a:rPr lang="hu-HU" dirty="0" err="1"/>
+              <a:t>Stopwatch</a:t>
+            </a:r>
+            <a:r>
+              <a:rPr lang="hu-HU" dirty="0"/>
+              <a:t> osztályt választottam</a:t>
+            </a:r>
+          </a:p>
+          <a:p>
+            <a:r>
+              <a:rPr lang="hu-HU" dirty="0"/>
+              <a:t>Ennek pontossága </a:t>
+            </a:r>
+            <a:r>
+              <a:rPr lang="hu-HU" dirty="0" err="1"/>
+              <a:t>ms</a:t>
+            </a:r>
+            <a:r>
+              <a:rPr lang="hu-HU" dirty="0"/>
+              <a:t> vagy </a:t>
+            </a:r>
+            <a:r>
+              <a:rPr lang="hu-HU" dirty="0" err="1"/>
+              <a:t>ElapsedTicks</a:t>
+            </a:r>
+            <a:endParaRPr lang="hu-HU" baseline="0" dirty="0"/>
+          </a:p>
+          <a:p>
+            <a:r>
+              <a:rPr lang="hu-HU" baseline="0" dirty="0"/>
+              <a:t>Eredetileg úgy gondoltam, hogy a </a:t>
+            </a:r>
+            <a:r>
+              <a:rPr lang="hu-HU" baseline="0" dirty="0" err="1"/>
+              <a:t>ms</a:t>
             </a:r>
             <a:r>
               <a:rPr lang="hu-HU" baseline="0" dirty="0"/>
-              <a:t> és Jena RDF gráf alapú eszközök, ezért ezt választottam ki</a:t>
+              <a:t> pontosság kevés, ezért </a:t>
+            </a:r>
+            <a:r>
+              <a:rPr lang="hu-HU" baseline="0" dirty="0" err="1"/>
+              <a:t>ElapsedTicks</a:t>
+            </a:r>
+            <a:r>
+              <a:rPr lang="hu-HU" baseline="0" dirty="0"/>
+              <a:t>/</a:t>
+            </a:r>
+            <a:r>
+              <a:rPr lang="hu-HU" baseline="0" dirty="0" err="1"/>
+              <a:t>Frequency</a:t>
+            </a:r>
+            <a:r>
+              <a:rPr lang="hu-HU" baseline="0" dirty="0"/>
+              <a:t>-vel lehet nagyobb pontosságot elérni</a:t>
             </a:r>
           </a:p>
           <a:p>
-            <a:endParaRPr lang="hu-HU" baseline="0" dirty="0"/>
+            <a:endParaRPr lang="hu-HU" dirty="0"/>
           </a:p>
         </p:txBody>
       </p:sp>
@@ -43019,7 +43054,7 @@
     </p:spTree>
     <p:extLst>
       <p:ext uri="{BB962C8B-B14F-4D97-AF65-F5344CB8AC3E}">
-        <p14:creationId xmlns:p14="http://schemas.microsoft.com/office/powerpoint/2010/main" val="2621123209"/>
+        <p14:creationId xmlns:p14="http://schemas.microsoft.com/office/powerpoint/2010/main" val="63176455"/>
       </p:ext>
     </p:extLst>
   </p:cSld>
@@ -43167,7 +43202,7 @@
     </p:spTree>
     <p:extLst>
       <p:ext uri="{BB962C8B-B14F-4D97-AF65-F5344CB8AC3E}">
-        <p14:creationId xmlns:p14="http://schemas.microsoft.com/office/powerpoint/2010/main" val="63176455"/>
+        <p14:creationId xmlns:p14="http://schemas.microsoft.com/office/powerpoint/2010/main" val="1865291108"/>
       </p:ext>
     </p:extLst>
   </p:cSld>
@@ -43315,7 +43350,7 @@
     </p:spTree>
     <p:extLst>
       <p:ext uri="{BB962C8B-B14F-4D97-AF65-F5344CB8AC3E}">
-        <p14:creationId xmlns:p14="http://schemas.microsoft.com/office/powerpoint/2010/main" val="1865291108"/>
+        <p14:creationId xmlns:p14="http://schemas.microsoft.com/office/powerpoint/2010/main" val="3620323683"/>
       </p:ext>
     </p:extLst>
   </p:cSld>
@@ -43326,154 +43361,6 @@
 </file>
 
 <file path=ppt/notesSlides/notesSlide13.xml><?xml version="1.0" encoding="utf-8"?>
-<p:notes xmlns:a="http://schemas.openxmlformats.org/drawingml/2006/main" xmlns:r="http://schemas.openxmlformats.org/officeDocument/2006/relationships" xmlns:p="http://schemas.openxmlformats.org/presentationml/2006/main">
-  <p:cSld>
-    <p:spTree>
-      <p:nvGrpSpPr>
-        <p:cNvPr id="1" name=""/>
-        <p:cNvGrpSpPr/>
-        <p:nvPr/>
-      </p:nvGrpSpPr>
-      <p:grpSpPr>
-        <a:xfrm>
-          <a:off x="0" y="0"/>
-          <a:ext cx="0" cy="0"/>
-          <a:chOff x="0" y="0"/>
-          <a:chExt cx="0" cy="0"/>
-        </a:xfrm>
-      </p:grpSpPr>
-      <p:sp>
-        <p:nvSpPr>
-          <p:cNvPr id="2" name="Slide Image Placeholder 1"/>
-          <p:cNvSpPr>
-            <a:spLocks noGrp="1" noRot="1" noChangeAspect="1"/>
-          </p:cNvSpPr>
-          <p:nvPr>
-            <p:ph type="sldImg"/>
-          </p:nvPr>
-        </p:nvSpPr>
-        <p:spPr/>
-      </p:sp>
-      <p:sp>
-        <p:nvSpPr>
-          <p:cNvPr id="3" name="Notes Placeholder 2"/>
-          <p:cNvSpPr>
-            <a:spLocks noGrp="1"/>
-          </p:cNvSpPr>
-          <p:nvPr>
-            <p:ph type="body" idx="1"/>
-          </p:nvPr>
-        </p:nvSpPr>
-        <p:spPr/>
-        <p:txBody>
-          <a:bodyPr/>
-          <a:lstStyle/>
-          <a:p>
-            <a:r>
-              <a:rPr lang="hu-HU" dirty="0"/>
-              <a:t>Mérésre a </a:t>
-            </a:r>
-            <a:r>
-              <a:rPr lang="hu-HU" dirty="0" err="1"/>
-              <a:t>Stopwatch</a:t>
-            </a:r>
-            <a:r>
-              <a:rPr lang="hu-HU" dirty="0"/>
-              <a:t> osztályt választottam</a:t>
-            </a:r>
-          </a:p>
-          <a:p>
-            <a:r>
-              <a:rPr lang="hu-HU" dirty="0"/>
-              <a:t>Ennek pontossága </a:t>
-            </a:r>
-            <a:r>
-              <a:rPr lang="hu-HU" dirty="0" err="1"/>
-              <a:t>ms</a:t>
-            </a:r>
-            <a:r>
-              <a:rPr lang="hu-HU" dirty="0"/>
-              <a:t> vagy </a:t>
-            </a:r>
-            <a:r>
-              <a:rPr lang="hu-HU" dirty="0" err="1"/>
-              <a:t>ElapsedTicks</a:t>
-            </a:r>
-            <a:endParaRPr lang="hu-HU" baseline="0" dirty="0"/>
-          </a:p>
-          <a:p>
-            <a:r>
-              <a:rPr lang="hu-HU" baseline="0" dirty="0"/>
-              <a:t>Eredetileg úgy gondoltam, hogy a </a:t>
-            </a:r>
-            <a:r>
-              <a:rPr lang="hu-HU" baseline="0" dirty="0" err="1"/>
-              <a:t>ms</a:t>
-            </a:r>
-            <a:r>
-              <a:rPr lang="hu-HU" baseline="0" dirty="0"/>
-              <a:t> pontosság kevés, ezért </a:t>
-            </a:r>
-            <a:r>
-              <a:rPr lang="hu-HU" baseline="0" dirty="0" err="1"/>
-              <a:t>ElapsedTicks</a:t>
-            </a:r>
-            <a:r>
-              <a:rPr lang="hu-HU" baseline="0" dirty="0"/>
-              <a:t>/</a:t>
-            </a:r>
-            <a:r>
-              <a:rPr lang="hu-HU" baseline="0" dirty="0" err="1"/>
-              <a:t>Frequency</a:t>
-            </a:r>
-            <a:r>
-              <a:rPr lang="hu-HU" baseline="0" dirty="0"/>
-              <a:t>-vel lehet nagyobb pontosságot elérni</a:t>
-            </a:r>
-          </a:p>
-          <a:p>
-            <a:endParaRPr lang="hu-HU" dirty="0"/>
-          </a:p>
-        </p:txBody>
-      </p:sp>
-      <p:sp>
-        <p:nvSpPr>
-          <p:cNvPr id="4" name="Slide Number Placeholder 3"/>
-          <p:cNvSpPr>
-            <a:spLocks noGrp="1"/>
-          </p:cNvSpPr>
-          <p:nvPr>
-            <p:ph type="sldNum" sz="quarter" idx="10"/>
-          </p:nvPr>
-        </p:nvSpPr>
-        <p:spPr/>
-        <p:txBody>
-          <a:bodyPr/>
-          <a:lstStyle/>
-          <a:p>
-            <a:fld id="{A70A3C59-3253-3B42-8BE0-F6D0BA6B0441}" type="slidenum">
-              <a:rPr lang="en-US" smtClean="0"/>
-              <a:pPr/>
-              <a:t>13</a:t>
-            </a:fld>
-            <a:endParaRPr lang="en-US"/>
-          </a:p>
-        </p:txBody>
-      </p:sp>
-    </p:spTree>
-    <p:extLst>
-      <p:ext uri="{BB962C8B-B14F-4D97-AF65-F5344CB8AC3E}">
-        <p14:creationId xmlns:p14="http://schemas.microsoft.com/office/powerpoint/2010/main" val="3620323683"/>
-      </p:ext>
-    </p:extLst>
-  </p:cSld>
-  <p:clrMapOvr>
-    <a:masterClrMapping/>
-  </p:clrMapOvr>
-</p:notes>
-</file>
-
-<file path=ppt/notesSlides/notesSlide14.xml><?xml version="1.0" encoding="utf-8"?>
 <p:notes xmlns:a="http://schemas.openxmlformats.org/drawingml/2006/main" xmlns:r="http://schemas.openxmlformats.org/officeDocument/2006/relationships" xmlns:p="http://schemas.openxmlformats.org/presentationml/2006/main">
   <p:cSld>
     <p:spTree>
@@ -43574,7 +43461,7 @@
             <a:fld id="{A70A3C59-3253-3B42-8BE0-F6D0BA6B0441}" type="slidenum">
               <a:rPr lang="en-US" smtClean="0"/>
               <a:pPr/>
-              <a:t>14</a:t>
+              <a:t>13</a:t>
             </a:fld>
             <a:endParaRPr lang="en-US"/>
           </a:p>
@@ -43593,7 +43480,7 @@
 </p:notes>
 </file>
 
-<file path=ppt/notesSlides/notesSlide15.xml><?xml version="1.0" encoding="utf-8"?>
+<file path=ppt/notesSlides/notesSlide14.xml><?xml version="1.0" encoding="utf-8"?>
 <p:notes xmlns:a="http://schemas.openxmlformats.org/drawingml/2006/main" xmlns:r="http://schemas.openxmlformats.org/officeDocument/2006/relationships" xmlns:p="http://schemas.openxmlformats.org/presentationml/2006/main">
   <p:cSld>
     <p:spTree>
@@ -43691,7 +43578,7 @@
             <a:fld id="{A70A3C59-3253-3B42-8BE0-F6D0BA6B0441}" type="slidenum">
               <a:rPr lang="en-US" smtClean="0"/>
               <a:pPr/>
-              <a:t>15</a:t>
+              <a:t>14</a:t>
             </a:fld>
             <a:endParaRPr lang="en-US"/>
           </a:p>
@@ -43710,7 +43597,7 @@
 </p:notes>
 </file>
 
-<file path=ppt/notesSlides/notesSlide16.xml><?xml version="1.0" encoding="utf-8"?>
+<file path=ppt/notesSlides/notesSlide15.xml><?xml version="1.0" encoding="utf-8"?>
 <p:notes xmlns:a="http://schemas.openxmlformats.org/drawingml/2006/main" xmlns:r="http://schemas.openxmlformats.org/officeDocument/2006/relationships" xmlns:p="http://schemas.openxmlformats.org/presentationml/2006/main">
   <p:cSld>
     <p:spTree>
@@ -43855,7 +43742,7 @@
             <a:fld id="{A70A3C59-3253-3B42-8BE0-F6D0BA6B0441}" type="slidenum">
               <a:rPr lang="en-US" smtClean="0"/>
               <a:pPr/>
-              <a:t>16</a:t>
+              <a:t>15</a:t>
             </a:fld>
             <a:endParaRPr lang="en-US"/>
           </a:p>
@@ -43874,7 +43761,7 @@
 </p:notes>
 </file>
 
-<file path=ppt/notesSlides/notesSlide17.xml><?xml version="1.0" encoding="utf-8"?>
+<file path=ppt/notesSlides/notesSlide16.xml><?xml version="1.0" encoding="utf-8"?>
 <p:notes xmlns:a="http://schemas.openxmlformats.org/drawingml/2006/main" xmlns:r="http://schemas.openxmlformats.org/officeDocument/2006/relationships" xmlns:p="http://schemas.openxmlformats.org/presentationml/2006/main">
   <p:cSld>
     <p:spTree>
@@ -44056,7 +43943,7 @@
             <a:fld id="{A70A3C59-3253-3B42-8BE0-F6D0BA6B0441}" type="slidenum">
               <a:rPr lang="en-US" smtClean="0"/>
               <a:pPr/>
-              <a:t>17</a:t>
+              <a:t>16</a:t>
             </a:fld>
             <a:endParaRPr lang="en-US"/>
           </a:p>
@@ -44075,7 +43962,7 @@
 </p:notes>
 </file>
 
-<file path=ppt/notesSlides/notesSlide18.xml><?xml version="1.0" encoding="utf-8"?>
+<file path=ppt/notesSlides/notesSlide17.xml><?xml version="1.0" encoding="utf-8"?>
 <p:notes xmlns:a="http://schemas.openxmlformats.org/drawingml/2006/main" xmlns:r="http://schemas.openxmlformats.org/officeDocument/2006/relationships" xmlns:p="http://schemas.openxmlformats.org/presentationml/2006/main">
   <p:cSld>
     <p:spTree>
@@ -44141,7 +44028,7 @@
             <a:fld id="{A70A3C59-3253-3B42-8BE0-F6D0BA6B0441}" type="slidenum">
               <a:rPr lang="en-US" smtClean="0"/>
               <a:pPr/>
-              <a:t>18</a:t>
+              <a:t>17</a:t>
             </a:fld>
             <a:endParaRPr lang="en-US"/>
           </a:p>
@@ -44160,7 +44047,7 @@
 </p:notes>
 </file>
 
-<file path=ppt/notesSlides/notesSlide19.xml><?xml version="1.0" encoding="utf-8"?>
+<file path=ppt/notesSlides/notesSlide18.xml><?xml version="1.0" encoding="utf-8"?>
 <p:notes xmlns:a="http://schemas.openxmlformats.org/drawingml/2006/main" xmlns:r="http://schemas.openxmlformats.org/officeDocument/2006/relationships" xmlns:p="http://schemas.openxmlformats.org/presentationml/2006/main">
   <p:cSld>
     <p:spTree>
@@ -44290,7 +44177,7 @@
             <a:fld id="{A70A3C59-3253-3B42-8BE0-F6D0BA6B0441}" type="slidenum">
               <a:rPr lang="en-US" smtClean="0"/>
               <a:pPr/>
-              <a:t>19</a:t>
+              <a:t>18</a:t>
             </a:fld>
             <a:endParaRPr lang="en-US"/>
           </a:p>
@@ -44300,6 +44187,91 @@
     <p:extLst>
       <p:ext uri="{BB962C8B-B14F-4D97-AF65-F5344CB8AC3E}">
         <p14:creationId xmlns:p14="http://schemas.microsoft.com/office/powerpoint/2010/main" val="432445988"/>
+      </p:ext>
+    </p:extLst>
+  </p:cSld>
+  <p:clrMapOvr>
+    <a:masterClrMapping/>
+  </p:clrMapOvr>
+</p:notes>
+</file>
+
+<file path=ppt/notesSlides/notesSlide19.xml><?xml version="1.0" encoding="utf-8"?>
+<p:notes xmlns:a="http://schemas.openxmlformats.org/drawingml/2006/main" xmlns:r="http://schemas.openxmlformats.org/officeDocument/2006/relationships" xmlns:p="http://schemas.openxmlformats.org/presentationml/2006/main">
+  <p:cSld>
+    <p:spTree>
+      <p:nvGrpSpPr>
+        <p:cNvPr id="1" name=""/>
+        <p:cNvGrpSpPr/>
+        <p:nvPr/>
+      </p:nvGrpSpPr>
+      <p:grpSpPr>
+        <a:xfrm>
+          <a:off x="0" y="0"/>
+          <a:ext cx="0" cy="0"/>
+          <a:chOff x="0" y="0"/>
+          <a:chExt cx="0" cy="0"/>
+        </a:xfrm>
+      </p:grpSpPr>
+      <p:sp>
+        <p:nvSpPr>
+          <p:cNvPr id="2" name="Slide Image Placeholder 1"/>
+          <p:cNvSpPr>
+            <a:spLocks noGrp="1" noRot="1" noChangeAspect="1"/>
+          </p:cNvSpPr>
+          <p:nvPr>
+            <p:ph type="sldImg"/>
+          </p:nvPr>
+        </p:nvSpPr>
+        <p:spPr/>
+      </p:sp>
+      <p:sp>
+        <p:nvSpPr>
+          <p:cNvPr id="3" name="Notes Placeholder 2"/>
+          <p:cNvSpPr>
+            <a:spLocks noGrp="1"/>
+          </p:cNvSpPr>
+          <p:nvPr>
+            <p:ph type="body" idx="1"/>
+          </p:nvPr>
+        </p:nvSpPr>
+        <p:spPr/>
+        <p:txBody>
+          <a:bodyPr/>
+          <a:lstStyle/>
+          <a:p>
+            <a:endParaRPr lang="hu-HU" dirty="0"/>
+          </a:p>
+        </p:txBody>
+      </p:sp>
+      <p:sp>
+        <p:nvSpPr>
+          <p:cNvPr id="4" name="Slide Number Placeholder 3"/>
+          <p:cNvSpPr>
+            <a:spLocks noGrp="1"/>
+          </p:cNvSpPr>
+          <p:nvPr>
+            <p:ph type="sldNum" sz="quarter" idx="10"/>
+          </p:nvPr>
+        </p:nvSpPr>
+        <p:spPr/>
+        <p:txBody>
+          <a:bodyPr/>
+          <a:lstStyle/>
+          <a:p>
+            <a:fld id="{A70A3C59-3253-3B42-8BE0-F6D0BA6B0441}" type="slidenum">
+              <a:rPr lang="en-US" smtClean="0"/>
+              <a:pPr/>
+              <a:t>21</a:t>
+            </a:fld>
+            <a:endParaRPr lang="en-US"/>
+          </a:p>
+        </p:txBody>
+      </p:sp>
+    </p:spTree>
+    <p:extLst>
+      <p:ext uri="{BB962C8B-B14F-4D97-AF65-F5344CB8AC3E}">
+        <p14:creationId xmlns:p14="http://schemas.microsoft.com/office/powerpoint/2010/main" val="2717709885"/>
       </p:ext>
     </p:extLst>
   </p:cSld>
@@ -44363,9 +44335,29 @@
             </a:r>
           </a:p>
           <a:p>
+            <a:pPr marL="0" marR="0" lvl="0" indent="0" algn="l" defTabSz="457200" rtl="0" eaLnBrk="1" fontAlgn="auto" latinLnBrk="0" hangingPunct="1">
+              <a:lnSpc>
+                <a:spcPct val="100000"/>
+              </a:lnSpc>
+              <a:spcBef>
+                <a:spcPts val="0"/>
+              </a:spcBef>
+              <a:spcAft>
+                <a:spcPts val="0"/>
+              </a:spcAft>
+              <a:buClrTx/>
+              <a:buSzTx/>
+              <a:buFontTx/>
+              <a:buNone/>
+              <a:tabLst/>
+              <a:defRPr/>
+            </a:pPr>
+            <a:endParaRPr lang="hu-HU" baseline="0" dirty="0"/>
+          </a:p>
+          <a:p>
             <a:r>
               <a:rPr lang="hu-HU" baseline="0" dirty="0"/>
-              <a:t>Ismertetni a </a:t>
+              <a:t>Több teljesítménymérés, egyik a </a:t>
             </a:r>
             <a:r>
               <a:rPr lang="hu-HU" baseline="0" dirty="0" err="1"/>
@@ -44373,7 +44365,7 @@
             </a:r>
             <a:r>
               <a:rPr lang="hu-HU" baseline="0" dirty="0"/>
-              <a:t> benchmark projektet,</a:t>
+              <a:t> Benchmark projekt</a:t>
             </a:r>
           </a:p>
           <a:p>
@@ -44490,91 +44482,6 @@
 </file>
 
 <file path=ppt/notesSlides/notesSlide20.xml><?xml version="1.0" encoding="utf-8"?>
-<p:notes xmlns:a="http://schemas.openxmlformats.org/drawingml/2006/main" xmlns:r="http://schemas.openxmlformats.org/officeDocument/2006/relationships" xmlns:p="http://schemas.openxmlformats.org/presentationml/2006/main">
-  <p:cSld>
-    <p:spTree>
-      <p:nvGrpSpPr>
-        <p:cNvPr id="1" name=""/>
-        <p:cNvGrpSpPr/>
-        <p:nvPr/>
-      </p:nvGrpSpPr>
-      <p:grpSpPr>
-        <a:xfrm>
-          <a:off x="0" y="0"/>
-          <a:ext cx="0" cy="0"/>
-          <a:chOff x="0" y="0"/>
-          <a:chExt cx="0" cy="0"/>
-        </a:xfrm>
-      </p:grpSpPr>
-      <p:sp>
-        <p:nvSpPr>
-          <p:cNvPr id="2" name="Slide Image Placeholder 1"/>
-          <p:cNvSpPr>
-            <a:spLocks noGrp="1" noRot="1" noChangeAspect="1"/>
-          </p:cNvSpPr>
-          <p:nvPr>
-            <p:ph type="sldImg"/>
-          </p:nvPr>
-        </p:nvSpPr>
-        <p:spPr/>
-      </p:sp>
-      <p:sp>
-        <p:nvSpPr>
-          <p:cNvPr id="3" name="Notes Placeholder 2"/>
-          <p:cNvSpPr>
-            <a:spLocks noGrp="1"/>
-          </p:cNvSpPr>
-          <p:nvPr>
-            <p:ph type="body" idx="1"/>
-          </p:nvPr>
-        </p:nvSpPr>
-        <p:spPr/>
-        <p:txBody>
-          <a:bodyPr/>
-          <a:lstStyle/>
-          <a:p>
-            <a:endParaRPr lang="hu-HU" dirty="0"/>
-          </a:p>
-        </p:txBody>
-      </p:sp>
-      <p:sp>
-        <p:nvSpPr>
-          <p:cNvPr id="4" name="Slide Number Placeholder 3"/>
-          <p:cNvSpPr>
-            <a:spLocks noGrp="1"/>
-          </p:cNvSpPr>
-          <p:nvPr>
-            <p:ph type="sldNum" sz="quarter" idx="10"/>
-          </p:nvPr>
-        </p:nvSpPr>
-        <p:spPr/>
-        <p:txBody>
-          <a:bodyPr/>
-          <a:lstStyle/>
-          <a:p>
-            <a:fld id="{A70A3C59-3253-3B42-8BE0-F6D0BA6B0441}" type="slidenum">
-              <a:rPr lang="en-US" smtClean="0"/>
-              <a:pPr/>
-              <a:t>22</a:t>
-            </a:fld>
-            <a:endParaRPr lang="en-US"/>
-          </a:p>
-        </p:txBody>
-      </p:sp>
-    </p:spTree>
-    <p:extLst>
-      <p:ext uri="{BB962C8B-B14F-4D97-AF65-F5344CB8AC3E}">
-        <p14:creationId xmlns:p14="http://schemas.microsoft.com/office/powerpoint/2010/main" val="2717709885"/>
-      </p:ext>
-    </p:extLst>
-  </p:cSld>
-  <p:clrMapOvr>
-    <a:masterClrMapping/>
-  </p:clrMapOvr>
-</p:notes>
-</file>
-
-<file path=ppt/notesSlides/notesSlide21.xml><?xml version="1.0" encoding="utf-8"?>
 <p:notes xmlns:a="http://schemas.openxmlformats.org/drawingml/2006/main" xmlns:r="http://schemas.openxmlformats.org/officeDocument/2006/relationships" xmlns:p="http://schemas.openxmlformats.org/presentationml/2006/main">
   <p:cSld>
     <p:spTree>
@@ -44765,7 +44672,7 @@
             <a:fld id="{A70A3C59-3253-3B42-8BE0-F6D0BA6B0441}" type="slidenum">
               <a:rPr lang="en-US" smtClean="0"/>
               <a:pPr/>
-              <a:t>26</a:t>
+              <a:t>25</a:t>
             </a:fld>
             <a:endParaRPr lang="en-US"/>
           </a:p>
@@ -44775,6 +44682,247 @@
     <p:extLst>
       <p:ext uri="{BB962C8B-B14F-4D97-AF65-F5344CB8AC3E}">
         <p14:creationId xmlns:p14="http://schemas.microsoft.com/office/powerpoint/2010/main" val="1181446072"/>
+      </p:ext>
+    </p:extLst>
+  </p:cSld>
+  <p:clrMapOvr>
+    <a:masterClrMapping/>
+  </p:clrMapOvr>
+</p:notes>
+</file>
+
+<file path=ppt/notesSlides/notesSlide21.xml><?xml version="1.0" encoding="utf-8"?>
+<p:notes xmlns:a="http://schemas.openxmlformats.org/drawingml/2006/main" xmlns:r="http://schemas.openxmlformats.org/officeDocument/2006/relationships" xmlns:p="http://schemas.openxmlformats.org/presentationml/2006/main">
+  <p:cSld>
+    <p:spTree>
+      <p:nvGrpSpPr>
+        <p:cNvPr id="1" name=""/>
+        <p:cNvGrpSpPr/>
+        <p:nvPr/>
+      </p:nvGrpSpPr>
+      <p:grpSpPr>
+        <a:xfrm>
+          <a:off x="0" y="0"/>
+          <a:ext cx="0" cy="0"/>
+          <a:chOff x="0" y="0"/>
+          <a:chExt cx="0" cy="0"/>
+        </a:xfrm>
+      </p:grpSpPr>
+      <p:sp>
+        <p:nvSpPr>
+          <p:cNvPr id="2" name="Diakép helye 1"/>
+          <p:cNvSpPr>
+            <a:spLocks noGrp="1" noRot="1" noChangeAspect="1"/>
+          </p:cNvSpPr>
+          <p:nvPr>
+            <p:ph type="sldImg"/>
+          </p:nvPr>
+        </p:nvSpPr>
+        <p:spPr/>
+      </p:sp>
+      <p:sp>
+        <p:nvSpPr>
+          <p:cNvPr id="3" name="Jegyzetek helye 2"/>
+          <p:cNvSpPr>
+            <a:spLocks noGrp="1"/>
+          </p:cNvSpPr>
+          <p:nvPr>
+            <p:ph type="body" idx="1"/>
+          </p:nvPr>
+        </p:nvSpPr>
+        <p:spPr/>
+        <p:txBody>
+          <a:bodyPr/>
+          <a:lstStyle/>
+          <a:p>
+            <a:r>
+              <a:rPr lang="hu-HU" dirty="0"/>
+              <a:t>A Microsoft cég</a:t>
+            </a:r>
+            <a:r>
+              <a:rPr lang="hu-HU" baseline="0" dirty="0"/>
+              <a:t> egy projektje</a:t>
+            </a:r>
+          </a:p>
+          <a:p>
+            <a:r>
+              <a:rPr lang="en-US" dirty="0"/>
+              <a:t>Slave-</a:t>
+            </a:r>
+            <a:r>
+              <a:rPr lang="en-US" dirty="0" err="1"/>
+              <a:t>ek</a:t>
+            </a:r>
+            <a:r>
+              <a:rPr lang="en-US" dirty="0"/>
+              <a:t>: </a:t>
+            </a:r>
+            <a:r>
+              <a:rPr lang="en-US" dirty="0" err="1"/>
+              <a:t>memóriafelhő</a:t>
+            </a:r>
+            <a:r>
+              <a:rPr lang="en-US" dirty="0"/>
+              <a:t> </a:t>
+            </a:r>
+            <a:r>
+              <a:rPr lang="en-US" dirty="0" err="1"/>
+              <a:t>egy</a:t>
+            </a:r>
+            <a:r>
+              <a:rPr lang="en-US" dirty="0"/>
+              <a:t> </a:t>
+            </a:r>
+            <a:r>
+              <a:rPr lang="en-US" dirty="0" err="1"/>
+              <a:t>vagy</a:t>
+            </a:r>
+            <a:r>
+              <a:rPr lang="en-US" dirty="0"/>
+              <a:t> </a:t>
+            </a:r>
+            <a:r>
+              <a:rPr lang="en-US" dirty="0" err="1"/>
+              <a:t>több</a:t>
+            </a:r>
+            <a:r>
+              <a:rPr lang="en-US" dirty="0"/>
+              <a:t> </a:t>
+            </a:r>
+            <a:r>
+              <a:rPr lang="en-US" dirty="0" err="1"/>
+              <a:t>adattárolásra</a:t>
+            </a:r>
+            <a:r>
+              <a:rPr lang="en-US" dirty="0"/>
+              <a:t> </a:t>
+            </a:r>
+            <a:r>
+              <a:rPr lang="en-US" dirty="0" err="1"/>
+              <a:t>képes</a:t>
+            </a:r>
+            <a:r>
+              <a:rPr lang="en-US" dirty="0"/>
+              <a:t> </a:t>
+            </a:r>
+            <a:r>
+              <a:rPr lang="en-US" dirty="0" err="1"/>
+              <a:t>eszközön</a:t>
+            </a:r>
+            <a:endParaRPr lang="en-US" dirty="0"/>
+          </a:p>
+          <a:p>
+            <a:r>
+              <a:rPr lang="en-US" dirty="0"/>
+              <a:t>Client </a:t>
+            </a:r>
+            <a:r>
+              <a:rPr lang="en-US" dirty="0" err="1"/>
+              <a:t>felhasználói</a:t>
+            </a:r>
+            <a:r>
+              <a:rPr lang="en-US" dirty="0"/>
+              <a:t> </a:t>
+            </a:r>
+            <a:r>
+              <a:rPr lang="en-US" dirty="0" err="1"/>
+              <a:t>számítógépek</a:t>
+            </a:r>
+            <a:r>
+              <a:rPr lang="en-US" dirty="0"/>
+              <a:t>, </a:t>
+            </a:r>
+            <a:r>
+              <a:rPr lang="en-US" dirty="0" err="1"/>
+              <a:t>amik</a:t>
+            </a:r>
+            <a:r>
+              <a:rPr lang="en-US" dirty="0"/>
+              <a:t> </a:t>
+            </a:r>
+            <a:r>
+              <a:rPr lang="en-US" dirty="0" err="1"/>
+              <a:t>lekérdezéseket</a:t>
+            </a:r>
+            <a:r>
+              <a:rPr lang="en-US" dirty="0"/>
+              <a:t> </a:t>
+            </a:r>
+            <a:r>
+              <a:rPr lang="en-US" dirty="0" err="1"/>
+              <a:t>hajtatnak</a:t>
+            </a:r>
+            <a:r>
+              <a:rPr lang="en-US" dirty="0"/>
+              <a:t> </a:t>
+            </a:r>
+            <a:r>
+              <a:rPr lang="en-US" dirty="0" err="1"/>
+              <a:t>végre</a:t>
+            </a:r>
+            <a:endParaRPr lang="en-US" dirty="0"/>
+          </a:p>
+          <a:p>
+            <a:r>
+              <a:rPr lang="en-US" dirty="0" err="1"/>
+              <a:t>Közöttük</a:t>
+            </a:r>
+            <a:r>
+              <a:rPr lang="en-US" dirty="0"/>
+              <a:t> </a:t>
+            </a:r>
+            <a:r>
+              <a:rPr lang="en-US" dirty="0" err="1"/>
+              <a:t>lehet</a:t>
+            </a:r>
+            <a:r>
+              <a:rPr lang="en-US" dirty="0"/>
+              <a:t> proxy, </a:t>
+            </a:r>
+            <a:r>
+              <a:rPr lang="en-US" dirty="0" err="1"/>
+              <a:t>ez</a:t>
+            </a:r>
+            <a:r>
+              <a:rPr lang="en-US" dirty="0"/>
+              <a:t> </a:t>
+            </a:r>
+            <a:r>
+              <a:rPr lang="en-US" dirty="0" err="1"/>
+              <a:t>opcionális</a:t>
+            </a:r>
+            <a:endParaRPr lang="hu-HU" dirty="0"/>
+          </a:p>
+        </p:txBody>
+      </p:sp>
+      <p:sp>
+        <p:nvSpPr>
+          <p:cNvPr id="4" name="Dia számának helye 3"/>
+          <p:cNvSpPr>
+            <a:spLocks noGrp="1"/>
+          </p:cNvSpPr>
+          <p:nvPr>
+            <p:ph type="sldNum" sz="quarter" idx="10"/>
+          </p:nvPr>
+        </p:nvSpPr>
+        <p:spPr/>
+        <p:txBody>
+          <a:bodyPr/>
+          <a:lstStyle/>
+          <a:p>
+            <a:fld id="{A70A3C59-3253-3B42-8BE0-F6D0BA6B0441}" type="slidenum">
+              <a:rPr lang="en-US" smtClean="0"/>
+              <a:pPr/>
+              <a:t>26</a:t>
+            </a:fld>
+            <a:endParaRPr lang="en-US" dirty="0"/>
+          </a:p>
+        </p:txBody>
+      </p:sp>
+    </p:spTree>
+    <p:extLst>
+      <p:ext uri="{BB962C8B-B14F-4D97-AF65-F5344CB8AC3E}">
+        <p14:creationId xmlns:p14="http://schemas.microsoft.com/office/powerpoint/2010/main" val="1201794871"/>
       </p:ext>
     </p:extLst>
   </p:cSld>
@@ -45714,247 +45862,6 @@
       </p:grpSpPr>
       <p:sp>
         <p:nvSpPr>
-          <p:cNvPr id="2" name="Diakép helye 1"/>
-          <p:cNvSpPr>
-            <a:spLocks noGrp="1" noRot="1" noChangeAspect="1"/>
-          </p:cNvSpPr>
-          <p:nvPr>
-            <p:ph type="sldImg"/>
-          </p:nvPr>
-        </p:nvSpPr>
-        <p:spPr/>
-      </p:sp>
-      <p:sp>
-        <p:nvSpPr>
-          <p:cNvPr id="3" name="Jegyzetek helye 2"/>
-          <p:cNvSpPr>
-            <a:spLocks noGrp="1"/>
-          </p:cNvSpPr>
-          <p:nvPr>
-            <p:ph type="body" idx="1"/>
-          </p:nvPr>
-        </p:nvSpPr>
-        <p:spPr/>
-        <p:txBody>
-          <a:bodyPr/>
-          <a:lstStyle/>
-          <a:p>
-            <a:r>
-              <a:rPr lang="hu-HU" dirty="0"/>
-              <a:t>A Microsoft cég</a:t>
-            </a:r>
-            <a:r>
-              <a:rPr lang="hu-HU" baseline="0" dirty="0"/>
-              <a:t> egy projektje</a:t>
-            </a:r>
-          </a:p>
-          <a:p>
-            <a:r>
-              <a:rPr lang="en-US" dirty="0"/>
-              <a:t>Slave-</a:t>
-            </a:r>
-            <a:r>
-              <a:rPr lang="en-US" dirty="0" err="1"/>
-              <a:t>ek</a:t>
-            </a:r>
-            <a:r>
-              <a:rPr lang="en-US" dirty="0"/>
-              <a:t>: </a:t>
-            </a:r>
-            <a:r>
-              <a:rPr lang="en-US" dirty="0" err="1"/>
-              <a:t>memóriafelhő</a:t>
-            </a:r>
-            <a:r>
-              <a:rPr lang="en-US" dirty="0"/>
-              <a:t> </a:t>
-            </a:r>
-            <a:r>
-              <a:rPr lang="en-US" dirty="0" err="1"/>
-              <a:t>egy</a:t>
-            </a:r>
-            <a:r>
-              <a:rPr lang="en-US" dirty="0"/>
-              <a:t> </a:t>
-            </a:r>
-            <a:r>
-              <a:rPr lang="en-US" dirty="0" err="1"/>
-              <a:t>vagy</a:t>
-            </a:r>
-            <a:r>
-              <a:rPr lang="en-US" dirty="0"/>
-              <a:t> </a:t>
-            </a:r>
-            <a:r>
-              <a:rPr lang="en-US" dirty="0" err="1"/>
-              <a:t>több</a:t>
-            </a:r>
-            <a:r>
-              <a:rPr lang="en-US" dirty="0"/>
-              <a:t> </a:t>
-            </a:r>
-            <a:r>
-              <a:rPr lang="en-US" dirty="0" err="1"/>
-              <a:t>adattárolásra</a:t>
-            </a:r>
-            <a:r>
-              <a:rPr lang="en-US" dirty="0"/>
-              <a:t> </a:t>
-            </a:r>
-            <a:r>
-              <a:rPr lang="en-US" dirty="0" err="1"/>
-              <a:t>képes</a:t>
-            </a:r>
-            <a:r>
-              <a:rPr lang="en-US" dirty="0"/>
-              <a:t> </a:t>
-            </a:r>
-            <a:r>
-              <a:rPr lang="en-US" dirty="0" err="1"/>
-              <a:t>eszközön</a:t>
-            </a:r>
-            <a:endParaRPr lang="en-US" dirty="0"/>
-          </a:p>
-          <a:p>
-            <a:r>
-              <a:rPr lang="en-US" dirty="0"/>
-              <a:t>Client </a:t>
-            </a:r>
-            <a:r>
-              <a:rPr lang="en-US" dirty="0" err="1"/>
-              <a:t>felhasználói</a:t>
-            </a:r>
-            <a:r>
-              <a:rPr lang="en-US" dirty="0"/>
-              <a:t> </a:t>
-            </a:r>
-            <a:r>
-              <a:rPr lang="en-US" dirty="0" err="1"/>
-              <a:t>számítógépek</a:t>
-            </a:r>
-            <a:r>
-              <a:rPr lang="en-US" dirty="0"/>
-              <a:t>, </a:t>
-            </a:r>
-            <a:r>
-              <a:rPr lang="en-US" dirty="0" err="1"/>
-              <a:t>amik</a:t>
-            </a:r>
-            <a:r>
-              <a:rPr lang="en-US" dirty="0"/>
-              <a:t> </a:t>
-            </a:r>
-            <a:r>
-              <a:rPr lang="en-US" dirty="0" err="1"/>
-              <a:t>lekérdezéseket</a:t>
-            </a:r>
-            <a:r>
-              <a:rPr lang="en-US" dirty="0"/>
-              <a:t> </a:t>
-            </a:r>
-            <a:r>
-              <a:rPr lang="en-US" dirty="0" err="1"/>
-              <a:t>hajtatnak</a:t>
-            </a:r>
-            <a:r>
-              <a:rPr lang="en-US" dirty="0"/>
-              <a:t> </a:t>
-            </a:r>
-            <a:r>
-              <a:rPr lang="en-US" dirty="0" err="1"/>
-              <a:t>végre</a:t>
-            </a:r>
-            <a:endParaRPr lang="en-US" dirty="0"/>
-          </a:p>
-          <a:p>
-            <a:r>
-              <a:rPr lang="en-US" dirty="0" err="1"/>
-              <a:t>Közöttük</a:t>
-            </a:r>
-            <a:r>
-              <a:rPr lang="en-US" dirty="0"/>
-              <a:t> </a:t>
-            </a:r>
-            <a:r>
-              <a:rPr lang="en-US" dirty="0" err="1"/>
-              <a:t>lehet</a:t>
-            </a:r>
-            <a:r>
-              <a:rPr lang="en-US" dirty="0"/>
-              <a:t> proxy, </a:t>
-            </a:r>
-            <a:r>
-              <a:rPr lang="en-US" dirty="0" err="1"/>
-              <a:t>ez</a:t>
-            </a:r>
-            <a:r>
-              <a:rPr lang="en-US" dirty="0"/>
-              <a:t> </a:t>
-            </a:r>
-            <a:r>
-              <a:rPr lang="en-US" dirty="0" err="1"/>
-              <a:t>opcionális</a:t>
-            </a:r>
-            <a:endParaRPr lang="hu-HU" dirty="0"/>
-          </a:p>
-        </p:txBody>
-      </p:sp>
-      <p:sp>
-        <p:nvSpPr>
-          <p:cNvPr id="4" name="Dia számának helye 3"/>
-          <p:cNvSpPr>
-            <a:spLocks noGrp="1"/>
-          </p:cNvSpPr>
-          <p:nvPr>
-            <p:ph type="sldNum" sz="quarter" idx="10"/>
-          </p:nvPr>
-        </p:nvSpPr>
-        <p:spPr/>
-        <p:txBody>
-          <a:bodyPr/>
-          <a:lstStyle/>
-          <a:p>
-            <a:fld id="{A70A3C59-3253-3B42-8BE0-F6D0BA6B0441}" type="slidenum">
-              <a:rPr lang="en-US" smtClean="0"/>
-              <a:pPr/>
-              <a:t>8</a:t>
-            </a:fld>
-            <a:endParaRPr lang="en-US" dirty="0"/>
-          </a:p>
-        </p:txBody>
-      </p:sp>
-    </p:spTree>
-    <p:extLst>
-      <p:ext uri="{BB962C8B-B14F-4D97-AF65-F5344CB8AC3E}">
-        <p14:creationId xmlns:p14="http://schemas.microsoft.com/office/powerpoint/2010/main" val="1201794871"/>
-      </p:ext>
-    </p:extLst>
-  </p:cSld>
-  <p:clrMapOvr>
-    <a:masterClrMapping/>
-  </p:clrMapOvr>
-</p:notes>
-</file>
-
-<file path=ppt/notesSlides/notesSlide9.xml><?xml version="1.0" encoding="utf-8"?>
-<p:notes xmlns:a="http://schemas.openxmlformats.org/drawingml/2006/main" xmlns:r="http://schemas.openxmlformats.org/officeDocument/2006/relationships" xmlns:p="http://schemas.openxmlformats.org/presentationml/2006/main">
-  <p:cSld>
-    <p:spTree>
-      <p:nvGrpSpPr>
-        <p:cNvPr id="1" name=""/>
-        <p:cNvGrpSpPr/>
-        <p:nvPr/>
-      </p:nvGrpSpPr>
-      <p:grpSpPr>
-        <a:xfrm>
-          <a:off x="0" y="0"/>
-          <a:ext cx="0" cy="0"/>
-          <a:chOff x="0" y="0"/>
-          <a:chExt cx="0" cy="0"/>
-        </a:xfrm>
-      </p:grpSpPr>
-      <p:sp>
-        <p:nvSpPr>
           <p:cNvPr id="2" name="Slide Image Placeholder 1"/>
           <p:cNvSpPr>
             <a:spLocks noGrp="1" noRot="1" noChangeAspect="1"/>
@@ -46182,6 +46089,101 @@
             <a:fld id="{A70A3C59-3253-3B42-8BE0-F6D0BA6B0441}" type="slidenum">
               <a:rPr lang="en-US" smtClean="0"/>
               <a:pPr/>
+              <a:t>8</a:t>
+            </a:fld>
+            <a:endParaRPr lang="en-US"/>
+          </a:p>
+        </p:txBody>
+      </p:sp>
+    </p:spTree>
+    <p:extLst>
+      <p:ext uri="{BB962C8B-B14F-4D97-AF65-F5344CB8AC3E}">
+        <p14:creationId xmlns:p14="http://schemas.microsoft.com/office/powerpoint/2010/main" val="1475731141"/>
+      </p:ext>
+    </p:extLst>
+  </p:cSld>
+  <p:clrMapOvr>
+    <a:masterClrMapping/>
+  </p:clrMapOvr>
+</p:notes>
+</file>
+
+<file path=ppt/notesSlides/notesSlide9.xml><?xml version="1.0" encoding="utf-8"?>
+<p:notes xmlns:a="http://schemas.openxmlformats.org/drawingml/2006/main" xmlns:r="http://schemas.openxmlformats.org/officeDocument/2006/relationships" xmlns:p="http://schemas.openxmlformats.org/presentationml/2006/main">
+  <p:cSld>
+    <p:spTree>
+      <p:nvGrpSpPr>
+        <p:cNvPr id="1" name=""/>
+        <p:cNvGrpSpPr/>
+        <p:nvPr/>
+      </p:nvGrpSpPr>
+      <p:grpSpPr>
+        <a:xfrm>
+          <a:off x="0" y="0"/>
+          <a:ext cx="0" cy="0"/>
+          <a:chOff x="0" y="0"/>
+          <a:chExt cx="0" cy="0"/>
+        </a:xfrm>
+      </p:grpSpPr>
+      <p:sp>
+        <p:nvSpPr>
+          <p:cNvPr id="2" name="Slide Image Placeholder 1"/>
+          <p:cNvSpPr>
+            <a:spLocks noGrp="1" noRot="1" noChangeAspect="1"/>
+          </p:cNvSpPr>
+          <p:nvPr>
+            <p:ph type="sldImg"/>
+          </p:nvPr>
+        </p:nvSpPr>
+        <p:spPr/>
+      </p:sp>
+      <p:sp>
+        <p:nvSpPr>
+          <p:cNvPr id="3" name="Notes Placeholder 2"/>
+          <p:cNvSpPr>
+            <a:spLocks noGrp="1"/>
+          </p:cNvSpPr>
+          <p:nvPr>
+            <p:ph type="body" idx="1"/>
+          </p:nvPr>
+        </p:nvSpPr>
+        <p:spPr/>
+        <p:txBody>
+          <a:bodyPr/>
+          <a:lstStyle/>
+          <a:p>
+            <a:r>
+              <a:rPr lang="hu-HU" dirty="0"/>
+              <a:t>RDF4J</a:t>
+            </a:r>
+            <a:r>
+              <a:rPr lang="hu-HU" baseline="0" dirty="0"/>
+              <a:t> és Jena RDF gráf alapú eszközök, ezért ezt választottam ki</a:t>
+            </a:r>
+          </a:p>
+          <a:p>
+            <a:endParaRPr lang="hu-HU" baseline="0" dirty="0"/>
+          </a:p>
+        </p:txBody>
+      </p:sp>
+      <p:sp>
+        <p:nvSpPr>
+          <p:cNvPr id="4" name="Slide Number Placeholder 3"/>
+          <p:cNvSpPr>
+            <a:spLocks noGrp="1"/>
+          </p:cNvSpPr>
+          <p:nvPr>
+            <p:ph type="sldNum" sz="quarter" idx="10"/>
+          </p:nvPr>
+        </p:nvSpPr>
+        <p:spPr/>
+        <p:txBody>
+          <a:bodyPr/>
+          <a:lstStyle/>
+          <a:p>
+            <a:fld id="{A70A3C59-3253-3B42-8BE0-F6D0BA6B0441}" type="slidenum">
+              <a:rPr lang="en-US" smtClean="0"/>
+              <a:pPr/>
               <a:t>9</a:t>
             </a:fld>
             <a:endParaRPr lang="en-US"/>
@@ -46191,7 +46193,7 @@
     </p:spTree>
     <p:extLst>
       <p:ext uri="{BB962C8B-B14F-4D97-AF65-F5344CB8AC3E}">
-        <p14:creationId xmlns:p14="http://schemas.microsoft.com/office/powerpoint/2010/main" val="1475731141"/>
+        <p14:creationId xmlns:p14="http://schemas.microsoft.com/office/powerpoint/2010/main" val="2621123209"/>
       </p:ext>
     </p:extLst>
   </p:cSld>
@@ -51008,157 +51010,6 @@
           <p:cNvPr id="2" name="Title 1">
             <a:extLst>
               <a:ext uri="{FF2B5EF4-FFF2-40B4-BE49-F238E27FC236}">
-                <a16:creationId xmlns:a16="http://schemas.microsoft.com/office/drawing/2014/main" id="{6978E964-711A-4EE2-BE32-41233E2616D1}"/>
-              </a:ext>
-            </a:extLst>
-          </p:cNvPr>
-          <p:cNvSpPr>
-            <a:spLocks noGrp="1"/>
-          </p:cNvSpPr>
-          <p:nvPr>
-            <p:ph type="title"/>
-          </p:nvPr>
-        </p:nvSpPr>
-        <p:spPr/>
-        <p:txBody>
-          <a:bodyPr/>
-          <a:lstStyle/>
-          <a:p>
-            <a:r>
-              <a:rPr lang="hu-HU" noProof="0" dirty="0"/>
-              <a:t>Szakdolgozatfeladat megoldásának részei</a:t>
-            </a:r>
-          </a:p>
-        </p:txBody>
-      </p:sp>
-      <p:sp>
-        <p:nvSpPr>
-          <p:cNvPr id="4" name="Slide Number Placeholder 3">
-            <a:extLst>
-              <a:ext uri="{FF2B5EF4-FFF2-40B4-BE49-F238E27FC236}">
-                <a16:creationId xmlns:a16="http://schemas.microsoft.com/office/drawing/2014/main" id="{BBE5C8E8-1CE9-41C7-B9D6-F71B8B483110}"/>
-              </a:ext>
-            </a:extLst>
-          </p:cNvPr>
-          <p:cNvSpPr>
-            <a:spLocks noGrp="1"/>
-          </p:cNvSpPr>
-          <p:nvPr>
-            <p:ph type="sldNum" sz="quarter" idx="10"/>
-          </p:nvPr>
-        </p:nvSpPr>
-        <p:spPr/>
-        <p:txBody>
-          <a:bodyPr/>
-          <a:lstStyle/>
-          <a:p>
-            <a:fld id="{A7C85712-A09B-4560-9D1E-08050AA835BB}" type="slidenum">
-              <a:rPr lang="hu-HU" smtClean="0"/>
-              <a:pPr/>
-              <a:t>10</a:t>
-            </a:fld>
-            <a:endParaRPr lang="hu-HU"/>
-          </a:p>
-        </p:txBody>
-      </p:sp>
-      <p:pic>
-        <p:nvPicPr>
-          <p:cNvPr id="1028" name="Picture 4" descr="Kapcsolódó kép"/>
-          <p:cNvPicPr>
-            <a:picLocks noChangeAspect="1" noChangeArrowheads="1"/>
-          </p:cNvPicPr>
-          <p:nvPr/>
-        </p:nvPicPr>
-        <p:blipFill>
-          <a:blip r:embed="rId3">
-            <a:extLst>
-              <a:ext uri="{28A0092B-C50C-407E-A947-70E740481C1C}">
-                <a14:useLocalDpi xmlns:a14="http://schemas.microsoft.com/office/drawing/2010/main" val="0"/>
-              </a:ext>
-            </a:extLst>
-          </a:blip>
-          <a:srcRect/>
-          <a:stretch>
-            <a:fillRect/>
-          </a:stretch>
-        </p:blipFill>
-        <p:spPr bwMode="auto">
-          <a:xfrm>
-            <a:off x="5921174" y="1271044"/>
-            <a:ext cx="3222826" cy="4354251"/>
-          </a:xfrm>
-          <a:prstGeom prst="rect">
-            <a:avLst/>
-          </a:prstGeom>
-          <a:noFill/>
-          <a:extLst>
-            <a:ext uri="{909E8E84-426E-40DD-AFC4-6F175D3DCCD1}">
-              <a14:hiddenFill xmlns:a14="http://schemas.microsoft.com/office/drawing/2010/main">
-                <a:solidFill>
-                  <a:srgbClr val="FFFFFF"/>
-                </a:solidFill>
-              </a14:hiddenFill>
-            </a:ext>
-          </a:extLst>
-        </p:spPr>
-      </p:pic>
-      <p:graphicFrame>
-        <p:nvGraphicFramePr>
-          <p:cNvPr id="5" name="Diagram 4"/>
-          <p:cNvGraphicFramePr/>
-          <p:nvPr>
-            <p:extLst>
-              <p:ext uri="{D42A27DB-BD31-4B8C-83A1-F6EECF244321}">
-                <p14:modId xmlns:p14="http://schemas.microsoft.com/office/powerpoint/2010/main" val="1433472844"/>
-              </p:ext>
-            </p:extLst>
-          </p:nvPr>
-        </p:nvGraphicFramePr>
-        <p:xfrm>
-          <a:off x="185194" y="844952"/>
-          <a:ext cx="5497976" cy="5485848"/>
-        </p:xfrm>
-        <a:graphic>
-          <a:graphicData uri="http://schemas.openxmlformats.org/drawingml/2006/diagram">
-            <dgm:relIds xmlns:dgm="http://schemas.openxmlformats.org/drawingml/2006/diagram" xmlns:r="http://schemas.openxmlformats.org/officeDocument/2006/relationships" r:dm="rId4" r:lo="rId5" r:qs="rId6" r:cs="rId7"/>
-          </a:graphicData>
-        </a:graphic>
-      </p:graphicFrame>
-    </p:spTree>
-    <p:extLst>
-      <p:ext uri="{BB962C8B-B14F-4D97-AF65-F5344CB8AC3E}">
-        <p14:creationId xmlns:p14="http://schemas.microsoft.com/office/powerpoint/2010/main" val="1760318016"/>
-      </p:ext>
-    </p:extLst>
-  </p:cSld>
-  <p:clrMapOvr>
-    <a:masterClrMapping/>
-  </p:clrMapOvr>
-</p:sld>
-</file>
-
-<file path=ppt/slides/slide11.xml><?xml version="1.0" encoding="utf-8"?>
-<p:sld xmlns:a="http://schemas.openxmlformats.org/drawingml/2006/main" xmlns:r="http://schemas.openxmlformats.org/officeDocument/2006/relationships" xmlns:p="http://schemas.openxmlformats.org/presentationml/2006/main">
-  <p:cSld>
-    <p:spTree>
-      <p:nvGrpSpPr>
-        <p:cNvPr id="1" name=""/>
-        <p:cNvGrpSpPr/>
-        <p:nvPr/>
-      </p:nvGrpSpPr>
-      <p:grpSpPr>
-        <a:xfrm>
-          <a:off x="0" y="0"/>
-          <a:ext cx="0" cy="0"/>
-          <a:chOff x="0" y="0"/>
-          <a:chExt cx="0" cy="0"/>
-        </a:xfrm>
-      </p:grpSpPr>
-      <p:sp>
-        <p:nvSpPr>
-          <p:cNvPr id="2" name="Title 1">
-            <a:extLst>
-              <a:ext uri="{FF2B5EF4-FFF2-40B4-BE49-F238E27FC236}">
                 <a16:creationId xmlns:a16="http://schemas.microsoft.com/office/drawing/2014/main" id="{97AF3BD5-593F-4E3E-90D5-F44F3C3B1CC8}"/>
               </a:ext>
             </a:extLst>
@@ -51206,7 +51057,7 @@
             <a:fld id="{A7C85712-A09B-4560-9D1E-08050AA835BB}" type="slidenum">
               <a:rPr lang="hu-HU" smtClean="0"/>
               <a:pPr/>
-              <a:t>11</a:t>
+              <a:t>10</a:t>
             </a:fld>
             <a:endParaRPr lang="hu-HU"/>
           </a:p>
@@ -52077,7 +51928,7 @@
 </p:sld>
 </file>
 
-<file path=ppt/slides/slide12.xml><?xml version="1.0" encoding="utf-8"?>
+<file path=ppt/slides/slide11.xml><?xml version="1.0" encoding="utf-8"?>
 <p:sld xmlns:a="http://schemas.openxmlformats.org/drawingml/2006/main" xmlns:r="http://schemas.openxmlformats.org/officeDocument/2006/relationships" xmlns:p="http://schemas.openxmlformats.org/presentationml/2006/main">
   <p:cSld>
     <p:spTree>
@@ -52146,7 +51997,7 @@
             <a:fld id="{A7C85712-A09B-4560-9D1E-08050AA835BB}" type="slidenum">
               <a:rPr lang="hu-HU" smtClean="0"/>
               <a:pPr/>
-              <a:t>12</a:t>
+              <a:t>11</a:t>
             </a:fld>
             <a:endParaRPr lang="hu-HU"/>
           </a:p>
@@ -53013,7 +52864,7 @@
 </p:sld>
 </file>
 
-<file path=ppt/slides/slide13.xml><?xml version="1.0" encoding="utf-8"?>
+<file path=ppt/slides/slide12.xml><?xml version="1.0" encoding="utf-8"?>
 <p:sld xmlns:a="http://schemas.openxmlformats.org/drawingml/2006/main" xmlns:r="http://schemas.openxmlformats.org/officeDocument/2006/relationships" xmlns:p="http://schemas.openxmlformats.org/presentationml/2006/main">
   <p:cSld>
     <p:spTree>
@@ -53082,7 +52933,7 @@
             <a:fld id="{A7C85712-A09B-4560-9D1E-08050AA835BB}" type="slidenum">
               <a:rPr lang="hu-HU" smtClean="0"/>
               <a:pPr/>
-              <a:t>13</a:t>
+              <a:t>12</a:t>
             </a:fld>
             <a:endParaRPr lang="hu-HU"/>
           </a:p>
@@ -53935,7 +53786,7 @@
 </p:sld>
 </file>
 
-<file path=ppt/slides/slide14.xml><?xml version="1.0" encoding="utf-8"?>
+<file path=ppt/slides/slide13.xml><?xml version="1.0" encoding="utf-8"?>
 <p:sld xmlns:a="http://schemas.openxmlformats.org/drawingml/2006/main" xmlns:r="http://schemas.openxmlformats.org/officeDocument/2006/relationships" xmlns:p="http://schemas.openxmlformats.org/presentationml/2006/main">
   <p:cSld>
     <p:spTree>
@@ -54045,7 +53896,7 @@
             <a:fld id="{A7C85712-A09B-4560-9D1E-08050AA835BB}" type="slidenum">
               <a:rPr lang="hu-HU" smtClean="0"/>
               <a:pPr/>
-              <a:t>14</a:t>
+              <a:t>13</a:t>
             </a:fld>
             <a:endParaRPr lang="hu-HU"/>
           </a:p>
@@ -54181,7 +54032,7 @@
 </p:sld>
 </file>
 
-<file path=ppt/slides/slide15.xml><?xml version="1.0" encoding="utf-8"?>
+<file path=ppt/slides/slide14.xml><?xml version="1.0" encoding="utf-8"?>
 <p:sld xmlns:a="http://schemas.openxmlformats.org/drawingml/2006/main" xmlns:r="http://schemas.openxmlformats.org/officeDocument/2006/relationships" xmlns:p="http://schemas.openxmlformats.org/presentationml/2006/main">
   <p:cSld>
     <p:spTree>
@@ -54250,7 +54101,7 @@
             <a:fld id="{A7C85712-A09B-4560-9D1E-08050AA835BB}" type="slidenum">
               <a:rPr lang="hu-HU" smtClean="0"/>
               <a:pPr/>
-              <a:t>15</a:t>
+              <a:t>14</a:t>
             </a:fld>
             <a:endParaRPr lang="hu-HU"/>
           </a:p>
@@ -54516,7 +54367,7 @@
 </p:sld>
 </file>
 
-<file path=ppt/slides/slide16.xml><?xml version="1.0" encoding="utf-8"?>
+<file path=ppt/slides/slide15.xml><?xml version="1.0" encoding="utf-8"?>
 <p:sld xmlns:a="http://schemas.openxmlformats.org/drawingml/2006/main" xmlns:r="http://schemas.openxmlformats.org/officeDocument/2006/relationships" xmlns:p="http://schemas.openxmlformats.org/presentationml/2006/main">
   <p:cSld>
     <p:spTree>
@@ -54620,7 +54471,7 @@
             <a:fld id="{A7C85712-A09B-4560-9D1E-08050AA835BB}" type="slidenum">
               <a:rPr lang="hu-HU" smtClean="0"/>
               <a:pPr/>
-              <a:t>16</a:t>
+              <a:t>15</a:t>
             </a:fld>
             <a:endParaRPr lang="hu-HU"/>
           </a:p>
@@ -54705,7 +54556,7 @@
 </p:sld>
 </file>
 
-<file path=ppt/slides/slide17.xml><?xml version="1.0" encoding="utf-8"?>
+<file path=ppt/slides/slide16.xml><?xml version="1.0" encoding="utf-8"?>
 <p:sld xmlns:a="http://schemas.openxmlformats.org/drawingml/2006/main" xmlns:r="http://schemas.openxmlformats.org/officeDocument/2006/relationships" xmlns:p="http://schemas.openxmlformats.org/presentationml/2006/main">
   <p:cSld>
     <p:spTree>
@@ -54939,7 +54790,7 @@
             <a:fld id="{A7C85712-A09B-4560-9D1E-08050AA835BB}" type="slidenum">
               <a:rPr lang="hu-HU" smtClean="0"/>
               <a:pPr/>
-              <a:t>17</a:t>
+              <a:t>16</a:t>
             </a:fld>
             <a:endParaRPr lang="hu-HU"/>
           </a:p>
@@ -54958,7 +54809,7 @@
 </p:sld>
 </file>
 
-<file path=ppt/slides/slide18.xml><?xml version="1.0" encoding="utf-8"?>
+<file path=ppt/slides/slide17.xml><?xml version="1.0" encoding="utf-8"?>
 <p:sld xmlns:a="http://schemas.openxmlformats.org/drawingml/2006/main" xmlns:r="http://schemas.openxmlformats.org/officeDocument/2006/relationships" xmlns:p="http://schemas.openxmlformats.org/presentationml/2006/main" show="0">
   <p:cSld>
     <p:spTree>
@@ -55062,7 +54913,7 @@
             <a:fld id="{A7C85712-A09B-4560-9D1E-08050AA835BB}" type="slidenum">
               <a:rPr lang="hu-HU" smtClean="0"/>
               <a:pPr/>
-              <a:t>18</a:t>
+              <a:t>17</a:t>
             </a:fld>
             <a:endParaRPr lang="hu-HU"/>
           </a:p>
@@ -55081,7 +54932,7 @@
 </p:sld>
 </file>
 
-<file path=ppt/slides/slide19.xml><?xml version="1.0" encoding="utf-8"?>
+<file path=ppt/slides/slide18.xml><?xml version="1.0" encoding="utf-8"?>
 <p:sld xmlns:a="http://schemas.openxmlformats.org/drawingml/2006/main" xmlns:r="http://schemas.openxmlformats.org/officeDocument/2006/relationships" xmlns:p="http://schemas.openxmlformats.org/presentationml/2006/main" show="0">
   <p:cSld>
     <p:spTree>
@@ -55196,7 +55047,7 @@
             <a:fld id="{A7C85712-A09B-4560-9D1E-08050AA835BB}" type="slidenum">
               <a:rPr lang="hu-HU" smtClean="0"/>
               <a:pPr/>
-              <a:t>19</a:t>
+              <a:t>18</a:t>
             </a:fld>
             <a:endParaRPr lang="hu-HU"/>
           </a:p>
@@ -55215,108 +55066,7 @@
 </p:sld>
 </file>
 
-<file path=ppt/slides/slide2.xml><?xml version="1.0" encoding="utf-8"?>
-<p:sld xmlns:a="http://schemas.openxmlformats.org/drawingml/2006/main" xmlns:r="http://schemas.openxmlformats.org/officeDocument/2006/relationships" xmlns:p="http://schemas.openxmlformats.org/presentationml/2006/main">
-  <p:cSld>
-    <p:spTree>
-      <p:nvGrpSpPr>
-        <p:cNvPr id="1" name=""/>
-        <p:cNvGrpSpPr/>
-        <p:nvPr/>
-      </p:nvGrpSpPr>
-      <p:grpSpPr>
-        <a:xfrm>
-          <a:off x="0" y="0"/>
-          <a:ext cx="0" cy="0"/>
-          <a:chOff x="0" y="0"/>
-          <a:chExt cx="0" cy="0"/>
-        </a:xfrm>
-      </p:grpSpPr>
-      <p:sp>
-        <p:nvSpPr>
-          <p:cNvPr id="5" name="Title 4"/>
-          <p:cNvSpPr>
-            <a:spLocks noGrp="1"/>
-          </p:cNvSpPr>
-          <p:nvPr>
-            <p:ph type="title"/>
-          </p:nvPr>
-        </p:nvSpPr>
-        <p:spPr/>
-        <p:txBody>
-          <a:bodyPr/>
-          <a:lstStyle/>
-          <a:p>
-            <a:r>
-              <a:rPr lang="hu-HU" noProof="0" dirty="0"/>
-              <a:t>Feladat és motivációja</a:t>
-            </a:r>
-          </a:p>
-        </p:txBody>
-      </p:sp>
-      <p:sp>
-        <p:nvSpPr>
-          <p:cNvPr id="4" name="Slide Number Placeholder 3"/>
-          <p:cNvSpPr>
-            <a:spLocks noGrp="1"/>
-          </p:cNvSpPr>
-          <p:nvPr>
-            <p:ph type="sldNum" sz="quarter" idx="10"/>
-          </p:nvPr>
-        </p:nvSpPr>
-        <p:spPr/>
-        <p:txBody>
-          <a:bodyPr/>
-          <a:lstStyle/>
-          <a:p>
-            <a:fld id="{A7C85712-A09B-4560-9D1E-08050AA835BB}" type="slidenum">
-              <a:rPr lang="hu-HU" smtClean="0"/>
-              <a:pPr/>
-              <a:t>2</a:t>
-            </a:fld>
-            <a:endParaRPr lang="hu-HU"/>
-          </a:p>
-        </p:txBody>
-      </p:sp>
-      <p:graphicFrame>
-        <p:nvGraphicFramePr>
-          <p:cNvPr id="6" name="Content Placeholder 5"/>
-          <p:cNvGraphicFramePr>
-            <a:graphicFrameLocks noGrp="1"/>
-          </p:cNvGraphicFramePr>
-          <p:nvPr>
-            <p:ph idx="1"/>
-            <p:extLst>
-              <p:ext uri="{D42A27DB-BD31-4B8C-83A1-F6EECF244321}">
-                <p14:modId xmlns:p14="http://schemas.microsoft.com/office/powerpoint/2010/main" val="1812044739"/>
-              </p:ext>
-            </p:extLst>
-          </p:nvPr>
-        </p:nvGraphicFramePr>
-        <p:xfrm>
-          <a:off x="142875" y="857250"/>
-          <a:ext cx="8858250" cy="5529263"/>
-        </p:xfrm>
-        <a:graphic>
-          <a:graphicData uri="http://schemas.openxmlformats.org/drawingml/2006/diagram">
-            <dgm:relIds xmlns:dgm="http://schemas.openxmlformats.org/drawingml/2006/diagram" xmlns:r="http://schemas.openxmlformats.org/officeDocument/2006/relationships" r:dm="rId3" r:lo="rId4" r:qs="rId5" r:cs="rId6"/>
-          </a:graphicData>
-        </a:graphic>
-      </p:graphicFrame>
-    </p:spTree>
-    <p:extLst>
-      <p:ext uri="{BB962C8B-B14F-4D97-AF65-F5344CB8AC3E}">
-        <p14:creationId xmlns:p14="http://schemas.microsoft.com/office/powerpoint/2010/main" val="1572915044"/>
-      </p:ext>
-    </p:extLst>
-  </p:cSld>
-  <p:clrMapOvr>
-    <a:masterClrMapping/>
-  </p:clrMapOvr>
-</p:sld>
-</file>
-
-<file path=ppt/slides/slide20.xml><?xml version="1.0" encoding="utf-8"?>
+<file path=ppt/slides/slide19.xml><?xml version="1.0" encoding="utf-8"?>
 <p:sld xmlns:a="http://schemas.openxmlformats.org/drawingml/2006/main" xmlns:r="http://schemas.openxmlformats.org/officeDocument/2006/relationships" xmlns:p="http://schemas.openxmlformats.org/presentationml/2006/main">
   <p:cSld>
     <p:spTree>
@@ -55471,7 +55221,7 @@
             <a:fld id="{A7C85712-A09B-4560-9D1E-08050AA835BB}" type="slidenum">
               <a:rPr lang="hu-HU" smtClean="0"/>
               <a:pPr/>
-              <a:t>20</a:t>
+              <a:t>19</a:t>
             </a:fld>
             <a:endParaRPr lang="hu-HU"/>
           </a:p>
@@ -55490,7 +55240,108 @@
 </p:sld>
 </file>
 
-<file path=ppt/slides/slide21.xml><?xml version="1.0" encoding="utf-8"?>
+<file path=ppt/slides/slide2.xml><?xml version="1.0" encoding="utf-8"?>
+<p:sld xmlns:a="http://schemas.openxmlformats.org/drawingml/2006/main" xmlns:r="http://schemas.openxmlformats.org/officeDocument/2006/relationships" xmlns:p="http://schemas.openxmlformats.org/presentationml/2006/main">
+  <p:cSld>
+    <p:spTree>
+      <p:nvGrpSpPr>
+        <p:cNvPr id="1" name=""/>
+        <p:cNvGrpSpPr/>
+        <p:nvPr/>
+      </p:nvGrpSpPr>
+      <p:grpSpPr>
+        <a:xfrm>
+          <a:off x="0" y="0"/>
+          <a:ext cx="0" cy="0"/>
+          <a:chOff x="0" y="0"/>
+          <a:chExt cx="0" cy="0"/>
+        </a:xfrm>
+      </p:grpSpPr>
+      <p:sp>
+        <p:nvSpPr>
+          <p:cNvPr id="5" name="Title 4"/>
+          <p:cNvSpPr>
+            <a:spLocks noGrp="1"/>
+          </p:cNvSpPr>
+          <p:nvPr>
+            <p:ph type="title"/>
+          </p:nvPr>
+        </p:nvSpPr>
+        <p:spPr/>
+        <p:txBody>
+          <a:bodyPr/>
+          <a:lstStyle/>
+          <a:p>
+            <a:r>
+              <a:rPr lang="hu-HU" noProof="0" dirty="0"/>
+              <a:t>Feladat és motivációja</a:t>
+            </a:r>
+          </a:p>
+        </p:txBody>
+      </p:sp>
+      <p:sp>
+        <p:nvSpPr>
+          <p:cNvPr id="4" name="Slide Number Placeholder 3"/>
+          <p:cNvSpPr>
+            <a:spLocks noGrp="1"/>
+          </p:cNvSpPr>
+          <p:nvPr>
+            <p:ph type="sldNum" sz="quarter" idx="10"/>
+          </p:nvPr>
+        </p:nvSpPr>
+        <p:spPr/>
+        <p:txBody>
+          <a:bodyPr/>
+          <a:lstStyle/>
+          <a:p>
+            <a:fld id="{A7C85712-A09B-4560-9D1E-08050AA835BB}" type="slidenum">
+              <a:rPr lang="hu-HU" smtClean="0"/>
+              <a:pPr/>
+              <a:t>2</a:t>
+            </a:fld>
+            <a:endParaRPr lang="hu-HU"/>
+          </a:p>
+        </p:txBody>
+      </p:sp>
+      <p:graphicFrame>
+        <p:nvGraphicFramePr>
+          <p:cNvPr id="6" name="Content Placeholder 5"/>
+          <p:cNvGraphicFramePr>
+            <a:graphicFrameLocks noGrp="1"/>
+          </p:cNvGraphicFramePr>
+          <p:nvPr>
+            <p:ph idx="1"/>
+            <p:extLst>
+              <p:ext uri="{D42A27DB-BD31-4B8C-83A1-F6EECF244321}">
+                <p14:modId xmlns:p14="http://schemas.microsoft.com/office/powerpoint/2010/main" val="1812044739"/>
+              </p:ext>
+            </p:extLst>
+          </p:nvPr>
+        </p:nvGraphicFramePr>
+        <p:xfrm>
+          <a:off x="142875" y="857250"/>
+          <a:ext cx="8858250" cy="5529263"/>
+        </p:xfrm>
+        <a:graphic>
+          <a:graphicData uri="http://schemas.openxmlformats.org/drawingml/2006/diagram">
+            <dgm:relIds xmlns:dgm="http://schemas.openxmlformats.org/drawingml/2006/diagram" xmlns:r="http://schemas.openxmlformats.org/officeDocument/2006/relationships" r:dm="rId3" r:lo="rId4" r:qs="rId5" r:cs="rId6"/>
+          </a:graphicData>
+        </a:graphic>
+      </p:graphicFrame>
+    </p:spTree>
+    <p:extLst>
+      <p:ext uri="{BB962C8B-B14F-4D97-AF65-F5344CB8AC3E}">
+        <p14:creationId xmlns:p14="http://schemas.microsoft.com/office/powerpoint/2010/main" val="1572915044"/>
+      </p:ext>
+    </p:extLst>
+  </p:cSld>
+  <p:clrMapOvr>
+    <a:masterClrMapping/>
+  </p:clrMapOvr>
+</p:sld>
+</file>
+
+<file path=ppt/slides/slide20.xml><?xml version="1.0" encoding="utf-8"?>
 <p:sld xmlns:a="http://schemas.openxmlformats.org/drawingml/2006/main" xmlns:r="http://schemas.openxmlformats.org/officeDocument/2006/relationships" xmlns:p="http://schemas.openxmlformats.org/presentationml/2006/main">
   <p:cSld>
     <p:spTree>
@@ -55668,7 +55519,7 @@
             <a:fld id="{A7C85712-A09B-4560-9D1E-08050AA835BB}" type="slidenum">
               <a:rPr lang="hu-HU" smtClean="0"/>
               <a:pPr/>
-              <a:t>21</a:t>
+              <a:t>20</a:t>
             </a:fld>
             <a:endParaRPr lang="hu-HU"/>
           </a:p>
@@ -55687,7 +55538,7 @@
 </p:sld>
 </file>
 
-<file path=ppt/slides/slide22.xml><?xml version="1.0" encoding="utf-8"?>
+<file path=ppt/slides/slide21.xml><?xml version="1.0" encoding="utf-8"?>
 <p:sld xmlns:a="http://schemas.openxmlformats.org/drawingml/2006/main" xmlns:r="http://schemas.openxmlformats.org/officeDocument/2006/relationships" xmlns:p="http://schemas.openxmlformats.org/presentationml/2006/main">
   <p:cSld>
     <p:spTree>
@@ -55838,7 +55689,7 @@
             <a:fld id="{A7C85712-A09B-4560-9D1E-08050AA835BB}" type="slidenum">
               <a:rPr lang="hu-HU" smtClean="0"/>
               <a:pPr/>
-              <a:t>22</a:t>
+              <a:t>21</a:t>
             </a:fld>
             <a:endParaRPr lang="hu-HU"/>
           </a:p>
@@ -55857,7 +55708,7 @@
 </p:sld>
 </file>
 
-<file path=ppt/slides/slide23.xml><?xml version="1.0" encoding="utf-8"?>
+<file path=ppt/slides/slide22.xml><?xml version="1.0" encoding="utf-8"?>
 <p:sld xmlns:a="http://schemas.openxmlformats.org/drawingml/2006/main" xmlns:r="http://schemas.openxmlformats.org/officeDocument/2006/relationships" xmlns:p="http://schemas.openxmlformats.org/presentationml/2006/main" show="0">
   <p:cSld>
     <p:spTree>
@@ -55992,7 +55843,7 @@
             <a:fld id="{A7C85712-A09B-4560-9D1E-08050AA835BB}" type="slidenum">
               <a:rPr lang="hu-HU" smtClean="0"/>
               <a:pPr/>
-              <a:t>23</a:t>
+              <a:t>22</a:t>
             </a:fld>
             <a:endParaRPr lang="hu-HU"/>
           </a:p>
@@ -56011,7 +55862,7 @@
 </p:sld>
 </file>
 
-<file path=ppt/slides/slide24.xml><?xml version="1.0" encoding="utf-8"?>
+<file path=ppt/slides/slide23.xml><?xml version="1.0" encoding="utf-8"?>
 <p:sld xmlns:a="http://schemas.openxmlformats.org/drawingml/2006/main" xmlns:r="http://schemas.openxmlformats.org/officeDocument/2006/relationships" xmlns:p="http://schemas.openxmlformats.org/presentationml/2006/main" show="0">
   <p:cSld>
     <p:spTree>
@@ -56080,7 +55931,7 @@
             <a:fld id="{A7C85712-A09B-4560-9D1E-08050AA835BB}" type="slidenum">
               <a:rPr lang="hu-HU" smtClean="0"/>
               <a:pPr/>
-              <a:t>24</a:t>
+              <a:t>23</a:t>
             </a:fld>
             <a:endParaRPr lang="hu-HU"/>
           </a:p>
@@ -56158,7 +56009,7 @@
 </p:sld>
 </file>
 
-<file path=ppt/slides/slide25.xml><?xml version="1.0" encoding="utf-8"?>
+<file path=ppt/slides/slide24.xml><?xml version="1.0" encoding="utf-8"?>
 <p:sld xmlns:a="http://schemas.openxmlformats.org/drawingml/2006/main" xmlns:r="http://schemas.openxmlformats.org/officeDocument/2006/relationships" xmlns:p="http://schemas.openxmlformats.org/presentationml/2006/main" show="0">
   <p:cSld>
     <p:spTree>
@@ -56245,7 +56096,7 @@
             <a:fld id="{A7C85712-A09B-4560-9D1E-08050AA835BB}" type="slidenum">
               <a:rPr lang="hu-HU" smtClean="0"/>
               <a:pPr/>
-              <a:t>25</a:t>
+              <a:t>24</a:t>
             </a:fld>
             <a:endParaRPr lang="hu-HU"/>
           </a:p>
@@ -56305,7 +56156,7 @@
 </p:sld>
 </file>
 
-<file path=ppt/slides/slide26.xml><?xml version="1.0" encoding="utf-8"?>
+<file path=ppt/slides/slide25.xml><?xml version="1.0" encoding="utf-8"?>
 <p:sld xmlns:a="http://schemas.openxmlformats.org/drawingml/2006/main" xmlns:r="http://schemas.openxmlformats.org/officeDocument/2006/relationships" xmlns:p="http://schemas.openxmlformats.org/presentationml/2006/main">
   <p:cSld>
     <p:spTree>
@@ -56519,7 +56370,7 @@
             <a:fld id="{A7C85712-A09B-4560-9D1E-08050AA835BB}" type="slidenum">
               <a:rPr lang="hu-HU" smtClean="0"/>
               <a:pPr/>
-              <a:t>26</a:t>
+              <a:t>25</a:t>
             </a:fld>
             <a:endParaRPr lang="hu-HU"/>
           </a:p>
@@ -56529,6 +56380,159 @@
     <p:extLst>
       <p:ext uri="{BB962C8B-B14F-4D97-AF65-F5344CB8AC3E}">
         <p14:creationId xmlns:p14="http://schemas.microsoft.com/office/powerpoint/2010/main" val="2424701595"/>
+      </p:ext>
+    </p:extLst>
+  </p:cSld>
+  <p:clrMapOvr>
+    <a:masterClrMapping/>
+  </p:clrMapOvr>
+</p:sld>
+</file>
+
+<file path=ppt/slides/slide26.xml><?xml version="1.0" encoding="utf-8"?>
+<p:sld xmlns:a="http://schemas.openxmlformats.org/drawingml/2006/main" xmlns:r="http://schemas.openxmlformats.org/officeDocument/2006/relationships" xmlns:p="http://schemas.openxmlformats.org/presentationml/2006/main" show="0">
+  <p:cSld>
+    <p:spTree>
+      <p:nvGrpSpPr>
+        <p:cNvPr id="1" name=""/>
+        <p:cNvGrpSpPr/>
+        <p:nvPr/>
+      </p:nvGrpSpPr>
+      <p:grpSpPr>
+        <a:xfrm>
+          <a:off x="0" y="0"/>
+          <a:ext cx="0" cy="0"/>
+          <a:chOff x="0" y="0"/>
+          <a:chExt cx="0" cy="0"/>
+        </a:xfrm>
+      </p:grpSpPr>
+      <p:sp>
+        <p:nvSpPr>
+          <p:cNvPr id="2" name="Cím 1"/>
+          <p:cNvSpPr>
+            <a:spLocks noGrp="1"/>
+          </p:cNvSpPr>
+          <p:nvPr>
+            <p:ph type="title"/>
+          </p:nvPr>
+        </p:nvSpPr>
+        <p:spPr/>
+        <p:txBody>
+          <a:bodyPr/>
+          <a:lstStyle/>
+          <a:p>
+            <a:r>
+              <a:rPr lang="hu-HU" noProof="0" dirty="0" err="1"/>
+              <a:t>Graph</a:t>
+            </a:r>
+            <a:r>
+              <a:rPr lang="hu-HU" noProof="0" dirty="0"/>
+              <a:t> </a:t>
+            </a:r>
+            <a:r>
+              <a:rPr lang="hu-HU" noProof="0" dirty="0" err="1"/>
+              <a:t>Engine</a:t>
+            </a:r>
+            <a:r>
+              <a:rPr lang="hu-HU" noProof="0" dirty="0"/>
+              <a:t> felépítése</a:t>
+            </a:r>
+          </a:p>
+        </p:txBody>
+      </p:sp>
+      <p:sp>
+        <p:nvSpPr>
+          <p:cNvPr id="4" name="Dia számának helye 3"/>
+          <p:cNvSpPr>
+            <a:spLocks noGrp="1"/>
+          </p:cNvSpPr>
+          <p:nvPr>
+            <p:ph type="sldNum" sz="quarter" idx="10"/>
+          </p:nvPr>
+        </p:nvSpPr>
+        <p:spPr/>
+        <p:txBody>
+          <a:bodyPr/>
+          <a:lstStyle/>
+          <a:p>
+            <a:fld id="{A7C85712-A09B-4560-9D1E-08050AA835BB}" type="slidenum">
+              <a:rPr lang="hu-HU" smtClean="0"/>
+              <a:pPr/>
+              <a:t>26</a:t>
+            </a:fld>
+            <a:endParaRPr lang="hu-HU"/>
+          </a:p>
+        </p:txBody>
+      </p:sp>
+      <p:pic>
+        <p:nvPicPr>
+          <p:cNvPr id="9" name="Content Placeholder 8">
+            <a:extLst>
+              <a:ext uri="{FF2B5EF4-FFF2-40B4-BE49-F238E27FC236}">
+                <a16:creationId xmlns:a16="http://schemas.microsoft.com/office/drawing/2014/main" id="{6EB02986-8DB0-4559-B1E1-BDDD305C97B1}"/>
+              </a:ext>
+            </a:extLst>
+          </p:cNvPr>
+          <p:cNvPicPr>
+            <a:picLocks noGrp="1" noChangeAspect="1"/>
+          </p:cNvPicPr>
+          <p:nvPr>
+            <p:ph idx="1"/>
+          </p:nvPr>
+        </p:nvPicPr>
+        <p:blipFill>
+          <a:blip r:embed="rId3"/>
+          <a:stretch>
+            <a:fillRect/>
+          </a:stretch>
+        </p:blipFill>
+        <p:spPr>
+          <a:xfrm>
+            <a:off x="310923" y="2011960"/>
+            <a:ext cx="8522154" cy="3166500"/>
+          </a:xfrm>
+        </p:spPr>
+      </p:pic>
+      <p:pic>
+        <p:nvPicPr>
+          <p:cNvPr id="6" name="Graphic 5">
+            <a:extLst>
+              <a:ext uri="{FF2B5EF4-FFF2-40B4-BE49-F238E27FC236}">
+                <a16:creationId xmlns:a16="http://schemas.microsoft.com/office/drawing/2014/main" id="{072380E3-1EE3-491A-A528-38F3FAC3E7E1}"/>
+              </a:ext>
+            </a:extLst>
+          </p:cNvPr>
+          <p:cNvPicPr>
+            <a:picLocks noChangeAspect="1"/>
+          </p:cNvPicPr>
+          <p:nvPr/>
+        </p:nvPicPr>
+        <p:blipFill>
+          <a:blip r:embed="rId4">
+            <a:extLst>
+              <a:ext uri="{96DAC541-7B7A-43D3-8B79-37D633B846F1}">
+                <asvg:svgBlip xmlns:asvg="http://schemas.microsoft.com/office/drawing/2016/SVG/main" r:embed="rId5"/>
+              </a:ext>
+            </a:extLst>
+          </a:blip>
+          <a:stretch>
+            <a:fillRect/>
+          </a:stretch>
+        </p:blipFill>
+        <p:spPr>
+          <a:xfrm>
+            <a:off x="6520544" y="5830663"/>
+            <a:ext cx="2312533" cy="493644"/>
+          </a:xfrm>
+          <a:prstGeom prst="rect">
+            <a:avLst/>
+          </a:prstGeom>
+        </p:spPr>
+      </p:pic>
+    </p:spTree>
+    <p:extLst>
+      <p:ext uri="{BB962C8B-B14F-4D97-AF65-F5344CB8AC3E}">
+        <p14:creationId xmlns:p14="http://schemas.microsoft.com/office/powerpoint/2010/main" val="2149537168"/>
       </p:ext>
     </p:extLst>
   </p:cSld>
@@ -58875,159 +58879,6 @@
 </file>
 
 <file path=ppt/slides/slide8.xml><?xml version="1.0" encoding="utf-8"?>
-<p:sld xmlns:a="http://schemas.openxmlformats.org/drawingml/2006/main" xmlns:r="http://schemas.openxmlformats.org/officeDocument/2006/relationships" xmlns:p="http://schemas.openxmlformats.org/presentationml/2006/main" show="0">
-  <p:cSld>
-    <p:spTree>
-      <p:nvGrpSpPr>
-        <p:cNvPr id="1" name=""/>
-        <p:cNvGrpSpPr/>
-        <p:nvPr/>
-      </p:nvGrpSpPr>
-      <p:grpSpPr>
-        <a:xfrm>
-          <a:off x="0" y="0"/>
-          <a:ext cx="0" cy="0"/>
-          <a:chOff x="0" y="0"/>
-          <a:chExt cx="0" cy="0"/>
-        </a:xfrm>
-      </p:grpSpPr>
-      <p:sp>
-        <p:nvSpPr>
-          <p:cNvPr id="2" name="Cím 1"/>
-          <p:cNvSpPr>
-            <a:spLocks noGrp="1"/>
-          </p:cNvSpPr>
-          <p:nvPr>
-            <p:ph type="title"/>
-          </p:nvPr>
-        </p:nvSpPr>
-        <p:spPr/>
-        <p:txBody>
-          <a:bodyPr/>
-          <a:lstStyle/>
-          <a:p>
-            <a:r>
-              <a:rPr lang="hu-HU" noProof="0" dirty="0" err="1"/>
-              <a:t>Graph</a:t>
-            </a:r>
-            <a:r>
-              <a:rPr lang="hu-HU" noProof="0" dirty="0"/>
-              <a:t> </a:t>
-            </a:r>
-            <a:r>
-              <a:rPr lang="hu-HU" noProof="0" dirty="0" err="1"/>
-              <a:t>Engine</a:t>
-            </a:r>
-            <a:r>
-              <a:rPr lang="hu-HU" noProof="0" dirty="0"/>
-              <a:t> felépítése</a:t>
-            </a:r>
-          </a:p>
-        </p:txBody>
-      </p:sp>
-      <p:sp>
-        <p:nvSpPr>
-          <p:cNvPr id="4" name="Dia számának helye 3"/>
-          <p:cNvSpPr>
-            <a:spLocks noGrp="1"/>
-          </p:cNvSpPr>
-          <p:nvPr>
-            <p:ph type="sldNum" sz="quarter" idx="10"/>
-          </p:nvPr>
-        </p:nvSpPr>
-        <p:spPr/>
-        <p:txBody>
-          <a:bodyPr/>
-          <a:lstStyle/>
-          <a:p>
-            <a:fld id="{A7C85712-A09B-4560-9D1E-08050AA835BB}" type="slidenum">
-              <a:rPr lang="hu-HU" smtClean="0"/>
-              <a:pPr/>
-              <a:t>8</a:t>
-            </a:fld>
-            <a:endParaRPr lang="hu-HU"/>
-          </a:p>
-        </p:txBody>
-      </p:sp>
-      <p:pic>
-        <p:nvPicPr>
-          <p:cNvPr id="9" name="Content Placeholder 8">
-            <a:extLst>
-              <a:ext uri="{FF2B5EF4-FFF2-40B4-BE49-F238E27FC236}">
-                <a16:creationId xmlns:a16="http://schemas.microsoft.com/office/drawing/2014/main" id="{6EB02986-8DB0-4559-B1E1-BDDD305C97B1}"/>
-              </a:ext>
-            </a:extLst>
-          </p:cNvPr>
-          <p:cNvPicPr>
-            <a:picLocks noGrp="1" noChangeAspect="1"/>
-          </p:cNvPicPr>
-          <p:nvPr>
-            <p:ph idx="1"/>
-          </p:nvPr>
-        </p:nvPicPr>
-        <p:blipFill>
-          <a:blip r:embed="rId3"/>
-          <a:stretch>
-            <a:fillRect/>
-          </a:stretch>
-        </p:blipFill>
-        <p:spPr>
-          <a:xfrm>
-            <a:off x="310923" y="2011960"/>
-            <a:ext cx="8522154" cy="3166500"/>
-          </a:xfrm>
-        </p:spPr>
-      </p:pic>
-      <p:pic>
-        <p:nvPicPr>
-          <p:cNvPr id="6" name="Graphic 5">
-            <a:extLst>
-              <a:ext uri="{FF2B5EF4-FFF2-40B4-BE49-F238E27FC236}">
-                <a16:creationId xmlns:a16="http://schemas.microsoft.com/office/drawing/2014/main" id="{072380E3-1EE3-491A-A528-38F3FAC3E7E1}"/>
-              </a:ext>
-            </a:extLst>
-          </p:cNvPr>
-          <p:cNvPicPr>
-            <a:picLocks noChangeAspect="1"/>
-          </p:cNvPicPr>
-          <p:nvPr/>
-        </p:nvPicPr>
-        <p:blipFill>
-          <a:blip r:embed="rId4">
-            <a:extLst>
-              <a:ext uri="{96DAC541-7B7A-43D3-8B79-37D633B846F1}">
-                <asvg:svgBlip xmlns:asvg="http://schemas.microsoft.com/office/drawing/2016/SVG/main" r:embed="rId5"/>
-              </a:ext>
-            </a:extLst>
-          </a:blip>
-          <a:stretch>
-            <a:fillRect/>
-          </a:stretch>
-        </p:blipFill>
-        <p:spPr>
-          <a:xfrm>
-            <a:off x="6520544" y="5830663"/>
-            <a:ext cx="2312533" cy="493644"/>
-          </a:xfrm>
-          <a:prstGeom prst="rect">
-            <a:avLst/>
-          </a:prstGeom>
-        </p:spPr>
-      </p:pic>
-    </p:spTree>
-    <p:extLst>
-      <p:ext uri="{BB962C8B-B14F-4D97-AF65-F5344CB8AC3E}">
-        <p14:creationId xmlns:p14="http://schemas.microsoft.com/office/powerpoint/2010/main" val="2149537168"/>
-      </p:ext>
-    </p:extLst>
-  </p:cSld>
-  <p:clrMapOvr>
-    <a:masterClrMapping/>
-  </p:clrMapOvr>
-</p:sld>
-</file>
-
-<file path=ppt/slides/slide9.xml><?xml version="1.0" encoding="utf-8"?>
 <p:sld xmlns:a="http://schemas.openxmlformats.org/drawingml/2006/main" xmlns:r="http://schemas.openxmlformats.org/officeDocument/2006/relationships" xmlns:p="http://schemas.openxmlformats.org/presentationml/2006/main">
   <p:cSld>
     <p:spTree>
@@ -59133,7 +58984,7 @@
             <a:fld id="{A7C85712-A09B-4560-9D1E-08050AA835BB}" type="slidenum">
               <a:rPr lang="hu-HU" smtClean="0"/>
               <a:pPr/>
-              <a:t>9</a:t>
+              <a:t>8</a:t>
             </a:fld>
             <a:endParaRPr lang="hu-HU"/>
           </a:p>
@@ -59143,6 +58994,157 @@
     <p:extLst>
       <p:ext uri="{BB962C8B-B14F-4D97-AF65-F5344CB8AC3E}">
         <p14:creationId xmlns:p14="http://schemas.microsoft.com/office/powerpoint/2010/main" val="749593321"/>
+      </p:ext>
+    </p:extLst>
+  </p:cSld>
+  <p:clrMapOvr>
+    <a:masterClrMapping/>
+  </p:clrMapOvr>
+</p:sld>
+</file>
+
+<file path=ppt/slides/slide9.xml><?xml version="1.0" encoding="utf-8"?>
+<p:sld xmlns:a="http://schemas.openxmlformats.org/drawingml/2006/main" xmlns:r="http://schemas.openxmlformats.org/officeDocument/2006/relationships" xmlns:p="http://schemas.openxmlformats.org/presentationml/2006/main">
+  <p:cSld>
+    <p:spTree>
+      <p:nvGrpSpPr>
+        <p:cNvPr id="1" name=""/>
+        <p:cNvGrpSpPr/>
+        <p:nvPr/>
+      </p:nvGrpSpPr>
+      <p:grpSpPr>
+        <a:xfrm>
+          <a:off x="0" y="0"/>
+          <a:ext cx="0" cy="0"/>
+          <a:chOff x="0" y="0"/>
+          <a:chExt cx="0" cy="0"/>
+        </a:xfrm>
+      </p:grpSpPr>
+      <p:sp>
+        <p:nvSpPr>
+          <p:cNvPr id="2" name="Title 1">
+            <a:extLst>
+              <a:ext uri="{FF2B5EF4-FFF2-40B4-BE49-F238E27FC236}">
+                <a16:creationId xmlns:a16="http://schemas.microsoft.com/office/drawing/2014/main" id="{6978E964-711A-4EE2-BE32-41233E2616D1}"/>
+              </a:ext>
+            </a:extLst>
+          </p:cNvPr>
+          <p:cNvSpPr>
+            <a:spLocks noGrp="1"/>
+          </p:cNvSpPr>
+          <p:nvPr>
+            <p:ph type="title"/>
+          </p:nvPr>
+        </p:nvSpPr>
+        <p:spPr/>
+        <p:txBody>
+          <a:bodyPr/>
+          <a:lstStyle/>
+          <a:p>
+            <a:r>
+              <a:rPr lang="hu-HU" noProof="0" dirty="0"/>
+              <a:t>Szakdolgozatfeladat megoldásának részei</a:t>
+            </a:r>
+          </a:p>
+        </p:txBody>
+      </p:sp>
+      <p:sp>
+        <p:nvSpPr>
+          <p:cNvPr id="4" name="Slide Number Placeholder 3">
+            <a:extLst>
+              <a:ext uri="{FF2B5EF4-FFF2-40B4-BE49-F238E27FC236}">
+                <a16:creationId xmlns:a16="http://schemas.microsoft.com/office/drawing/2014/main" id="{BBE5C8E8-1CE9-41C7-B9D6-F71B8B483110}"/>
+              </a:ext>
+            </a:extLst>
+          </p:cNvPr>
+          <p:cNvSpPr>
+            <a:spLocks noGrp="1"/>
+          </p:cNvSpPr>
+          <p:nvPr>
+            <p:ph type="sldNum" sz="quarter" idx="10"/>
+          </p:nvPr>
+        </p:nvSpPr>
+        <p:spPr/>
+        <p:txBody>
+          <a:bodyPr/>
+          <a:lstStyle/>
+          <a:p>
+            <a:fld id="{A7C85712-A09B-4560-9D1E-08050AA835BB}" type="slidenum">
+              <a:rPr lang="hu-HU" smtClean="0"/>
+              <a:pPr/>
+              <a:t>9</a:t>
+            </a:fld>
+            <a:endParaRPr lang="hu-HU"/>
+          </a:p>
+        </p:txBody>
+      </p:sp>
+      <p:pic>
+        <p:nvPicPr>
+          <p:cNvPr id="1028" name="Picture 4" descr="Kapcsolódó kép"/>
+          <p:cNvPicPr>
+            <a:picLocks noChangeAspect="1" noChangeArrowheads="1"/>
+          </p:cNvPicPr>
+          <p:nvPr/>
+        </p:nvPicPr>
+        <p:blipFill>
+          <a:blip r:embed="rId3">
+            <a:extLst>
+              <a:ext uri="{28A0092B-C50C-407E-A947-70E740481C1C}">
+                <a14:useLocalDpi xmlns:a14="http://schemas.microsoft.com/office/drawing/2010/main" val="0"/>
+              </a:ext>
+            </a:extLst>
+          </a:blip>
+          <a:srcRect/>
+          <a:stretch>
+            <a:fillRect/>
+          </a:stretch>
+        </p:blipFill>
+        <p:spPr bwMode="auto">
+          <a:xfrm>
+            <a:off x="5921174" y="1271044"/>
+            <a:ext cx="3222826" cy="4354251"/>
+          </a:xfrm>
+          <a:prstGeom prst="rect">
+            <a:avLst/>
+          </a:prstGeom>
+          <a:noFill/>
+          <a:extLst>
+            <a:ext uri="{909E8E84-426E-40DD-AFC4-6F175D3DCCD1}">
+              <a14:hiddenFill xmlns:a14="http://schemas.microsoft.com/office/drawing/2010/main">
+                <a:solidFill>
+                  <a:srgbClr val="FFFFFF"/>
+                </a:solidFill>
+              </a14:hiddenFill>
+            </a:ext>
+          </a:extLst>
+        </p:spPr>
+      </p:pic>
+      <p:graphicFrame>
+        <p:nvGraphicFramePr>
+          <p:cNvPr id="5" name="Diagram 4"/>
+          <p:cNvGraphicFramePr/>
+          <p:nvPr>
+            <p:extLst>
+              <p:ext uri="{D42A27DB-BD31-4B8C-83A1-F6EECF244321}">
+                <p14:modId xmlns:p14="http://schemas.microsoft.com/office/powerpoint/2010/main" val="826991970"/>
+              </p:ext>
+            </p:extLst>
+          </p:nvPr>
+        </p:nvGraphicFramePr>
+        <p:xfrm>
+          <a:off x="185194" y="844952"/>
+          <a:ext cx="5497976" cy="5485848"/>
+        </p:xfrm>
+        <a:graphic>
+          <a:graphicData uri="http://schemas.openxmlformats.org/drawingml/2006/diagram">
+            <dgm:relIds xmlns:dgm="http://schemas.openxmlformats.org/drawingml/2006/diagram" xmlns:r="http://schemas.openxmlformats.org/officeDocument/2006/relationships" r:dm="rId4" r:lo="rId5" r:qs="rId6" r:cs="rId7"/>
+          </a:graphicData>
+        </a:graphic>
+      </p:graphicFrame>
+    </p:spTree>
+    <p:extLst>
+      <p:ext uri="{BB962C8B-B14F-4D97-AF65-F5344CB8AC3E}">
+        <p14:creationId xmlns:p14="http://schemas.microsoft.com/office/powerpoint/2010/main" val="1760318016"/>
       </p:ext>
     </p:extLst>
   </p:cSld>
